--- a/PLANTILLA_PRESENTACION_AVANCES_PROYECTO_.pptx
+++ b/PLANTILLA_PRESENTACION_AVANCES_PROYECTO_.pptx
@@ -305,6 +305,90 @@
       </pc:sldChg>
     </pc:docChg>
   </pc:docChgLst>
+  <pc:docChgLst>
+    <pc:chgData name="Karen Raquel Echeverri Londoño" userId="d7e10dca6c305140" providerId="LiveId" clId="{7E256FA3-CB0D-4CC0-9530-F8214D28240F}"/>
+    <pc:docChg chg="undo custSel modSld">
+      <pc:chgData name="Karen Raquel Echeverri Londoño" userId="d7e10dca6c305140" providerId="LiveId" clId="{7E256FA3-CB0D-4CC0-9530-F8214D28240F}" dt="2022-02-20T03:30:29.463" v="105" actId="1076"/>
+      <pc:docMkLst>
+        <pc:docMk/>
+      </pc:docMkLst>
+      <pc:sldChg chg="addSp modSp mod">
+        <pc:chgData name="Karen Raquel Echeverri Londoño" userId="d7e10dca6c305140" providerId="LiveId" clId="{7E256FA3-CB0D-4CC0-9530-F8214D28240F}" dt="2022-02-20T03:28:03.195" v="102" actId="207"/>
+        <pc:sldMkLst>
+          <pc:docMk/>
+          <pc:sldMk cId="0" sldId="263"/>
+        </pc:sldMkLst>
+        <pc:spChg chg="add mod">
+          <ac:chgData name="Karen Raquel Echeverri Londoño" userId="d7e10dca6c305140" providerId="LiveId" clId="{7E256FA3-CB0D-4CC0-9530-F8214D28240F}" dt="2022-02-20T03:28:03.195" v="102" actId="207"/>
+          <ac:spMkLst>
+            <pc:docMk/>
+            <pc:sldMk cId="0" sldId="263"/>
+            <ac:spMk id="3" creationId="{E80A250A-6D08-4481-9454-103304FFCE96}"/>
+          </ac:spMkLst>
+        </pc:spChg>
+      </pc:sldChg>
+      <pc:sldChg chg="addSp modSp mod">
+        <pc:chgData name="Karen Raquel Echeverri Londoño" userId="d7e10dca6c305140" providerId="LiveId" clId="{7E256FA3-CB0D-4CC0-9530-F8214D28240F}" dt="2022-02-20T03:30:29.463" v="105" actId="1076"/>
+        <pc:sldMkLst>
+          <pc:docMk/>
+          <pc:sldMk cId="2252580914" sldId="278"/>
+        </pc:sldMkLst>
+        <pc:spChg chg="add mod">
+          <ac:chgData name="Karen Raquel Echeverri Londoño" userId="d7e10dca6c305140" providerId="LiveId" clId="{7E256FA3-CB0D-4CC0-9530-F8214D28240F}" dt="2022-02-20T03:30:29.463" v="105" actId="1076"/>
+          <ac:spMkLst>
+            <pc:docMk/>
+            <pc:sldMk cId="2252580914" sldId="278"/>
+            <ac:spMk id="2" creationId="{58C60C37-D9F0-480D-929E-7509191B39D1}"/>
+          </ac:spMkLst>
+        </pc:spChg>
+      </pc:sldChg>
+      <pc:sldChg chg="addSp modSp mod">
+        <pc:chgData name="Karen Raquel Echeverri Londoño" userId="d7e10dca6c305140" providerId="LiveId" clId="{7E256FA3-CB0D-4CC0-9530-F8214D28240F}" dt="2022-02-20T03:27:45.895" v="100" actId="207"/>
+        <pc:sldMkLst>
+          <pc:docMk/>
+          <pc:sldMk cId="1372745584" sldId="279"/>
+        </pc:sldMkLst>
+        <pc:spChg chg="add mod">
+          <ac:chgData name="Karen Raquel Echeverri Londoño" userId="d7e10dca6c305140" providerId="LiveId" clId="{7E256FA3-CB0D-4CC0-9530-F8214D28240F}" dt="2022-02-20T03:27:45.895" v="100" actId="207"/>
+          <ac:spMkLst>
+            <pc:docMk/>
+            <pc:sldMk cId="1372745584" sldId="279"/>
+            <ac:spMk id="2" creationId="{B44FAB10-B789-4021-9062-0C158FAE3D48}"/>
+          </ac:spMkLst>
+        </pc:spChg>
+      </pc:sldChg>
+      <pc:sldChg chg="addSp modSp mod">
+        <pc:chgData name="Karen Raquel Echeverri Londoño" userId="d7e10dca6c305140" providerId="LiveId" clId="{7E256FA3-CB0D-4CC0-9530-F8214D28240F}" dt="2022-02-20T03:28:17.793" v="103" actId="207"/>
+        <pc:sldMkLst>
+          <pc:docMk/>
+          <pc:sldMk cId="3348273801" sldId="280"/>
+        </pc:sldMkLst>
+        <pc:spChg chg="add mod">
+          <ac:chgData name="Karen Raquel Echeverri Londoño" userId="d7e10dca6c305140" providerId="LiveId" clId="{7E256FA3-CB0D-4CC0-9530-F8214D28240F}" dt="2022-02-20T03:28:17.793" v="103" actId="207"/>
+          <ac:spMkLst>
+            <pc:docMk/>
+            <pc:sldMk cId="3348273801" sldId="280"/>
+            <ac:spMk id="3" creationId="{2D2CB8A6-DC06-4AEF-AB8B-6A6566151DF0}"/>
+          </ac:spMkLst>
+        </pc:spChg>
+      </pc:sldChg>
+      <pc:sldChg chg="addSp modSp mod">
+        <pc:chgData name="Karen Raquel Echeverri Londoño" userId="d7e10dca6c305140" providerId="LiveId" clId="{7E256FA3-CB0D-4CC0-9530-F8214D28240F}" dt="2022-02-20T03:28:26.745" v="104" actId="207"/>
+        <pc:sldMkLst>
+          <pc:docMk/>
+          <pc:sldMk cId="2547258122" sldId="281"/>
+        </pc:sldMkLst>
+        <pc:spChg chg="add mod">
+          <ac:chgData name="Karen Raquel Echeverri Londoño" userId="d7e10dca6c305140" providerId="LiveId" clId="{7E256FA3-CB0D-4CC0-9530-F8214D28240F}" dt="2022-02-20T03:28:26.745" v="104" actId="207"/>
+          <ac:spMkLst>
+            <pc:docMk/>
+            <pc:sldMk cId="2547258122" sldId="281"/>
+            <ac:spMk id="3" creationId="{3DFA1604-771C-487C-951A-67EE104FD249}"/>
+          </ac:spMkLst>
+        </pc:spChg>
+      </pc:sldChg>
+    </pc:docChg>
+  </pc:docChgLst>
 </pc:chgInfo>
 </file>
 
@@ -549,7 +633,7 @@
           <a:p>
             <a:fld id="{C339992F-CB38-47BC-A2E9-D6D30D596956}" type="slidenum">
               <a:rPr lang="es-CO" smtClean="0"/>
-              <a:t>‹#›</a:t>
+              <a:t>‹Nº›</a:t>
             </a:fld>
             <a:endParaRPr lang="es-CO"/>
           </a:p>
@@ -3696,7 +3780,7 @@
           <a:p>
             <a:fld id="{94F37C72-64FE-4743-97C8-3F5AA480D6C3}" type="slidenum">
               <a:rPr lang="es-CO" smtClean="0"/>
-              <a:t>‹#›</a:t>
+              <a:t>‹Nº›</a:t>
             </a:fld>
             <a:endParaRPr lang="es-CO"/>
           </a:p>
@@ -3896,7 +3980,7 @@
           <a:p>
             <a:fld id="{94F37C72-64FE-4743-97C8-3F5AA480D6C3}" type="slidenum">
               <a:rPr lang="es-CO" smtClean="0"/>
-              <a:t>‹#›</a:t>
+              <a:t>‹Nº›</a:t>
             </a:fld>
             <a:endParaRPr lang="es-CO"/>
           </a:p>
@@ -4106,7 +4190,7 @@
           <a:p>
             <a:fld id="{94F37C72-64FE-4743-97C8-3F5AA480D6C3}" type="slidenum">
               <a:rPr lang="es-CO" smtClean="0"/>
-              <a:t>‹#›</a:t>
+              <a:t>‹Nº›</a:t>
             </a:fld>
             <a:endParaRPr lang="es-CO"/>
           </a:p>
@@ -4591,7 +4675,7 @@
           <a:p>
             <a:fld id="{94F37C72-64FE-4743-97C8-3F5AA480D6C3}" type="slidenum">
               <a:rPr lang="es-CO" smtClean="0"/>
-              <a:t>‹#›</a:t>
+              <a:t>‹Nº›</a:t>
             </a:fld>
             <a:endParaRPr lang="es-CO"/>
           </a:p>
@@ -4867,7 +4951,7 @@
           <a:p>
             <a:fld id="{94F37C72-64FE-4743-97C8-3F5AA480D6C3}" type="slidenum">
               <a:rPr lang="es-CO" smtClean="0"/>
-              <a:t>‹#›</a:t>
+              <a:t>‹Nº›</a:t>
             </a:fld>
             <a:endParaRPr lang="es-CO"/>
           </a:p>
@@ -5135,7 +5219,7 @@
           <a:p>
             <a:fld id="{94F37C72-64FE-4743-97C8-3F5AA480D6C3}" type="slidenum">
               <a:rPr lang="es-CO" smtClean="0"/>
-              <a:t>‹#›</a:t>
+              <a:t>‹Nº›</a:t>
             </a:fld>
             <a:endParaRPr lang="es-CO"/>
           </a:p>
@@ -5550,7 +5634,7 @@
           <a:p>
             <a:fld id="{94F37C72-64FE-4743-97C8-3F5AA480D6C3}" type="slidenum">
               <a:rPr lang="es-CO" smtClean="0"/>
-              <a:t>‹#›</a:t>
+              <a:t>‹Nº›</a:t>
             </a:fld>
             <a:endParaRPr lang="es-CO"/>
           </a:p>
@@ -5692,7 +5776,7 @@
           <a:p>
             <a:fld id="{94F37C72-64FE-4743-97C8-3F5AA480D6C3}" type="slidenum">
               <a:rPr lang="es-CO" smtClean="0"/>
-              <a:t>‹#›</a:t>
+              <a:t>‹Nº›</a:t>
             </a:fld>
             <a:endParaRPr lang="es-CO"/>
           </a:p>
@@ -5805,7 +5889,7 @@
           <a:p>
             <a:fld id="{94F37C72-64FE-4743-97C8-3F5AA480D6C3}" type="slidenum">
               <a:rPr lang="es-CO" smtClean="0"/>
-              <a:t>‹#›</a:t>
+              <a:t>‹Nº›</a:t>
             </a:fld>
             <a:endParaRPr lang="es-CO"/>
           </a:p>
@@ -6118,7 +6202,7 @@
           <a:p>
             <a:fld id="{94F37C72-64FE-4743-97C8-3F5AA480D6C3}" type="slidenum">
               <a:rPr lang="es-CO" smtClean="0"/>
-              <a:t>‹#›</a:t>
+              <a:t>‹Nº›</a:t>
             </a:fld>
             <a:endParaRPr lang="es-CO"/>
           </a:p>
@@ -6407,7 +6491,7 @@
           <a:p>
             <a:fld id="{94F37C72-64FE-4743-97C8-3F5AA480D6C3}" type="slidenum">
               <a:rPr lang="es-CO" smtClean="0"/>
-              <a:t>‹#›</a:t>
+              <a:t>‹Nº›</a:t>
             </a:fld>
             <a:endParaRPr lang="es-CO"/>
           </a:p>
@@ -6686,7 +6770,7 @@
           <a:p>
             <a:fld id="{94F37C72-64FE-4743-97C8-3F5AA480D6C3}" type="slidenum">
               <a:rPr lang="es-CO" smtClean="0"/>
-              <a:t>‹#›</a:t>
+              <a:t>‹Nº›</a:t>
             </a:fld>
             <a:endParaRPr lang="es-CO"/>
           </a:p>
@@ -9532,6 +9616,88 @@
           </a:p>
         </p:txBody>
       </p:sp>
+      <p:sp>
+        <p:nvSpPr>
+          <p:cNvPr id="3" name="CuadroTexto 2">
+            <a:extLst>
+              <a:ext uri="{FF2B5EF4-FFF2-40B4-BE49-F238E27FC236}">
+                <a16:creationId xmlns:a16="http://schemas.microsoft.com/office/drawing/2014/main" id="{E80A250A-6D08-4481-9454-103304FFCE96}"/>
+              </a:ext>
+            </a:extLst>
+          </p:cNvPr>
+          <p:cNvSpPr txBox="1"/>
+          <p:nvPr/>
+        </p:nvSpPr>
+        <p:spPr>
+          <a:xfrm>
+            <a:off x="576776" y="1899138"/>
+            <a:ext cx="9355015" cy="4247317"/>
+          </a:xfrm>
+          <a:prstGeom prst="rect">
+            <a:avLst/>
+          </a:prstGeom>
+          <a:noFill/>
+        </p:spPr>
+        <p:txBody>
+          <a:bodyPr wrap="square" rtlCol="0">
+            <a:spAutoFit/>
+          </a:bodyPr>
+          <a:lstStyle/>
+          <a:p>
+            <a:r>
+              <a:rPr lang="es-ES" dirty="0">
+                <a:solidFill>
+                  <a:schemeClr val="accent5">
+                    <a:lumMod val="50000"/>
+                  </a:schemeClr>
+                </a:solidFill>
+                <a:latin typeface="Arial" panose="020B0604020202020204" pitchFamily="34" charset="0"/>
+                <a:cs typeface="Arial" panose="020B0604020202020204" pitchFamily="34" charset="0"/>
+              </a:rPr>
+              <a:t>En base a la recopilación de información y la entrevista que se realizó a los empleados y a los dueños del negocio se determinó que había ciertas falencias en su manejo de inventario y registro de ventas, ya que a pesar de que se tiene un dispositivo que ayude a este tipo de tareas no termina de suplir todas las necesidades de dicho negocio.</a:t>
+            </a:r>
+          </a:p>
+          <a:p>
+            <a:r>
+              <a:rPr lang="es-ES" dirty="0">
+                <a:solidFill>
+                  <a:schemeClr val="accent5">
+                    <a:lumMod val="50000"/>
+                  </a:schemeClr>
+                </a:solidFill>
+                <a:latin typeface="Arial" panose="020B0604020202020204" pitchFamily="34" charset="0"/>
+                <a:cs typeface="Arial" panose="020B0604020202020204" pitchFamily="34" charset="0"/>
+              </a:rPr>
+              <a:t>Se determinó que dicho implementó llegará a quedar obsoleto ya que a pesar de tener múltiples opciones no es fácil acceder a dichas funciones además de que carece de una parte gráfica y una información detallada del inventario, también se determinó que muchas de las empresas que abastecen el negocio suelen pedir las facturas en caso tal de que se deba hacer algún reclamo.</a:t>
+            </a:r>
+          </a:p>
+          <a:p>
+            <a:endParaRPr lang="es-ES" dirty="0">
+              <a:solidFill>
+                <a:schemeClr val="accent5">
+                  <a:lumMod val="50000"/>
+                </a:schemeClr>
+              </a:solidFill>
+              <a:latin typeface="Arial" panose="020B0604020202020204" pitchFamily="34" charset="0"/>
+              <a:cs typeface="Arial" panose="020B0604020202020204" pitchFamily="34" charset="0"/>
+            </a:endParaRPr>
+          </a:p>
+          <a:p>
+            <a:r>
+              <a:rPr lang="es-ES" dirty="0">
+                <a:solidFill>
+                  <a:schemeClr val="accent5">
+                    <a:lumMod val="50000"/>
+                  </a:schemeClr>
+                </a:solidFill>
+                <a:latin typeface="Arial" panose="020B0604020202020204" pitchFamily="34" charset="0"/>
+                <a:cs typeface="Arial" panose="020B0604020202020204" pitchFamily="34" charset="0"/>
+              </a:rPr>
+              <a:t>Es muy común encontrar que la mayoría de negocios que manejan algún tipo de software o dispositivo deben dar a los empleados un instructivo o tutorial para manejar dichos programas o implementos, en algunos casos se contrata una persona experta en el manejo de los dispositivos o software, es decir que no son tan intuitivos como para acceder a todas sus funciones y sacarle el mayor provecho</a:t>
+            </a:r>
+          </a:p>
+        </p:txBody>
+      </p:sp>
     </p:spTree>
   </p:cSld>
   <p:clrMapOvr>
@@ -9603,6 +9769,49 @@
               <a:latin typeface="Arial" panose="020B0604020202020204" pitchFamily="34" charset="0"/>
               <a:cs typeface="Arial" panose="020B0604020202020204" pitchFamily="34" charset="0"/>
             </a:endParaRPr>
+          </a:p>
+        </p:txBody>
+      </p:sp>
+      <p:sp>
+        <p:nvSpPr>
+          <p:cNvPr id="2" name="CuadroTexto 1">
+            <a:extLst>
+              <a:ext uri="{FF2B5EF4-FFF2-40B4-BE49-F238E27FC236}">
+                <a16:creationId xmlns:a16="http://schemas.microsoft.com/office/drawing/2014/main" id="{58C60C37-D9F0-480D-929E-7509191B39D1}"/>
+              </a:ext>
+            </a:extLst>
+          </p:cNvPr>
+          <p:cNvSpPr txBox="1"/>
+          <p:nvPr/>
+        </p:nvSpPr>
+        <p:spPr>
+          <a:xfrm>
+            <a:off x="745588" y="2321169"/>
+            <a:ext cx="9355016" cy="2677656"/>
+          </a:xfrm>
+          <a:prstGeom prst="rect">
+            <a:avLst/>
+          </a:prstGeom>
+          <a:noFill/>
+        </p:spPr>
+        <p:txBody>
+          <a:bodyPr wrap="square" rtlCol="0">
+            <a:spAutoFit/>
+          </a:bodyPr>
+          <a:lstStyle/>
+          <a:p>
+            <a:r>
+              <a:rPr lang="es-ES" sz="2400" dirty="0">
+                <a:solidFill>
+                  <a:schemeClr val="accent5">
+                    <a:lumMod val="50000"/>
+                  </a:schemeClr>
+                </a:solidFill>
+                <a:latin typeface="Arial" panose="020B0604020202020204" pitchFamily="34" charset="0"/>
+                <a:cs typeface="Arial" panose="020B0604020202020204" pitchFamily="34" charset="0"/>
+              </a:rPr>
+              <a:t>Desarrollar un software el cual gestione el control de inventario, registro de ventas, digitalización de facturas, control de pedidos, gestión de productos de manera individual la cual permitirá llevar un conteo de cada uno de los productos y poder tener un registro de cuanta cantidad queda disponible, brindar herramientas que dinamicen las funciones diarias del vendedor logrando que estas sean totalmente intuitivas.</a:t>
+            </a:r>
           </a:p>
         </p:txBody>
       </p:sp>
@@ -9685,6 +9894,107 @@
           </a:p>
         </p:txBody>
       </p:sp>
+      <p:sp>
+        <p:nvSpPr>
+          <p:cNvPr id="2" name="CuadroTexto 1">
+            <a:extLst>
+              <a:ext uri="{FF2B5EF4-FFF2-40B4-BE49-F238E27FC236}">
+                <a16:creationId xmlns:a16="http://schemas.microsoft.com/office/drawing/2014/main" id="{B44FAB10-B789-4021-9062-0C158FAE3D48}"/>
+              </a:ext>
+            </a:extLst>
+          </p:cNvPr>
+          <p:cNvSpPr txBox="1"/>
+          <p:nvPr/>
+        </p:nvSpPr>
+        <p:spPr>
+          <a:xfrm>
+            <a:off x="717453" y="2593349"/>
+            <a:ext cx="9439421" cy="1938992"/>
+          </a:xfrm>
+          <a:prstGeom prst="rect">
+            <a:avLst/>
+          </a:prstGeom>
+          <a:noFill/>
+        </p:spPr>
+        <p:txBody>
+          <a:bodyPr wrap="square" rtlCol="0">
+            <a:spAutoFit/>
+          </a:bodyPr>
+          <a:lstStyle/>
+          <a:p>
+            <a:pPr marL="285750" indent="-285750">
+              <a:buFont typeface="Wingdings" panose="05000000000000000000" pitchFamily="2" charset="2"/>
+              <a:buChar char="v"/>
+            </a:pPr>
+            <a:r>
+              <a:rPr lang="es-ES" sz="2000" dirty="0">
+                <a:solidFill>
+                  <a:schemeClr val="accent5">
+                    <a:lumMod val="50000"/>
+                  </a:schemeClr>
+                </a:solidFill>
+                <a:latin typeface="Arial" panose="020B0604020202020204" pitchFamily="34" charset="0"/>
+                <a:cs typeface="Arial" panose="020B0604020202020204" pitchFamily="34" charset="0"/>
+              </a:rPr>
+              <a:t>Se deberá realizar la investigación pertinente para establecer requerimientos. </a:t>
+            </a:r>
+          </a:p>
+          <a:p>
+            <a:pPr marL="285750" indent="-285750">
+              <a:buFont typeface="Wingdings" panose="05000000000000000000" pitchFamily="2" charset="2"/>
+              <a:buChar char="v"/>
+            </a:pPr>
+            <a:r>
+              <a:rPr lang="es-ES" sz="2000" dirty="0">
+                <a:solidFill>
+                  <a:schemeClr val="accent5">
+                    <a:lumMod val="50000"/>
+                  </a:schemeClr>
+                </a:solidFill>
+                <a:latin typeface="Arial" panose="020B0604020202020204" pitchFamily="34" charset="0"/>
+                <a:cs typeface="Arial" panose="020B0604020202020204" pitchFamily="34" charset="0"/>
+              </a:rPr>
+              <a:t>Se tendrá que determinar su principal función.</a:t>
+            </a:r>
+          </a:p>
+          <a:p>
+            <a:pPr marL="285750" indent="-285750">
+              <a:buFont typeface="Wingdings" panose="05000000000000000000" pitchFamily="2" charset="2"/>
+              <a:buChar char="v"/>
+            </a:pPr>
+            <a:r>
+              <a:rPr lang="es-ES" sz="2000" dirty="0">
+                <a:solidFill>
+                  <a:schemeClr val="accent5">
+                    <a:lumMod val="50000"/>
+                  </a:schemeClr>
+                </a:solidFill>
+                <a:latin typeface="Arial" panose="020B0604020202020204" pitchFamily="34" charset="0"/>
+                <a:cs typeface="Arial" panose="020B0604020202020204" pitchFamily="34" charset="0"/>
+              </a:rPr>
+              <a:t>Se deberá hacer un análisis previo al desarrollo para facilitar el proceso de programación.</a:t>
+            </a:r>
+          </a:p>
+          <a:p>
+            <a:pPr marL="285750" indent="-285750">
+              <a:buFont typeface="Wingdings" panose="05000000000000000000" pitchFamily="2" charset="2"/>
+              <a:buChar char="v"/>
+            </a:pPr>
+            <a:r>
+              <a:rPr lang="es-ES" sz="2000" dirty="0">
+                <a:solidFill>
+                  <a:schemeClr val="accent5">
+                    <a:lumMod val="50000"/>
+                  </a:schemeClr>
+                </a:solidFill>
+                <a:latin typeface="Arial" panose="020B0604020202020204" pitchFamily="34" charset="0"/>
+                <a:cs typeface="Arial" panose="020B0604020202020204" pitchFamily="34" charset="0"/>
+              </a:rPr>
+              <a:t>Se elaborará un software que brinde apoyo general y eficaz en el tema de gestión de la tienda </a:t>
+            </a:r>
+          </a:p>
+        </p:txBody>
+      </p:sp>
     </p:spTree>
     <p:extLst>
       <p:ext uri="{BB962C8B-B14F-4D97-AF65-F5344CB8AC3E}">
@@ -9764,6 +10074,157 @@
           </a:p>
         </p:txBody>
       </p:sp>
+      <p:sp>
+        <p:nvSpPr>
+          <p:cNvPr id="3" name="CuadroTexto 2">
+            <a:extLst>
+              <a:ext uri="{FF2B5EF4-FFF2-40B4-BE49-F238E27FC236}">
+                <a16:creationId xmlns:a16="http://schemas.microsoft.com/office/drawing/2014/main" id="{2D2CB8A6-DC06-4AEF-AB8B-6A6566151DF0}"/>
+              </a:ext>
+            </a:extLst>
+          </p:cNvPr>
+          <p:cNvSpPr txBox="1"/>
+          <p:nvPr/>
+        </p:nvSpPr>
+        <p:spPr>
+          <a:xfrm>
+            <a:off x="703385" y="2208628"/>
+            <a:ext cx="8890781" cy="2862322"/>
+          </a:xfrm>
+          <a:prstGeom prst="rect">
+            <a:avLst/>
+          </a:prstGeom>
+          <a:noFill/>
+        </p:spPr>
+        <p:txBody>
+          <a:bodyPr wrap="square" rtlCol="0">
+            <a:spAutoFit/>
+          </a:bodyPr>
+          <a:lstStyle/>
+          <a:p>
+            <a:r>
+              <a:rPr lang="es-ES" dirty="0">
+                <a:solidFill>
+                  <a:schemeClr val="accent5">
+                    <a:lumMod val="50000"/>
+                  </a:schemeClr>
+                </a:solidFill>
+                <a:latin typeface="Arial" panose="020B0604020202020204" pitchFamily="34" charset="0"/>
+                <a:cs typeface="Arial" panose="020B0604020202020204" pitchFamily="34" charset="0"/>
+              </a:rPr>
+              <a:t>El alcance de este proyecto está limitado hacia el enfoque y sus funciones</a:t>
+            </a:r>
+          </a:p>
+          <a:p>
+            <a:endParaRPr lang="es-ES" dirty="0">
+              <a:solidFill>
+                <a:schemeClr val="accent5">
+                  <a:lumMod val="50000"/>
+                </a:schemeClr>
+              </a:solidFill>
+              <a:latin typeface="Arial" panose="020B0604020202020204" pitchFamily="34" charset="0"/>
+              <a:cs typeface="Arial" panose="020B0604020202020204" pitchFamily="34" charset="0"/>
+            </a:endParaRPr>
+          </a:p>
+          <a:p>
+            <a:r>
+              <a:rPr lang="es-ES" dirty="0">
+                <a:solidFill>
+                  <a:schemeClr val="accent5">
+                    <a:lumMod val="50000"/>
+                  </a:schemeClr>
+                </a:solidFill>
+                <a:latin typeface="Arial" panose="020B0604020202020204" pitchFamily="34" charset="0"/>
+                <a:cs typeface="Arial" panose="020B0604020202020204" pitchFamily="34" charset="0"/>
+              </a:rPr>
+              <a:t>Este software </a:t>
+            </a:r>
+          </a:p>
+          <a:p>
+            <a:endParaRPr lang="es-ES" dirty="0">
+              <a:solidFill>
+                <a:schemeClr val="accent5">
+                  <a:lumMod val="50000"/>
+                </a:schemeClr>
+              </a:solidFill>
+              <a:latin typeface="Arial" panose="020B0604020202020204" pitchFamily="34" charset="0"/>
+              <a:cs typeface="Arial" panose="020B0604020202020204" pitchFamily="34" charset="0"/>
+            </a:endParaRPr>
+          </a:p>
+          <a:p>
+            <a:pPr marL="285750" indent="-285750">
+              <a:buFont typeface="Wingdings" panose="05000000000000000000" pitchFamily="2" charset="2"/>
+              <a:buChar char="v"/>
+            </a:pPr>
+            <a:r>
+              <a:rPr lang="es-ES" dirty="0">
+                <a:solidFill>
+                  <a:schemeClr val="accent5">
+                    <a:lumMod val="50000"/>
+                  </a:schemeClr>
+                </a:solidFill>
+                <a:latin typeface="Arial" panose="020B0604020202020204" pitchFamily="34" charset="0"/>
+                <a:cs typeface="Arial" panose="020B0604020202020204" pitchFamily="34" charset="0"/>
+              </a:rPr>
+              <a:t>Agilizar las funciones del establecimiento que adquiera el software.</a:t>
+            </a:r>
+          </a:p>
+          <a:p>
+            <a:pPr marL="285750" indent="-285750">
+              <a:buFont typeface="Wingdings" panose="05000000000000000000" pitchFamily="2" charset="2"/>
+              <a:buChar char="v"/>
+            </a:pPr>
+            <a:r>
+              <a:rPr lang="es-ES" dirty="0">
+                <a:solidFill>
+                  <a:schemeClr val="accent5">
+                    <a:lumMod val="50000"/>
+                  </a:schemeClr>
+                </a:solidFill>
+                <a:latin typeface="Arial" panose="020B0604020202020204" pitchFamily="34" charset="0"/>
+                <a:cs typeface="Arial" panose="020B0604020202020204" pitchFamily="34" charset="0"/>
+              </a:rPr>
+              <a:t>Brindará una facilidad a la hora de llevar el control de ventas, inventarios y facturas del establecimiento. </a:t>
+            </a:r>
+          </a:p>
+          <a:p>
+            <a:pPr marL="285750" indent="-285750">
+              <a:buFont typeface="Wingdings" panose="05000000000000000000" pitchFamily="2" charset="2"/>
+              <a:buChar char="v"/>
+            </a:pPr>
+            <a:r>
+              <a:rPr lang="es-ES" dirty="0">
+                <a:solidFill>
+                  <a:schemeClr val="accent5">
+                    <a:lumMod val="50000"/>
+                  </a:schemeClr>
+                </a:solidFill>
+                <a:latin typeface="Arial" panose="020B0604020202020204" pitchFamily="34" charset="0"/>
+                <a:cs typeface="Arial" panose="020B0604020202020204" pitchFamily="34" charset="0"/>
+              </a:rPr>
+              <a:t>Brindará una ayuda con el registro y la organización de productos que entran y salen con delimitaciones de tiempo del establecimiento.</a:t>
+            </a:r>
+          </a:p>
+          <a:p>
+            <a:pPr marL="285750" indent="-285750">
+              <a:buFont typeface="Wingdings" panose="05000000000000000000" pitchFamily="2" charset="2"/>
+              <a:buChar char="v"/>
+            </a:pPr>
+            <a:r>
+              <a:rPr lang="es-ES" dirty="0">
+                <a:solidFill>
+                  <a:schemeClr val="accent5">
+                    <a:lumMod val="50000"/>
+                  </a:schemeClr>
+                </a:solidFill>
+                <a:latin typeface="Arial" panose="020B0604020202020204" pitchFamily="34" charset="0"/>
+                <a:cs typeface="Arial" panose="020B0604020202020204" pitchFamily="34" charset="0"/>
+              </a:rPr>
+              <a:t>Tendrá la capacidad a la hora de multiplicar unidades de un producto.</a:t>
+            </a:r>
+          </a:p>
+        </p:txBody>
+      </p:sp>
     </p:spTree>
     <p:extLst>
       <p:ext uri="{BB962C8B-B14F-4D97-AF65-F5344CB8AC3E}">
@@ -9840,6 +10301,74 @@
               <a:latin typeface="Arial" panose="020B0604020202020204" pitchFamily="34" charset="0"/>
               <a:cs typeface="Arial" panose="020B0604020202020204" pitchFamily="34" charset="0"/>
             </a:endParaRPr>
+          </a:p>
+        </p:txBody>
+      </p:sp>
+      <p:sp>
+        <p:nvSpPr>
+          <p:cNvPr id="3" name="CuadroTexto 2">
+            <a:extLst>
+              <a:ext uri="{FF2B5EF4-FFF2-40B4-BE49-F238E27FC236}">
+                <a16:creationId xmlns:a16="http://schemas.microsoft.com/office/drawing/2014/main" id="{3DFA1604-771C-487C-951A-67EE104FD249}"/>
+              </a:ext>
+            </a:extLst>
+          </p:cNvPr>
+          <p:cNvSpPr txBox="1"/>
+          <p:nvPr/>
+        </p:nvSpPr>
+        <p:spPr>
+          <a:xfrm>
+            <a:off x="815926" y="2433711"/>
+            <a:ext cx="9214338" cy="2246769"/>
+          </a:xfrm>
+          <a:prstGeom prst="rect">
+            <a:avLst/>
+          </a:prstGeom>
+          <a:noFill/>
+        </p:spPr>
+        <p:txBody>
+          <a:bodyPr wrap="square" rtlCol="0">
+            <a:spAutoFit/>
+          </a:bodyPr>
+          <a:lstStyle/>
+          <a:p>
+            <a:r>
+              <a:rPr lang="es-ES" sz="2000" dirty="0">
+                <a:solidFill>
+                  <a:schemeClr val="accent5">
+                    <a:lumMod val="50000"/>
+                  </a:schemeClr>
+                </a:solidFill>
+                <a:latin typeface="Arial" panose="020B0604020202020204" pitchFamily="34" charset="0"/>
+                <a:cs typeface="Arial" panose="020B0604020202020204" pitchFamily="34" charset="0"/>
+              </a:rPr>
+              <a:t>En vista de estos problemas, el desarrollo del presente proyecto haya su importancia en la necesidad de brindar una solución.</a:t>
+            </a:r>
+          </a:p>
+          <a:p>
+            <a:endParaRPr lang="es-ES" sz="2000" dirty="0">
+              <a:solidFill>
+                <a:schemeClr val="accent5">
+                  <a:lumMod val="50000"/>
+                </a:schemeClr>
+              </a:solidFill>
+              <a:latin typeface="Arial" panose="020B0604020202020204" pitchFamily="34" charset="0"/>
+              <a:cs typeface="Arial" panose="020B0604020202020204" pitchFamily="34" charset="0"/>
+            </a:endParaRPr>
+          </a:p>
+          <a:p>
+            <a:r>
+              <a:rPr lang="es-ES" sz="2000" dirty="0">
+                <a:solidFill>
+                  <a:schemeClr val="accent5">
+                    <a:lumMod val="50000"/>
+                  </a:schemeClr>
+                </a:solidFill>
+                <a:latin typeface="Arial" panose="020B0604020202020204" pitchFamily="34" charset="0"/>
+                <a:cs typeface="Arial" panose="020B0604020202020204" pitchFamily="34" charset="0"/>
+              </a:rPr>
+              <a:t>Al mismo tiempo con la implementación de este sistema (Software) se podría dar solución a las necesidades de los establecimientos que requieren un sistema que facilite el manejo de la contabilidad, Con el fin de favorecer así los establecimientos de diferentes sectores de la ciudad.</a:t>
+            </a:r>
           </a:p>
         </p:txBody>
       </p:sp>

--- a/PLANTILLA_PRESENTACION_AVANCES_PROYECTO_.pptx
+++ b/PLANTILLA_PRESENTACION_AVANCES_PROYECTO_.pptx
@@ -140,6 +140,90 @@
 
 <file path=ppt/changesInfos/changesInfo1.xml><?xml version="1.0" encoding="utf-8"?>
 <pc:chgInfo xmlns:a="http://schemas.openxmlformats.org/drawingml/2006/main" xmlns:r="http://schemas.openxmlformats.org/officeDocument/2006/relationships" xmlns:ac="http://schemas.microsoft.com/office/drawing/2013/main/command" xmlns:pc="http://schemas.microsoft.com/office/powerpoint/2013/main/command">
+  <pc:docChgLst>
+    <pc:chgData name="Karen Raquel Echeverri Londoño" userId="d7e10dca6c305140" providerId="LiveId" clId="{7E256FA3-CB0D-4CC0-9530-F8214D28240F}"/>
+    <pc:docChg chg="undo custSel modSld">
+      <pc:chgData name="Karen Raquel Echeverri Londoño" userId="d7e10dca6c305140" providerId="LiveId" clId="{7E256FA3-CB0D-4CC0-9530-F8214D28240F}" dt="2022-02-20T03:30:29.463" v="105" actId="1076"/>
+      <pc:docMkLst>
+        <pc:docMk/>
+      </pc:docMkLst>
+      <pc:sldChg chg="addSp modSp mod">
+        <pc:chgData name="Karen Raquel Echeverri Londoño" userId="d7e10dca6c305140" providerId="LiveId" clId="{7E256FA3-CB0D-4CC0-9530-F8214D28240F}" dt="2022-02-20T03:28:03.195" v="102" actId="207"/>
+        <pc:sldMkLst>
+          <pc:docMk/>
+          <pc:sldMk cId="0" sldId="263"/>
+        </pc:sldMkLst>
+        <pc:spChg chg="add mod">
+          <ac:chgData name="Karen Raquel Echeverri Londoño" userId="d7e10dca6c305140" providerId="LiveId" clId="{7E256FA3-CB0D-4CC0-9530-F8214D28240F}" dt="2022-02-20T03:28:03.195" v="102" actId="207"/>
+          <ac:spMkLst>
+            <pc:docMk/>
+            <pc:sldMk cId="0" sldId="263"/>
+            <ac:spMk id="3" creationId="{E80A250A-6D08-4481-9454-103304FFCE96}"/>
+          </ac:spMkLst>
+        </pc:spChg>
+      </pc:sldChg>
+      <pc:sldChg chg="addSp modSp mod">
+        <pc:chgData name="Karen Raquel Echeverri Londoño" userId="d7e10dca6c305140" providerId="LiveId" clId="{7E256FA3-CB0D-4CC0-9530-F8214D28240F}" dt="2022-02-20T03:30:29.463" v="105" actId="1076"/>
+        <pc:sldMkLst>
+          <pc:docMk/>
+          <pc:sldMk cId="2252580914" sldId="278"/>
+        </pc:sldMkLst>
+        <pc:spChg chg="add mod">
+          <ac:chgData name="Karen Raquel Echeverri Londoño" userId="d7e10dca6c305140" providerId="LiveId" clId="{7E256FA3-CB0D-4CC0-9530-F8214D28240F}" dt="2022-02-20T03:30:29.463" v="105" actId="1076"/>
+          <ac:spMkLst>
+            <pc:docMk/>
+            <pc:sldMk cId="2252580914" sldId="278"/>
+            <ac:spMk id="2" creationId="{58C60C37-D9F0-480D-929E-7509191B39D1}"/>
+          </ac:spMkLst>
+        </pc:spChg>
+      </pc:sldChg>
+      <pc:sldChg chg="addSp modSp mod">
+        <pc:chgData name="Karen Raquel Echeverri Londoño" userId="d7e10dca6c305140" providerId="LiveId" clId="{7E256FA3-CB0D-4CC0-9530-F8214D28240F}" dt="2022-02-20T03:27:45.895" v="100" actId="207"/>
+        <pc:sldMkLst>
+          <pc:docMk/>
+          <pc:sldMk cId="1372745584" sldId="279"/>
+        </pc:sldMkLst>
+        <pc:spChg chg="add mod">
+          <ac:chgData name="Karen Raquel Echeverri Londoño" userId="d7e10dca6c305140" providerId="LiveId" clId="{7E256FA3-CB0D-4CC0-9530-F8214D28240F}" dt="2022-02-20T03:27:45.895" v="100" actId="207"/>
+          <ac:spMkLst>
+            <pc:docMk/>
+            <pc:sldMk cId="1372745584" sldId="279"/>
+            <ac:spMk id="2" creationId="{B44FAB10-B789-4021-9062-0C158FAE3D48}"/>
+          </ac:spMkLst>
+        </pc:spChg>
+      </pc:sldChg>
+      <pc:sldChg chg="addSp modSp mod">
+        <pc:chgData name="Karen Raquel Echeverri Londoño" userId="d7e10dca6c305140" providerId="LiveId" clId="{7E256FA3-CB0D-4CC0-9530-F8214D28240F}" dt="2022-02-20T03:28:17.793" v="103" actId="207"/>
+        <pc:sldMkLst>
+          <pc:docMk/>
+          <pc:sldMk cId="3348273801" sldId="280"/>
+        </pc:sldMkLst>
+        <pc:spChg chg="add mod">
+          <ac:chgData name="Karen Raquel Echeverri Londoño" userId="d7e10dca6c305140" providerId="LiveId" clId="{7E256FA3-CB0D-4CC0-9530-F8214D28240F}" dt="2022-02-20T03:28:17.793" v="103" actId="207"/>
+          <ac:spMkLst>
+            <pc:docMk/>
+            <pc:sldMk cId="3348273801" sldId="280"/>
+            <ac:spMk id="3" creationId="{2D2CB8A6-DC06-4AEF-AB8B-6A6566151DF0}"/>
+          </ac:spMkLst>
+        </pc:spChg>
+      </pc:sldChg>
+      <pc:sldChg chg="addSp modSp mod">
+        <pc:chgData name="Karen Raquel Echeverri Londoño" userId="d7e10dca6c305140" providerId="LiveId" clId="{7E256FA3-CB0D-4CC0-9530-F8214D28240F}" dt="2022-02-20T03:28:26.745" v="104" actId="207"/>
+        <pc:sldMkLst>
+          <pc:docMk/>
+          <pc:sldMk cId="2547258122" sldId="281"/>
+        </pc:sldMkLst>
+        <pc:spChg chg="add mod">
+          <ac:chgData name="Karen Raquel Echeverri Londoño" userId="d7e10dca6c305140" providerId="LiveId" clId="{7E256FA3-CB0D-4CC0-9530-F8214D28240F}" dt="2022-02-20T03:28:26.745" v="104" actId="207"/>
+          <ac:spMkLst>
+            <pc:docMk/>
+            <pc:sldMk cId="2547258122" sldId="281"/>
+            <ac:spMk id="3" creationId="{3DFA1604-771C-487C-951A-67EE104FD249}"/>
+          </ac:spMkLst>
+        </pc:spChg>
+      </pc:sldChg>
+    </pc:docChg>
+  </pc:docChgLst>
   <pc:docChgLst>
     <pc:chgData name="Karen Echeverry" userId="d7e10dca6c305140" providerId="LiveId" clId="{BBAD8E3E-2A51-4F1C-9A54-EDEC237BCAD2}"/>
     <pc:docChg chg="undo custSel addSld delSld modSld">
@@ -302,90 +386,6 @@
           <pc:docMk/>
           <pc:sldMk cId="217026992" sldId="293"/>
         </pc:sldMkLst>
-      </pc:sldChg>
-    </pc:docChg>
-  </pc:docChgLst>
-  <pc:docChgLst>
-    <pc:chgData name="Karen Raquel Echeverri Londoño" userId="d7e10dca6c305140" providerId="LiveId" clId="{7E256FA3-CB0D-4CC0-9530-F8214D28240F}"/>
-    <pc:docChg chg="undo custSel modSld">
-      <pc:chgData name="Karen Raquel Echeverri Londoño" userId="d7e10dca6c305140" providerId="LiveId" clId="{7E256FA3-CB0D-4CC0-9530-F8214D28240F}" dt="2022-02-20T03:30:29.463" v="105" actId="1076"/>
-      <pc:docMkLst>
-        <pc:docMk/>
-      </pc:docMkLst>
-      <pc:sldChg chg="addSp modSp mod">
-        <pc:chgData name="Karen Raquel Echeverri Londoño" userId="d7e10dca6c305140" providerId="LiveId" clId="{7E256FA3-CB0D-4CC0-9530-F8214D28240F}" dt="2022-02-20T03:28:03.195" v="102" actId="207"/>
-        <pc:sldMkLst>
-          <pc:docMk/>
-          <pc:sldMk cId="0" sldId="263"/>
-        </pc:sldMkLst>
-        <pc:spChg chg="add mod">
-          <ac:chgData name="Karen Raquel Echeverri Londoño" userId="d7e10dca6c305140" providerId="LiveId" clId="{7E256FA3-CB0D-4CC0-9530-F8214D28240F}" dt="2022-02-20T03:28:03.195" v="102" actId="207"/>
-          <ac:spMkLst>
-            <pc:docMk/>
-            <pc:sldMk cId="0" sldId="263"/>
-            <ac:spMk id="3" creationId="{E80A250A-6D08-4481-9454-103304FFCE96}"/>
-          </ac:spMkLst>
-        </pc:spChg>
-      </pc:sldChg>
-      <pc:sldChg chg="addSp modSp mod">
-        <pc:chgData name="Karen Raquel Echeverri Londoño" userId="d7e10dca6c305140" providerId="LiveId" clId="{7E256FA3-CB0D-4CC0-9530-F8214D28240F}" dt="2022-02-20T03:30:29.463" v="105" actId="1076"/>
-        <pc:sldMkLst>
-          <pc:docMk/>
-          <pc:sldMk cId="2252580914" sldId="278"/>
-        </pc:sldMkLst>
-        <pc:spChg chg="add mod">
-          <ac:chgData name="Karen Raquel Echeverri Londoño" userId="d7e10dca6c305140" providerId="LiveId" clId="{7E256FA3-CB0D-4CC0-9530-F8214D28240F}" dt="2022-02-20T03:30:29.463" v="105" actId="1076"/>
-          <ac:spMkLst>
-            <pc:docMk/>
-            <pc:sldMk cId="2252580914" sldId="278"/>
-            <ac:spMk id="2" creationId="{58C60C37-D9F0-480D-929E-7509191B39D1}"/>
-          </ac:spMkLst>
-        </pc:spChg>
-      </pc:sldChg>
-      <pc:sldChg chg="addSp modSp mod">
-        <pc:chgData name="Karen Raquel Echeverri Londoño" userId="d7e10dca6c305140" providerId="LiveId" clId="{7E256FA3-CB0D-4CC0-9530-F8214D28240F}" dt="2022-02-20T03:27:45.895" v="100" actId="207"/>
-        <pc:sldMkLst>
-          <pc:docMk/>
-          <pc:sldMk cId="1372745584" sldId="279"/>
-        </pc:sldMkLst>
-        <pc:spChg chg="add mod">
-          <ac:chgData name="Karen Raquel Echeverri Londoño" userId="d7e10dca6c305140" providerId="LiveId" clId="{7E256FA3-CB0D-4CC0-9530-F8214D28240F}" dt="2022-02-20T03:27:45.895" v="100" actId="207"/>
-          <ac:spMkLst>
-            <pc:docMk/>
-            <pc:sldMk cId="1372745584" sldId="279"/>
-            <ac:spMk id="2" creationId="{B44FAB10-B789-4021-9062-0C158FAE3D48}"/>
-          </ac:spMkLst>
-        </pc:spChg>
-      </pc:sldChg>
-      <pc:sldChg chg="addSp modSp mod">
-        <pc:chgData name="Karen Raquel Echeverri Londoño" userId="d7e10dca6c305140" providerId="LiveId" clId="{7E256FA3-CB0D-4CC0-9530-F8214D28240F}" dt="2022-02-20T03:28:17.793" v="103" actId="207"/>
-        <pc:sldMkLst>
-          <pc:docMk/>
-          <pc:sldMk cId="3348273801" sldId="280"/>
-        </pc:sldMkLst>
-        <pc:spChg chg="add mod">
-          <ac:chgData name="Karen Raquel Echeverri Londoño" userId="d7e10dca6c305140" providerId="LiveId" clId="{7E256FA3-CB0D-4CC0-9530-F8214D28240F}" dt="2022-02-20T03:28:17.793" v="103" actId="207"/>
-          <ac:spMkLst>
-            <pc:docMk/>
-            <pc:sldMk cId="3348273801" sldId="280"/>
-            <ac:spMk id="3" creationId="{2D2CB8A6-DC06-4AEF-AB8B-6A6566151DF0}"/>
-          </ac:spMkLst>
-        </pc:spChg>
-      </pc:sldChg>
-      <pc:sldChg chg="addSp modSp mod">
-        <pc:chgData name="Karen Raquel Echeverri Londoño" userId="d7e10dca6c305140" providerId="LiveId" clId="{7E256FA3-CB0D-4CC0-9530-F8214D28240F}" dt="2022-02-20T03:28:26.745" v="104" actId="207"/>
-        <pc:sldMkLst>
-          <pc:docMk/>
-          <pc:sldMk cId="2547258122" sldId="281"/>
-        </pc:sldMkLst>
-        <pc:spChg chg="add mod">
-          <ac:chgData name="Karen Raquel Echeverri Londoño" userId="d7e10dca6c305140" providerId="LiveId" clId="{7E256FA3-CB0D-4CC0-9530-F8214D28240F}" dt="2022-02-20T03:28:26.745" v="104" actId="207"/>
-          <ac:spMkLst>
-            <pc:docMk/>
-            <pc:sldMk cId="2547258122" sldId="281"/>
-            <ac:spMk id="3" creationId="{3DFA1604-771C-487C-951A-67EE104FD249}"/>
-          </ac:spMkLst>
-        </pc:spChg>
       </pc:sldChg>
     </pc:docChg>
   </pc:docChgLst>
@@ -7314,6 +7314,91 @@
           <a:chExt cx="0" cy="0"/>
         </a:xfrm>
       </p:grpSpPr>
+      <p:sp>
+        <p:nvSpPr>
+          <p:cNvPr id="2" name="CuadroTexto 1">
+            <a:extLst>
+              <a:ext uri="{FF2B5EF4-FFF2-40B4-BE49-F238E27FC236}">
+                <a16:creationId xmlns:a16="http://schemas.microsoft.com/office/drawing/2014/main" id="{2DBD9AF2-9129-42F5-B72F-3A4927E0909B}"/>
+              </a:ext>
+            </a:extLst>
+          </p:cNvPr>
+          <p:cNvSpPr txBox="1"/>
+          <p:nvPr/>
+        </p:nvSpPr>
+        <p:spPr>
+          <a:xfrm>
+            <a:off x="3514578" y="282754"/>
+            <a:ext cx="5162843" cy="523220"/>
+          </a:xfrm>
+          <a:prstGeom prst="rect">
+            <a:avLst/>
+          </a:prstGeom>
+          <a:noFill/>
+        </p:spPr>
+        <p:txBody>
+          <a:bodyPr wrap="square" rtlCol="0">
+            <a:spAutoFit/>
+          </a:bodyPr>
+          <a:lstStyle/>
+          <a:p>
+            <a:pPr algn="ctr"/>
+            <a:r>
+              <a:rPr lang="en-US" sz="2800" b="1" dirty="0">
+                <a:solidFill>
+                  <a:srgbClr val="0070C0"/>
+                </a:solidFill>
+                <a:latin typeface="Arial" panose="020B0604020202020204" pitchFamily="34" charset="0"/>
+                <a:cs typeface="Arial" panose="020B0604020202020204" pitchFamily="34" charset="0"/>
+              </a:rPr>
+              <a:t>MAPA DE PROCESOS</a:t>
+            </a:r>
+            <a:endParaRPr lang="es-CO" sz="2800" b="1" dirty="0">
+              <a:solidFill>
+                <a:srgbClr val="0070C0"/>
+              </a:solidFill>
+              <a:latin typeface="Arial" panose="020B0604020202020204" pitchFamily="34" charset="0"/>
+              <a:cs typeface="Arial" panose="020B0604020202020204" pitchFamily="34" charset="0"/>
+            </a:endParaRPr>
+          </a:p>
+        </p:txBody>
+      </p:sp>
+      <p:pic>
+        <p:nvPicPr>
+          <p:cNvPr id="4" name="Imagen 3">
+            <a:extLst>
+              <a:ext uri="{FF2B5EF4-FFF2-40B4-BE49-F238E27FC236}">
+                <a16:creationId xmlns:a16="http://schemas.microsoft.com/office/drawing/2014/main" id="{9AEEEFFB-F415-4E9E-A716-48F87001DAB8}"/>
+              </a:ext>
+            </a:extLst>
+          </p:cNvPr>
+          <p:cNvPicPr>
+            <a:picLocks noChangeAspect="1"/>
+          </p:cNvPicPr>
+          <p:nvPr/>
+        </p:nvPicPr>
+        <p:blipFill>
+          <a:blip r:embed="rId2">
+            <a:extLst>
+              <a:ext uri="{28A0092B-C50C-407E-A947-70E740481C1C}">
+                <a14:useLocalDpi xmlns:a14="http://schemas.microsoft.com/office/drawing/2010/main" val="0"/>
+              </a:ext>
+            </a:extLst>
+          </a:blip>
+          <a:stretch>
+            <a:fillRect/>
+          </a:stretch>
+        </p:blipFill>
+        <p:spPr>
+          <a:xfrm>
+            <a:off x="3254453" y="1083076"/>
+            <a:ext cx="5683092" cy="4912677"/>
+          </a:xfrm>
+          <a:prstGeom prst="rect">
+            <a:avLst/>
+          </a:prstGeom>
+        </p:spPr>
+      </p:pic>
     </p:spTree>
     <p:extLst>
       <p:ext uri="{BB962C8B-B14F-4D97-AF65-F5344CB8AC3E}">
@@ -7344,6 +7429,84 @@
           <a:chExt cx="0" cy="0"/>
         </a:xfrm>
       </p:grpSpPr>
+      <p:sp>
+        <p:nvSpPr>
+          <p:cNvPr id="2" name="CuadroTexto 1">
+            <a:extLst>
+              <a:ext uri="{FF2B5EF4-FFF2-40B4-BE49-F238E27FC236}">
+                <a16:creationId xmlns:a16="http://schemas.microsoft.com/office/drawing/2014/main" id="{A98D3D83-DBB8-40A7-8BA6-6EA2A81891B2}"/>
+              </a:ext>
+            </a:extLst>
+          </p:cNvPr>
+          <p:cNvSpPr txBox="1"/>
+          <p:nvPr/>
+        </p:nvSpPr>
+        <p:spPr>
+          <a:xfrm>
+            <a:off x="3514578" y="282754"/>
+            <a:ext cx="5162843" cy="523220"/>
+          </a:xfrm>
+          <a:prstGeom prst="rect">
+            <a:avLst/>
+          </a:prstGeom>
+          <a:noFill/>
+        </p:spPr>
+        <p:txBody>
+          <a:bodyPr wrap="square" rtlCol="0">
+            <a:spAutoFit/>
+          </a:bodyPr>
+          <a:lstStyle/>
+          <a:p>
+            <a:pPr algn="ctr"/>
+            <a:r>
+              <a:rPr lang="es-CO" sz="2800" b="1" dirty="0">
+                <a:solidFill>
+                  <a:srgbClr val="0070C0"/>
+                </a:solidFill>
+                <a:latin typeface="Arial" panose="020B0604020202020204" pitchFamily="34" charset="0"/>
+                <a:cs typeface="Arial" panose="020B0604020202020204" pitchFamily="34" charset="0"/>
+              </a:rPr>
+              <a:t>DIAGRAMA DE FLUJO</a:t>
+            </a:r>
+          </a:p>
+        </p:txBody>
+      </p:sp>
+      <p:pic>
+        <p:nvPicPr>
+          <p:cNvPr id="4" name="Imagen 3">
+            <a:extLst>
+              <a:ext uri="{FF2B5EF4-FFF2-40B4-BE49-F238E27FC236}">
+                <a16:creationId xmlns:a16="http://schemas.microsoft.com/office/drawing/2014/main" id="{D6062719-08FA-4D61-BC3E-6F24DB4F920B}"/>
+              </a:ext>
+            </a:extLst>
+          </p:cNvPr>
+          <p:cNvPicPr>
+            <a:picLocks noChangeAspect="1"/>
+          </p:cNvPicPr>
+          <p:nvPr/>
+        </p:nvPicPr>
+        <p:blipFill>
+          <a:blip r:embed="rId2">
+            <a:extLst>
+              <a:ext uri="{28A0092B-C50C-407E-A947-70E740481C1C}">
+                <a14:useLocalDpi xmlns:a14="http://schemas.microsoft.com/office/drawing/2010/main" val="0"/>
+              </a:ext>
+            </a:extLst>
+          </a:blip>
+          <a:stretch>
+            <a:fillRect/>
+          </a:stretch>
+        </p:blipFill>
+        <p:spPr>
+          <a:xfrm>
+            <a:off x="4326225" y="895960"/>
+            <a:ext cx="3539549" cy="5438819"/>
+          </a:xfrm>
+          <a:prstGeom prst="rect">
+            <a:avLst/>
+          </a:prstGeom>
+        </p:spPr>
+      </p:pic>
     </p:spTree>
     <p:extLst>
       <p:ext uri="{BB962C8B-B14F-4D97-AF65-F5344CB8AC3E}">

--- a/PLANTILLA_PRESENTACION_AVANCES_PROYECTO_.pptx
+++ b/PLANTILLA_PRESENTACION_AVANCES_PROYECTO_.pptx
@@ -5,7 +5,7 @@
     <p:sldMasterId id="2147483648" r:id="rId1"/>
   </p:sldMasterIdLst>
   <p:notesMasterIdLst>
-    <p:notesMasterId r:id="rId26"/>
+    <p:notesMasterId r:id="rId30"/>
   </p:notesMasterIdLst>
   <p:sldIdLst>
     <p:sldId id="257" r:id="rId2"/>
@@ -25,13 +25,17 @@
     <p:sldId id="287" r:id="rId16"/>
     <p:sldId id="288" r:id="rId17"/>
     <p:sldId id="289" r:id="rId18"/>
-    <p:sldId id="290" r:id="rId19"/>
+    <p:sldId id="296" r:id="rId19"/>
     <p:sldId id="291" r:id="rId20"/>
-    <p:sldId id="292" r:id="rId21"/>
-    <p:sldId id="294" r:id="rId22"/>
-    <p:sldId id="295" r:id="rId23"/>
-    <p:sldId id="293" r:id="rId24"/>
-    <p:sldId id="273" r:id="rId25"/>
+    <p:sldId id="297" r:id="rId21"/>
+    <p:sldId id="298" r:id="rId22"/>
+    <p:sldId id="290" r:id="rId23"/>
+    <p:sldId id="292" r:id="rId24"/>
+    <p:sldId id="299" r:id="rId25"/>
+    <p:sldId id="294" r:id="rId26"/>
+    <p:sldId id="295" r:id="rId27"/>
+    <p:sldId id="293" r:id="rId28"/>
+    <p:sldId id="273" r:id="rId29"/>
   </p:sldIdLst>
   <p:sldSz cx="12192000" cy="6858000"/>
   <p:notesSz cx="6858000" cy="9144000"/>
@@ -474,7 +478,7 @@
           <a:p>
             <a:fld id="{9F8AA230-26E9-4845-90B2-987FEDAD6952}" type="datetimeFigureOut">
               <a:rPr lang="es-CO" smtClean="0"/>
-              <a:t>19/02/2022</a:t>
+              <a:t>20/02/2022</a:t>
             </a:fld>
             <a:endParaRPr lang="es-CO"/>
           </a:p>
@@ -1550,7 +1554,7 @@
             </a:pPr>
             <a:fld id="{00000000-1234-1234-1234-123412341234}" type="slidenum">
               <a:rPr lang="es-ES"/>
-              <a:t>23</a:t>
+              <a:t>27</a:t>
             </a:fld>
             <a:endParaRPr/>
           </a:p>
@@ -1759,7 +1763,7 @@
             </a:pPr>
             <a:fld id="{00000000-1234-1234-1234-123412341234}" type="slidenum">
               <a:rPr lang="es-ES"/>
-              <a:t>24</a:t>
+              <a:t>28</a:t>
             </a:fld>
             <a:endParaRPr/>
           </a:p>
@@ -3726,7 +3730,7 @@
           <a:p>
             <a:fld id="{45896B23-B6B7-4DC1-BF89-EF3D7CBACBEB}" type="datetimeFigureOut">
               <a:rPr lang="es-CO" smtClean="0"/>
-              <a:t>19/02/2022</a:t>
+              <a:t>20/02/2022</a:t>
             </a:fld>
             <a:endParaRPr lang="es-CO"/>
           </a:p>
@@ -3926,7 +3930,7 @@
           <a:p>
             <a:fld id="{45896B23-B6B7-4DC1-BF89-EF3D7CBACBEB}" type="datetimeFigureOut">
               <a:rPr lang="es-CO" smtClean="0"/>
-              <a:t>19/02/2022</a:t>
+              <a:t>20/02/2022</a:t>
             </a:fld>
             <a:endParaRPr lang="es-CO"/>
           </a:p>
@@ -4136,7 +4140,7 @@
           <a:p>
             <a:fld id="{45896B23-B6B7-4DC1-BF89-EF3D7CBACBEB}" type="datetimeFigureOut">
               <a:rPr lang="es-CO" smtClean="0"/>
-              <a:t>19/02/2022</a:t>
+              <a:t>20/02/2022</a:t>
             </a:fld>
             <a:endParaRPr lang="es-CO"/>
           </a:p>
@@ -4621,7 +4625,7 @@
           <a:p>
             <a:fld id="{45896B23-B6B7-4DC1-BF89-EF3D7CBACBEB}" type="datetimeFigureOut">
               <a:rPr lang="es-CO" smtClean="0"/>
-              <a:t>19/02/2022</a:t>
+              <a:t>20/02/2022</a:t>
             </a:fld>
             <a:endParaRPr lang="es-CO"/>
           </a:p>
@@ -4897,7 +4901,7 @@
           <a:p>
             <a:fld id="{45896B23-B6B7-4DC1-BF89-EF3D7CBACBEB}" type="datetimeFigureOut">
               <a:rPr lang="es-CO" smtClean="0"/>
-              <a:t>19/02/2022</a:t>
+              <a:t>20/02/2022</a:t>
             </a:fld>
             <a:endParaRPr lang="es-CO"/>
           </a:p>
@@ -5165,7 +5169,7 @@
           <a:p>
             <a:fld id="{45896B23-B6B7-4DC1-BF89-EF3D7CBACBEB}" type="datetimeFigureOut">
               <a:rPr lang="es-CO" smtClean="0"/>
-              <a:t>19/02/2022</a:t>
+              <a:t>20/02/2022</a:t>
             </a:fld>
             <a:endParaRPr lang="es-CO"/>
           </a:p>
@@ -5580,7 +5584,7 @@
           <a:p>
             <a:fld id="{45896B23-B6B7-4DC1-BF89-EF3D7CBACBEB}" type="datetimeFigureOut">
               <a:rPr lang="es-CO" smtClean="0"/>
-              <a:t>19/02/2022</a:t>
+              <a:t>20/02/2022</a:t>
             </a:fld>
             <a:endParaRPr lang="es-CO"/>
           </a:p>
@@ -5722,7 +5726,7 @@
           <a:p>
             <a:fld id="{45896B23-B6B7-4DC1-BF89-EF3D7CBACBEB}" type="datetimeFigureOut">
               <a:rPr lang="es-CO" smtClean="0"/>
-              <a:t>19/02/2022</a:t>
+              <a:t>20/02/2022</a:t>
             </a:fld>
             <a:endParaRPr lang="es-CO"/>
           </a:p>
@@ -5835,7 +5839,7 @@
           <a:p>
             <a:fld id="{45896B23-B6B7-4DC1-BF89-EF3D7CBACBEB}" type="datetimeFigureOut">
               <a:rPr lang="es-CO" smtClean="0"/>
-              <a:t>19/02/2022</a:t>
+              <a:t>20/02/2022</a:t>
             </a:fld>
             <a:endParaRPr lang="es-CO"/>
           </a:p>
@@ -6148,7 +6152,7 @@
           <a:p>
             <a:fld id="{45896B23-B6B7-4DC1-BF89-EF3D7CBACBEB}" type="datetimeFigureOut">
               <a:rPr lang="es-CO" smtClean="0"/>
-              <a:t>19/02/2022</a:t>
+              <a:t>20/02/2022</a:t>
             </a:fld>
             <a:endParaRPr lang="es-CO"/>
           </a:p>
@@ -6437,7 +6441,7 @@
           <a:p>
             <a:fld id="{45896B23-B6B7-4DC1-BF89-EF3D7CBACBEB}" type="datetimeFigureOut">
               <a:rPr lang="es-CO" smtClean="0"/>
-              <a:t>19/02/2022</a:t>
+              <a:t>20/02/2022</a:t>
             </a:fld>
             <a:endParaRPr lang="es-CO"/>
           </a:p>
@@ -6680,7 +6684,7 @@
           <a:p>
             <a:fld id="{45896B23-B6B7-4DC1-BF89-EF3D7CBACBEB}" type="datetimeFigureOut">
               <a:rPr lang="es-CO" smtClean="0"/>
-              <a:t>19/02/2022</a:t>
+              <a:t>20/02/2022</a:t>
             </a:fld>
             <a:endParaRPr lang="es-CO"/>
           </a:p>
@@ -7378,7 +7382,7 @@
           <p:nvPr/>
         </p:nvPicPr>
         <p:blipFill>
-          <a:blip r:embed="rId2">
+          <a:blip r:embed="rId2" cstate="hqprint">
             <a:extLst>
               <a:ext uri="{28A0092B-C50C-407E-A947-70E740481C1C}">
                 <a14:useLocalDpi xmlns:a14="http://schemas.microsoft.com/office/drawing/2010/main" val="0"/>
@@ -7755,6 +7759,959 @@
           </a:p>
         </p:txBody>
       </p:sp>
+      <p:graphicFrame>
+        <p:nvGraphicFramePr>
+          <p:cNvPr id="3" name="Tabla 2"/>
+          <p:cNvGraphicFramePr>
+            <a:graphicFrameLocks noGrp="1"/>
+          </p:cNvGraphicFramePr>
+          <p:nvPr>
+            <p:extLst>
+              <p:ext uri="{D42A27DB-BD31-4B8C-83A1-F6EECF244321}">
+                <p14:modId xmlns:p14="http://schemas.microsoft.com/office/powerpoint/2010/main" val="1776043633"/>
+              </p:ext>
+            </p:extLst>
+          </p:nvPr>
+        </p:nvGraphicFramePr>
+        <p:xfrm>
+          <a:off x="1805940" y="1588772"/>
+          <a:ext cx="8366760" cy="4709158"/>
+        </p:xfrm>
+        <a:graphic>
+          <a:graphicData uri="http://schemas.openxmlformats.org/drawingml/2006/table">
+            <a:tbl>
+              <a:tblPr/>
+              <a:tblGrid>
+                <a:gridCol w="2157676">
+                  <a:extLst>
+                    <a:ext uri="{9D8B030D-6E8A-4147-A177-3AD203B41FA5}">
+                      <a16:colId xmlns:a16="http://schemas.microsoft.com/office/drawing/2014/main" val="2195585533"/>
+                    </a:ext>
+                  </a:extLst>
+                </a:gridCol>
+                <a:gridCol w="6209084">
+                  <a:extLst>
+                    <a:ext uri="{9D8B030D-6E8A-4147-A177-3AD203B41FA5}">
+                      <a16:colId xmlns:a16="http://schemas.microsoft.com/office/drawing/2014/main" val="3627255290"/>
+                    </a:ext>
+                  </a:extLst>
+                </a:gridCol>
+              </a:tblGrid>
+              <a:tr h="672737">
+                <a:tc>
+                  <a:txBody>
+                    <a:bodyPr/>
+                    <a:lstStyle/>
+                    <a:p>
+                      <a:pPr algn="just">
+                        <a:spcAft>
+                          <a:spcPts val="0"/>
+                        </a:spcAft>
+                      </a:pPr>
+                      <a:r>
+                        <a:rPr lang="es-ES" sz="1200" b="1" dirty="0">
+                          <a:solidFill>
+                            <a:schemeClr val="accent1"/>
+                          </a:solidFill>
+                          <a:effectLst/>
+                          <a:latin typeface="Arial" panose="020B0604020202020204" pitchFamily="34" charset="0"/>
+                          <a:ea typeface="Arial" panose="020B0604020202020204" pitchFamily="34" charset="0"/>
+                        </a:rPr>
+                        <a:t>Identificación del requerimiento:</a:t>
+                      </a:r>
+                      <a:endParaRPr lang="en-US" sz="1000" dirty="0">
+                        <a:solidFill>
+                          <a:schemeClr val="accent1"/>
+                        </a:solidFill>
+                        <a:effectLst/>
+                        <a:latin typeface="Arial" panose="020B0604020202020204" pitchFamily="34" charset="0"/>
+                        <a:ea typeface="Arial" panose="020B0604020202020204" pitchFamily="34" charset="0"/>
+                      </a:endParaRPr>
+                    </a:p>
+                  </a:txBody>
+                  <a:tcPr marL="68580" marR="68580" marT="0" marB="0">
+                    <a:lnL w="12700" cap="flat" cmpd="sng" algn="ctr">
+                      <a:solidFill>
+                        <a:srgbClr val="000000"/>
+                      </a:solidFill>
+                      <a:prstDash val="solid"/>
+                      <a:round/>
+                      <a:headEnd type="none" w="med" len="med"/>
+                      <a:tailEnd type="none" w="med" len="med"/>
+                    </a:lnL>
+                    <a:lnR w="12700" cap="flat" cmpd="sng" algn="ctr">
+                      <a:solidFill>
+                        <a:srgbClr val="000000"/>
+                      </a:solidFill>
+                      <a:prstDash val="solid"/>
+                      <a:round/>
+                      <a:headEnd type="none" w="med" len="med"/>
+                      <a:tailEnd type="none" w="med" len="med"/>
+                    </a:lnR>
+                    <a:lnT w="12700" cap="flat" cmpd="sng" algn="ctr">
+                      <a:solidFill>
+                        <a:srgbClr val="000000"/>
+                      </a:solidFill>
+                      <a:prstDash val="solid"/>
+                      <a:round/>
+                      <a:headEnd type="none" w="med" len="med"/>
+                      <a:tailEnd type="none" w="med" len="med"/>
+                    </a:lnT>
+                    <a:lnB w="12700" cap="flat" cmpd="sng" algn="ctr">
+                      <a:solidFill>
+                        <a:srgbClr val="000000"/>
+                      </a:solidFill>
+                      <a:prstDash val="solid"/>
+                      <a:round/>
+                      <a:headEnd type="none" w="med" len="med"/>
+                      <a:tailEnd type="none" w="med" len="med"/>
+                    </a:lnB>
+                  </a:tcPr>
+                </a:tc>
+                <a:tc>
+                  <a:txBody>
+                    <a:bodyPr/>
+                    <a:lstStyle/>
+                    <a:p>
+                      <a:pPr algn="just">
+                        <a:spcAft>
+                          <a:spcPts val="0"/>
+                        </a:spcAft>
+                      </a:pPr>
+                      <a:r>
+                        <a:rPr lang="es-ES" sz="1200" b="1">
+                          <a:solidFill>
+                            <a:schemeClr val="accent1"/>
+                          </a:solidFill>
+                          <a:effectLst/>
+                          <a:latin typeface="Arial" panose="020B0604020202020204" pitchFamily="34" charset="0"/>
+                          <a:ea typeface="Arial" panose="020B0604020202020204" pitchFamily="34" charset="0"/>
+                        </a:rPr>
+                        <a:t>RequerimientoF1</a:t>
+                      </a:r>
+                      <a:endParaRPr lang="en-US" sz="1000">
+                        <a:solidFill>
+                          <a:schemeClr val="accent1"/>
+                        </a:solidFill>
+                        <a:effectLst/>
+                        <a:latin typeface="Arial" panose="020B0604020202020204" pitchFamily="34" charset="0"/>
+                        <a:ea typeface="Arial" panose="020B0604020202020204" pitchFamily="34" charset="0"/>
+                      </a:endParaRPr>
+                    </a:p>
+                  </a:txBody>
+                  <a:tcPr marL="68580" marR="68580" marT="0" marB="0">
+                    <a:lnL w="12700" cap="flat" cmpd="sng" algn="ctr">
+                      <a:solidFill>
+                        <a:srgbClr val="000000"/>
+                      </a:solidFill>
+                      <a:prstDash val="solid"/>
+                      <a:round/>
+                      <a:headEnd type="none" w="med" len="med"/>
+                      <a:tailEnd type="none" w="med" len="med"/>
+                    </a:lnL>
+                    <a:lnR w="12700" cap="flat" cmpd="sng" algn="ctr">
+                      <a:solidFill>
+                        <a:srgbClr val="000000"/>
+                      </a:solidFill>
+                      <a:prstDash val="solid"/>
+                      <a:round/>
+                      <a:headEnd type="none" w="med" len="med"/>
+                      <a:tailEnd type="none" w="med" len="med"/>
+                    </a:lnR>
+                    <a:lnT w="12700" cap="flat" cmpd="sng" algn="ctr">
+                      <a:solidFill>
+                        <a:srgbClr val="000000"/>
+                      </a:solidFill>
+                      <a:prstDash val="solid"/>
+                      <a:round/>
+                      <a:headEnd type="none" w="med" len="med"/>
+                      <a:tailEnd type="none" w="med" len="med"/>
+                    </a:lnT>
+                    <a:lnB w="12700" cap="flat" cmpd="sng" algn="ctr">
+                      <a:solidFill>
+                        <a:srgbClr val="000000"/>
+                      </a:solidFill>
+                      <a:prstDash val="solid"/>
+                      <a:round/>
+                      <a:headEnd type="none" w="med" len="med"/>
+                      <a:tailEnd type="none" w="med" len="med"/>
+                    </a:lnB>
+                  </a:tcPr>
+                </a:tc>
+                <a:extLst>
+                  <a:ext uri="{0D108BD9-81ED-4DB2-BD59-A6C34878D82A}">
+                    <a16:rowId xmlns:a16="http://schemas.microsoft.com/office/drawing/2014/main" val="1122436717"/>
+                  </a:ext>
+                </a:extLst>
+              </a:tr>
+              <a:tr h="672737">
+                <a:tc>
+                  <a:txBody>
+                    <a:bodyPr/>
+                    <a:lstStyle/>
+                    <a:p>
+                      <a:pPr algn="just">
+                        <a:spcAft>
+                          <a:spcPts val="0"/>
+                        </a:spcAft>
+                      </a:pPr>
+                      <a:r>
+                        <a:rPr lang="es-ES" sz="1200" b="1" dirty="0">
+                          <a:solidFill>
+                            <a:schemeClr val="accent1"/>
+                          </a:solidFill>
+                          <a:effectLst/>
+                          <a:latin typeface="Arial" panose="020B0604020202020204" pitchFamily="34" charset="0"/>
+                          <a:ea typeface="Arial" panose="020B0604020202020204" pitchFamily="34" charset="0"/>
+                        </a:rPr>
+                        <a:t>Nombre del requerimiento:</a:t>
+                      </a:r>
+                      <a:endParaRPr lang="en-US" sz="1000" dirty="0">
+                        <a:solidFill>
+                          <a:schemeClr val="accent1"/>
+                        </a:solidFill>
+                        <a:effectLst/>
+                        <a:latin typeface="Arial" panose="020B0604020202020204" pitchFamily="34" charset="0"/>
+                        <a:ea typeface="Arial" panose="020B0604020202020204" pitchFamily="34" charset="0"/>
+                      </a:endParaRPr>
+                    </a:p>
+                  </a:txBody>
+                  <a:tcPr marL="68580" marR="68580" marT="0" marB="0">
+                    <a:lnL w="12700" cap="flat" cmpd="sng" algn="ctr">
+                      <a:solidFill>
+                        <a:srgbClr val="000000"/>
+                      </a:solidFill>
+                      <a:prstDash val="solid"/>
+                      <a:round/>
+                      <a:headEnd type="none" w="med" len="med"/>
+                      <a:tailEnd type="none" w="med" len="med"/>
+                    </a:lnL>
+                    <a:lnR w="12700" cap="flat" cmpd="sng" algn="ctr">
+                      <a:solidFill>
+                        <a:srgbClr val="000000"/>
+                      </a:solidFill>
+                      <a:prstDash val="solid"/>
+                      <a:round/>
+                      <a:headEnd type="none" w="med" len="med"/>
+                      <a:tailEnd type="none" w="med" len="med"/>
+                    </a:lnR>
+                    <a:lnT w="12700" cap="flat" cmpd="sng" algn="ctr">
+                      <a:solidFill>
+                        <a:srgbClr val="000000"/>
+                      </a:solidFill>
+                      <a:prstDash val="solid"/>
+                      <a:round/>
+                      <a:headEnd type="none" w="med" len="med"/>
+                      <a:tailEnd type="none" w="med" len="med"/>
+                    </a:lnT>
+                    <a:lnB w="12700" cap="flat" cmpd="sng" algn="ctr">
+                      <a:solidFill>
+                        <a:srgbClr val="000000"/>
+                      </a:solidFill>
+                      <a:prstDash val="solid"/>
+                      <a:round/>
+                      <a:headEnd type="none" w="med" len="med"/>
+                      <a:tailEnd type="none" w="med" len="med"/>
+                    </a:lnB>
+                  </a:tcPr>
+                </a:tc>
+                <a:tc>
+                  <a:txBody>
+                    <a:bodyPr/>
+                    <a:lstStyle/>
+                    <a:p>
+                      <a:pPr algn="just">
+                        <a:spcAft>
+                          <a:spcPts val="0"/>
+                        </a:spcAft>
+                      </a:pPr>
+                      <a:r>
+                        <a:rPr lang="es-ES" sz="1200" dirty="0">
+                          <a:solidFill>
+                            <a:schemeClr val="accent1"/>
+                          </a:solidFill>
+                          <a:effectLst/>
+                          <a:latin typeface="Arial" panose="020B0604020202020204" pitchFamily="34" charset="0"/>
+                          <a:ea typeface="Arial" panose="020B0604020202020204" pitchFamily="34" charset="0"/>
+                        </a:rPr>
+                        <a:t>Registro Administrador – Empleado </a:t>
+                      </a:r>
+                      <a:endParaRPr lang="en-US" sz="1000" dirty="0">
+                        <a:solidFill>
+                          <a:schemeClr val="accent1"/>
+                        </a:solidFill>
+                        <a:effectLst/>
+                        <a:latin typeface="Arial" panose="020B0604020202020204" pitchFamily="34" charset="0"/>
+                        <a:ea typeface="Arial" panose="020B0604020202020204" pitchFamily="34" charset="0"/>
+                      </a:endParaRPr>
+                    </a:p>
+                  </a:txBody>
+                  <a:tcPr marL="68580" marR="68580" marT="0" marB="0">
+                    <a:lnL w="12700" cap="flat" cmpd="sng" algn="ctr">
+                      <a:solidFill>
+                        <a:srgbClr val="000000"/>
+                      </a:solidFill>
+                      <a:prstDash val="solid"/>
+                      <a:round/>
+                      <a:headEnd type="none" w="med" len="med"/>
+                      <a:tailEnd type="none" w="med" len="med"/>
+                    </a:lnL>
+                    <a:lnR w="12700" cap="flat" cmpd="sng" algn="ctr">
+                      <a:solidFill>
+                        <a:srgbClr val="000000"/>
+                      </a:solidFill>
+                      <a:prstDash val="solid"/>
+                      <a:round/>
+                      <a:headEnd type="none" w="med" len="med"/>
+                      <a:tailEnd type="none" w="med" len="med"/>
+                    </a:lnR>
+                    <a:lnT w="12700" cap="flat" cmpd="sng" algn="ctr">
+                      <a:solidFill>
+                        <a:srgbClr val="000000"/>
+                      </a:solidFill>
+                      <a:prstDash val="solid"/>
+                      <a:round/>
+                      <a:headEnd type="none" w="med" len="med"/>
+                      <a:tailEnd type="none" w="med" len="med"/>
+                    </a:lnT>
+                    <a:lnB w="12700" cap="flat" cmpd="sng" algn="ctr">
+                      <a:solidFill>
+                        <a:srgbClr val="000000"/>
+                      </a:solidFill>
+                      <a:prstDash val="solid"/>
+                      <a:round/>
+                      <a:headEnd type="none" w="med" len="med"/>
+                      <a:tailEnd type="none" w="med" len="med"/>
+                    </a:lnB>
+                  </a:tcPr>
+                </a:tc>
+                <a:extLst>
+                  <a:ext uri="{0D108BD9-81ED-4DB2-BD59-A6C34878D82A}">
+                    <a16:rowId xmlns:a16="http://schemas.microsoft.com/office/drawing/2014/main" val="1505965737"/>
+                  </a:ext>
+                </a:extLst>
+              </a:tr>
+              <a:tr h="1009105">
+                <a:tc>
+                  <a:txBody>
+                    <a:bodyPr/>
+                    <a:lstStyle/>
+                    <a:p>
+                      <a:pPr algn="just">
+                        <a:spcAft>
+                          <a:spcPts val="0"/>
+                        </a:spcAft>
+                      </a:pPr>
+                      <a:r>
+                        <a:rPr lang="es-ES" sz="1200" b="1">
+                          <a:solidFill>
+                            <a:schemeClr val="accent1"/>
+                          </a:solidFill>
+                          <a:effectLst/>
+                          <a:latin typeface="Arial" panose="020B0604020202020204" pitchFamily="34" charset="0"/>
+                          <a:ea typeface="Arial" panose="020B0604020202020204" pitchFamily="34" charset="0"/>
+                        </a:rPr>
+                        <a:t>Características</a:t>
+                      </a:r>
+                      <a:endParaRPr lang="en-US" sz="1000">
+                        <a:solidFill>
+                          <a:schemeClr val="accent1"/>
+                        </a:solidFill>
+                        <a:effectLst/>
+                        <a:latin typeface="Arial" panose="020B0604020202020204" pitchFamily="34" charset="0"/>
+                        <a:ea typeface="Arial" panose="020B0604020202020204" pitchFamily="34" charset="0"/>
+                      </a:endParaRPr>
+                    </a:p>
+                  </a:txBody>
+                  <a:tcPr marL="68580" marR="68580" marT="0" marB="0">
+                    <a:lnL w="12700" cap="flat" cmpd="sng" algn="ctr">
+                      <a:solidFill>
+                        <a:srgbClr val="000000"/>
+                      </a:solidFill>
+                      <a:prstDash val="solid"/>
+                      <a:round/>
+                      <a:headEnd type="none" w="med" len="med"/>
+                      <a:tailEnd type="none" w="med" len="med"/>
+                    </a:lnL>
+                    <a:lnR w="12700" cap="flat" cmpd="sng" algn="ctr">
+                      <a:solidFill>
+                        <a:srgbClr val="000000"/>
+                      </a:solidFill>
+                      <a:prstDash val="solid"/>
+                      <a:round/>
+                      <a:headEnd type="none" w="med" len="med"/>
+                      <a:tailEnd type="none" w="med" len="med"/>
+                    </a:lnR>
+                    <a:lnT w="12700" cap="flat" cmpd="sng" algn="ctr">
+                      <a:solidFill>
+                        <a:srgbClr val="000000"/>
+                      </a:solidFill>
+                      <a:prstDash val="solid"/>
+                      <a:round/>
+                      <a:headEnd type="none" w="med" len="med"/>
+                      <a:tailEnd type="none" w="med" len="med"/>
+                    </a:lnT>
+                    <a:lnB w="12700" cap="flat" cmpd="sng" algn="ctr">
+                      <a:solidFill>
+                        <a:srgbClr val="000000"/>
+                      </a:solidFill>
+                      <a:prstDash val="solid"/>
+                      <a:round/>
+                      <a:headEnd type="none" w="med" len="med"/>
+                      <a:tailEnd type="none" w="med" len="med"/>
+                    </a:lnB>
+                  </a:tcPr>
+                </a:tc>
+                <a:tc>
+                  <a:txBody>
+                    <a:bodyPr/>
+                    <a:lstStyle/>
+                    <a:p>
+                      <a:pPr algn="just">
+                        <a:spcAft>
+                          <a:spcPts val="0"/>
+                        </a:spcAft>
+                      </a:pPr>
+                      <a:r>
+                        <a:rPr lang="es-ES" sz="1200" dirty="0">
+                          <a:solidFill>
+                            <a:schemeClr val="accent1"/>
+                          </a:solidFill>
+                          <a:effectLst/>
+                          <a:latin typeface="Arial" panose="020B0604020202020204" pitchFamily="34" charset="0"/>
+                          <a:ea typeface="Arial" panose="020B0604020202020204" pitchFamily="34" charset="0"/>
+                        </a:rPr>
+                        <a:t>El Administrador y los Empleados deberán registrarse para poder usar el software</a:t>
+                      </a:r>
+                      <a:endParaRPr lang="en-US" sz="1000" dirty="0">
+                        <a:solidFill>
+                          <a:schemeClr val="accent1"/>
+                        </a:solidFill>
+                        <a:effectLst/>
+                        <a:latin typeface="Arial" panose="020B0604020202020204" pitchFamily="34" charset="0"/>
+                        <a:ea typeface="Arial" panose="020B0604020202020204" pitchFamily="34" charset="0"/>
+                      </a:endParaRPr>
+                    </a:p>
+                    <a:p>
+                      <a:pPr algn="just">
+                        <a:spcAft>
+                          <a:spcPts val="0"/>
+                        </a:spcAft>
+                        <a:tabLst>
+                          <a:tab pos="2733675" algn="l"/>
+                        </a:tabLst>
+                      </a:pPr>
+                      <a:r>
+                        <a:rPr lang="es-ES" sz="1200" dirty="0">
+                          <a:solidFill>
+                            <a:schemeClr val="accent1"/>
+                          </a:solidFill>
+                          <a:effectLst/>
+                          <a:latin typeface="Arial" panose="020B0604020202020204" pitchFamily="34" charset="0"/>
+                          <a:ea typeface="Arial" panose="020B0604020202020204" pitchFamily="34" charset="0"/>
+                        </a:rPr>
+                        <a:t>	</a:t>
+                      </a:r>
+                      <a:endParaRPr lang="en-US" sz="1000" dirty="0">
+                        <a:solidFill>
+                          <a:schemeClr val="accent1"/>
+                        </a:solidFill>
+                        <a:effectLst/>
+                        <a:latin typeface="Arial" panose="020B0604020202020204" pitchFamily="34" charset="0"/>
+                        <a:ea typeface="Arial" panose="020B0604020202020204" pitchFamily="34" charset="0"/>
+                      </a:endParaRPr>
+                    </a:p>
+                  </a:txBody>
+                  <a:tcPr marL="68580" marR="68580" marT="0" marB="0">
+                    <a:lnL w="12700" cap="flat" cmpd="sng" algn="ctr">
+                      <a:solidFill>
+                        <a:srgbClr val="000000"/>
+                      </a:solidFill>
+                      <a:prstDash val="solid"/>
+                      <a:round/>
+                      <a:headEnd type="none" w="med" len="med"/>
+                      <a:tailEnd type="none" w="med" len="med"/>
+                    </a:lnL>
+                    <a:lnR w="12700" cap="flat" cmpd="sng" algn="ctr">
+                      <a:solidFill>
+                        <a:srgbClr val="000000"/>
+                      </a:solidFill>
+                      <a:prstDash val="solid"/>
+                      <a:round/>
+                      <a:headEnd type="none" w="med" len="med"/>
+                      <a:tailEnd type="none" w="med" len="med"/>
+                    </a:lnR>
+                    <a:lnT w="12700" cap="flat" cmpd="sng" algn="ctr">
+                      <a:solidFill>
+                        <a:srgbClr val="000000"/>
+                      </a:solidFill>
+                      <a:prstDash val="solid"/>
+                      <a:round/>
+                      <a:headEnd type="none" w="med" len="med"/>
+                      <a:tailEnd type="none" w="med" len="med"/>
+                    </a:lnT>
+                    <a:lnB w="12700" cap="flat" cmpd="sng" algn="ctr">
+                      <a:solidFill>
+                        <a:srgbClr val="000000"/>
+                      </a:solidFill>
+                      <a:prstDash val="solid"/>
+                      <a:round/>
+                      <a:headEnd type="none" w="med" len="med"/>
+                      <a:tailEnd type="none" w="med" len="med"/>
+                    </a:lnB>
+                  </a:tcPr>
+                </a:tc>
+                <a:extLst>
+                  <a:ext uri="{0D108BD9-81ED-4DB2-BD59-A6C34878D82A}">
+                    <a16:rowId xmlns:a16="http://schemas.microsoft.com/office/drawing/2014/main" val="256539063"/>
+                  </a:ext>
+                </a:extLst>
+              </a:tr>
+              <a:tr h="1009105">
+                <a:tc>
+                  <a:txBody>
+                    <a:bodyPr/>
+                    <a:lstStyle/>
+                    <a:p>
+                      <a:pPr algn="just">
+                        <a:spcAft>
+                          <a:spcPts val="0"/>
+                        </a:spcAft>
+                      </a:pPr>
+                      <a:r>
+                        <a:rPr lang="es-ES" sz="1200" b="1">
+                          <a:solidFill>
+                            <a:schemeClr val="accent1"/>
+                          </a:solidFill>
+                          <a:effectLst/>
+                          <a:latin typeface="Arial" panose="020B0604020202020204" pitchFamily="34" charset="0"/>
+                          <a:ea typeface="Arial" panose="020B0604020202020204" pitchFamily="34" charset="0"/>
+                        </a:rPr>
+                        <a:t>Descripción del requerimiento:</a:t>
+                      </a:r>
+                      <a:endParaRPr lang="en-US" sz="1000">
+                        <a:solidFill>
+                          <a:schemeClr val="accent1"/>
+                        </a:solidFill>
+                        <a:effectLst/>
+                        <a:latin typeface="Arial" panose="020B0604020202020204" pitchFamily="34" charset="0"/>
+                        <a:ea typeface="Arial" panose="020B0604020202020204" pitchFamily="34" charset="0"/>
+                      </a:endParaRPr>
+                    </a:p>
+                  </a:txBody>
+                  <a:tcPr marL="68580" marR="68580" marT="0" marB="0">
+                    <a:lnL w="12700" cap="flat" cmpd="sng" algn="ctr">
+                      <a:solidFill>
+                        <a:srgbClr val="000000"/>
+                      </a:solidFill>
+                      <a:prstDash val="solid"/>
+                      <a:round/>
+                      <a:headEnd type="none" w="med" len="med"/>
+                      <a:tailEnd type="none" w="med" len="med"/>
+                    </a:lnL>
+                    <a:lnR w="12700" cap="flat" cmpd="sng" algn="ctr">
+                      <a:solidFill>
+                        <a:srgbClr val="000000"/>
+                      </a:solidFill>
+                      <a:prstDash val="solid"/>
+                      <a:round/>
+                      <a:headEnd type="none" w="med" len="med"/>
+                      <a:tailEnd type="none" w="med" len="med"/>
+                    </a:lnR>
+                    <a:lnT w="12700" cap="flat" cmpd="sng" algn="ctr">
+                      <a:solidFill>
+                        <a:srgbClr val="000000"/>
+                      </a:solidFill>
+                      <a:prstDash val="solid"/>
+                      <a:round/>
+                      <a:headEnd type="none" w="med" len="med"/>
+                      <a:tailEnd type="none" w="med" len="med"/>
+                    </a:lnT>
+                    <a:lnB w="12700" cap="flat" cmpd="sng" algn="ctr">
+                      <a:solidFill>
+                        <a:srgbClr val="000000"/>
+                      </a:solidFill>
+                      <a:prstDash val="solid"/>
+                      <a:round/>
+                      <a:headEnd type="none" w="med" len="med"/>
+                      <a:tailEnd type="none" w="med" len="med"/>
+                    </a:lnB>
+                  </a:tcPr>
+                </a:tc>
+                <a:tc>
+                  <a:txBody>
+                    <a:bodyPr/>
+                    <a:lstStyle/>
+                    <a:p>
+                      <a:pPr algn="just">
+                        <a:spcAft>
+                          <a:spcPts val="0"/>
+                        </a:spcAft>
+                      </a:pPr>
+                      <a:r>
+                        <a:rPr lang="es-ES" sz="1200" dirty="0">
+                          <a:solidFill>
+                            <a:schemeClr val="accent1"/>
+                          </a:solidFill>
+                          <a:effectLst/>
+                          <a:latin typeface="Arial" panose="020B0604020202020204" pitchFamily="34" charset="0"/>
+                          <a:ea typeface="Arial" panose="020B0604020202020204" pitchFamily="34" charset="0"/>
+                        </a:rPr>
+                        <a:t>la interfaz le pedirá datos tales como: Fecha de nacimiento, Nombre y apellido, correo electrónico y contraseña.</a:t>
+                      </a:r>
+                      <a:endParaRPr lang="en-US" sz="1000" dirty="0">
+                        <a:solidFill>
+                          <a:schemeClr val="accent1"/>
+                        </a:solidFill>
+                        <a:effectLst/>
+                        <a:latin typeface="Arial" panose="020B0604020202020204" pitchFamily="34" charset="0"/>
+                        <a:ea typeface="Arial" panose="020B0604020202020204" pitchFamily="34" charset="0"/>
+                      </a:endParaRPr>
+                    </a:p>
+                  </a:txBody>
+                  <a:tcPr marL="68580" marR="68580" marT="0" marB="0">
+                    <a:lnL w="12700" cap="flat" cmpd="sng" algn="ctr">
+                      <a:solidFill>
+                        <a:srgbClr val="000000"/>
+                      </a:solidFill>
+                      <a:prstDash val="solid"/>
+                      <a:round/>
+                      <a:headEnd type="none" w="med" len="med"/>
+                      <a:tailEnd type="none" w="med" len="med"/>
+                    </a:lnL>
+                    <a:lnR w="12700" cap="flat" cmpd="sng" algn="ctr">
+                      <a:solidFill>
+                        <a:srgbClr val="000000"/>
+                      </a:solidFill>
+                      <a:prstDash val="solid"/>
+                      <a:round/>
+                      <a:headEnd type="none" w="med" len="med"/>
+                      <a:tailEnd type="none" w="med" len="med"/>
+                    </a:lnR>
+                    <a:lnT w="12700" cap="flat" cmpd="sng" algn="ctr">
+                      <a:solidFill>
+                        <a:srgbClr val="000000"/>
+                      </a:solidFill>
+                      <a:prstDash val="solid"/>
+                      <a:round/>
+                      <a:headEnd type="none" w="med" len="med"/>
+                      <a:tailEnd type="none" w="med" len="med"/>
+                    </a:lnT>
+                    <a:lnB w="12700" cap="flat" cmpd="sng" algn="ctr">
+                      <a:solidFill>
+                        <a:srgbClr val="000000"/>
+                      </a:solidFill>
+                      <a:prstDash val="solid"/>
+                      <a:round/>
+                      <a:headEnd type="none" w="med" len="med"/>
+                      <a:tailEnd type="none" w="med" len="med"/>
+                    </a:lnB>
+                  </a:tcPr>
+                </a:tc>
+                <a:extLst>
+                  <a:ext uri="{0D108BD9-81ED-4DB2-BD59-A6C34878D82A}">
+                    <a16:rowId xmlns:a16="http://schemas.microsoft.com/office/drawing/2014/main" val="4134589547"/>
+                  </a:ext>
+                </a:extLst>
+              </a:tr>
+              <a:tr h="672737">
+                <a:tc>
+                  <a:txBody>
+                    <a:bodyPr/>
+                    <a:lstStyle/>
+                    <a:p>
+                      <a:pPr algn="just">
+                        <a:spcAft>
+                          <a:spcPts val="0"/>
+                        </a:spcAft>
+                      </a:pPr>
+                      <a:r>
+                        <a:rPr lang="es-ES" sz="1200" b="1">
+                          <a:solidFill>
+                            <a:schemeClr val="accent1"/>
+                          </a:solidFill>
+                          <a:effectLst/>
+                          <a:latin typeface="Arial" panose="020B0604020202020204" pitchFamily="34" charset="0"/>
+                          <a:ea typeface="Arial" panose="020B0604020202020204" pitchFamily="34" charset="0"/>
+                        </a:rPr>
+                        <a:t>Requerimientos no funcionales:</a:t>
+                      </a:r>
+                      <a:endParaRPr lang="en-US" sz="1000">
+                        <a:solidFill>
+                          <a:schemeClr val="accent1"/>
+                        </a:solidFill>
+                        <a:effectLst/>
+                        <a:latin typeface="Arial" panose="020B0604020202020204" pitchFamily="34" charset="0"/>
+                        <a:ea typeface="Arial" panose="020B0604020202020204" pitchFamily="34" charset="0"/>
+                      </a:endParaRPr>
+                    </a:p>
+                  </a:txBody>
+                  <a:tcPr marL="68580" marR="68580" marT="0" marB="0">
+                    <a:lnL w="12700" cap="flat" cmpd="sng" algn="ctr">
+                      <a:solidFill>
+                        <a:srgbClr val="000000"/>
+                      </a:solidFill>
+                      <a:prstDash val="solid"/>
+                      <a:round/>
+                      <a:headEnd type="none" w="med" len="med"/>
+                      <a:tailEnd type="none" w="med" len="med"/>
+                    </a:lnL>
+                    <a:lnR w="12700" cap="flat" cmpd="sng" algn="ctr">
+                      <a:solidFill>
+                        <a:srgbClr val="000000"/>
+                      </a:solidFill>
+                      <a:prstDash val="solid"/>
+                      <a:round/>
+                      <a:headEnd type="none" w="med" len="med"/>
+                      <a:tailEnd type="none" w="med" len="med"/>
+                    </a:lnR>
+                    <a:lnT w="12700" cap="flat" cmpd="sng" algn="ctr">
+                      <a:solidFill>
+                        <a:srgbClr val="000000"/>
+                      </a:solidFill>
+                      <a:prstDash val="solid"/>
+                      <a:round/>
+                      <a:headEnd type="none" w="med" len="med"/>
+                      <a:tailEnd type="none" w="med" len="med"/>
+                    </a:lnT>
+                    <a:lnB w="12700" cap="flat" cmpd="sng" algn="ctr">
+                      <a:solidFill>
+                        <a:srgbClr val="000000"/>
+                      </a:solidFill>
+                      <a:prstDash val="solid"/>
+                      <a:round/>
+                      <a:headEnd type="none" w="med" len="med"/>
+                      <a:tailEnd type="none" w="med" len="med"/>
+                    </a:lnB>
+                  </a:tcPr>
+                </a:tc>
+                <a:tc>
+                  <a:txBody>
+                    <a:bodyPr/>
+                    <a:lstStyle/>
+                    <a:p>
+                      <a:pPr algn="just">
+                        <a:spcAft>
+                          <a:spcPts val="0"/>
+                        </a:spcAft>
+                      </a:pPr>
+                      <a:r>
+                        <a:rPr lang="es-ES" sz="1200" dirty="0">
+                          <a:solidFill>
+                            <a:schemeClr val="accent1"/>
+                          </a:solidFill>
+                          <a:effectLst/>
+                          <a:latin typeface="Arial" panose="020B0604020202020204" pitchFamily="34" charset="0"/>
+                          <a:ea typeface="Arial" panose="020B0604020202020204" pitchFamily="34" charset="0"/>
+                        </a:rPr>
+                        <a:t> </a:t>
+                      </a:r>
+                      <a:endParaRPr lang="en-US" sz="1000" dirty="0">
+                        <a:solidFill>
+                          <a:schemeClr val="accent1"/>
+                        </a:solidFill>
+                        <a:effectLst/>
+                        <a:latin typeface="Arial" panose="020B0604020202020204" pitchFamily="34" charset="0"/>
+                        <a:ea typeface="Arial" panose="020B0604020202020204" pitchFamily="34" charset="0"/>
+                      </a:endParaRPr>
+                    </a:p>
+                  </a:txBody>
+                  <a:tcPr marL="68580" marR="68580" marT="0" marB="0">
+                    <a:lnL w="12700" cap="flat" cmpd="sng" algn="ctr">
+                      <a:solidFill>
+                        <a:srgbClr val="000000"/>
+                      </a:solidFill>
+                      <a:prstDash val="solid"/>
+                      <a:round/>
+                      <a:headEnd type="none" w="med" len="med"/>
+                      <a:tailEnd type="none" w="med" len="med"/>
+                    </a:lnL>
+                    <a:lnR w="12700" cap="flat" cmpd="sng" algn="ctr">
+                      <a:solidFill>
+                        <a:srgbClr val="000000"/>
+                      </a:solidFill>
+                      <a:prstDash val="solid"/>
+                      <a:round/>
+                      <a:headEnd type="none" w="med" len="med"/>
+                      <a:tailEnd type="none" w="med" len="med"/>
+                    </a:lnR>
+                    <a:lnT w="12700" cap="flat" cmpd="sng" algn="ctr">
+                      <a:solidFill>
+                        <a:srgbClr val="000000"/>
+                      </a:solidFill>
+                      <a:prstDash val="solid"/>
+                      <a:round/>
+                      <a:headEnd type="none" w="med" len="med"/>
+                      <a:tailEnd type="none" w="med" len="med"/>
+                    </a:lnT>
+                    <a:lnB w="12700" cap="flat" cmpd="sng" algn="ctr">
+                      <a:solidFill>
+                        <a:srgbClr val="000000"/>
+                      </a:solidFill>
+                      <a:prstDash val="solid"/>
+                      <a:round/>
+                      <a:headEnd type="none" w="med" len="med"/>
+                      <a:tailEnd type="none" w="med" len="med"/>
+                    </a:lnB>
+                  </a:tcPr>
+                </a:tc>
+                <a:extLst>
+                  <a:ext uri="{0D108BD9-81ED-4DB2-BD59-A6C34878D82A}">
+                    <a16:rowId xmlns:a16="http://schemas.microsoft.com/office/drawing/2014/main" val="1017593261"/>
+                  </a:ext>
+                </a:extLst>
+              </a:tr>
+              <a:tr h="672737">
+                <a:tc>
+                  <a:txBody>
+                    <a:bodyPr/>
+                    <a:lstStyle/>
+                    <a:p>
+                      <a:pPr algn="just">
+                        <a:spcAft>
+                          <a:spcPts val="0"/>
+                        </a:spcAft>
+                      </a:pPr>
+                      <a:r>
+                        <a:rPr lang="es-ES" sz="1200" b="1">
+                          <a:solidFill>
+                            <a:schemeClr val="accent1"/>
+                          </a:solidFill>
+                          <a:effectLst/>
+                          <a:latin typeface="Arial" panose="020B0604020202020204" pitchFamily="34" charset="0"/>
+                          <a:ea typeface="Arial" panose="020B0604020202020204" pitchFamily="34" charset="0"/>
+                        </a:rPr>
+                        <a:t>Prioridad de requerimiento:</a:t>
+                      </a:r>
+                      <a:endParaRPr lang="en-US" sz="1000">
+                        <a:solidFill>
+                          <a:schemeClr val="accent1"/>
+                        </a:solidFill>
+                        <a:effectLst/>
+                        <a:latin typeface="Arial" panose="020B0604020202020204" pitchFamily="34" charset="0"/>
+                        <a:ea typeface="Arial" panose="020B0604020202020204" pitchFamily="34" charset="0"/>
+                      </a:endParaRPr>
+                    </a:p>
+                  </a:txBody>
+                  <a:tcPr marL="68580" marR="68580" marT="0" marB="0">
+                    <a:lnL w="12700" cap="flat" cmpd="sng" algn="ctr">
+                      <a:solidFill>
+                        <a:srgbClr val="000000"/>
+                      </a:solidFill>
+                      <a:prstDash val="solid"/>
+                      <a:round/>
+                      <a:headEnd type="none" w="med" len="med"/>
+                      <a:tailEnd type="none" w="med" len="med"/>
+                    </a:lnL>
+                    <a:lnR w="12700" cap="flat" cmpd="sng" algn="ctr">
+                      <a:solidFill>
+                        <a:srgbClr val="000000"/>
+                      </a:solidFill>
+                      <a:prstDash val="solid"/>
+                      <a:round/>
+                      <a:headEnd type="none" w="med" len="med"/>
+                      <a:tailEnd type="none" w="med" len="med"/>
+                    </a:lnR>
+                    <a:lnT w="12700" cap="flat" cmpd="sng" algn="ctr">
+                      <a:solidFill>
+                        <a:srgbClr val="000000"/>
+                      </a:solidFill>
+                      <a:prstDash val="solid"/>
+                      <a:round/>
+                      <a:headEnd type="none" w="med" len="med"/>
+                      <a:tailEnd type="none" w="med" len="med"/>
+                    </a:lnT>
+                    <a:lnB w="12700" cap="flat" cmpd="sng" algn="ctr">
+                      <a:solidFill>
+                        <a:srgbClr val="000000"/>
+                      </a:solidFill>
+                      <a:prstDash val="solid"/>
+                      <a:round/>
+                      <a:headEnd type="none" w="med" len="med"/>
+                      <a:tailEnd type="none" w="med" len="med"/>
+                    </a:lnB>
+                  </a:tcPr>
+                </a:tc>
+                <a:tc>
+                  <a:txBody>
+                    <a:bodyPr/>
+                    <a:lstStyle/>
+                    <a:p>
+                      <a:pPr algn="just">
+                        <a:spcAft>
+                          <a:spcPts val="0"/>
+                        </a:spcAft>
+                      </a:pPr>
+                      <a:r>
+                        <a:rPr lang="es-ES" sz="1200" dirty="0">
+                          <a:solidFill>
+                            <a:schemeClr val="accent1"/>
+                          </a:solidFill>
+                          <a:effectLst/>
+                          <a:latin typeface="Arial" panose="020B0604020202020204" pitchFamily="34" charset="0"/>
+                          <a:ea typeface="Arial" panose="020B0604020202020204" pitchFamily="34" charset="0"/>
+                        </a:rPr>
+                        <a:t>    Alta ( x  )         media (    )                baja(      )</a:t>
+                      </a:r>
+                      <a:endParaRPr lang="en-US" sz="1000" dirty="0">
+                        <a:solidFill>
+                          <a:schemeClr val="accent1"/>
+                        </a:solidFill>
+                        <a:effectLst/>
+                        <a:latin typeface="Arial" panose="020B0604020202020204" pitchFamily="34" charset="0"/>
+                        <a:ea typeface="Arial" panose="020B0604020202020204" pitchFamily="34" charset="0"/>
+                      </a:endParaRPr>
+                    </a:p>
+                  </a:txBody>
+                  <a:tcPr marL="68580" marR="68580" marT="0" marB="0">
+                    <a:lnL w="12700" cap="flat" cmpd="sng" algn="ctr">
+                      <a:solidFill>
+                        <a:srgbClr val="000000"/>
+                      </a:solidFill>
+                      <a:prstDash val="solid"/>
+                      <a:round/>
+                      <a:headEnd type="none" w="med" len="med"/>
+                      <a:tailEnd type="none" w="med" len="med"/>
+                    </a:lnL>
+                    <a:lnR w="12700" cap="flat" cmpd="sng" algn="ctr">
+                      <a:solidFill>
+                        <a:srgbClr val="000000"/>
+                      </a:solidFill>
+                      <a:prstDash val="solid"/>
+                      <a:round/>
+                      <a:headEnd type="none" w="med" len="med"/>
+                      <a:tailEnd type="none" w="med" len="med"/>
+                    </a:lnR>
+                    <a:lnT w="12700" cap="flat" cmpd="sng" algn="ctr">
+                      <a:solidFill>
+                        <a:srgbClr val="000000"/>
+                      </a:solidFill>
+                      <a:prstDash val="solid"/>
+                      <a:round/>
+                      <a:headEnd type="none" w="med" len="med"/>
+                      <a:tailEnd type="none" w="med" len="med"/>
+                    </a:lnT>
+                    <a:lnB w="12700" cap="flat" cmpd="sng" algn="ctr">
+                      <a:solidFill>
+                        <a:srgbClr val="000000"/>
+                      </a:solidFill>
+                      <a:prstDash val="solid"/>
+                      <a:round/>
+                      <a:headEnd type="none" w="med" len="med"/>
+                      <a:tailEnd type="none" w="med" len="med"/>
+                    </a:lnB>
+                  </a:tcPr>
+                </a:tc>
+                <a:extLst>
+                  <a:ext uri="{0D108BD9-81ED-4DB2-BD59-A6C34878D82A}">
+                    <a16:rowId xmlns:a16="http://schemas.microsoft.com/office/drawing/2014/main" val="117638637"/>
+                  </a:ext>
+                </a:extLst>
+              </a:tr>
+            </a:tbl>
+          </a:graphicData>
+        </a:graphic>
+      </p:graphicFrame>
     </p:spTree>
     <p:extLst>
       <p:ext uri="{BB962C8B-B14F-4D97-AF65-F5344CB8AC3E}">
@@ -7848,6 +8805,933 @@
           </a:p>
         </p:txBody>
       </p:sp>
+      <p:graphicFrame>
+        <p:nvGraphicFramePr>
+          <p:cNvPr id="2" name="Tabla 1"/>
+          <p:cNvGraphicFramePr>
+            <a:graphicFrameLocks noGrp="1"/>
+          </p:cNvGraphicFramePr>
+          <p:nvPr>
+            <p:extLst>
+              <p:ext uri="{D42A27DB-BD31-4B8C-83A1-F6EECF244321}">
+                <p14:modId xmlns:p14="http://schemas.microsoft.com/office/powerpoint/2010/main" val="1268637467"/>
+              </p:ext>
+            </p:extLst>
+          </p:nvPr>
+        </p:nvGraphicFramePr>
+        <p:xfrm>
+          <a:off x="457200" y="925832"/>
+          <a:ext cx="10492740" cy="5554978"/>
+        </p:xfrm>
+        <a:graphic>
+          <a:graphicData uri="http://schemas.openxmlformats.org/drawingml/2006/table">
+            <a:tbl>
+              <a:tblPr/>
+              <a:tblGrid>
+                <a:gridCol w="2705938">
+                  <a:extLst>
+                    <a:ext uri="{9D8B030D-6E8A-4147-A177-3AD203B41FA5}">
+                      <a16:colId xmlns:a16="http://schemas.microsoft.com/office/drawing/2014/main" val="3152533183"/>
+                    </a:ext>
+                  </a:extLst>
+                </a:gridCol>
+                <a:gridCol w="7786802">
+                  <a:extLst>
+                    <a:ext uri="{9D8B030D-6E8A-4147-A177-3AD203B41FA5}">
+                      <a16:colId xmlns:a16="http://schemas.microsoft.com/office/drawing/2014/main" val="3390679694"/>
+                    </a:ext>
+                  </a:extLst>
+                </a:gridCol>
+              </a:tblGrid>
+              <a:tr h="854612">
+                <a:tc>
+                  <a:txBody>
+                    <a:bodyPr/>
+                    <a:lstStyle/>
+                    <a:p>
+                      <a:pPr algn="just">
+                        <a:spcAft>
+                          <a:spcPts val="0"/>
+                        </a:spcAft>
+                      </a:pPr>
+                      <a:r>
+                        <a:rPr lang="es-ES" sz="1200" b="1" dirty="0">
+                          <a:solidFill>
+                            <a:schemeClr val="accent1"/>
+                          </a:solidFill>
+                          <a:effectLst/>
+                          <a:latin typeface="Arial" panose="020B0604020202020204" pitchFamily="34" charset="0"/>
+                          <a:ea typeface="Arial" panose="020B0604020202020204" pitchFamily="34" charset="0"/>
+                        </a:rPr>
+                        <a:t>Identificación del requerimiento:</a:t>
+                      </a:r>
+                      <a:endParaRPr lang="en-US" sz="1000" dirty="0">
+                        <a:solidFill>
+                          <a:schemeClr val="accent1"/>
+                        </a:solidFill>
+                        <a:effectLst/>
+                        <a:latin typeface="Arial" panose="020B0604020202020204" pitchFamily="34" charset="0"/>
+                        <a:ea typeface="Arial" panose="020B0604020202020204" pitchFamily="34" charset="0"/>
+                      </a:endParaRPr>
+                    </a:p>
+                  </a:txBody>
+                  <a:tcPr marL="68580" marR="68580" marT="0" marB="0">
+                    <a:lnL w="12700" cap="flat" cmpd="sng" algn="ctr">
+                      <a:solidFill>
+                        <a:srgbClr val="000000"/>
+                      </a:solidFill>
+                      <a:prstDash val="solid"/>
+                      <a:round/>
+                      <a:headEnd type="none" w="med" len="med"/>
+                      <a:tailEnd type="none" w="med" len="med"/>
+                    </a:lnL>
+                    <a:lnR w="12700" cap="flat" cmpd="sng" algn="ctr">
+                      <a:solidFill>
+                        <a:srgbClr val="000000"/>
+                      </a:solidFill>
+                      <a:prstDash val="solid"/>
+                      <a:round/>
+                      <a:headEnd type="none" w="med" len="med"/>
+                      <a:tailEnd type="none" w="med" len="med"/>
+                    </a:lnR>
+                    <a:lnT w="12700" cap="flat" cmpd="sng" algn="ctr">
+                      <a:solidFill>
+                        <a:srgbClr val="000000"/>
+                      </a:solidFill>
+                      <a:prstDash val="solid"/>
+                      <a:round/>
+                      <a:headEnd type="none" w="med" len="med"/>
+                      <a:tailEnd type="none" w="med" len="med"/>
+                    </a:lnT>
+                    <a:lnB w="12700" cap="flat" cmpd="sng" algn="ctr">
+                      <a:solidFill>
+                        <a:srgbClr val="000000"/>
+                      </a:solidFill>
+                      <a:prstDash val="solid"/>
+                      <a:round/>
+                      <a:headEnd type="none" w="med" len="med"/>
+                      <a:tailEnd type="none" w="med" len="med"/>
+                    </a:lnB>
+                  </a:tcPr>
+                </a:tc>
+                <a:tc>
+                  <a:txBody>
+                    <a:bodyPr/>
+                    <a:lstStyle/>
+                    <a:p>
+                      <a:pPr algn="just">
+                        <a:spcAft>
+                          <a:spcPts val="0"/>
+                        </a:spcAft>
+                      </a:pPr>
+                      <a:r>
+                        <a:rPr lang="es-ES" sz="1200" b="1">
+                          <a:solidFill>
+                            <a:schemeClr val="accent1"/>
+                          </a:solidFill>
+                          <a:effectLst/>
+                          <a:latin typeface="Arial" panose="020B0604020202020204" pitchFamily="34" charset="0"/>
+                          <a:ea typeface="Arial" panose="020B0604020202020204" pitchFamily="34" charset="0"/>
+                        </a:rPr>
+                        <a:t>Requerimiento F2</a:t>
+                      </a:r>
+                      <a:endParaRPr lang="en-US" sz="1000">
+                        <a:solidFill>
+                          <a:schemeClr val="accent1"/>
+                        </a:solidFill>
+                        <a:effectLst/>
+                        <a:latin typeface="Arial" panose="020B0604020202020204" pitchFamily="34" charset="0"/>
+                        <a:ea typeface="Arial" panose="020B0604020202020204" pitchFamily="34" charset="0"/>
+                      </a:endParaRPr>
+                    </a:p>
+                  </a:txBody>
+                  <a:tcPr marL="68580" marR="68580" marT="0" marB="0">
+                    <a:lnL w="12700" cap="flat" cmpd="sng" algn="ctr">
+                      <a:solidFill>
+                        <a:srgbClr val="000000"/>
+                      </a:solidFill>
+                      <a:prstDash val="solid"/>
+                      <a:round/>
+                      <a:headEnd type="none" w="med" len="med"/>
+                      <a:tailEnd type="none" w="med" len="med"/>
+                    </a:lnL>
+                    <a:lnR w="12700" cap="flat" cmpd="sng" algn="ctr">
+                      <a:solidFill>
+                        <a:srgbClr val="000000"/>
+                      </a:solidFill>
+                      <a:prstDash val="solid"/>
+                      <a:round/>
+                      <a:headEnd type="none" w="med" len="med"/>
+                      <a:tailEnd type="none" w="med" len="med"/>
+                    </a:lnR>
+                    <a:lnT w="12700" cap="flat" cmpd="sng" algn="ctr">
+                      <a:solidFill>
+                        <a:srgbClr val="000000"/>
+                      </a:solidFill>
+                      <a:prstDash val="solid"/>
+                      <a:round/>
+                      <a:headEnd type="none" w="med" len="med"/>
+                      <a:tailEnd type="none" w="med" len="med"/>
+                    </a:lnT>
+                    <a:lnB w="12700" cap="flat" cmpd="sng" algn="ctr">
+                      <a:solidFill>
+                        <a:srgbClr val="000000"/>
+                      </a:solidFill>
+                      <a:prstDash val="solid"/>
+                      <a:round/>
+                      <a:headEnd type="none" w="med" len="med"/>
+                      <a:tailEnd type="none" w="med" len="med"/>
+                    </a:lnB>
+                  </a:tcPr>
+                </a:tc>
+                <a:extLst>
+                  <a:ext uri="{0D108BD9-81ED-4DB2-BD59-A6C34878D82A}">
+                    <a16:rowId xmlns:a16="http://schemas.microsoft.com/office/drawing/2014/main" val="2206649577"/>
+                  </a:ext>
+                </a:extLst>
+              </a:tr>
+              <a:tr h="854612">
+                <a:tc>
+                  <a:txBody>
+                    <a:bodyPr/>
+                    <a:lstStyle/>
+                    <a:p>
+                      <a:pPr algn="just">
+                        <a:spcAft>
+                          <a:spcPts val="0"/>
+                        </a:spcAft>
+                      </a:pPr>
+                      <a:r>
+                        <a:rPr lang="es-ES" sz="1200" b="1">
+                          <a:solidFill>
+                            <a:schemeClr val="accent1"/>
+                          </a:solidFill>
+                          <a:effectLst/>
+                          <a:latin typeface="Arial" panose="020B0604020202020204" pitchFamily="34" charset="0"/>
+                          <a:ea typeface="Arial" panose="020B0604020202020204" pitchFamily="34" charset="0"/>
+                        </a:rPr>
+                        <a:t>Nombre del requerimiento:</a:t>
+                      </a:r>
+                      <a:endParaRPr lang="en-US" sz="1000">
+                        <a:solidFill>
+                          <a:schemeClr val="accent1"/>
+                        </a:solidFill>
+                        <a:effectLst/>
+                        <a:latin typeface="Arial" panose="020B0604020202020204" pitchFamily="34" charset="0"/>
+                        <a:ea typeface="Arial" panose="020B0604020202020204" pitchFamily="34" charset="0"/>
+                      </a:endParaRPr>
+                    </a:p>
+                  </a:txBody>
+                  <a:tcPr marL="68580" marR="68580" marT="0" marB="0">
+                    <a:lnL w="12700" cap="flat" cmpd="sng" algn="ctr">
+                      <a:solidFill>
+                        <a:srgbClr val="000000"/>
+                      </a:solidFill>
+                      <a:prstDash val="solid"/>
+                      <a:round/>
+                      <a:headEnd type="none" w="med" len="med"/>
+                      <a:tailEnd type="none" w="med" len="med"/>
+                    </a:lnL>
+                    <a:lnR w="12700" cap="flat" cmpd="sng" algn="ctr">
+                      <a:solidFill>
+                        <a:srgbClr val="000000"/>
+                      </a:solidFill>
+                      <a:prstDash val="solid"/>
+                      <a:round/>
+                      <a:headEnd type="none" w="med" len="med"/>
+                      <a:tailEnd type="none" w="med" len="med"/>
+                    </a:lnR>
+                    <a:lnT w="12700" cap="flat" cmpd="sng" algn="ctr">
+                      <a:solidFill>
+                        <a:srgbClr val="000000"/>
+                      </a:solidFill>
+                      <a:prstDash val="solid"/>
+                      <a:round/>
+                      <a:headEnd type="none" w="med" len="med"/>
+                      <a:tailEnd type="none" w="med" len="med"/>
+                    </a:lnT>
+                    <a:lnB w="12700" cap="flat" cmpd="sng" algn="ctr">
+                      <a:solidFill>
+                        <a:srgbClr val="000000"/>
+                      </a:solidFill>
+                      <a:prstDash val="solid"/>
+                      <a:round/>
+                      <a:headEnd type="none" w="med" len="med"/>
+                      <a:tailEnd type="none" w="med" len="med"/>
+                    </a:lnB>
+                  </a:tcPr>
+                </a:tc>
+                <a:tc>
+                  <a:txBody>
+                    <a:bodyPr/>
+                    <a:lstStyle/>
+                    <a:p>
+                      <a:pPr algn="just">
+                        <a:spcAft>
+                          <a:spcPts val="0"/>
+                        </a:spcAft>
+                      </a:pPr>
+                      <a:r>
+                        <a:rPr lang="es-ES" sz="1200" dirty="0">
+                          <a:solidFill>
+                            <a:schemeClr val="accent1"/>
+                          </a:solidFill>
+                          <a:effectLst/>
+                          <a:latin typeface="Arial" panose="020B0604020202020204" pitchFamily="34" charset="0"/>
+                          <a:ea typeface="Arial" panose="020B0604020202020204" pitchFamily="34" charset="0"/>
+                        </a:rPr>
+                        <a:t>Registro de facturas </a:t>
+                      </a:r>
+                      <a:endParaRPr lang="en-US" sz="1000" dirty="0">
+                        <a:solidFill>
+                          <a:schemeClr val="accent1"/>
+                        </a:solidFill>
+                        <a:effectLst/>
+                        <a:latin typeface="Arial" panose="020B0604020202020204" pitchFamily="34" charset="0"/>
+                        <a:ea typeface="Arial" panose="020B0604020202020204" pitchFamily="34" charset="0"/>
+                      </a:endParaRPr>
+                    </a:p>
+                  </a:txBody>
+                  <a:tcPr marL="68580" marR="68580" marT="0" marB="0">
+                    <a:lnL w="12700" cap="flat" cmpd="sng" algn="ctr">
+                      <a:solidFill>
+                        <a:srgbClr val="000000"/>
+                      </a:solidFill>
+                      <a:prstDash val="solid"/>
+                      <a:round/>
+                      <a:headEnd type="none" w="med" len="med"/>
+                      <a:tailEnd type="none" w="med" len="med"/>
+                    </a:lnL>
+                    <a:lnR w="12700" cap="flat" cmpd="sng" algn="ctr">
+                      <a:solidFill>
+                        <a:srgbClr val="000000"/>
+                      </a:solidFill>
+                      <a:prstDash val="solid"/>
+                      <a:round/>
+                      <a:headEnd type="none" w="med" len="med"/>
+                      <a:tailEnd type="none" w="med" len="med"/>
+                    </a:lnR>
+                    <a:lnT w="12700" cap="flat" cmpd="sng" algn="ctr">
+                      <a:solidFill>
+                        <a:srgbClr val="000000"/>
+                      </a:solidFill>
+                      <a:prstDash val="solid"/>
+                      <a:round/>
+                      <a:headEnd type="none" w="med" len="med"/>
+                      <a:tailEnd type="none" w="med" len="med"/>
+                    </a:lnT>
+                    <a:lnB w="12700" cap="flat" cmpd="sng" algn="ctr">
+                      <a:solidFill>
+                        <a:srgbClr val="000000"/>
+                      </a:solidFill>
+                      <a:prstDash val="solid"/>
+                      <a:round/>
+                      <a:headEnd type="none" w="med" len="med"/>
+                      <a:tailEnd type="none" w="med" len="med"/>
+                    </a:lnB>
+                  </a:tcPr>
+                </a:tc>
+                <a:extLst>
+                  <a:ext uri="{0D108BD9-81ED-4DB2-BD59-A6C34878D82A}">
+                    <a16:rowId xmlns:a16="http://schemas.microsoft.com/office/drawing/2014/main" val="2807650138"/>
+                  </a:ext>
+                </a:extLst>
+              </a:tr>
+              <a:tr h="854612">
+                <a:tc>
+                  <a:txBody>
+                    <a:bodyPr/>
+                    <a:lstStyle/>
+                    <a:p>
+                      <a:pPr algn="just">
+                        <a:spcAft>
+                          <a:spcPts val="0"/>
+                        </a:spcAft>
+                      </a:pPr>
+                      <a:r>
+                        <a:rPr lang="es-ES" sz="1200" b="1">
+                          <a:solidFill>
+                            <a:schemeClr val="accent1"/>
+                          </a:solidFill>
+                          <a:effectLst/>
+                          <a:latin typeface="Arial" panose="020B0604020202020204" pitchFamily="34" charset="0"/>
+                          <a:ea typeface="Arial" panose="020B0604020202020204" pitchFamily="34" charset="0"/>
+                        </a:rPr>
+                        <a:t>Características</a:t>
+                      </a:r>
+                      <a:endParaRPr lang="en-US" sz="1000">
+                        <a:solidFill>
+                          <a:schemeClr val="accent1"/>
+                        </a:solidFill>
+                        <a:effectLst/>
+                        <a:latin typeface="Arial" panose="020B0604020202020204" pitchFamily="34" charset="0"/>
+                        <a:ea typeface="Arial" panose="020B0604020202020204" pitchFamily="34" charset="0"/>
+                      </a:endParaRPr>
+                    </a:p>
+                  </a:txBody>
+                  <a:tcPr marL="68580" marR="68580" marT="0" marB="0">
+                    <a:lnL w="12700" cap="flat" cmpd="sng" algn="ctr">
+                      <a:solidFill>
+                        <a:srgbClr val="000000"/>
+                      </a:solidFill>
+                      <a:prstDash val="solid"/>
+                      <a:round/>
+                      <a:headEnd type="none" w="med" len="med"/>
+                      <a:tailEnd type="none" w="med" len="med"/>
+                    </a:lnL>
+                    <a:lnR w="12700" cap="flat" cmpd="sng" algn="ctr">
+                      <a:solidFill>
+                        <a:srgbClr val="000000"/>
+                      </a:solidFill>
+                      <a:prstDash val="solid"/>
+                      <a:round/>
+                      <a:headEnd type="none" w="med" len="med"/>
+                      <a:tailEnd type="none" w="med" len="med"/>
+                    </a:lnR>
+                    <a:lnT w="12700" cap="flat" cmpd="sng" algn="ctr">
+                      <a:solidFill>
+                        <a:srgbClr val="000000"/>
+                      </a:solidFill>
+                      <a:prstDash val="solid"/>
+                      <a:round/>
+                      <a:headEnd type="none" w="med" len="med"/>
+                      <a:tailEnd type="none" w="med" len="med"/>
+                    </a:lnT>
+                    <a:lnB w="12700" cap="flat" cmpd="sng" algn="ctr">
+                      <a:solidFill>
+                        <a:srgbClr val="000000"/>
+                      </a:solidFill>
+                      <a:prstDash val="solid"/>
+                      <a:round/>
+                      <a:headEnd type="none" w="med" len="med"/>
+                      <a:tailEnd type="none" w="med" len="med"/>
+                    </a:lnB>
+                  </a:tcPr>
+                </a:tc>
+                <a:tc>
+                  <a:txBody>
+                    <a:bodyPr/>
+                    <a:lstStyle/>
+                    <a:p>
+                      <a:pPr algn="just">
+                        <a:spcAft>
+                          <a:spcPts val="0"/>
+                        </a:spcAft>
+                        <a:tabLst>
+                          <a:tab pos="2733675" algn="l"/>
+                        </a:tabLst>
+                      </a:pPr>
+                      <a:r>
+                        <a:rPr lang="es-ES" sz="1200">
+                          <a:solidFill>
+                            <a:schemeClr val="accent1"/>
+                          </a:solidFill>
+                          <a:effectLst/>
+                          <a:latin typeface="Arial" panose="020B0604020202020204" pitchFamily="34" charset="0"/>
+                          <a:ea typeface="Arial" panose="020B0604020202020204" pitchFamily="34" charset="0"/>
+                        </a:rPr>
+                        <a:t>Se subirán en el software las facturas en formato .jpg para llevar un orden </a:t>
+                      </a:r>
+                      <a:endParaRPr lang="en-US" sz="1000">
+                        <a:solidFill>
+                          <a:schemeClr val="accent1"/>
+                        </a:solidFill>
+                        <a:effectLst/>
+                        <a:latin typeface="Arial" panose="020B0604020202020204" pitchFamily="34" charset="0"/>
+                        <a:ea typeface="Arial" panose="020B0604020202020204" pitchFamily="34" charset="0"/>
+                      </a:endParaRPr>
+                    </a:p>
+                  </a:txBody>
+                  <a:tcPr marL="68580" marR="68580" marT="0" marB="0">
+                    <a:lnL w="12700" cap="flat" cmpd="sng" algn="ctr">
+                      <a:solidFill>
+                        <a:srgbClr val="000000"/>
+                      </a:solidFill>
+                      <a:prstDash val="solid"/>
+                      <a:round/>
+                      <a:headEnd type="none" w="med" len="med"/>
+                      <a:tailEnd type="none" w="med" len="med"/>
+                    </a:lnL>
+                    <a:lnR w="12700" cap="flat" cmpd="sng" algn="ctr">
+                      <a:solidFill>
+                        <a:srgbClr val="000000"/>
+                      </a:solidFill>
+                      <a:prstDash val="solid"/>
+                      <a:round/>
+                      <a:headEnd type="none" w="med" len="med"/>
+                      <a:tailEnd type="none" w="med" len="med"/>
+                    </a:lnR>
+                    <a:lnT w="12700" cap="flat" cmpd="sng" algn="ctr">
+                      <a:solidFill>
+                        <a:srgbClr val="000000"/>
+                      </a:solidFill>
+                      <a:prstDash val="solid"/>
+                      <a:round/>
+                      <a:headEnd type="none" w="med" len="med"/>
+                      <a:tailEnd type="none" w="med" len="med"/>
+                    </a:lnT>
+                    <a:lnB w="12700" cap="flat" cmpd="sng" algn="ctr">
+                      <a:solidFill>
+                        <a:srgbClr val="000000"/>
+                      </a:solidFill>
+                      <a:prstDash val="solid"/>
+                      <a:round/>
+                      <a:headEnd type="none" w="med" len="med"/>
+                      <a:tailEnd type="none" w="med" len="med"/>
+                    </a:lnB>
+                  </a:tcPr>
+                </a:tc>
+                <a:extLst>
+                  <a:ext uri="{0D108BD9-81ED-4DB2-BD59-A6C34878D82A}">
+                    <a16:rowId xmlns:a16="http://schemas.microsoft.com/office/drawing/2014/main" val="759273184"/>
+                  </a:ext>
+                </a:extLst>
+              </a:tr>
+              <a:tr h="1281918">
+                <a:tc>
+                  <a:txBody>
+                    <a:bodyPr/>
+                    <a:lstStyle/>
+                    <a:p>
+                      <a:pPr algn="just">
+                        <a:spcAft>
+                          <a:spcPts val="0"/>
+                        </a:spcAft>
+                      </a:pPr>
+                      <a:r>
+                        <a:rPr lang="es-ES" sz="1200" b="1">
+                          <a:solidFill>
+                            <a:schemeClr val="accent1"/>
+                          </a:solidFill>
+                          <a:effectLst/>
+                          <a:latin typeface="Arial" panose="020B0604020202020204" pitchFamily="34" charset="0"/>
+                          <a:ea typeface="Arial" panose="020B0604020202020204" pitchFamily="34" charset="0"/>
+                        </a:rPr>
+                        <a:t>Descripción del requerimiento:</a:t>
+                      </a:r>
+                      <a:endParaRPr lang="en-US" sz="1000">
+                        <a:solidFill>
+                          <a:schemeClr val="accent1"/>
+                        </a:solidFill>
+                        <a:effectLst/>
+                        <a:latin typeface="Arial" panose="020B0604020202020204" pitchFamily="34" charset="0"/>
+                        <a:ea typeface="Arial" panose="020B0604020202020204" pitchFamily="34" charset="0"/>
+                      </a:endParaRPr>
+                    </a:p>
+                  </a:txBody>
+                  <a:tcPr marL="68580" marR="68580" marT="0" marB="0">
+                    <a:lnL w="12700" cap="flat" cmpd="sng" algn="ctr">
+                      <a:solidFill>
+                        <a:srgbClr val="000000"/>
+                      </a:solidFill>
+                      <a:prstDash val="solid"/>
+                      <a:round/>
+                      <a:headEnd type="none" w="med" len="med"/>
+                      <a:tailEnd type="none" w="med" len="med"/>
+                    </a:lnL>
+                    <a:lnR w="12700" cap="flat" cmpd="sng" algn="ctr">
+                      <a:solidFill>
+                        <a:srgbClr val="000000"/>
+                      </a:solidFill>
+                      <a:prstDash val="solid"/>
+                      <a:round/>
+                      <a:headEnd type="none" w="med" len="med"/>
+                      <a:tailEnd type="none" w="med" len="med"/>
+                    </a:lnR>
+                    <a:lnT w="12700" cap="flat" cmpd="sng" algn="ctr">
+                      <a:solidFill>
+                        <a:srgbClr val="000000"/>
+                      </a:solidFill>
+                      <a:prstDash val="solid"/>
+                      <a:round/>
+                      <a:headEnd type="none" w="med" len="med"/>
+                      <a:tailEnd type="none" w="med" len="med"/>
+                    </a:lnT>
+                    <a:lnB w="12700" cap="flat" cmpd="sng" algn="ctr">
+                      <a:solidFill>
+                        <a:srgbClr val="000000"/>
+                      </a:solidFill>
+                      <a:prstDash val="solid"/>
+                      <a:round/>
+                      <a:headEnd type="none" w="med" len="med"/>
+                      <a:tailEnd type="none" w="med" len="med"/>
+                    </a:lnB>
+                  </a:tcPr>
+                </a:tc>
+                <a:tc>
+                  <a:txBody>
+                    <a:bodyPr/>
+                    <a:lstStyle/>
+                    <a:p>
+                      <a:pPr algn="just">
+                        <a:spcAft>
+                          <a:spcPts val="0"/>
+                        </a:spcAft>
+                      </a:pPr>
+                      <a:r>
+                        <a:rPr lang="es-ES" sz="1200">
+                          <a:solidFill>
+                            <a:schemeClr val="accent1"/>
+                          </a:solidFill>
+                          <a:effectLst/>
+                          <a:latin typeface="Arial" panose="020B0604020202020204" pitchFamily="34" charset="0"/>
+                          <a:ea typeface="Arial" panose="020B0604020202020204" pitchFamily="34" charset="0"/>
+                        </a:rPr>
+                        <a:t>El software tendrá un apartado de facturas donde se llevara a cabo un registro para mayor control de ventas, inventario, pedidos y despachos.</a:t>
+                      </a:r>
+                      <a:endParaRPr lang="en-US" sz="1000">
+                        <a:solidFill>
+                          <a:schemeClr val="accent1"/>
+                        </a:solidFill>
+                        <a:effectLst/>
+                        <a:latin typeface="Arial" panose="020B0604020202020204" pitchFamily="34" charset="0"/>
+                        <a:ea typeface="Arial" panose="020B0604020202020204" pitchFamily="34" charset="0"/>
+                      </a:endParaRPr>
+                    </a:p>
+                  </a:txBody>
+                  <a:tcPr marL="68580" marR="68580" marT="0" marB="0">
+                    <a:lnL w="12700" cap="flat" cmpd="sng" algn="ctr">
+                      <a:solidFill>
+                        <a:srgbClr val="000000"/>
+                      </a:solidFill>
+                      <a:prstDash val="solid"/>
+                      <a:round/>
+                      <a:headEnd type="none" w="med" len="med"/>
+                      <a:tailEnd type="none" w="med" len="med"/>
+                    </a:lnL>
+                    <a:lnR w="12700" cap="flat" cmpd="sng" algn="ctr">
+                      <a:solidFill>
+                        <a:srgbClr val="000000"/>
+                      </a:solidFill>
+                      <a:prstDash val="solid"/>
+                      <a:round/>
+                      <a:headEnd type="none" w="med" len="med"/>
+                      <a:tailEnd type="none" w="med" len="med"/>
+                    </a:lnR>
+                    <a:lnT w="12700" cap="flat" cmpd="sng" algn="ctr">
+                      <a:solidFill>
+                        <a:srgbClr val="000000"/>
+                      </a:solidFill>
+                      <a:prstDash val="solid"/>
+                      <a:round/>
+                      <a:headEnd type="none" w="med" len="med"/>
+                      <a:tailEnd type="none" w="med" len="med"/>
+                    </a:lnT>
+                    <a:lnB w="12700" cap="flat" cmpd="sng" algn="ctr">
+                      <a:solidFill>
+                        <a:srgbClr val="000000"/>
+                      </a:solidFill>
+                      <a:prstDash val="solid"/>
+                      <a:round/>
+                      <a:headEnd type="none" w="med" len="med"/>
+                      <a:tailEnd type="none" w="med" len="med"/>
+                    </a:lnB>
+                  </a:tcPr>
+                </a:tc>
+                <a:extLst>
+                  <a:ext uri="{0D108BD9-81ED-4DB2-BD59-A6C34878D82A}">
+                    <a16:rowId xmlns:a16="http://schemas.microsoft.com/office/drawing/2014/main" val="687552089"/>
+                  </a:ext>
+                </a:extLst>
+              </a:tr>
+              <a:tr h="854612">
+                <a:tc>
+                  <a:txBody>
+                    <a:bodyPr/>
+                    <a:lstStyle/>
+                    <a:p>
+                      <a:pPr algn="just">
+                        <a:spcAft>
+                          <a:spcPts val="0"/>
+                        </a:spcAft>
+                      </a:pPr>
+                      <a:r>
+                        <a:rPr lang="es-ES" sz="1200" b="1">
+                          <a:solidFill>
+                            <a:schemeClr val="accent1"/>
+                          </a:solidFill>
+                          <a:effectLst/>
+                          <a:latin typeface="Arial" panose="020B0604020202020204" pitchFamily="34" charset="0"/>
+                          <a:ea typeface="Arial" panose="020B0604020202020204" pitchFamily="34" charset="0"/>
+                        </a:rPr>
+                        <a:t>Requerimientos no funcionales:</a:t>
+                      </a:r>
+                      <a:endParaRPr lang="en-US" sz="1000">
+                        <a:solidFill>
+                          <a:schemeClr val="accent1"/>
+                        </a:solidFill>
+                        <a:effectLst/>
+                        <a:latin typeface="Arial" panose="020B0604020202020204" pitchFamily="34" charset="0"/>
+                        <a:ea typeface="Arial" panose="020B0604020202020204" pitchFamily="34" charset="0"/>
+                      </a:endParaRPr>
+                    </a:p>
+                  </a:txBody>
+                  <a:tcPr marL="68580" marR="68580" marT="0" marB="0">
+                    <a:lnL w="12700" cap="flat" cmpd="sng" algn="ctr">
+                      <a:solidFill>
+                        <a:srgbClr val="000000"/>
+                      </a:solidFill>
+                      <a:prstDash val="solid"/>
+                      <a:round/>
+                      <a:headEnd type="none" w="med" len="med"/>
+                      <a:tailEnd type="none" w="med" len="med"/>
+                    </a:lnL>
+                    <a:lnR w="12700" cap="flat" cmpd="sng" algn="ctr">
+                      <a:solidFill>
+                        <a:srgbClr val="000000"/>
+                      </a:solidFill>
+                      <a:prstDash val="solid"/>
+                      <a:round/>
+                      <a:headEnd type="none" w="med" len="med"/>
+                      <a:tailEnd type="none" w="med" len="med"/>
+                    </a:lnR>
+                    <a:lnT w="12700" cap="flat" cmpd="sng" algn="ctr">
+                      <a:solidFill>
+                        <a:srgbClr val="000000"/>
+                      </a:solidFill>
+                      <a:prstDash val="solid"/>
+                      <a:round/>
+                      <a:headEnd type="none" w="med" len="med"/>
+                      <a:tailEnd type="none" w="med" len="med"/>
+                    </a:lnT>
+                    <a:lnB w="12700" cap="flat" cmpd="sng" algn="ctr">
+                      <a:solidFill>
+                        <a:srgbClr val="000000"/>
+                      </a:solidFill>
+                      <a:prstDash val="solid"/>
+                      <a:round/>
+                      <a:headEnd type="none" w="med" len="med"/>
+                      <a:tailEnd type="none" w="med" len="med"/>
+                    </a:lnB>
+                  </a:tcPr>
+                </a:tc>
+                <a:tc>
+                  <a:txBody>
+                    <a:bodyPr/>
+                    <a:lstStyle/>
+                    <a:p>
+                      <a:pPr algn="just">
+                        <a:spcAft>
+                          <a:spcPts val="0"/>
+                        </a:spcAft>
+                      </a:pPr>
+                      <a:r>
+                        <a:rPr lang="es-ES" sz="1200">
+                          <a:solidFill>
+                            <a:schemeClr val="accent1"/>
+                          </a:solidFill>
+                          <a:effectLst/>
+                          <a:latin typeface="Arial" panose="020B0604020202020204" pitchFamily="34" charset="0"/>
+                          <a:ea typeface="Arial" panose="020B0604020202020204" pitchFamily="34" charset="0"/>
+                        </a:rPr>
+                        <a:t> </a:t>
+                      </a:r>
+                      <a:endParaRPr lang="en-US" sz="1000">
+                        <a:solidFill>
+                          <a:schemeClr val="accent1"/>
+                        </a:solidFill>
+                        <a:effectLst/>
+                        <a:latin typeface="Arial" panose="020B0604020202020204" pitchFamily="34" charset="0"/>
+                        <a:ea typeface="Arial" panose="020B0604020202020204" pitchFamily="34" charset="0"/>
+                      </a:endParaRPr>
+                    </a:p>
+                  </a:txBody>
+                  <a:tcPr marL="68580" marR="68580" marT="0" marB="0">
+                    <a:lnL w="12700" cap="flat" cmpd="sng" algn="ctr">
+                      <a:solidFill>
+                        <a:srgbClr val="000000"/>
+                      </a:solidFill>
+                      <a:prstDash val="solid"/>
+                      <a:round/>
+                      <a:headEnd type="none" w="med" len="med"/>
+                      <a:tailEnd type="none" w="med" len="med"/>
+                    </a:lnL>
+                    <a:lnR w="12700" cap="flat" cmpd="sng" algn="ctr">
+                      <a:solidFill>
+                        <a:srgbClr val="000000"/>
+                      </a:solidFill>
+                      <a:prstDash val="solid"/>
+                      <a:round/>
+                      <a:headEnd type="none" w="med" len="med"/>
+                      <a:tailEnd type="none" w="med" len="med"/>
+                    </a:lnR>
+                    <a:lnT w="12700" cap="flat" cmpd="sng" algn="ctr">
+                      <a:solidFill>
+                        <a:srgbClr val="000000"/>
+                      </a:solidFill>
+                      <a:prstDash val="solid"/>
+                      <a:round/>
+                      <a:headEnd type="none" w="med" len="med"/>
+                      <a:tailEnd type="none" w="med" len="med"/>
+                    </a:lnT>
+                    <a:lnB w="12700" cap="flat" cmpd="sng" algn="ctr">
+                      <a:solidFill>
+                        <a:srgbClr val="000000"/>
+                      </a:solidFill>
+                      <a:prstDash val="solid"/>
+                      <a:round/>
+                      <a:headEnd type="none" w="med" len="med"/>
+                      <a:tailEnd type="none" w="med" len="med"/>
+                    </a:lnB>
+                  </a:tcPr>
+                </a:tc>
+                <a:extLst>
+                  <a:ext uri="{0D108BD9-81ED-4DB2-BD59-A6C34878D82A}">
+                    <a16:rowId xmlns:a16="http://schemas.microsoft.com/office/drawing/2014/main" val="2727890758"/>
+                  </a:ext>
+                </a:extLst>
+              </a:tr>
+              <a:tr h="854612">
+                <a:tc>
+                  <a:txBody>
+                    <a:bodyPr/>
+                    <a:lstStyle/>
+                    <a:p>
+                      <a:pPr algn="just">
+                        <a:spcAft>
+                          <a:spcPts val="0"/>
+                        </a:spcAft>
+                      </a:pPr>
+                      <a:r>
+                        <a:rPr lang="es-ES" sz="1200" b="1">
+                          <a:solidFill>
+                            <a:schemeClr val="accent1"/>
+                          </a:solidFill>
+                          <a:effectLst/>
+                          <a:latin typeface="Arial" panose="020B0604020202020204" pitchFamily="34" charset="0"/>
+                          <a:ea typeface="Arial" panose="020B0604020202020204" pitchFamily="34" charset="0"/>
+                        </a:rPr>
+                        <a:t>Prioridad de requerimiento:</a:t>
+                      </a:r>
+                      <a:endParaRPr lang="en-US" sz="1000">
+                        <a:solidFill>
+                          <a:schemeClr val="accent1"/>
+                        </a:solidFill>
+                        <a:effectLst/>
+                        <a:latin typeface="Arial" panose="020B0604020202020204" pitchFamily="34" charset="0"/>
+                        <a:ea typeface="Arial" panose="020B0604020202020204" pitchFamily="34" charset="0"/>
+                      </a:endParaRPr>
+                    </a:p>
+                  </a:txBody>
+                  <a:tcPr marL="68580" marR="68580" marT="0" marB="0">
+                    <a:lnL w="12700" cap="flat" cmpd="sng" algn="ctr">
+                      <a:solidFill>
+                        <a:srgbClr val="000000"/>
+                      </a:solidFill>
+                      <a:prstDash val="solid"/>
+                      <a:round/>
+                      <a:headEnd type="none" w="med" len="med"/>
+                      <a:tailEnd type="none" w="med" len="med"/>
+                    </a:lnL>
+                    <a:lnR w="12700" cap="flat" cmpd="sng" algn="ctr">
+                      <a:solidFill>
+                        <a:srgbClr val="000000"/>
+                      </a:solidFill>
+                      <a:prstDash val="solid"/>
+                      <a:round/>
+                      <a:headEnd type="none" w="med" len="med"/>
+                      <a:tailEnd type="none" w="med" len="med"/>
+                    </a:lnR>
+                    <a:lnT w="12700" cap="flat" cmpd="sng" algn="ctr">
+                      <a:solidFill>
+                        <a:srgbClr val="000000"/>
+                      </a:solidFill>
+                      <a:prstDash val="solid"/>
+                      <a:round/>
+                      <a:headEnd type="none" w="med" len="med"/>
+                      <a:tailEnd type="none" w="med" len="med"/>
+                    </a:lnT>
+                    <a:lnB w="12700" cap="flat" cmpd="sng" algn="ctr">
+                      <a:solidFill>
+                        <a:srgbClr val="000000"/>
+                      </a:solidFill>
+                      <a:prstDash val="solid"/>
+                      <a:round/>
+                      <a:headEnd type="none" w="med" len="med"/>
+                      <a:tailEnd type="none" w="med" len="med"/>
+                    </a:lnB>
+                  </a:tcPr>
+                </a:tc>
+                <a:tc>
+                  <a:txBody>
+                    <a:bodyPr/>
+                    <a:lstStyle/>
+                    <a:p>
+                      <a:pPr algn="just">
+                        <a:spcAft>
+                          <a:spcPts val="0"/>
+                        </a:spcAft>
+                      </a:pPr>
+                      <a:r>
+                        <a:rPr lang="es-ES" sz="1200" dirty="0">
+                          <a:solidFill>
+                            <a:schemeClr val="accent1"/>
+                          </a:solidFill>
+                          <a:effectLst/>
+                          <a:latin typeface="Arial" panose="020B0604020202020204" pitchFamily="34" charset="0"/>
+                          <a:ea typeface="Arial" panose="020B0604020202020204" pitchFamily="34" charset="0"/>
+                        </a:rPr>
+                        <a:t>    Alta (   )         media ( x )                baja(  x )</a:t>
+                      </a:r>
+                      <a:endParaRPr lang="en-US" sz="1000" dirty="0">
+                        <a:solidFill>
+                          <a:schemeClr val="accent1"/>
+                        </a:solidFill>
+                        <a:effectLst/>
+                        <a:latin typeface="Arial" panose="020B0604020202020204" pitchFamily="34" charset="0"/>
+                        <a:ea typeface="Arial" panose="020B0604020202020204" pitchFamily="34" charset="0"/>
+                      </a:endParaRPr>
+                    </a:p>
+                  </a:txBody>
+                  <a:tcPr marL="68580" marR="68580" marT="0" marB="0">
+                    <a:lnL w="12700" cap="flat" cmpd="sng" algn="ctr">
+                      <a:solidFill>
+                        <a:srgbClr val="000000"/>
+                      </a:solidFill>
+                      <a:prstDash val="solid"/>
+                      <a:round/>
+                      <a:headEnd type="none" w="med" len="med"/>
+                      <a:tailEnd type="none" w="med" len="med"/>
+                    </a:lnL>
+                    <a:lnR w="12700" cap="flat" cmpd="sng" algn="ctr">
+                      <a:solidFill>
+                        <a:srgbClr val="000000"/>
+                      </a:solidFill>
+                      <a:prstDash val="solid"/>
+                      <a:round/>
+                      <a:headEnd type="none" w="med" len="med"/>
+                      <a:tailEnd type="none" w="med" len="med"/>
+                    </a:lnR>
+                    <a:lnT w="12700" cap="flat" cmpd="sng" algn="ctr">
+                      <a:solidFill>
+                        <a:srgbClr val="000000"/>
+                      </a:solidFill>
+                      <a:prstDash val="solid"/>
+                      <a:round/>
+                      <a:headEnd type="none" w="med" len="med"/>
+                      <a:tailEnd type="none" w="med" len="med"/>
+                    </a:lnT>
+                    <a:lnB w="12700" cap="flat" cmpd="sng" algn="ctr">
+                      <a:solidFill>
+                        <a:srgbClr val="000000"/>
+                      </a:solidFill>
+                      <a:prstDash val="solid"/>
+                      <a:round/>
+                      <a:headEnd type="none" w="med" len="med"/>
+                      <a:tailEnd type="none" w="med" len="med"/>
+                    </a:lnB>
+                  </a:tcPr>
+                </a:tc>
+                <a:extLst>
+                  <a:ext uri="{0D108BD9-81ED-4DB2-BD59-A6C34878D82A}">
+                    <a16:rowId xmlns:a16="http://schemas.microsoft.com/office/drawing/2014/main" val="1277660261"/>
+                  </a:ext>
+                </a:extLst>
+              </a:tr>
+            </a:tbl>
+          </a:graphicData>
+        </a:graphic>
+      </p:graphicFrame>
     </p:spTree>
     <p:extLst>
       <p:ext uri="{BB962C8B-B14F-4D97-AF65-F5344CB8AC3E}">
@@ -7941,6 +9825,933 @@
           </a:p>
         </p:txBody>
       </p:sp>
+      <p:graphicFrame>
+        <p:nvGraphicFramePr>
+          <p:cNvPr id="2" name="Tabla 1"/>
+          <p:cNvGraphicFramePr>
+            <a:graphicFrameLocks noGrp="1"/>
+          </p:cNvGraphicFramePr>
+          <p:nvPr>
+            <p:extLst>
+              <p:ext uri="{D42A27DB-BD31-4B8C-83A1-F6EECF244321}">
+                <p14:modId xmlns:p14="http://schemas.microsoft.com/office/powerpoint/2010/main" val="327410709"/>
+              </p:ext>
+            </p:extLst>
+          </p:nvPr>
+        </p:nvGraphicFramePr>
+        <p:xfrm>
+          <a:off x="571500" y="960118"/>
+          <a:ext cx="10344150" cy="5440681"/>
+        </p:xfrm>
+        <a:graphic>
+          <a:graphicData uri="http://schemas.openxmlformats.org/drawingml/2006/table">
+            <a:tbl>
+              <a:tblPr/>
+              <a:tblGrid>
+                <a:gridCol w="2667619">
+                  <a:extLst>
+                    <a:ext uri="{9D8B030D-6E8A-4147-A177-3AD203B41FA5}">
+                      <a16:colId xmlns:a16="http://schemas.microsoft.com/office/drawing/2014/main" val="1049141210"/>
+                    </a:ext>
+                  </a:extLst>
+                </a:gridCol>
+                <a:gridCol w="7676531">
+                  <a:extLst>
+                    <a:ext uri="{9D8B030D-6E8A-4147-A177-3AD203B41FA5}">
+                      <a16:colId xmlns:a16="http://schemas.microsoft.com/office/drawing/2014/main" val="2102360015"/>
+                    </a:ext>
+                  </a:extLst>
+                </a:gridCol>
+              </a:tblGrid>
+              <a:tr h="864267">
+                <a:tc>
+                  <a:txBody>
+                    <a:bodyPr/>
+                    <a:lstStyle/>
+                    <a:p>
+                      <a:pPr algn="just">
+                        <a:spcAft>
+                          <a:spcPts val="0"/>
+                        </a:spcAft>
+                      </a:pPr>
+                      <a:r>
+                        <a:rPr lang="es-ES" sz="1200" b="1">
+                          <a:solidFill>
+                            <a:schemeClr val="accent1"/>
+                          </a:solidFill>
+                          <a:effectLst/>
+                          <a:latin typeface="Arial" panose="020B0604020202020204" pitchFamily="34" charset="0"/>
+                          <a:ea typeface="Arial" panose="020B0604020202020204" pitchFamily="34" charset="0"/>
+                        </a:rPr>
+                        <a:t>Identificación del requerimiento:</a:t>
+                      </a:r>
+                      <a:endParaRPr lang="en-US" sz="1000">
+                        <a:solidFill>
+                          <a:schemeClr val="accent1"/>
+                        </a:solidFill>
+                        <a:effectLst/>
+                        <a:latin typeface="Arial" panose="020B0604020202020204" pitchFamily="34" charset="0"/>
+                        <a:ea typeface="Arial" panose="020B0604020202020204" pitchFamily="34" charset="0"/>
+                      </a:endParaRPr>
+                    </a:p>
+                  </a:txBody>
+                  <a:tcPr marL="68580" marR="68580" marT="0" marB="0">
+                    <a:lnL w="12700" cap="flat" cmpd="sng" algn="ctr">
+                      <a:solidFill>
+                        <a:srgbClr val="000000"/>
+                      </a:solidFill>
+                      <a:prstDash val="solid"/>
+                      <a:round/>
+                      <a:headEnd type="none" w="med" len="med"/>
+                      <a:tailEnd type="none" w="med" len="med"/>
+                    </a:lnL>
+                    <a:lnR w="12700" cap="flat" cmpd="sng" algn="ctr">
+                      <a:solidFill>
+                        <a:srgbClr val="000000"/>
+                      </a:solidFill>
+                      <a:prstDash val="solid"/>
+                      <a:round/>
+                      <a:headEnd type="none" w="med" len="med"/>
+                      <a:tailEnd type="none" w="med" len="med"/>
+                    </a:lnR>
+                    <a:lnT w="12700" cap="flat" cmpd="sng" algn="ctr">
+                      <a:solidFill>
+                        <a:srgbClr val="000000"/>
+                      </a:solidFill>
+                      <a:prstDash val="solid"/>
+                      <a:round/>
+                      <a:headEnd type="none" w="med" len="med"/>
+                      <a:tailEnd type="none" w="med" len="med"/>
+                    </a:lnT>
+                    <a:lnB w="12700" cap="flat" cmpd="sng" algn="ctr">
+                      <a:solidFill>
+                        <a:srgbClr val="000000"/>
+                      </a:solidFill>
+                      <a:prstDash val="solid"/>
+                      <a:round/>
+                      <a:headEnd type="none" w="med" len="med"/>
+                      <a:tailEnd type="none" w="med" len="med"/>
+                    </a:lnB>
+                  </a:tcPr>
+                </a:tc>
+                <a:tc>
+                  <a:txBody>
+                    <a:bodyPr/>
+                    <a:lstStyle/>
+                    <a:p>
+                      <a:pPr algn="just">
+                        <a:spcAft>
+                          <a:spcPts val="0"/>
+                        </a:spcAft>
+                      </a:pPr>
+                      <a:r>
+                        <a:rPr lang="es-ES" sz="1200" b="1" dirty="0">
+                          <a:solidFill>
+                            <a:schemeClr val="accent1"/>
+                          </a:solidFill>
+                          <a:effectLst/>
+                          <a:latin typeface="Arial" panose="020B0604020202020204" pitchFamily="34" charset="0"/>
+                          <a:ea typeface="Arial" panose="020B0604020202020204" pitchFamily="34" charset="0"/>
+                        </a:rPr>
+                        <a:t>Requerimiento F3</a:t>
+                      </a:r>
+                      <a:endParaRPr lang="en-US" sz="1000" dirty="0">
+                        <a:solidFill>
+                          <a:schemeClr val="accent1"/>
+                        </a:solidFill>
+                        <a:effectLst/>
+                        <a:latin typeface="Arial" panose="020B0604020202020204" pitchFamily="34" charset="0"/>
+                        <a:ea typeface="Arial" panose="020B0604020202020204" pitchFamily="34" charset="0"/>
+                      </a:endParaRPr>
+                    </a:p>
+                  </a:txBody>
+                  <a:tcPr marL="68580" marR="68580" marT="0" marB="0">
+                    <a:lnL w="12700" cap="flat" cmpd="sng" algn="ctr">
+                      <a:solidFill>
+                        <a:srgbClr val="000000"/>
+                      </a:solidFill>
+                      <a:prstDash val="solid"/>
+                      <a:round/>
+                      <a:headEnd type="none" w="med" len="med"/>
+                      <a:tailEnd type="none" w="med" len="med"/>
+                    </a:lnL>
+                    <a:lnR w="12700" cap="flat" cmpd="sng" algn="ctr">
+                      <a:solidFill>
+                        <a:srgbClr val="000000"/>
+                      </a:solidFill>
+                      <a:prstDash val="solid"/>
+                      <a:round/>
+                      <a:headEnd type="none" w="med" len="med"/>
+                      <a:tailEnd type="none" w="med" len="med"/>
+                    </a:lnR>
+                    <a:lnT w="12700" cap="flat" cmpd="sng" algn="ctr">
+                      <a:solidFill>
+                        <a:srgbClr val="000000"/>
+                      </a:solidFill>
+                      <a:prstDash val="solid"/>
+                      <a:round/>
+                      <a:headEnd type="none" w="med" len="med"/>
+                      <a:tailEnd type="none" w="med" len="med"/>
+                    </a:lnT>
+                    <a:lnB w="12700" cap="flat" cmpd="sng" algn="ctr">
+                      <a:solidFill>
+                        <a:srgbClr val="000000"/>
+                      </a:solidFill>
+                      <a:prstDash val="solid"/>
+                      <a:round/>
+                      <a:headEnd type="none" w="med" len="med"/>
+                      <a:tailEnd type="none" w="med" len="med"/>
+                    </a:lnB>
+                  </a:tcPr>
+                </a:tc>
+                <a:extLst>
+                  <a:ext uri="{0D108BD9-81ED-4DB2-BD59-A6C34878D82A}">
+                    <a16:rowId xmlns:a16="http://schemas.microsoft.com/office/drawing/2014/main" val="1467818313"/>
+                  </a:ext>
+                </a:extLst>
+              </a:tr>
+              <a:tr h="864267">
+                <a:tc>
+                  <a:txBody>
+                    <a:bodyPr/>
+                    <a:lstStyle/>
+                    <a:p>
+                      <a:pPr algn="just">
+                        <a:spcAft>
+                          <a:spcPts val="0"/>
+                        </a:spcAft>
+                      </a:pPr>
+                      <a:r>
+                        <a:rPr lang="es-ES" sz="1200" b="1">
+                          <a:solidFill>
+                            <a:schemeClr val="accent1"/>
+                          </a:solidFill>
+                          <a:effectLst/>
+                          <a:latin typeface="Arial" panose="020B0604020202020204" pitchFamily="34" charset="0"/>
+                          <a:ea typeface="Arial" panose="020B0604020202020204" pitchFamily="34" charset="0"/>
+                        </a:rPr>
+                        <a:t>Nombre del requerimiento:</a:t>
+                      </a:r>
+                      <a:endParaRPr lang="en-US" sz="1000">
+                        <a:solidFill>
+                          <a:schemeClr val="accent1"/>
+                        </a:solidFill>
+                        <a:effectLst/>
+                        <a:latin typeface="Arial" panose="020B0604020202020204" pitchFamily="34" charset="0"/>
+                        <a:ea typeface="Arial" panose="020B0604020202020204" pitchFamily="34" charset="0"/>
+                      </a:endParaRPr>
+                    </a:p>
+                  </a:txBody>
+                  <a:tcPr marL="68580" marR="68580" marT="0" marB="0">
+                    <a:lnL w="12700" cap="flat" cmpd="sng" algn="ctr">
+                      <a:solidFill>
+                        <a:srgbClr val="000000"/>
+                      </a:solidFill>
+                      <a:prstDash val="solid"/>
+                      <a:round/>
+                      <a:headEnd type="none" w="med" len="med"/>
+                      <a:tailEnd type="none" w="med" len="med"/>
+                    </a:lnL>
+                    <a:lnR w="12700" cap="flat" cmpd="sng" algn="ctr">
+                      <a:solidFill>
+                        <a:srgbClr val="000000"/>
+                      </a:solidFill>
+                      <a:prstDash val="solid"/>
+                      <a:round/>
+                      <a:headEnd type="none" w="med" len="med"/>
+                      <a:tailEnd type="none" w="med" len="med"/>
+                    </a:lnR>
+                    <a:lnT w="12700" cap="flat" cmpd="sng" algn="ctr">
+                      <a:solidFill>
+                        <a:srgbClr val="000000"/>
+                      </a:solidFill>
+                      <a:prstDash val="solid"/>
+                      <a:round/>
+                      <a:headEnd type="none" w="med" len="med"/>
+                      <a:tailEnd type="none" w="med" len="med"/>
+                    </a:lnT>
+                    <a:lnB w="12700" cap="flat" cmpd="sng" algn="ctr">
+                      <a:solidFill>
+                        <a:srgbClr val="000000"/>
+                      </a:solidFill>
+                      <a:prstDash val="solid"/>
+                      <a:round/>
+                      <a:headEnd type="none" w="med" len="med"/>
+                      <a:tailEnd type="none" w="med" len="med"/>
+                    </a:lnB>
+                  </a:tcPr>
+                </a:tc>
+                <a:tc>
+                  <a:txBody>
+                    <a:bodyPr/>
+                    <a:lstStyle/>
+                    <a:p>
+                      <a:pPr algn="just">
+                        <a:spcAft>
+                          <a:spcPts val="0"/>
+                        </a:spcAft>
+                      </a:pPr>
+                      <a:r>
+                        <a:rPr lang="es-ES" sz="1200">
+                          <a:solidFill>
+                            <a:schemeClr val="accent1"/>
+                          </a:solidFill>
+                          <a:effectLst/>
+                          <a:latin typeface="Arial" panose="020B0604020202020204" pitchFamily="34" charset="0"/>
+                          <a:ea typeface="Arial" panose="020B0604020202020204" pitchFamily="34" charset="0"/>
+                        </a:rPr>
+                        <a:t>Control de Inventario</a:t>
+                      </a:r>
+                      <a:endParaRPr lang="en-US" sz="1000">
+                        <a:solidFill>
+                          <a:schemeClr val="accent1"/>
+                        </a:solidFill>
+                        <a:effectLst/>
+                        <a:latin typeface="Arial" panose="020B0604020202020204" pitchFamily="34" charset="0"/>
+                        <a:ea typeface="Arial" panose="020B0604020202020204" pitchFamily="34" charset="0"/>
+                      </a:endParaRPr>
+                    </a:p>
+                  </a:txBody>
+                  <a:tcPr marL="68580" marR="68580" marT="0" marB="0">
+                    <a:lnL w="12700" cap="flat" cmpd="sng" algn="ctr">
+                      <a:solidFill>
+                        <a:srgbClr val="000000"/>
+                      </a:solidFill>
+                      <a:prstDash val="solid"/>
+                      <a:round/>
+                      <a:headEnd type="none" w="med" len="med"/>
+                      <a:tailEnd type="none" w="med" len="med"/>
+                    </a:lnL>
+                    <a:lnR w="12700" cap="flat" cmpd="sng" algn="ctr">
+                      <a:solidFill>
+                        <a:srgbClr val="000000"/>
+                      </a:solidFill>
+                      <a:prstDash val="solid"/>
+                      <a:round/>
+                      <a:headEnd type="none" w="med" len="med"/>
+                      <a:tailEnd type="none" w="med" len="med"/>
+                    </a:lnR>
+                    <a:lnT w="12700" cap="flat" cmpd="sng" algn="ctr">
+                      <a:solidFill>
+                        <a:srgbClr val="000000"/>
+                      </a:solidFill>
+                      <a:prstDash val="solid"/>
+                      <a:round/>
+                      <a:headEnd type="none" w="med" len="med"/>
+                      <a:tailEnd type="none" w="med" len="med"/>
+                    </a:lnT>
+                    <a:lnB w="12700" cap="flat" cmpd="sng" algn="ctr">
+                      <a:solidFill>
+                        <a:srgbClr val="000000"/>
+                      </a:solidFill>
+                      <a:prstDash val="solid"/>
+                      <a:round/>
+                      <a:headEnd type="none" w="med" len="med"/>
+                      <a:tailEnd type="none" w="med" len="med"/>
+                    </a:lnB>
+                  </a:tcPr>
+                </a:tc>
+                <a:extLst>
+                  <a:ext uri="{0D108BD9-81ED-4DB2-BD59-A6C34878D82A}">
+                    <a16:rowId xmlns:a16="http://schemas.microsoft.com/office/drawing/2014/main" val="382806866"/>
+                  </a:ext>
+                </a:extLst>
+              </a:tr>
+              <a:tr h="687213">
+                <a:tc>
+                  <a:txBody>
+                    <a:bodyPr/>
+                    <a:lstStyle/>
+                    <a:p>
+                      <a:pPr algn="just">
+                        <a:spcAft>
+                          <a:spcPts val="0"/>
+                        </a:spcAft>
+                      </a:pPr>
+                      <a:r>
+                        <a:rPr lang="es-ES" sz="1200" b="1">
+                          <a:solidFill>
+                            <a:schemeClr val="accent1"/>
+                          </a:solidFill>
+                          <a:effectLst/>
+                          <a:latin typeface="Arial" panose="020B0604020202020204" pitchFamily="34" charset="0"/>
+                          <a:ea typeface="Arial" panose="020B0604020202020204" pitchFamily="34" charset="0"/>
+                        </a:rPr>
+                        <a:t>Características</a:t>
+                      </a:r>
+                      <a:endParaRPr lang="en-US" sz="1000">
+                        <a:solidFill>
+                          <a:schemeClr val="accent1"/>
+                        </a:solidFill>
+                        <a:effectLst/>
+                        <a:latin typeface="Arial" panose="020B0604020202020204" pitchFamily="34" charset="0"/>
+                        <a:ea typeface="Arial" panose="020B0604020202020204" pitchFamily="34" charset="0"/>
+                      </a:endParaRPr>
+                    </a:p>
+                  </a:txBody>
+                  <a:tcPr marL="68580" marR="68580" marT="0" marB="0">
+                    <a:lnL w="12700" cap="flat" cmpd="sng" algn="ctr">
+                      <a:solidFill>
+                        <a:srgbClr val="000000"/>
+                      </a:solidFill>
+                      <a:prstDash val="solid"/>
+                      <a:round/>
+                      <a:headEnd type="none" w="med" len="med"/>
+                      <a:tailEnd type="none" w="med" len="med"/>
+                    </a:lnL>
+                    <a:lnR w="12700" cap="flat" cmpd="sng" algn="ctr">
+                      <a:solidFill>
+                        <a:srgbClr val="000000"/>
+                      </a:solidFill>
+                      <a:prstDash val="solid"/>
+                      <a:round/>
+                      <a:headEnd type="none" w="med" len="med"/>
+                      <a:tailEnd type="none" w="med" len="med"/>
+                    </a:lnR>
+                    <a:lnT w="12700" cap="flat" cmpd="sng" algn="ctr">
+                      <a:solidFill>
+                        <a:srgbClr val="000000"/>
+                      </a:solidFill>
+                      <a:prstDash val="solid"/>
+                      <a:round/>
+                      <a:headEnd type="none" w="med" len="med"/>
+                      <a:tailEnd type="none" w="med" len="med"/>
+                    </a:lnT>
+                    <a:lnB w="12700" cap="flat" cmpd="sng" algn="ctr">
+                      <a:solidFill>
+                        <a:srgbClr val="000000"/>
+                      </a:solidFill>
+                      <a:prstDash val="solid"/>
+                      <a:round/>
+                      <a:headEnd type="none" w="med" len="med"/>
+                      <a:tailEnd type="none" w="med" len="med"/>
+                    </a:lnB>
+                  </a:tcPr>
+                </a:tc>
+                <a:tc>
+                  <a:txBody>
+                    <a:bodyPr/>
+                    <a:lstStyle/>
+                    <a:p>
+                      <a:pPr algn="just">
+                        <a:spcAft>
+                          <a:spcPts val="0"/>
+                        </a:spcAft>
+                        <a:tabLst>
+                          <a:tab pos="2733675" algn="l"/>
+                        </a:tabLst>
+                      </a:pPr>
+                      <a:r>
+                        <a:rPr lang="es-ES" sz="1200">
+                          <a:solidFill>
+                            <a:schemeClr val="accent1"/>
+                          </a:solidFill>
+                          <a:effectLst/>
+                          <a:latin typeface="Arial" panose="020B0604020202020204" pitchFamily="34" charset="0"/>
+                          <a:ea typeface="Arial" panose="020B0604020202020204" pitchFamily="34" charset="0"/>
+                        </a:rPr>
+                        <a:t>Se llevara un registro para un control de inventario  </a:t>
+                      </a:r>
+                      <a:endParaRPr lang="en-US" sz="1000">
+                        <a:solidFill>
+                          <a:schemeClr val="accent1"/>
+                        </a:solidFill>
+                        <a:effectLst/>
+                        <a:latin typeface="Arial" panose="020B0604020202020204" pitchFamily="34" charset="0"/>
+                        <a:ea typeface="Arial" panose="020B0604020202020204" pitchFamily="34" charset="0"/>
+                      </a:endParaRPr>
+                    </a:p>
+                  </a:txBody>
+                  <a:tcPr marL="68580" marR="68580" marT="0" marB="0">
+                    <a:lnL w="12700" cap="flat" cmpd="sng" algn="ctr">
+                      <a:solidFill>
+                        <a:srgbClr val="000000"/>
+                      </a:solidFill>
+                      <a:prstDash val="solid"/>
+                      <a:round/>
+                      <a:headEnd type="none" w="med" len="med"/>
+                      <a:tailEnd type="none" w="med" len="med"/>
+                    </a:lnL>
+                    <a:lnR w="12700" cap="flat" cmpd="sng" algn="ctr">
+                      <a:solidFill>
+                        <a:srgbClr val="000000"/>
+                      </a:solidFill>
+                      <a:prstDash val="solid"/>
+                      <a:round/>
+                      <a:headEnd type="none" w="med" len="med"/>
+                      <a:tailEnd type="none" w="med" len="med"/>
+                    </a:lnR>
+                    <a:lnT w="12700" cap="flat" cmpd="sng" algn="ctr">
+                      <a:solidFill>
+                        <a:srgbClr val="000000"/>
+                      </a:solidFill>
+                      <a:prstDash val="solid"/>
+                      <a:round/>
+                      <a:headEnd type="none" w="med" len="med"/>
+                      <a:tailEnd type="none" w="med" len="med"/>
+                    </a:lnT>
+                    <a:lnB w="12700" cap="flat" cmpd="sng" algn="ctr">
+                      <a:solidFill>
+                        <a:srgbClr val="000000"/>
+                      </a:solidFill>
+                      <a:prstDash val="solid"/>
+                      <a:round/>
+                      <a:headEnd type="none" w="med" len="med"/>
+                      <a:tailEnd type="none" w="med" len="med"/>
+                    </a:lnB>
+                  </a:tcPr>
+                </a:tc>
+                <a:extLst>
+                  <a:ext uri="{0D108BD9-81ED-4DB2-BD59-A6C34878D82A}">
+                    <a16:rowId xmlns:a16="http://schemas.microsoft.com/office/drawing/2014/main" val="1947916038"/>
+                  </a:ext>
+                </a:extLst>
+              </a:tr>
+              <a:tr h="1296400">
+                <a:tc>
+                  <a:txBody>
+                    <a:bodyPr/>
+                    <a:lstStyle/>
+                    <a:p>
+                      <a:pPr algn="just">
+                        <a:spcAft>
+                          <a:spcPts val="0"/>
+                        </a:spcAft>
+                      </a:pPr>
+                      <a:r>
+                        <a:rPr lang="es-ES" sz="1200" b="1">
+                          <a:solidFill>
+                            <a:schemeClr val="accent1"/>
+                          </a:solidFill>
+                          <a:effectLst/>
+                          <a:latin typeface="Arial" panose="020B0604020202020204" pitchFamily="34" charset="0"/>
+                          <a:ea typeface="Arial" panose="020B0604020202020204" pitchFamily="34" charset="0"/>
+                        </a:rPr>
+                        <a:t>Descripción del requerimiento:</a:t>
+                      </a:r>
+                      <a:endParaRPr lang="en-US" sz="1000">
+                        <a:solidFill>
+                          <a:schemeClr val="accent1"/>
+                        </a:solidFill>
+                        <a:effectLst/>
+                        <a:latin typeface="Arial" panose="020B0604020202020204" pitchFamily="34" charset="0"/>
+                        <a:ea typeface="Arial" panose="020B0604020202020204" pitchFamily="34" charset="0"/>
+                      </a:endParaRPr>
+                    </a:p>
+                  </a:txBody>
+                  <a:tcPr marL="68580" marR="68580" marT="0" marB="0">
+                    <a:lnL w="12700" cap="flat" cmpd="sng" algn="ctr">
+                      <a:solidFill>
+                        <a:srgbClr val="000000"/>
+                      </a:solidFill>
+                      <a:prstDash val="solid"/>
+                      <a:round/>
+                      <a:headEnd type="none" w="med" len="med"/>
+                      <a:tailEnd type="none" w="med" len="med"/>
+                    </a:lnL>
+                    <a:lnR w="12700" cap="flat" cmpd="sng" algn="ctr">
+                      <a:solidFill>
+                        <a:srgbClr val="000000"/>
+                      </a:solidFill>
+                      <a:prstDash val="solid"/>
+                      <a:round/>
+                      <a:headEnd type="none" w="med" len="med"/>
+                      <a:tailEnd type="none" w="med" len="med"/>
+                    </a:lnR>
+                    <a:lnT w="12700" cap="flat" cmpd="sng" algn="ctr">
+                      <a:solidFill>
+                        <a:srgbClr val="000000"/>
+                      </a:solidFill>
+                      <a:prstDash val="solid"/>
+                      <a:round/>
+                      <a:headEnd type="none" w="med" len="med"/>
+                      <a:tailEnd type="none" w="med" len="med"/>
+                    </a:lnT>
+                    <a:lnB w="12700" cap="flat" cmpd="sng" algn="ctr">
+                      <a:solidFill>
+                        <a:srgbClr val="000000"/>
+                      </a:solidFill>
+                      <a:prstDash val="solid"/>
+                      <a:round/>
+                      <a:headEnd type="none" w="med" len="med"/>
+                      <a:tailEnd type="none" w="med" len="med"/>
+                    </a:lnB>
+                  </a:tcPr>
+                </a:tc>
+                <a:tc>
+                  <a:txBody>
+                    <a:bodyPr/>
+                    <a:lstStyle/>
+                    <a:p>
+                      <a:pPr algn="just">
+                        <a:spcAft>
+                          <a:spcPts val="0"/>
+                        </a:spcAft>
+                      </a:pPr>
+                      <a:r>
+                        <a:rPr lang="es-ES" sz="1200">
+                          <a:solidFill>
+                            <a:schemeClr val="accent1"/>
+                          </a:solidFill>
+                          <a:effectLst/>
+                          <a:latin typeface="Arial" panose="020B0604020202020204" pitchFamily="34" charset="0"/>
+                          <a:ea typeface="Arial" panose="020B0604020202020204" pitchFamily="34" charset="0"/>
+                        </a:rPr>
+                        <a:t>El software permitirá registrar el precio unitario y al por mayor a su vez se verá que productos hay en existencia, cuales se han vendido y de cuales hay que hacer pedido.</a:t>
+                      </a:r>
+                      <a:endParaRPr lang="en-US" sz="1000">
+                        <a:solidFill>
+                          <a:schemeClr val="accent1"/>
+                        </a:solidFill>
+                        <a:effectLst/>
+                        <a:latin typeface="Arial" panose="020B0604020202020204" pitchFamily="34" charset="0"/>
+                        <a:ea typeface="Arial" panose="020B0604020202020204" pitchFamily="34" charset="0"/>
+                      </a:endParaRPr>
+                    </a:p>
+                  </a:txBody>
+                  <a:tcPr marL="68580" marR="68580" marT="0" marB="0">
+                    <a:lnL w="12700" cap="flat" cmpd="sng" algn="ctr">
+                      <a:solidFill>
+                        <a:srgbClr val="000000"/>
+                      </a:solidFill>
+                      <a:prstDash val="solid"/>
+                      <a:round/>
+                      <a:headEnd type="none" w="med" len="med"/>
+                      <a:tailEnd type="none" w="med" len="med"/>
+                    </a:lnL>
+                    <a:lnR w="12700" cap="flat" cmpd="sng" algn="ctr">
+                      <a:solidFill>
+                        <a:srgbClr val="000000"/>
+                      </a:solidFill>
+                      <a:prstDash val="solid"/>
+                      <a:round/>
+                      <a:headEnd type="none" w="med" len="med"/>
+                      <a:tailEnd type="none" w="med" len="med"/>
+                    </a:lnR>
+                    <a:lnT w="12700" cap="flat" cmpd="sng" algn="ctr">
+                      <a:solidFill>
+                        <a:srgbClr val="000000"/>
+                      </a:solidFill>
+                      <a:prstDash val="solid"/>
+                      <a:round/>
+                      <a:headEnd type="none" w="med" len="med"/>
+                      <a:tailEnd type="none" w="med" len="med"/>
+                    </a:lnT>
+                    <a:lnB w="12700" cap="flat" cmpd="sng" algn="ctr">
+                      <a:solidFill>
+                        <a:srgbClr val="000000"/>
+                      </a:solidFill>
+                      <a:prstDash val="solid"/>
+                      <a:round/>
+                      <a:headEnd type="none" w="med" len="med"/>
+                      <a:tailEnd type="none" w="med" len="med"/>
+                    </a:lnB>
+                  </a:tcPr>
+                </a:tc>
+                <a:extLst>
+                  <a:ext uri="{0D108BD9-81ED-4DB2-BD59-A6C34878D82A}">
+                    <a16:rowId xmlns:a16="http://schemas.microsoft.com/office/drawing/2014/main" val="3405688174"/>
+                  </a:ext>
+                </a:extLst>
+              </a:tr>
+              <a:tr h="864267">
+                <a:tc>
+                  <a:txBody>
+                    <a:bodyPr/>
+                    <a:lstStyle/>
+                    <a:p>
+                      <a:pPr algn="just">
+                        <a:spcAft>
+                          <a:spcPts val="0"/>
+                        </a:spcAft>
+                      </a:pPr>
+                      <a:r>
+                        <a:rPr lang="es-ES" sz="1200" b="1">
+                          <a:solidFill>
+                            <a:schemeClr val="accent1"/>
+                          </a:solidFill>
+                          <a:effectLst/>
+                          <a:latin typeface="Arial" panose="020B0604020202020204" pitchFamily="34" charset="0"/>
+                          <a:ea typeface="Arial" panose="020B0604020202020204" pitchFamily="34" charset="0"/>
+                        </a:rPr>
+                        <a:t>Requerimientos no funcionales:</a:t>
+                      </a:r>
+                      <a:endParaRPr lang="en-US" sz="1000">
+                        <a:solidFill>
+                          <a:schemeClr val="accent1"/>
+                        </a:solidFill>
+                        <a:effectLst/>
+                        <a:latin typeface="Arial" panose="020B0604020202020204" pitchFamily="34" charset="0"/>
+                        <a:ea typeface="Arial" panose="020B0604020202020204" pitchFamily="34" charset="0"/>
+                      </a:endParaRPr>
+                    </a:p>
+                  </a:txBody>
+                  <a:tcPr marL="68580" marR="68580" marT="0" marB="0">
+                    <a:lnL w="12700" cap="flat" cmpd="sng" algn="ctr">
+                      <a:solidFill>
+                        <a:srgbClr val="000000"/>
+                      </a:solidFill>
+                      <a:prstDash val="solid"/>
+                      <a:round/>
+                      <a:headEnd type="none" w="med" len="med"/>
+                      <a:tailEnd type="none" w="med" len="med"/>
+                    </a:lnL>
+                    <a:lnR w="12700" cap="flat" cmpd="sng" algn="ctr">
+                      <a:solidFill>
+                        <a:srgbClr val="000000"/>
+                      </a:solidFill>
+                      <a:prstDash val="solid"/>
+                      <a:round/>
+                      <a:headEnd type="none" w="med" len="med"/>
+                      <a:tailEnd type="none" w="med" len="med"/>
+                    </a:lnR>
+                    <a:lnT w="12700" cap="flat" cmpd="sng" algn="ctr">
+                      <a:solidFill>
+                        <a:srgbClr val="000000"/>
+                      </a:solidFill>
+                      <a:prstDash val="solid"/>
+                      <a:round/>
+                      <a:headEnd type="none" w="med" len="med"/>
+                      <a:tailEnd type="none" w="med" len="med"/>
+                    </a:lnT>
+                    <a:lnB w="12700" cap="flat" cmpd="sng" algn="ctr">
+                      <a:solidFill>
+                        <a:srgbClr val="000000"/>
+                      </a:solidFill>
+                      <a:prstDash val="solid"/>
+                      <a:round/>
+                      <a:headEnd type="none" w="med" len="med"/>
+                      <a:tailEnd type="none" w="med" len="med"/>
+                    </a:lnB>
+                  </a:tcPr>
+                </a:tc>
+                <a:tc>
+                  <a:txBody>
+                    <a:bodyPr/>
+                    <a:lstStyle/>
+                    <a:p>
+                      <a:pPr algn="just">
+                        <a:spcAft>
+                          <a:spcPts val="0"/>
+                        </a:spcAft>
+                      </a:pPr>
+                      <a:r>
+                        <a:rPr lang="es-ES" sz="1200">
+                          <a:solidFill>
+                            <a:schemeClr val="accent1"/>
+                          </a:solidFill>
+                          <a:effectLst/>
+                          <a:latin typeface="Arial" panose="020B0604020202020204" pitchFamily="34" charset="0"/>
+                          <a:ea typeface="Arial" panose="020B0604020202020204" pitchFamily="34" charset="0"/>
+                        </a:rPr>
+                        <a:t> </a:t>
+                      </a:r>
+                      <a:endParaRPr lang="en-US" sz="1000">
+                        <a:solidFill>
+                          <a:schemeClr val="accent1"/>
+                        </a:solidFill>
+                        <a:effectLst/>
+                        <a:latin typeface="Arial" panose="020B0604020202020204" pitchFamily="34" charset="0"/>
+                        <a:ea typeface="Arial" panose="020B0604020202020204" pitchFamily="34" charset="0"/>
+                      </a:endParaRPr>
+                    </a:p>
+                  </a:txBody>
+                  <a:tcPr marL="68580" marR="68580" marT="0" marB="0">
+                    <a:lnL w="12700" cap="flat" cmpd="sng" algn="ctr">
+                      <a:solidFill>
+                        <a:srgbClr val="000000"/>
+                      </a:solidFill>
+                      <a:prstDash val="solid"/>
+                      <a:round/>
+                      <a:headEnd type="none" w="med" len="med"/>
+                      <a:tailEnd type="none" w="med" len="med"/>
+                    </a:lnL>
+                    <a:lnR w="12700" cap="flat" cmpd="sng" algn="ctr">
+                      <a:solidFill>
+                        <a:srgbClr val="000000"/>
+                      </a:solidFill>
+                      <a:prstDash val="solid"/>
+                      <a:round/>
+                      <a:headEnd type="none" w="med" len="med"/>
+                      <a:tailEnd type="none" w="med" len="med"/>
+                    </a:lnR>
+                    <a:lnT w="12700" cap="flat" cmpd="sng" algn="ctr">
+                      <a:solidFill>
+                        <a:srgbClr val="000000"/>
+                      </a:solidFill>
+                      <a:prstDash val="solid"/>
+                      <a:round/>
+                      <a:headEnd type="none" w="med" len="med"/>
+                      <a:tailEnd type="none" w="med" len="med"/>
+                    </a:lnT>
+                    <a:lnB w="12700" cap="flat" cmpd="sng" algn="ctr">
+                      <a:solidFill>
+                        <a:srgbClr val="000000"/>
+                      </a:solidFill>
+                      <a:prstDash val="solid"/>
+                      <a:round/>
+                      <a:headEnd type="none" w="med" len="med"/>
+                      <a:tailEnd type="none" w="med" len="med"/>
+                    </a:lnB>
+                  </a:tcPr>
+                </a:tc>
+                <a:extLst>
+                  <a:ext uri="{0D108BD9-81ED-4DB2-BD59-A6C34878D82A}">
+                    <a16:rowId xmlns:a16="http://schemas.microsoft.com/office/drawing/2014/main" val="4248486637"/>
+                  </a:ext>
+                </a:extLst>
+              </a:tr>
+              <a:tr h="864267">
+                <a:tc>
+                  <a:txBody>
+                    <a:bodyPr/>
+                    <a:lstStyle/>
+                    <a:p>
+                      <a:pPr algn="just">
+                        <a:spcAft>
+                          <a:spcPts val="0"/>
+                        </a:spcAft>
+                      </a:pPr>
+                      <a:r>
+                        <a:rPr lang="es-ES" sz="1200" b="1">
+                          <a:solidFill>
+                            <a:schemeClr val="accent1"/>
+                          </a:solidFill>
+                          <a:effectLst/>
+                          <a:latin typeface="Arial" panose="020B0604020202020204" pitchFamily="34" charset="0"/>
+                          <a:ea typeface="Arial" panose="020B0604020202020204" pitchFamily="34" charset="0"/>
+                        </a:rPr>
+                        <a:t>Prioridad de requerimiento:</a:t>
+                      </a:r>
+                      <a:endParaRPr lang="en-US" sz="1000">
+                        <a:solidFill>
+                          <a:schemeClr val="accent1"/>
+                        </a:solidFill>
+                        <a:effectLst/>
+                        <a:latin typeface="Arial" panose="020B0604020202020204" pitchFamily="34" charset="0"/>
+                        <a:ea typeface="Arial" panose="020B0604020202020204" pitchFamily="34" charset="0"/>
+                      </a:endParaRPr>
+                    </a:p>
+                  </a:txBody>
+                  <a:tcPr marL="68580" marR="68580" marT="0" marB="0">
+                    <a:lnL w="12700" cap="flat" cmpd="sng" algn="ctr">
+                      <a:solidFill>
+                        <a:srgbClr val="000000"/>
+                      </a:solidFill>
+                      <a:prstDash val="solid"/>
+                      <a:round/>
+                      <a:headEnd type="none" w="med" len="med"/>
+                      <a:tailEnd type="none" w="med" len="med"/>
+                    </a:lnL>
+                    <a:lnR w="12700" cap="flat" cmpd="sng" algn="ctr">
+                      <a:solidFill>
+                        <a:srgbClr val="000000"/>
+                      </a:solidFill>
+                      <a:prstDash val="solid"/>
+                      <a:round/>
+                      <a:headEnd type="none" w="med" len="med"/>
+                      <a:tailEnd type="none" w="med" len="med"/>
+                    </a:lnR>
+                    <a:lnT w="12700" cap="flat" cmpd="sng" algn="ctr">
+                      <a:solidFill>
+                        <a:srgbClr val="000000"/>
+                      </a:solidFill>
+                      <a:prstDash val="solid"/>
+                      <a:round/>
+                      <a:headEnd type="none" w="med" len="med"/>
+                      <a:tailEnd type="none" w="med" len="med"/>
+                    </a:lnT>
+                    <a:lnB w="12700" cap="flat" cmpd="sng" algn="ctr">
+                      <a:solidFill>
+                        <a:srgbClr val="000000"/>
+                      </a:solidFill>
+                      <a:prstDash val="solid"/>
+                      <a:round/>
+                      <a:headEnd type="none" w="med" len="med"/>
+                      <a:tailEnd type="none" w="med" len="med"/>
+                    </a:lnB>
+                  </a:tcPr>
+                </a:tc>
+                <a:tc>
+                  <a:txBody>
+                    <a:bodyPr/>
+                    <a:lstStyle/>
+                    <a:p>
+                      <a:pPr algn="just">
+                        <a:spcAft>
+                          <a:spcPts val="0"/>
+                        </a:spcAft>
+                      </a:pPr>
+                      <a:r>
+                        <a:rPr lang="es-ES" sz="1200" dirty="0">
+                          <a:solidFill>
+                            <a:schemeClr val="accent1"/>
+                          </a:solidFill>
+                          <a:effectLst/>
+                          <a:latin typeface="Arial" panose="020B0604020202020204" pitchFamily="34" charset="0"/>
+                          <a:ea typeface="Arial" panose="020B0604020202020204" pitchFamily="34" charset="0"/>
+                        </a:rPr>
+                        <a:t>    Alta ( x  )         media (    )                baja(      )</a:t>
+                      </a:r>
+                      <a:endParaRPr lang="en-US" sz="1000" dirty="0">
+                        <a:solidFill>
+                          <a:schemeClr val="accent1"/>
+                        </a:solidFill>
+                        <a:effectLst/>
+                        <a:latin typeface="Arial" panose="020B0604020202020204" pitchFamily="34" charset="0"/>
+                        <a:ea typeface="Arial" panose="020B0604020202020204" pitchFamily="34" charset="0"/>
+                      </a:endParaRPr>
+                    </a:p>
+                  </a:txBody>
+                  <a:tcPr marL="68580" marR="68580" marT="0" marB="0">
+                    <a:lnL w="12700" cap="flat" cmpd="sng" algn="ctr">
+                      <a:solidFill>
+                        <a:srgbClr val="000000"/>
+                      </a:solidFill>
+                      <a:prstDash val="solid"/>
+                      <a:round/>
+                      <a:headEnd type="none" w="med" len="med"/>
+                      <a:tailEnd type="none" w="med" len="med"/>
+                    </a:lnL>
+                    <a:lnR w="12700" cap="flat" cmpd="sng" algn="ctr">
+                      <a:solidFill>
+                        <a:srgbClr val="000000"/>
+                      </a:solidFill>
+                      <a:prstDash val="solid"/>
+                      <a:round/>
+                      <a:headEnd type="none" w="med" len="med"/>
+                      <a:tailEnd type="none" w="med" len="med"/>
+                    </a:lnR>
+                    <a:lnT w="12700" cap="flat" cmpd="sng" algn="ctr">
+                      <a:solidFill>
+                        <a:srgbClr val="000000"/>
+                      </a:solidFill>
+                      <a:prstDash val="solid"/>
+                      <a:round/>
+                      <a:headEnd type="none" w="med" len="med"/>
+                      <a:tailEnd type="none" w="med" len="med"/>
+                    </a:lnT>
+                    <a:lnB w="12700" cap="flat" cmpd="sng" algn="ctr">
+                      <a:solidFill>
+                        <a:srgbClr val="000000"/>
+                      </a:solidFill>
+                      <a:prstDash val="solid"/>
+                      <a:round/>
+                      <a:headEnd type="none" w="med" len="med"/>
+                      <a:tailEnd type="none" w="med" len="med"/>
+                    </a:lnB>
+                  </a:tcPr>
+                </a:tc>
+                <a:extLst>
+                  <a:ext uri="{0D108BD9-81ED-4DB2-BD59-A6C34878D82A}">
+                    <a16:rowId xmlns:a16="http://schemas.microsoft.com/office/drawing/2014/main" val="1205978128"/>
+                  </a:ext>
+                </a:extLst>
+              </a:tr>
+            </a:tbl>
+          </a:graphicData>
+        </a:graphic>
+      </p:graphicFrame>
     </p:spTree>
     <p:extLst>
       <p:ext uri="{BB962C8B-B14F-4D97-AF65-F5344CB8AC3E}">
@@ -7973,55 +10784,7 @@
       </p:grpSpPr>
       <p:sp>
         <p:nvSpPr>
-          <p:cNvPr id="5" name="CuadroTexto 4">
-            <a:extLst>
-              <a:ext uri="{FF2B5EF4-FFF2-40B4-BE49-F238E27FC236}">
-                <a16:creationId xmlns:a16="http://schemas.microsoft.com/office/drawing/2014/main" id="{2EE50C56-8401-440C-84EF-806490906A21}"/>
-              </a:ext>
-            </a:extLst>
-          </p:cNvPr>
-          <p:cNvSpPr txBox="1"/>
-          <p:nvPr/>
-        </p:nvSpPr>
-        <p:spPr>
-          <a:xfrm>
-            <a:off x="2538248" y="600015"/>
-            <a:ext cx="6881524" cy="523220"/>
-          </a:xfrm>
-          <a:prstGeom prst="rect">
-            <a:avLst/>
-          </a:prstGeom>
-          <a:noFill/>
-        </p:spPr>
-        <p:txBody>
-          <a:bodyPr wrap="square" rtlCol="0">
-            <a:spAutoFit/>
-          </a:bodyPr>
-          <a:lstStyle/>
-          <a:p>
-            <a:pPr algn="ctr"/>
-            <a:r>
-              <a:rPr lang="es-CO" sz="2800" b="1" dirty="0">
-                <a:solidFill>
-                  <a:srgbClr val="0070C0"/>
-                </a:solidFill>
-                <a:latin typeface="Arial" panose="020B0604020202020204" pitchFamily="34" charset="0"/>
-                <a:cs typeface="Arial" panose="020B0604020202020204" pitchFamily="34" charset="0"/>
-              </a:rPr>
-              <a:t>REQUERIMIENTOS NO FUNCIONALES</a:t>
-            </a:r>
-          </a:p>
-        </p:txBody>
-      </p:sp>
-      <p:sp>
-        <p:nvSpPr>
-          <p:cNvPr id="13" name="Rectangle 4">
-            <a:extLst>
-              <a:ext uri="{FF2B5EF4-FFF2-40B4-BE49-F238E27FC236}">
-                <a16:creationId xmlns:a16="http://schemas.microsoft.com/office/drawing/2014/main" id="{BFF8EB6D-4A98-4737-893D-841F3930E557}"/>
-              </a:ext>
-            </a:extLst>
-          </p:cNvPr>
+          <p:cNvPr id="3" name="Rectangle 1"/>
           <p:cNvSpPr>
             <a:spLocks noChangeArrowheads="1"/>
           </p:cNvSpPr>
@@ -8029,8 +10792,8 @@
         </p:nvSpPr>
         <p:spPr bwMode="auto">
           <a:xfrm>
-            <a:off x="835905" y="1887866"/>
-            <a:ext cx="13829475" cy="457200"/>
+            <a:off x="3386138" y="2263775"/>
+            <a:ext cx="12192000" cy="457200"/>
           </a:xfrm>
           <a:prstGeom prst="rect">
             <a:avLst/>
@@ -8070,7 +10833,7 @@
           </a:extLst>
         </p:spPr>
         <p:txBody>
-          <a:bodyPr vert="horz" wrap="square" lIns="91440" tIns="45720" rIns="91440" bIns="45720" numCol="1" anchor="ctr" anchorCtr="0" compatLnSpc="1">
+          <a:bodyPr vert="horz" wrap="none" lIns="91440" tIns="45720" rIns="91440" bIns="45720" numCol="1" anchor="ctr" anchorCtr="0" compatLnSpc="1">
             <a:prstTxWarp prst="textNoShape">
               <a:avLst/>
             </a:prstTxWarp>
@@ -8078,14 +10841,941 @@
           </a:bodyPr>
           <a:lstStyle/>
           <a:p>
-            <a:endParaRPr lang="es-ES"/>
+            <a:endParaRPr lang="en-US"/>
           </a:p>
         </p:txBody>
       </p:sp>
+      <p:graphicFrame>
+        <p:nvGraphicFramePr>
+          <p:cNvPr id="5" name="Tabla 4"/>
+          <p:cNvGraphicFramePr>
+            <a:graphicFrameLocks noGrp="1"/>
+          </p:cNvGraphicFramePr>
+          <p:nvPr>
+            <p:extLst>
+              <p:ext uri="{D42A27DB-BD31-4B8C-83A1-F6EECF244321}">
+                <p14:modId xmlns:p14="http://schemas.microsoft.com/office/powerpoint/2010/main" val="3003398204"/>
+              </p:ext>
+            </p:extLst>
+          </p:nvPr>
+        </p:nvGraphicFramePr>
+        <p:xfrm>
+          <a:off x="617220" y="948692"/>
+          <a:ext cx="10264140" cy="5234938"/>
+        </p:xfrm>
+        <a:graphic>
+          <a:graphicData uri="http://schemas.openxmlformats.org/drawingml/2006/table">
+            <a:tbl>
+              <a:tblPr/>
+              <a:tblGrid>
+                <a:gridCol w="2646987">
+                  <a:extLst>
+                    <a:ext uri="{9D8B030D-6E8A-4147-A177-3AD203B41FA5}">
+                      <a16:colId xmlns:a16="http://schemas.microsoft.com/office/drawing/2014/main" val="1559139985"/>
+                    </a:ext>
+                  </a:extLst>
+                </a:gridCol>
+                <a:gridCol w="7617153">
+                  <a:extLst>
+                    <a:ext uri="{9D8B030D-6E8A-4147-A177-3AD203B41FA5}">
+                      <a16:colId xmlns:a16="http://schemas.microsoft.com/office/drawing/2014/main" val="2389051441"/>
+                    </a:ext>
+                  </a:extLst>
+                </a:gridCol>
+              </a:tblGrid>
+              <a:tr h="831584">
+                <a:tc>
+                  <a:txBody>
+                    <a:bodyPr/>
+                    <a:lstStyle/>
+                    <a:p>
+                      <a:pPr algn="just">
+                        <a:spcAft>
+                          <a:spcPts val="0"/>
+                        </a:spcAft>
+                      </a:pPr>
+                      <a:r>
+                        <a:rPr lang="es-ES" sz="1200" b="1">
+                          <a:solidFill>
+                            <a:schemeClr val="accent1"/>
+                          </a:solidFill>
+                          <a:effectLst/>
+                          <a:latin typeface="Arial" panose="020B0604020202020204" pitchFamily="34" charset="0"/>
+                          <a:ea typeface="Arial" panose="020B0604020202020204" pitchFamily="34" charset="0"/>
+                        </a:rPr>
+                        <a:t>Identificación del requerimiento:</a:t>
+                      </a:r>
+                      <a:endParaRPr lang="en-US" sz="1000">
+                        <a:solidFill>
+                          <a:schemeClr val="accent1"/>
+                        </a:solidFill>
+                        <a:effectLst/>
+                        <a:latin typeface="Arial" panose="020B0604020202020204" pitchFamily="34" charset="0"/>
+                        <a:ea typeface="Arial" panose="020B0604020202020204" pitchFamily="34" charset="0"/>
+                      </a:endParaRPr>
+                    </a:p>
+                  </a:txBody>
+                  <a:tcPr marL="68580" marR="68580" marT="0" marB="0">
+                    <a:lnL w="12700" cap="flat" cmpd="sng" algn="ctr">
+                      <a:solidFill>
+                        <a:srgbClr val="000000"/>
+                      </a:solidFill>
+                      <a:prstDash val="solid"/>
+                      <a:round/>
+                      <a:headEnd type="none" w="med" len="med"/>
+                      <a:tailEnd type="none" w="med" len="med"/>
+                    </a:lnL>
+                    <a:lnR w="12700" cap="flat" cmpd="sng" algn="ctr">
+                      <a:solidFill>
+                        <a:srgbClr val="000000"/>
+                      </a:solidFill>
+                      <a:prstDash val="solid"/>
+                      <a:round/>
+                      <a:headEnd type="none" w="med" len="med"/>
+                      <a:tailEnd type="none" w="med" len="med"/>
+                    </a:lnR>
+                    <a:lnT w="12700" cap="flat" cmpd="sng" algn="ctr">
+                      <a:solidFill>
+                        <a:srgbClr val="000000"/>
+                      </a:solidFill>
+                      <a:prstDash val="solid"/>
+                      <a:round/>
+                      <a:headEnd type="none" w="med" len="med"/>
+                      <a:tailEnd type="none" w="med" len="med"/>
+                    </a:lnT>
+                    <a:lnB w="12700" cap="flat" cmpd="sng" algn="ctr">
+                      <a:solidFill>
+                        <a:srgbClr val="000000"/>
+                      </a:solidFill>
+                      <a:prstDash val="solid"/>
+                      <a:round/>
+                      <a:headEnd type="none" w="med" len="med"/>
+                      <a:tailEnd type="none" w="med" len="med"/>
+                    </a:lnB>
+                  </a:tcPr>
+                </a:tc>
+                <a:tc>
+                  <a:txBody>
+                    <a:bodyPr/>
+                    <a:lstStyle/>
+                    <a:p>
+                      <a:pPr algn="just">
+                        <a:spcAft>
+                          <a:spcPts val="0"/>
+                        </a:spcAft>
+                      </a:pPr>
+                      <a:r>
+                        <a:rPr lang="es-ES" sz="1200" b="1">
+                          <a:solidFill>
+                            <a:schemeClr val="accent1"/>
+                          </a:solidFill>
+                          <a:effectLst/>
+                          <a:latin typeface="Arial" panose="020B0604020202020204" pitchFamily="34" charset="0"/>
+                          <a:ea typeface="Arial" panose="020B0604020202020204" pitchFamily="34" charset="0"/>
+                        </a:rPr>
+                        <a:t>Requerimiento F4</a:t>
+                      </a:r>
+                      <a:endParaRPr lang="en-US" sz="1000">
+                        <a:solidFill>
+                          <a:schemeClr val="accent1"/>
+                        </a:solidFill>
+                        <a:effectLst/>
+                        <a:latin typeface="Arial" panose="020B0604020202020204" pitchFamily="34" charset="0"/>
+                        <a:ea typeface="Arial" panose="020B0604020202020204" pitchFamily="34" charset="0"/>
+                      </a:endParaRPr>
+                    </a:p>
+                  </a:txBody>
+                  <a:tcPr marL="68580" marR="68580" marT="0" marB="0">
+                    <a:lnL w="12700" cap="flat" cmpd="sng" algn="ctr">
+                      <a:solidFill>
+                        <a:srgbClr val="000000"/>
+                      </a:solidFill>
+                      <a:prstDash val="solid"/>
+                      <a:round/>
+                      <a:headEnd type="none" w="med" len="med"/>
+                      <a:tailEnd type="none" w="med" len="med"/>
+                    </a:lnL>
+                    <a:lnR w="12700" cap="flat" cmpd="sng" algn="ctr">
+                      <a:solidFill>
+                        <a:srgbClr val="000000"/>
+                      </a:solidFill>
+                      <a:prstDash val="solid"/>
+                      <a:round/>
+                      <a:headEnd type="none" w="med" len="med"/>
+                      <a:tailEnd type="none" w="med" len="med"/>
+                    </a:lnR>
+                    <a:lnT w="12700" cap="flat" cmpd="sng" algn="ctr">
+                      <a:solidFill>
+                        <a:srgbClr val="000000"/>
+                      </a:solidFill>
+                      <a:prstDash val="solid"/>
+                      <a:round/>
+                      <a:headEnd type="none" w="med" len="med"/>
+                      <a:tailEnd type="none" w="med" len="med"/>
+                    </a:lnT>
+                    <a:lnB w="12700" cap="flat" cmpd="sng" algn="ctr">
+                      <a:solidFill>
+                        <a:srgbClr val="000000"/>
+                      </a:solidFill>
+                      <a:prstDash val="solid"/>
+                      <a:round/>
+                      <a:headEnd type="none" w="med" len="med"/>
+                      <a:tailEnd type="none" w="med" len="med"/>
+                    </a:lnB>
+                  </a:tcPr>
+                </a:tc>
+                <a:extLst>
+                  <a:ext uri="{0D108BD9-81ED-4DB2-BD59-A6C34878D82A}">
+                    <a16:rowId xmlns:a16="http://schemas.microsoft.com/office/drawing/2014/main" val="717470753"/>
+                  </a:ext>
+                </a:extLst>
+              </a:tr>
+              <a:tr h="831584">
+                <a:tc>
+                  <a:txBody>
+                    <a:bodyPr/>
+                    <a:lstStyle/>
+                    <a:p>
+                      <a:pPr algn="just">
+                        <a:spcAft>
+                          <a:spcPts val="0"/>
+                        </a:spcAft>
+                      </a:pPr>
+                      <a:r>
+                        <a:rPr lang="es-ES" sz="1200" b="1">
+                          <a:solidFill>
+                            <a:schemeClr val="accent1"/>
+                          </a:solidFill>
+                          <a:effectLst/>
+                          <a:latin typeface="Arial" panose="020B0604020202020204" pitchFamily="34" charset="0"/>
+                          <a:ea typeface="Arial" panose="020B0604020202020204" pitchFamily="34" charset="0"/>
+                        </a:rPr>
+                        <a:t>Nombre del requerimiento:</a:t>
+                      </a:r>
+                      <a:endParaRPr lang="en-US" sz="1000">
+                        <a:solidFill>
+                          <a:schemeClr val="accent1"/>
+                        </a:solidFill>
+                        <a:effectLst/>
+                        <a:latin typeface="Arial" panose="020B0604020202020204" pitchFamily="34" charset="0"/>
+                        <a:ea typeface="Arial" panose="020B0604020202020204" pitchFamily="34" charset="0"/>
+                      </a:endParaRPr>
+                    </a:p>
+                  </a:txBody>
+                  <a:tcPr marL="68580" marR="68580" marT="0" marB="0">
+                    <a:lnL w="12700" cap="flat" cmpd="sng" algn="ctr">
+                      <a:solidFill>
+                        <a:srgbClr val="000000"/>
+                      </a:solidFill>
+                      <a:prstDash val="solid"/>
+                      <a:round/>
+                      <a:headEnd type="none" w="med" len="med"/>
+                      <a:tailEnd type="none" w="med" len="med"/>
+                    </a:lnL>
+                    <a:lnR w="12700" cap="flat" cmpd="sng" algn="ctr">
+                      <a:solidFill>
+                        <a:srgbClr val="000000"/>
+                      </a:solidFill>
+                      <a:prstDash val="solid"/>
+                      <a:round/>
+                      <a:headEnd type="none" w="med" len="med"/>
+                      <a:tailEnd type="none" w="med" len="med"/>
+                    </a:lnR>
+                    <a:lnT w="12700" cap="flat" cmpd="sng" algn="ctr">
+                      <a:solidFill>
+                        <a:srgbClr val="000000"/>
+                      </a:solidFill>
+                      <a:prstDash val="solid"/>
+                      <a:round/>
+                      <a:headEnd type="none" w="med" len="med"/>
+                      <a:tailEnd type="none" w="med" len="med"/>
+                    </a:lnT>
+                    <a:lnB w="12700" cap="flat" cmpd="sng" algn="ctr">
+                      <a:solidFill>
+                        <a:srgbClr val="000000"/>
+                      </a:solidFill>
+                      <a:prstDash val="solid"/>
+                      <a:round/>
+                      <a:headEnd type="none" w="med" len="med"/>
+                      <a:tailEnd type="none" w="med" len="med"/>
+                    </a:lnB>
+                  </a:tcPr>
+                </a:tc>
+                <a:tc>
+                  <a:txBody>
+                    <a:bodyPr/>
+                    <a:lstStyle/>
+                    <a:p>
+                      <a:pPr algn="just">
+                        <a:spcAft>
+                          <a:spcPts val="0"/>
+                        </a:spcAft>
+                      </a:pPr>
+                      <a:r>
+                        <a:rPr lang="es-ES" sz="1200">
+                          <a:solidFill>
+                            <a:schemeClr val="accent1"/>
+                          </a:solidFill>
+                          <a:effectLst/>
+                          <a:latin typeface="Arial" panose="020B0604020202020204" pitchFamily="34" charset="0"/>
+                          <a:ea typeface="Arial" panose="020B0604020202020204" pitchFamily="34" charset="0"/>
+                        </a:rPr>
+                        <a:t>Registro contable </a:t>
+                      </a:r>
+                      <a:endParaRPr lang="en-US" sz="1000">
+                        <a:solidFill>
+                          <a:schemeClr val="accent1"/>
+                        </a:solidFill>
+                        <a:effectLst/>
+                        <a:latin typeface="Arial" panose="020B0604020202020204" pitchFamily="34" charset="0"/>
+                        <a:ea typeface="Arial" panose="020B0604020202020204" pitchFamily="34" charset="0"/>
+                      </a:endParaRPr>
+                    </a:p>
+                  </a:txBody>
+                  <a:tcPr marL="68580" marR="68580" marT="0" marB="0">
+                    <a:lnL w="12700" cap="flat" cmpd="sng" algn="ctr">
+                      <a:solidFill>
+                        <a:srgbClr val="000000"/>
+                      </a:solidFill>
+                      <a:prstDash val="solid"/>
+                      <a:round/>
+                      <a:headEnd type="none" w="med" len="med"/>
+                      <a:tailEnd type="none" w="med" len="med"/>
+                    </a:lnL>
+                    <a:lnR w="12700" cap="flat" cmpd="sng" algn="ctr">
+                      <a:solidFill>
+                        <a:srgbClr val="000000"/>
+                      </a:solidFill>
+                      <a:prstDash val="solid"/>
+                      <a:round/>
+                      <a:headEnd type="none" w="med" len="med"/>
+                      <a:tailEnd type="none" w="med" len="med"/>
+                    </a:lnR>
+                    <a:lnT w="12700" cap="flat" cmpd="sng" algn="ctr">
+                      <a:solidFill>
+                        <a:srgbClr val="000000"/>
+                      </a:solidFill>
+                      <a:prstDash val="solid"/>
+                      <a:round/>
+                      <a:headEnd type="none" w="med" len="med"/>
+                      <a:tailEnd type="none" w="med" len="med"/>
+                    </a:lnT>
+                    <a:lnB w="12700" cap="flat" cmpd="sng" algn="ctr">
+                      <a:solidFill>
+                        <a:srgbClr val="000000"/>
+                      </a:solidFill>
+                      <a:prstDash val="solid"/>
+                      <a:round/>
+                      <a:headEnd type="none" w="med" len="med"/>
+                      <a:tailEnd type="none" w="med" len="med"/>
+                    </a:lnB>
+                  </a:tcPr>
+                </a:tc>
+                <a:extLst>
+                  <a:ext uri="{0D108BD9-81ED-4DB2-BD59-A6C34878D82A}">
+                    <a16:rowId xmlns:a16="http://schemas.microsoft.com/office/drawing/2014/main" val="980660963"/>
+                  </a:ext>
+                </a:extLst>
+              </a:tr>
+              <a:tr h="661225">
+                <a:tc>
+                  <a:txBody>
+                    <a:bodyPr/>
+                    <a:lstStyle/>
+                    <a:p>
+                      <a:pPr algn="just">
+                        <a:spcAft>
+                          <a:spcPts val="0"/>
+                        </a:spcAft>
+                      </a:pPr>
+                      <a:r>
+                        <a:rPr lang="es-ES" sz="1200" b="1">
+                          <a:solidFill>
+                            <a:schemeClr val="accent1"/>
+                          </a:solidFill>
+                          <a:effectLst/>
+                          <a:latin typeface="Arial" panose="020B0604020202020204" pitchFamily="34" charset="0"/>
+                          <a:ea typeface="Arial" panose="020B0604020202020204" pitchFamily="34" charset="0"/>
+                        </a:rPr>
+                        <a:t>Características</a:t>
+                      </a:r>
+                      <a:endParaRPr lang="en-US" sz="1000">
+                        <a:solidFill>
+                          <a:schemeClr val="accent1"/>
+                        </a:solidFill>
+                        <a:effectLst/>
+                        <a:latin typeface="Arial" panose="020B0604020202020204" pitchFamily="34" charset="0"/>
+                        <a:ea typeface="Arial" panose="020B0604020202020204" pitchFamily="34" charset="0"/>
+                      </a:endParaRPr>
+                    </a:p>
+                  </a:txBody>
+                  <a:tcPr marL="68580" marR="68580" marT="0" marB="0">
+                    <a:lnL w="12700" cap="flat" cmpd="sng" algn="ctr">
+                      <a:solidFill>
+                        <a:srgbClr val="000000"/>
+                      </a:solidFill>
+                      <a:prstDash val="solid"/>
+                      <a:round/>
+                      <a:headEnd type="none" w="med" len="med"/>
+                      <a:tailEnd type="none" w="med" len="med"/>
+                    </a:lnL>
+                    <a:lnR w="12700" cap="flat" cmpd="sng" algn="ctr">
+                      <a:solidFill>
+                        <a:srgbClr val="000000"/>
+                      </a:solidFill>
+                      <a:prstDash val="solid"/>
+                      <a:round/>
+                      <a:headEnd type="none" w="med" len="med"/>
+                      <a:tailEnd type="none" w="med" len="med"/>
+                    </a:lnR>
+                    <a:lnT w="12700" cap="flat" cmpd="sng" algn="ctr">
+                      <a:solidFill>
+                        <a:srgbClr val="000000"/>
+                      </a:solidFill>
+                      <a:prstDash val="solid"/>
+                      <a:round/>
+                      <a:headEnd type="none" w="med" len="med"/>
+                      <a:tailEnd type="none" w="med" len="med"/>
+                    </a:lnT>
+                    <a:lnB w="12700" cap="flat" cmpd="sng" algn="ctr">
+                      <a:solidFill>
+                        <a:srgbClr val="000000"/>
+                      </a:solidFill>
+                      <a:prstDash val="solid"/>
+                      <a:round/>
+                      <a:headEnd type="none" w="med" len="med"/>
+                      <a:tailEnd type="none" w="med" len="med"/>
+                    </a:lnB>
+                  </a:tcPr>
+                </a:tc>
+                <a:tc>
+                  <a:txBody>
+                    <a:bodyPr/>
+                    <a:lstStyle/>
+                    <a:p>
+                      <a:pPr algn="just">
+                        <a:spcAft>
+                          <a:spcPts val="0"/>
+                        </a:spcAft>
+                        <a:tabLst>
+                          <a:tab pos="2733675" algn="l"/>
+                        </a:tabLst>
+                      </a:pPr>
+                      <a:r>
+                        <a:rPr lang="es-ES" sz="1200">
+                          <a:solidFill>
+                            <a:schemeClr val="accent1"/>
+                          </a:solidFill>
+                          <a:effectLst/>
+                          <a:latin typeface="Arial" panose="020B0604020202020204" pitchFamily="34" charset="0"/>
+                          <a:ea typeface="Arial" panose="020B0604020202020204" pitchFamily="34" charset="0"/>
+                        </a:rPr>
+                        <a:t>El software registrara la contabilidad </a:t>
+                      </a:r>
+                      <a:endParaRPr lang="en-US" sz="1000">
+                        <a:solidFill>
+                          <a:schemeClr val="accent1"/>
+                        </a:solidFill>
+                        <a:effectLst/>
+                        <a:latin typeface="Arial" panose="020B0604020202020204" pitchFamily="34" charset="0"/>
+                        <a:ea typeface="Arial" panose="020B0604020202020204" pitchFamily="34" charset="0"/>
+                      </a:endParaRPr>
+                    </a:p>
+                  </a:txBody>
+                  <a:tcPr marL="68580" marR="68580" marT="0" marB="0">
+                    <a:lnL w="12700" cap="flat" cmpd="sng" algn="ctr">
+                      <a:solidFill>
+                        <a:srgbClr val="000000"/>
+                      </a:solidFill>
+                      <a:prstDash val="solid"/>
+                      <a:round/>
+                      <a:headEnd type="none" w="med" len="med"/>
+                      <a:tailEnd type="none" w="med" len="med"/>
+                    </a:lnL>
+                    <a:lnR w="12700" cap="flat" cmpd="sng" algn="ctr">
+                      <a:solidFill>
+                        <a:srgbClr val="000000"/>
+                      </a:solidFill>
+                      <a:prstDash val="solid"/>
+                      <a:round/>
+                      <a:headEnd type="none" w="med" len="med"/>
+                      <a:tailEnd type="none" w="med" len="med"/>
+                    </a:lnR>
+                    <a:lnT w="12700" cap="flat" cmpd="sng" algn="ctr">
+                      <a:solidFill>
+                        <a:srgbClr val="000000"/>
+                      </a:solidFill>
+                      <a:prstDash val="solid"/>
+                      <a:round/>
+                      <a:headEnd type="none" w="med" len="med"/>
+                      <a:tailEnd type="none" w="med" len="med"/>
+                    </a:lnT>
+                    <a:lnB w="12700" cap="flat" cmpd="sng" algn="ctr">
+                      <a:solidFill>
+                        <a:srgbClr val="000000"/>
+                      </a:solidFill>
+                      <a:prstDash val="solid"/>
+                      <a:round/>
+                      <a:headEnd type="none" w="med" len="med"/>
+                      <a:tailEnd type="none" w="med" len="med"/>
+                    </a:lnB>
+                  </a:tcPr>
+                </a:tc>
+                <a:extLst>
+                  <a:ext uri="{0D108BD9-81ED-4DB2-BD59-A6C34878D82A}">
+                    <a16:rowId xmlns:a16="http://schemas.microsoft.com/office/drawing/2014/main" val="2155135085"/>
+                  </a:ext>
+                </a:extLst>
+              </a:tr>
+              <a:tr h="1247377">
+                <a:tc>
+                  <a:txBody>
+                    <a:bodyPr/>
+                    <a:lstStyle/>
+                    <a:p>
+                      <a:pPr algn="just">
+                        <a:spcAft>
+                          <a:spcPts val="0"/>
+                        </a:spcAft>
+                      </a:pPr>
+                      <a:r>
+                        <a:rPr lang="es-ES" sz="1200" b="1">
+                          <a:solidFill>
+                            <a:schemeClr val="accent1"/>
+                          </a:solidFill>
+                          <a:effectLst/>
+                          <a:latin typeface="Arial" panose="020B0604020202020204" pitchFamily="34" charset="0"/>
+                          <a:ea typeface="Arial" panose="020B0604020202020204" pitchFamily="34" charset="0"/>
+                        </a:rPr>
+                        <a:t>Descripción del requerimiento:</a:t>
+                      </a:r>
+                      <a:endParaRPr lang="en-US" sz="1000">
+                        <a:solidFill>
+                          <a:schemeClr val="accent1"/>
+                        </a:solidFill>
+                        <a:effectLst/>
+                        <a:latin typeface="Arial" panose="020B0604020202020204" pitchFamily="34" charset="0"/>
+                        <a:ea typeface="Arial" panose="020B0604020202020204" pitchFamily="34" charset="0"/>
+                      </a:endParaRPr>
+                    </a:p>
+                  </a:txBody>
+                  <a:tcPr marL="68580" marR="68580" marT="0" marB="0">
+                    <a:lnL w="12700" cap="flat" cmpd="sng" algn="ctr">
+                      <a:solidFill>
+                        <a:srgbClr val="000000"/>
+                      </a:solidFill>
+                      <a:prstDash val="solid"/>
+                      <a:round/>
+                      <a:headEnd type="none" w="med" len="med"/>
+                      <a:tailEnd type="none" w="med" len="med"/>
+                    </a:lnL>
+                    <a:lnR w="12700" cap="flat" cmpd="sng" algn="ctr">
+                      <a:solidFill>
+                        <a:srgbClr val="000000"/>
+                      </a:solidFill>
+                      <a:prstDash val="solid"/>
+                      <a:round/>
+                      <a:headEnd type="none" w="med" len="med"/>
+                      <a:tailEnd type="none" w="med" len="med"/>
+                    </a:lnR>
+                    <a:lnT w="12700" cap="flat" cmpd="sng" algn="ctr">
+                      <a:solidFill>
+                        <a:srgbClr val="000000"/>
+                      </a:solidFill>
+                      <a:prstDash val="solid"/>
+                      <a:round/>
+                      <a:headEnd type="none" w="med" len="med"/>
+                      <a:tailEnd type="none" w="med" len="med"/>
+                    </a:lnT>
+                    <a:lnB w="12700" cap="flat" cmpd="sng" algn="ctr">
+                      <a:solidFill>
+                        <a:srgbClr val="000000"/>
+                      </a:solidFill>
+                      <a:prstDash val="solid"/>
+                      <a:round/>
+                      <a:headEnd type="none" w="med" len="med"/>
+                      <a:tailEnd type="none" w="med" len="med"/>
+                    </a:lnB>
+                  </a:tcPr>
+                </a:tc>
+                <a:tc>
+                  <a:txBody>
+                    <a:bodyPr/>
+                    <a:lstStyle/>
+                    <a:p>
+                      <a:pPr algn="just">
+                        <a:spcAft>
+                          <a:spcPts val="0"/>
+                        </a:spcAft>
+                      </a:pPr>
+                      <a:r>
+                        <a:rPr lang="es-ES" sz="1200" dirty="0">
+                          <a:solidFill>
+                            <a:schemeClr val="accent1"/>
+                          </a:solidFill>
+                          <a:effectLst/>
+                          <a:latin typeface="Arial" panose="020B0604020202020204" pitchFamily="34" charset="0"/>
+                          <a:ea typeface="Arial" panose="020B0604020202020204" pitchFamily="34" charset="0"/>
+                        </a:rPr>
+                        <a:t>Se guardara en la base de datos las ventas diarias por fecha para que el usuario pueda consultar en un futuro en la base de datos.</a:t>
+                      </a:r>
+                      <a:endParaRPr lang="en-US" sz="1000" dirty="0">
+                        <a:solidFill>
+                          <a:schemeClr val="accent1"/>
+                        </a:solidFill>
+                        <a:effectLst/>
+                        <a:latin typeface="Arial" panose="020B0604020202020204" pitchFamily="34" charset="0"/>
+                        <a:ea typeface="Arial" panose="020B0604020202020204" pitchFamily="34" charset="0"/>
+                      </a:endParaRPr>
+                    </a:p>
+                  </a:txBody>
+                  <a:tcPr marL="68580" marR="68580" marT="0" marB="0">
+                    <a:lnL w="12700" cap="flat" cmpd="sng" algn="ctr">
+                      <a:solidFill>
+                        <a:srgbClr val="000000"/>
+                      </a:solidFill>
+                      <a:prstDash val="solid"/>
+                      <a:round/>
+                      <a:headEnd type="none" w="med" len="med"/>
+                      <a:tailEnd type="none" w="med" len="med"/>
+                    </a:lnL>
+                    <a:lnR w="12700" cap="flat" cmpd="sng" algn="ctr">
+                      <a:solidFill>
+                        <a:srgbClr val="000000"/>
+                      </a:solidFill>
+                      <a:prstDash val="solid"/>
+                      <a:round/>
+                      <a:headEnd type="none" w="med" len="med"/>
+                      <a:tailEnd type="none" w="med" len="med"/>
+                    </a:lnR>
+                    <a:lnT w="12700" cap="flat" cmpd="sng" algn="ctr">
+                      <a:solidFill>
+                        <a:srgbClr val="000000"/>
+                      </a:solidFill>
+                      <a:prstDash val="solid"/>
+                      <a:round/>
+                      <a:headEnd type="none" w="med" len="med"/>
+                      <a:tailEnd type="none" w="med" len="med"/>
+                    </a:lnT>
+                    <a:lnB w="12700" cap="flat" cmpd="sng" algn="ctr">
+                      <a:solidFill>
+                        <a:srgbClr val="000000"/>
+                      </a:solidFill>
+                      <a:prstDash val="solid"/>
+                      <a:round/>
+                      <a:headEnd type="none" w="med" len="med"/>
+                      <a:tailEnd type="none" w="med" len="med"/>
+                    </a:lnB>
+                  </a:tcPr>
+                </a:tc>
+                <a:extLst>
+                  <a:ext uri="{0D108BD9-81ED-4DB2-BD59-A6C34878D82A}">
+                    <a16:rowId xmlns:a16="http://schemas.microsoft.com/office/drawing/2014/main" val="562788637"/>
+                  </a:ext>
+                </a:extLst>
+              </a:tr>
+              <a:tr h="831584">
+                <a:tc>
+                  <a:txBody>
+                    <a:bodyPr/>
+                    <a:lstStyle/>
+                    <a:p>
+                      <a:pPr algn="just">
+                        <a:spcAft>
+                          <a:spcPts val="0"/>
+                        </a:spcAft>
+                      </a:pPr>
+                      <a:r>
+                        <a:rPr lang="es-ES" sz="1200" b="1">
+                          <a:solidFill>
+                            <a:schemeClr val="accent1"/>
+                          </a:solidFill>
+                          <a:effectLst/>
+                          <a:latin typeface="Arial" panose="020B0604020202020204" pitchFamily="34" charset="0"/>
+                          <a:ea typeface="Arial" panose="020B0604020202020204" pitchFamily="34" charset="0"/>
+                        </a:rPr>
+                        <a:t>Requerimientos no funcionales:</a:t>
+                      </a:r>
+                      <a:endParaRPr lang="en-US" sz="1000">
+                        <a:solidFill>
+                          <a:schemeClr val="accent1"/>
+                        </a:solidFill>
+                        <a:effectLst/>
+                        <a:latin typeface="Arial" panose="020B0604020202020204" pitchFamily="34" charset="0"/>
+                        <a:ea typeface="Arial" panose="020B0604020202020204" pitchFamily="34" charset="0"/>
+                      </a:endParaRPr>
+                    </a:p>
+                  </a:txBody>
+                  <a:tcPr marL="68580" marR="68580" marT="0" marB="0">
+                    <a:lnL w="12700" cap="flat" cmpd="sng" algn="ctr">
+                      <a:solidFill>
+                        <a:srgbClr val="000000"/>
+                      </a:solidFill>
+                      <a:prstDash val="solid"/>
+                      <a:round/>
+                      <a:headEnd type="none" w="med" len="med"/>
+                      <a:tailEnd type="none" w="med" len="med"/>
+                    </a:lnL>
+                    <a:lnR w="12700" cap="flat" cmpd="sng" algn="ctr">
+                      <a:solidFill>
+                        <a:srgbClr val="000000"/>
+                      </a:solidFill>
+                      <a:prstDash val="solid"/>
+                      <a:round/>
+                      <a:headEnd type="none" w="med" len="med"/>
+                      <a:tailEnd type="none" w="med" len="med"/>
+                    </a:lnR>
+                    <a:lnT w="12700" cap="flat" cmpd="sng" algn="ctr">
+                      <a:solidFill>
+                        <a:srgbClr val="000000"/>
+                      </a:solidFill>
+                      <a:prstDash val="solid"/>
+                      <a:round/>
+                      <a:headEnd type="none" w="med" len="med"/>
+                      <a:tailEnd type="none" w="med" len="med"/>
+                    </a:lnT>
+                    <a:lnB w="12700" cap="flat" cmpd="sng" algn="ctr">
+                      <a:solidFill>
+                        <a:srgbClr val="000000"/>
+                      </a:solidFill>
+                      <a:prstDash val="solid"/>
+                      <a:round/>
+                      <a:headEnd type="none" w="med" len="med"/>
+                      <a:tailEnd type="none" w="med" len="med"/>
+                    </a:lnB>
+                  </a:tcPr>
+                </a:tc>
+                <a:tc>
+                  <a:txBody>
+                    <a:bodyPr/>
+                    <a:lstStyle/>
+                    <a:p>
+                      <a:pPr algn="just">
+                        <a:spcAft>
+                          <a:spcPts val="0"/>
+                        </a:spcAft>
+                      </a:pPr>
+                      <a:r>
+                        <a:rPr lang="es-ES" sz="1200">
+                          <a:solidFill>
+                            <a:schemeClr val="accent1"/>
+                          </a:solidFill>
+                          <a:effectLst/>
+                          <a:latin typeface="Arial" panose="020B0604020202020204" pitchFamily="34" charset="0"/>
+                          <a:ea typeface="Arial" panose="020B0604020202020204" pitchFamily="34" charset="0"/>
+                        </a:rPr>
+                        <a:t> </a:t>
+                      </a:r>
+                      <a:endParaRPr lang="en-US" sz="1000">
+                        <a:solidFill>
+                          <a:schemeClr val="accent1"/>
+                        </a:solidFill>
+                        <a:effectLst/>
+                        <a:latin typeface="Arial" panose="020B0604020202020204" pitchFamily="34" charset="0"/>
+                        <a:ea typeface="Arial" panose="020B0604020202020204" pitchFamily="34" charset="0"/>
+                      </a:endParaRPr>
+                    </a:p>
+                  </a:txBody>
+                  <a:tcPr marL="68580" marR="68580" marT="0" marB="0">
+                    <a:lnL w="12700" cap="flat" cmpd="sng" algn="ctr">
+                      <a:solidFill>
+                        <a:srgbClr val="000000"/>
+                      </a:solidFill>
+                      <a:prstDash val="solid"/>
+                      <a:round/>
+                      <a:headEnd type="none" w="med" len="med"/>
+                      <a:tailEnd type="none" w="med" len="med"/>
+                    </a:lnL>
+                    <a:lnR w="12700" cap="flat" cmpd="sng" algn="ctr">
+                      <a:solidFill>
+                        <a:srgbClr val="000000"/>
+                      </a:solidFill>
+                      <a:prstDash val="solid"/>
+                      <a:round/>
+                      <a:headEnd type="none" w="med" len="med"/>
+                      <a:tailEnd type="none" w="med" len="med"/>
+                    </a:lnR>
+                    <a:lnT w="12700" cap="flat" cmpd="sng" algn="ctr">
+                      <a:solidFill>
+                        <a:srgbClr val="000000"/>
+                      </a:solidFill>
+                      <a:prstDash val="solid"/>
+                      <a:round/>
+                      <a:headEnd type="none" w="med" len="med"/>
+                      <a:tailEnd type="none" w="med" len="med"/>
+                    </a:lnT>
+                    <a:lnB w="12700" cap="flat" cmpd="sng" algn="ctr">
+                      <a:solidFill>
+                        <a:srgbClr val="000000"/>
+                      </a:solidFill>
+                      <a:prstDash val="solid"/>
+                      <a:round/>
+                      <a:headEnd type="none" w="med" len="med"/>
+                      <a:tailEnd type="none" w="med" len="med"/>
+                    </a:lnB>
+                  </a:tcPr>
+                </a:tc>
+                <a:extLst>
+                  <a:ext uri="{0D108BD9-81ED-4DB2-BD59-A6C34878D82A}">
+                    <a16:rowId xmlns:a16="http://schemas.microsoft.com/office/drawing/2014/main" val="426903687"/>
+                  </a:ext>
+                </a:extLst>
+              </a:tr>
+              <a:tr h="831584">
+                <a:tc>
+                  <a:txBody>
+                    <a:bodyPr/>
+                    <a:lstStyle/>
+                    <a:p>
+                      <a:pPr algn="just">
+                        <a:spcAft>
+                          <a:spcPts val="0"/>
+                        </a:spcAft>
+                      </a:pPr>
+                      <a:r>
+                        <a:rPr lang="es-ES" sz="1200" b="1">
+                          <a:solidFill>
+                            <a:schemeClr val="accent1"/>
+                          </a:solidFill>
+                          <a:effectLst/>
+                          <a:latin typeface="Arial" panose="020B0604020202020204" pitchFamily="34" charset="0"/>
+                          <a:ea typeface="Arial" panose="020B0604020202020204" pitchFamily="34" charset="0"/>
+                        </a:rPr>
+                        <a:t>Prioridad de requerimiento:</a:t>
+                      </a:r>
+                      <a:endParaRPr lang="en-US" sz="1000">
+                        <a:solidFill>
+                          <a:schemeClr val="accent1"/>
+                        </a:solidFill>
+                        <a:effectLst/>
+                        <a:latin typeface="Arial" panose="020B0604020202020204" pitchFamily="34" charset="0"/>
+                        <a:ea typeface="Arial" panose="020B0604020202020204" pitchFamily="34" charset="0"/>
+                      </a:endParaRPr>
+                    </a:p>
+                  </a:txBody>
+                  <a:tcPr marL="68580" marR="68580" marT="0" marB="0">
+                    <a:lnL w="12700" cap="flat" cmpd="sng" algn="ctr">
+                      <a:solidFill>
+                        <a:srgbClr val="000000"/>
+                      </a:solidFill>
+                      <a:prstDash val="solid"/>
+                      <a:round/>
+                      <a:headEnd type="none" w="med" len="med"/>
+                      <a:tailEnd type="none" w="med" len="med"/>
+                    </a:lnL>
+                    <a:lnR w="12700" cap="flat" cmpd="sng" algn="ctr">
+                      <a:solidFill>
+                        <a:srgbClr val="000000"/>
+                      </a:solidFill>
+                      <a:prstDash val="solid"/>
+                      <a:round/>
+                      <a:headEnd type="none" w="med" len="med"/>
+                      <a:tailEnd type="none" w="med" len="med"/>
+                    </a:lnR>
+                    <a:lnT w="12700" cap="flat" cmpd="sng" algn="ctr">
+                      <a:solidFill>
+                        <a:srgbClr val="000000"/>
+                      </a:solidFill>
+                      <a:prstDash val="solid"/>
+                      <a:round/>
+                      <a:headEnd type="none" w="med" len="med"/>
+                      <a:tailEnd type="none" w="med" len="med"/>
+                    </a:lnT>
+                    <a:lnB w="12700" cap="flat" cmpd="sng" algn="ctr">
+                      <a:solidFill>
+                        <a:srgbClr val="000000"/>
+                      </a:solidFill>
+                      <a:prstDash val="solid"/>
+                      <a:round/>
+                      <a:headEnd type="none" w="med" len="med"/>
+                      <a:tailEnd type="none" w="med" len="med"/>
+                    </a:lnB>
+                  </a:tcPr>
+                </a:tc>
+                <a:tc>
+                  <a:txBody>
+                    <a:bodyPr/>
+                    <a:lstStyle/>
+                    <a:p>
+                      <a:pPr algn="just">
+                        <a:spcAft>
+                          <a:spcPts val="0"/>
+                        </a:spcAft>
+                      </a:pPr>
+                      <a:r>
+                        <a:rPr lang="es-ES" sz="1200" dirty="0">
+                          <a:solidFill>
+                            <a:schemeClr val="accent1"/>
+                          </a:solidFill>
+                          <a:effectLst/>
+                          <a:latin typeface="Arial" panose="020B0604020202020204" pitchFamily="34" charset="0"/>
+                          <a:ea typeface="Arial" panose="020B0604020202020204" pitchFamily="34" charset="0"/>
+                        </a:rPr>
+                        <a:t>    Alta ( x  )         media (    )                baja(      )</a:t>
+                      </a:r>
+                      <a:endParaRPr lang="en-US" sz="1000" dirty="0">
+                        <a:solidFill>
+                          <a:schemeClr val="accent1"/>
+                        </a:solidFill>
+                        <a:effectLst/>
+                        <a:latin typeface="Arial" panose="020B0604020202020204" pitchFamily="34" charset="0"/>
+                        <a:ea typeface="Arial" panose="020B0604020202020204" pitchFamily="34" charset="0"/>
+                      </a:endParaRPr>
+                    </a:p>
+                  </a:txBody>
+                  <a:tcPr marL="68580" marR="68580" marT="0" marB="0">
+                    <a:lnL w="12700" cap="flat" cmpd="sng" algn="ctr">
+                      <a:solidFill>
+                        <a:srgbClr val="000000"/>
+                      </a:solidFill>
+                      <a:prstDash val="solid"/>
+                      <a:round/>
+                      <a:headEnd type="none" w="med" len="med"/>
+                      <a:tailEnd type="none" w="med" len="med"/>
+                    </a:lnL>
+                    <a:lnR w="12700" cap="flat" cmpd="sng" algn="ctr">
+                      <a:solidFill>
+                        <a:srgbClr val="000000"/>
+                      </a:solidFill>
+                      <a:prstDash val="solid"/>
+                      <a:round/>
+                      <a:headEnd type="none" w="med" len="med"/>
+                      <a:tailEnd type="none" w="med" len="med"/>
+                    </a:lnR>
+                    <a:lnT w="12700" cap="flat" cmpd="sng" algn="ctr">
+                      <a:solidFill>
+                        <a:srgbClr val="000000"/>
+                      </a:solidFill>
+                      <a:prstDash val="solid"/>
+                      <a:round/>
+                      <a:headEnd type="none" w="med" len="med"/>
+                      <a:tailEnd type="none" w="med" len="med"/>
+                    </a:lnT>
+                    <a:lnB w="12700" cap="flat" cmpd="sng" algn="ctr">
+                      <a:solidFill>
+                        <a:srgbClr val="000000"/>
+                      </a:solidFill>
+                      <a:prstDash val="solid"/>
+                      <a:round/>
+                      <a:headEnd type="none" w="med" len="med"/>
+                      <a:tailEnd type="none" w="med" len="med"/>
+                    </a:lnB>
+                  </a:tcPr>
+                </a:tc>
+                <a:extLst>
+                  <a:ext uri="{0D108BD9-81ED-4DB2-BD59-A6C34878D82A}">
+                    <a16:rowId xmlns:a16="http://schemas.microsoft.com/office/drawing/2014/main" val="567766633"/>
+                  </a:ext>
+                </a:extLst>
+              </a:tr>
+            </a:tbl>
+          </a:graphicData>
+        </a:graphic>
+      </p:graphicFrame>
     </p:spTree>
     <p:extLst>
       <p:ext uri="{BB962C8B-B14F-4D97-AF65-F5344CB8AC3E}">
-        <p14:creationId xmlns:p14="http://schemas.microsoft.com/office/powerpoint/2010/main" val="3648388821"/>
+        <p14:creationId xmlns:p14="http://schemas.microsoft.com/office/powerpoint/2010/main" val="2886496460"/>
       </p:ext>
     </p:extLst>
   </p:cSld>
@@ -8244,6 +11934,959 @@
           </a:p>
         </p:txBody>
       </p:sp>
+      <p:graphicFrame>
+        <p:nvGraphicFramePr>
+          <p:cNvPr id="2" name="Tabla 1"/>
+          <p:cNvGraphicFramePr>
+            <a:graphicFrameLocks noGrp="1"/>
+          </p:cNvGraphicFramePr>
+          <p:nvPr>
+            <p:extLst>
+              <p:ext uri="{D42A27DB-BD31-4B8C-83A1-F6EECF244321}">
+                <p14:modId xmlns:p14="http://schemas.microsoft.com/office/powerpoint/2010/main" val="496048931"/>
+              </p:ext>
+            </p:extLst>
+          </p:nvPr>
+        </p:nvGraphicFramePr>
+        <p:xfrm>
+          <a:off x="685800" y="960119"/>
+          <a:ext cx="10229850" cy="5280660"/>
+        </p:xfrm>
+        <a:graphic>
+          <a:graphicData uri="http://schemas.openxmlformats.org/drawingml/2006/table">
+            <a:tbl>
+              <a:tblPr/>
+              <a:tblGrid>
+                <a:gridCol w="2638142">
+                  <a:extLst>
+                    <a:ext uri="{9D8B030D-6E8A-4147-A177-3AD203B41FA5}">
+                      <a16:colId xmlns:a16="http://schemas.microsoft.com/office/drawing/2014/main" val="720465072"/>
+                    </a:ext>
+                  </a:extLst>
+                </a:gridCol>
+                <a:gridCol w="7591708">
+                  <a:extLst>
+                    <a:ext uri="{9D8B030D-6E8A-4147-A177-3AD203B41FA5}">
+                      <a16:colId xmlns:a16="http://schemas.microsoft.com/office/drawing/2014/main" val="4018269238"/>
+                    </a:ext>
+                  </a:extLst>
+                </a:gridCol>
+              </a:tblGrid>
+              <a:tr h="838847">
+                <a:tc>
+                  <a:txBody>
+                    <a:bodyPr/>
+                    <a:lstStyle/>
+                    <a:p>
+                      <a:pPr algn="just">
+                        <a:spcAft>
+                          <a:spcPts val="0"/>
+                        </a:spcAft>
+                      </a:pPr>
+                      <a:r>
+                        <a:rPr lang="es-ES" sz="1200" b="1">
+                          <a:solidFill>
+                            <a:schemeClr val="accent1"/>
+                          </a:solidFill>
+                          <a:effectLst/>
+                          <a:latin typeface="Arial" panose="020B0604020202020204" pitchFamily="34" charset="0"/>
+                          <a:ea typeface="Arial" panose="020B0604020202020204" pitchFamily="34" charset="0"/>
+                        </a:rPr>
+                        <a:t>Identificación del requerimiento:</a:t>
+                      </a:r>
+                      <a:endParaRPr lang="en-US" sz="1000">
+                        <a:solidFill>
+                          <a:schemeClr val="accent1"/>
+                        </a:solidFill>
+                        <a:effectLst/>
+                        <a:latin typeface="Arial" panose="020B0604020202020204" pitchFamily="34" charset="0"/>
+                        <a:ea typeface="Arial" panose="020B0604020202020204" pitchFamily="34" charset="0"/>
+                      </a:endParaRPr>
+                    </a:p>
+                  </a:txBody>
+                  <a:tcPr marL="68580" marR="68580" marT="0" marB="0">
+                    <a:lnL w="12700" cap="flat" cmpd="sng" algn="ctr">
+                      <a:solidFill>
+                        <a:srgbClr val="000000"/>
+                      </a:solidFill>
+                      <a:prstDash val="solid"/>
+                      <a:round/>
+                      <a:headEnd type="none" w="med" len="med"/>
+                      <a:tailEnd type="none" w="med" len="med"/>
+                    </a:lnL>
+                    <a:lnR w="12700" cap="flat" cmpd="sng" algn="ctr">
+                      <a:solidFill>
+                        <a:srgbClr val="000000"/>
+                      </a:solidFill>
+                      <a:prstDash val="solid"/>
+                      <a:round/>
+                      <a:headEnd type="none" w="med" len="med"/>
+                      <a:tailEnd type="none" w="med" len="med"/>
+                    </a:lnR>
+                    <a:lnT w="12700" cap="flat" cmpd="sng" algn="ctr">
+                      <a:solidFill>
+                        <a:srgbClr val="000000"/>
+                      </a:solidFill>
+                      <a:prstDash val="solid"/>
+                      <a:round/>
+                      <a:headEnd type="none" w="med" len="med"/>
+                      <a:tailEnd type="none" w="med" len="med"/>
+                    </a:lnT>
+                    <a:lnB w="12700" cap="flat" cmpd="sng" algn="ctr">
+                      <a:solidFill>
+                        <a:srgbClr val="000000"/>
+                      </a:solidFill>
+                      <a:prstDash val="solid"/>
+                      <a:round/>
+                      <a:headEnd type="none" w="med" len="med"/>
+                      <a:tailEnd type="none" w="med" len="med"/>
+                    </a:lnB>
+                  </a:tcPr>
+                </a:tc>
+                <a:tc>
+                  <a:txBody>
+                    <a:bodyPr/>
+                    <a:lstStyle/>
+                    <a:p>
+                      <a:pPr algn="just">
+                        <a:spcAft>
+                          <a:spcPts val="0"/>
+                        </a:spcAft>
+                      </a:pPr>
+                      <a:r>
+                        <a:rPr lang="es-ES" sz="1200" b="1">
+                          <a:solidFill>
+                            <a:schemeClr val="accent1"/>
+                          </a:solidFill>
+                          <a:effectLst/>
+                          <a:latin typeface="Arial" panose="020B0604020202020204" pitchFamily="34" charset="0"/>
+                          <a:ea typeface="Arial" panose="020B0604020202020204" pitchFamily="34" charset="0"/>
+                        </a:rPr>
+                        <a:t>Requerimiento F5</a:t>
+                      </a:r>
+                      <a:endParaRPr lang="en-US" sz="1000">
+                        <a:solidFill>
+                          <a:schemeClr val="accent1"/>
+                        </a:solidFill>
+                        <a:effectLst/>
+                        <a:latin typeface="Arial" panose="020B0604020202020204" pitchFamily="34" charset="0"/>
+                        <a:ea typeface="Arial" panose="020B0604020202020204" pitchFamily="34" charset="0"/>
+                      </a:endParaRPr>
+                    </a:p>
+                  </a:txBody>
+                  <a:tcPr marL="68580" marR="68580" marT="0" marB="0">
+                    <a:lnL w="12700" cap="flat" cmpd="sng" algn="ctr">
+                      <a:solidFill>
+                        <a:srgbClr val="000000"/>
+                      </a:solidFill>
+                      <a:prstDash val="solid"/>
+                      <a:round/>
+                      <a:headEnd type="none" w="med" len="med"/>
+                      <a:tailEnd type="none" w="med" len="med"/>
+                    </a:lnL>
+                    <a:lnR w="12700" cap="flat" cmpd="sng" algn="ctr">
+                      <a:solidFill>
+                        <a:srgbClr val="000000"/>
+                      </a:solidFill>
+                      <a:prstDash val="solid"/>
+                      <a:round/>
+                      <a:headEnd type="none" w="med" len="med"/>
+                      <a:tailEnd type="none" w="med" len="med"/>
+                    </a:lnR>
+                    <a:lnT w="12700" cap="flat" cmpd="sng" algn="ctr">
+                      <a:solidFill>
+                        <a:srgbClr val="000000"/>
+                      </a:solidFill>
+                      <a:prstDash val="solid"/>
+                      <a:round/>
+                      <a:headEnd type="none" w="med" len="med"/>
+                      <a:tailEnd type="none" w="med" len="med"/>
+                    </a:lnT>
+                    <a:lnB w="12700" cap="flat" cmpd="sng" algn="ctr">
+                      <a:solidFill>
+                        <a:srgbClr val="000000"/>
+                      </a:solidFill>
+                      <a:prstDash val="solid"/>
+                      <a:round/>
+                      <a:headEnd type="none" w="med" len="med"/>
+                      <a:tailEnd type="none" w="med" len="med"/>
+                    </a:lnB>
+                  </a:tcPr>
+                </a:tc>
+                <a:extLst>
+                  <a:ext uri="{0D108BD9-81ED-4DB2-BD59-A6C34878D82A}">
+                    <a16:rowId xmlns:a16="http://schemas.microsoft.com/office/drawing/2014/main" val="822079891"/>
+                  </a:ext>
+                </a:extLst>
+              </a:tr>
+              <a:tr h="838847">
+                <a:tc>
+                  <a:txBody>
+                    <a:bodyPr/>
+                    <a:lstStyle/>
+                    <a:p>
+                      <a:pPr algn="just">
+                        <a:spcAft>
+                          <a:spcPts val="0"/>
+                        </a:spcAft>
+                      </a:pPr>
+                      <a:r>
+                        <a:rPr lang="es-ES" sz="1200" b="1">
+                          <a:solidFill>
+                            <a:schemeClr val="accent1"/>
+                          </a:solidFill>
+                          <a:effectLst/>
+                          <a:latin typeface="Arial" panose="020B0604020202020204" pitchFamily="34" charset="0"/>
+                          <a:ea typeface="Arial" panose="020B0604020202020204" pitchFamily="34" charset="0"/>
+                        </a:rPr>
+                        <a:t>Nombre del requerimiento:</a:t>
+                      </a:r>
+                      <a:endParaRPr lang="en-US" sz="1000">
+                        <a:solidFill>
+                          <a:schemeClr val="accent1"/>
+                        </a:solidFill>
+                        <a:effectLst/>
+                        <a:latin typeface="Arial" panose="020B0604020202020204" pitchFamily="34" charset="0"/>
+                        <a:ea typeface="Arial" panose="020B0604020202020204" pitchFamily="34" charset="0"/>
+                      </a:endParaRPr>
+                    </a:p>
+                  </a:txBody>
+                  <a:tcPr marL="68580" marR="68580" marT="0" marB="0">
+                    <a:lnL w="12700" cap="flat" cmpd="sng" algn="ctr">
+                      <a:solidFill>
+                        <a:srgbClr val="000000"/>
+                      </a:solidFill>
+                      <a:prstDash val="solid"/>
+                      <a:round/>
+                      <a:headEnd type="none" w="med" len="med"/>
+                      <a:tailEnd type="none" w="med" len="med"/>
+                    </a:lnL>
+                    <a:lnR w="12700" cap="flat" cmpd="sng" algn="ctr">
+                      <a:solidFill>
+                        <a:srgbClr val="000000"/>
+                      </a:solidFill>
+                      <a:prstDash val="solid"/>
+                      <a:round/>
+                      <a:headEnd type="none" w="med" len="med"/>
+                      <a:tailEnd type="none" w="med" len="med"/>
+                    </a:lnR>
+                    <a:lnT w="12700" cap="flat" cmpd="sng" algn="ctr">
+                      <a:solidFill>
+                        <a:srgbClr val="000000"/>
+                      </a:solidFill>
+                      <a:prstDash val="solid"/>
+                      <a:round/>
+                      <a:headEnd type="none" w="med" len="med"/>
+                      <a:tailEnd type="none" w="med" len="med"/>
+                    </a:lnT>
+                    <a:lnB w="12700" cap="flat" cmpd="sng" algn="ctr">
+                      <a:solidFill>
+                        <a:srgbClr val="000000"/>
+                      </a:solidFill>
+                      <a:prstDash val="solid"/>
+                      <a:round/>
+                      <a:headEnd type="none" w="med" len="med"/>
+                      <a:tailEnd type="none" w="med" len="med"/>
+                    </a:lnB>
+                  </a:tcPr>
+                </a:tc>
+                <a:tc>
+                  <a:txBody>
+                    <a:bodyPr/>
+                    <a:lstStyle/>
+                    <a:p>
+                      <a:pPr algn="just">
+                        <a:spcAft>
+                          <a:spcPts val="0"/>
+                        </a:spcAft>
+                      </a:pPr>
+                      <a:r>
+                        <a:rPr lang="es-ES" sz="1200" dirty="0">
+                          <a:solidFill>
+                            <a:schemeClr val="accent1"/>
+                          </a:solidFill>
+                          <a:effectLst/>
+                          <a:latin typeface="Arial" panose="020B0604020202020204" pitchFamily="34" charset="0"/>
+                          <a:ea typeface="Arial" panose="020B0604020202020204" pitchFamily="34" charset="0"/>
+                        </a:rPr>
+                        <a:t>Registro contable </a:t>
+                      </a:r>
+                      <a:endParaRPr lang="en-US" sz="1000" dirty="0">
+                        <a:solidFill>
+                          <a:schemeClr val="accent1"/>
+                        </a:solidFill>
+                        <a:effectLst/>
+                        <a:latin typeface="Arial" panose="020B0604020202020204" pitchFamily="34" charset="0"/>
+                        <a:ea typeface="Arial" panose="020B0604020202020204" pitchFamily="34" charset="0"/>
+                      </a:endParaRPr>
+                    </a:p>
+                  </a:txBody>
+                  <a:tcPr marL="68580" marR="68580" marT="0" marB="0">
+                    <a:lnL w="12700" cap="flat" cmpd="sng" algn="ctr">
+                      <a:solidFill>
+                        <a:srgbClr val="000000"/>
+                      </a:solidFill>
+                      <a:prstDash val="solid"/>
+                      <a:round/>
+                      <a:headEnd type="none" w="med" len="med"/>
+                      <a:tailEnd type="none" w="med" len="med"/>
+                    </a:lnL>
+                    <a:lnR w="12700" cap="flat" cmpd="sng" algn="ctr">
+                      <a:solidFill>
+                        <a:srgbClr val="000000"/>
+                      </a:solidFill>
+                      <a:prstDash val="solid"/>
+                      <a:round/>
+                      <a:headEnd type="none" w="med" len="med"/>
+                      <a:tailEnd type="none" w="med" len="med"/>
+                    </a:lnR>
+                    <a:lnT w="12700" cap="flat" cmpd="sng" algn="ctr">
+                      <a:solidFill>
+                        <a:srgbClr val="000000"/>
+                      </a:solidFill>
+                      <a:prstDash val="solid"/>
+                      <a:round/>
+                      <a:headEnd type="none" w="med" len="med"/>
+                      <a:tailEnd type="none" w="med" len="med"/>
+                    </a:lnT>
+                    <a:lnB w="12700" cap="flat" cmpd="sng" algn="ctr">
+                      <a:solidFill>
+                        <a:srgbClr val="000000"/>
+                      </a:solidFill>
+                      <a:prstDash val="solid"/>
+                      <a:round/>
+                      <a:headEnd type="none" w="med" len="med"/>
+                      <a:tailEnd type="none" w="med" len="med"/>
+                    </a:lnB>
+                  </a:tcPr>
+                </a:tc>
+                <a:extLst>
+                  <a:ext uri="{0D108BD9-81ED-4DB2-BD59-A6C34878D82A}">
+                    <a16:rowId xmlns:a16="http://schemas.microsoft.com/office/drawing/2014/main" val="3584007234"/>
+                  </a:ext>
+                </a:extLst>
+              </a:tr>
+              <a:tr h="667001">
+                <a:tc>
+                  <a:txBody>
+                    <a:bodyPr/>
+                    <a:lstStyle/>
+                    <a:p>
+                      <a:pPr algn="just">
+                        <a:spcAft>
+                          <a:spcPts val="0"/>
+                        </a:spcAft>
+                      </a:pPr>
+                      <a:r>
+                        <a:rPr lang="es-ES" sz="1200" b="1">
+                          <a:solidFill>
+                            <a:schemeClr val="accent1"/>
+                          </a:solidFill>
+                          <a:effectLst/>
+                          <a:latin typeface="Arial" panose="020B0604020202020204" pitchFamily="34" charset="0"/>
+                          <a:ea typeface="Arial" panose="020B0604020202020204" pitchFamily="34" charset="0"/>
+                        </a:rPr>
+                        <a:t>Características</a:t>
+                      </a:r>
+                      <a:endParaRPr lang="en-US" sz="1000">
+                        <a:solidFill>
+                          <a:schemeClr val="accent1"/>
+                        </a:solidFill>
+                        <a:effectLst/>
+                        <a:latin typeface="Arial" panose="020B0604020202020204" pitchFamily="34" charset="0"/>
+                        <a:ea typeface="Arial" panose="020B0604020202020204" pitchFamily="34" charset="0"/>
+                      </a:endParaRPr>
+                    </a:p>
+                  </a:txBody>
+                  <a:tcPr marL="68580" marR="68580" marT="0" marB="0">
+                    <a:lnL w="12700" cap="flat" cmpd="sng" algn="ctr">
+                      <a:solidFill>
+                        <a:srgbClr val="000000"/>
+                      </a:solidFill>
+                      <a:prstDash val="solid"/>
+                      <a:round/>
+                      <a:headEnd type="none" w="med" len="med"/>
+                      <a:tailEnd type="none" w="med" len="med"/>
+                    </a:lnL>
+                    <a:lnR w="12700" cap="flat" cmpd="sng" algn="ctr">
+                      <a:solidFill>
+                        <a:srgbClr val="000000"/>
+                      </a:solidFill>
+                      <a:prstDash val="solid"/>
+                      <a:round/>
+                      <a:headEnd type="none" w="med" len="med"/>
+                      <a:tailEnd type="none" w="med" len="med"/>
+                    </a:lnR>
+                    <a:lnT w="12700" cap="flat" cmpd="sng" algn="ctr">
+                      <a:solidFill>
+                        <a:srgbClr val="000000"/>
+                      </a:solidFill>
+                      <a:prstDash val="solid"/>
+                      <a:round/>
+                      <a:headEnd type="none" w="med" len="med"/>
+                      <a:tailEnd type="none" w="med" len="med"/>
+                    </a:lnT>
+                    <a:lnB w="12700" cap="flat" cmpd="sng" algn="ctr">
+                      <a:solidFill>
+                        <a:srgbClr val="000000"/>
+                      </a:solidFill>
+                      <a:prstDash val="solid"/>
+                      <a:round/>
+                      <a:headEnd type="none" w="med" len="med"/>
+                      <a:tailEnd type="none" w="med" len="med"/>
+                    </a:lnB>
+                  </a:tcPr>
+                </a:tc>
+                <a:tc>
+                  <a:txBody>
+                    <a:bodyPr/>
+                    <a:lstStyle/>
+                    <a:p>
+                      <a:pPr algn="just">
+                        <a:spcAft>
+                          <a:spcPts val="0"/>
+                        </a:spcAft>
+                        <a:tabLst>
+                          <a:tab pos="2733675" algn="l"/>
+                        </a:tabLst>
+                      </a:pPr>
+                      <a:r>
+                        <a:rPr lang="es-ES" sz="1200">
+                          <a:solidFill>
+                            <a:schemeClr val="accent1"/>
+                          </a:solidFill>
+                          <a:effectLst/>
+                          <a:latin typeface="Arial" panose="020B0604020202020204" pitchFamily="34" charset="0"/>
+                          <a:ea typeface="Arial" panose="020B0604020202020204" pitchFamily="34" charset="0"/>
+                        </a:rPr>
+                        <a:t>El software registrara las ventas y pedidos </a:t>
+                      </a:r>
+                      <a:endParaRPr lang="en-US" sz="1000">
+                        <a:solidFill>
+                          <a:schemeClr val="accent1"/>
+                        </a:solidFill>
+                        <a:effectLst/>
+                        <a:latin typeface="Arial" panose="020B0604020202020204" pitchFamily="34" charset="0"/>
+                        <a:ea typeface="Arial" panose="020B0604020202020204" pitchFamily="34" charset="0"/>
+                      </a:endParaRPr>
+                    </a:p>
+                  </a:txBody>
+                  <a:tcPr marL="68580" marR="68580" marT="0" marB="0">
+                    <a:lnL w="12700" cap="flat" cmpd="sng" algn="ctr">
+                      <a:solidFill>
+                        <a:srgbClr val="000000"/>
+                      </a:solidFill>
+                      <a:prstDash val="solid"/>
+                      <a:round/>
+                      <a:headEnd type="none" w="med" len="med"/>
+                      <a:tailEnd type="none" w="med" len="med"/>
+                    </a:lnL>
+                    <a:lnR w="12700" cap="flat" cmpd="sng" algn="ctr">
+                      <a:solidFill>
+                        <a:srgbClr val="000000"/>
+                      </a:solidFill>
+                      <a:prstDash val="solid"/>
+                      <a:round/>
+                      <a:headEnd type="none" w="med" len="med"/>
+                      <a:tailEnd type="none" w="med" len="med"/>
+                    </a:lnR>
+                    <a:lnT w="12700" cap="flat" cmpd="sng" algn="ctr">
+                      <a:solidFill>
+                        <a:srgbClr val="000000"/>
+                      </a:solidFill>
+                      <a:prstDash val="solid"/>
+                      <a:round/>
+                      <a:headEnd type="none" w="med" len="med"/>
+                      <a:tailEnd type="none" w="med" len="med"/>
+                    </a:lnT>
+                    <a:lnB w="12700" cap="flat" cmpd="sng" algn="ctr">
+                      <a:solidFill>
+                        <a:srgbClr val="000000"/>
+                      </a:solidFill>
+                      <a:prstDash val="solid"/>
+                      <a:round/>
+                      <a:headEnd type="none" w="med" len="med"/>
+                      <a:tailEnd type="none" w="med" len="med"/>
+                    </a:lnB>
+                  </a:tcPr>
+                </a:tc>
+                <a:extLst>
+                  <a:ext uri="{0D108BD9-81ED-4DB2-BD59-A6C34878D82A}">
+                    <a16:rowId xmlns:a16="http://schemas.microsoft.com/office/drawing/2014/main" val="2677435001"/>
+                  </a:ext>
+                </a:extLst>
+              </a:tr>
+              <a:tr h="1258271">
+                <a:tc>
+                  <a:txBody>
+                    <a:bodyPr/>
+                    <a:lstStyle/>
+                    <a:p>
+                      <a:pPr algn="just">
+                        <a:spcAft>
+                          <a:spcPts val="0"/>
+                        </a:spcAft>
+                      </a:pPr>
+                      <a:r>
+                        <a:rPr lang="es-ES" sz="1200" b="1">
+                          <a:solidFill>
+                            <a:schemeClr val="accent1"/>
+                          </a:solidFill>
+                          <a:effectLst/>
+                          <a:latin typeface="Arial" panose="020B0604020202020204" pitchFamily="34" charset="0"/>
+                          <a:ea typeface="Arial" panose="020B0604020202020204" pitchFamily="34" charset="0"/>
+                        </a:rPr>
+                        <a:t>Descripción del requerimiento:</a:t>
+                      </a:r>
+                      <a:endParaRPr lang="en-US" sz="1000">
+                        <a:solidFill>
+                          <a:schemeClr val="accent1"/>
+                        </a:solidFill>
+                        <a:effectLst/>
+                        <a:latin typeface="Arial" panose="020B0604020202020204" pitchFamily="34" charset="0"/>
+                        <a:ea typeface="Arial" panose="020B0604020202020204" pitchFamily="34" charset="0"/>
+                      </a:endParaRPr>
+                    </a:p>
+                  </a:txBody>
+                  <a:tcPr marL="68580" marR="68580" marT="0" marB="0">
+                    <a:lnL w="12700" cap="flat" cmpd="sng" algn="ctr">
+                      <a:solidFill>
+                        <a:srgbClr val="000000"/>
+                      </a:solidFill>
+                      <a:prstDash val="solid"/>
+                      <a:round/>
+                      <a:headEnd type="none" w="med" len="med"/>
+                      <a:tailEnd type="none" w="med" len="med"/>
+                    </a:lnL>
+                    <a:lnR w="12700" cap="flat" cmpd="sng" algn="ctr">
+                      <a:solidFill>
+                        <a:srgbClr val="000000"/>
+                      </a:solidFill>
+                      <a:prstDash val="solid"/>
+                      <a:round/>
+                      <a:headEnd type="none" w="med" len="med"/>
+                      <a:tailEnd type="none" w="med" len="med"/>
+                    </a:lnR>
+                    <a:lnT w="12700" cap="flat" cmpd="sng" algn="ctr">
+                      <a:solidFill>
+                        <a:srgbClr val="000000"/>
+                      </a:solidFill>
+                      <a:prstDash val="solid"/>
+                      <a:round/>
+                      <a:headEnd type="none" w="med" len="med"/>
+                      <a:tailEnd type="none" w="med" len="med"/>
+                    </a:lnT>
+                    <a:lnB w="12700" cap="flat" cmpd="sng" algn="ctr">
+                      <a:solidFill>
+                        <a:srgbClr val="000000"/>
+                      </a:solidFill>
+                      <a:prstDash val="solid"/>
+                      <a:round/>
+                      <a:headEnd type="none" w="med" len="med"/>
+                      <a:tailEnd type="none" w="med" len="med"/>
+                    </a:lnB>
+                  </a:tcPr>
+                </a:tc>
+                <a:tc>
+                  <a:txBody>
+                    <a:bodyPr/>
+                    <a:lstStyle/>
+                    <a:p>
+                      <a:pPr algn="just">
+                        <a:spcAft>
+                          <a:spcPts val="0"/>
+                        </a:spcAft>
+                      </a:pPr>
+                      <a:r>
+                        <a:rPr lang="es-ES" sz="1200">
+                          <a:solidFill>
+                            <a:schemeClr val="accent1"/>
+                          </a:solidFill>
+                          <a:effectLst/>
+                          <a:latin typeface="Arial" panose="020B0604020202020204" pitchFamily="34" charset="0"/>
+                          <a:ea typeface="Arial" panose="020B0604020202020204" pitchFamily="34" charset="0"/>
+                        </a:rPr>
+                        <a:t>Ventas, pagos de pedidos, ganancias totales </a:t>
+                      </a:r>
+                      <a:endParaRPr lang="en-US" sz="1000">
+                        <a:solidFill>
+                          <a:schemeClr val="accent1"/>
+                        </a:solidFill>
+                        <a:effectLst/>
+                        <a:latin typeface="Arial" panose="020B0604020202020204" pitchFamily="34" charset="0"/>
+                        <a:ea typeface="Arial" panose="020B0604020202020204" pitchFamily="34" charset="0"/>
+                      </a:endParaRPr>
+                    </a:p>
+                    <a:p>
+                      <a:pPr algn="just">
+                        <a:spcAft>
+                          <a:spcPts val="0"/>
+                        </a:spcAft>
+                      </a:pPr>
+                      <a:r>
+                        <a:rPr lang="es-ES" sz="1200">
+                          <a:solidFill>
+                            <a:schemeClr val="accent1"/>
+                          </a:solidFill>
+                          <a:effectLst/>
+                          <a:latin typeface="Arial" panose="020B0604020202020204" pitchFamily="34" charset="0"/>
+                          <a:ea typeface="Arial" panose="020B0604020202020204" pitchFamily="34" charset="0"/>
+                        </a:rPr>
+                        <a:t>Este llevara unas categorías que se clasificaran en: General, Bebidas, licores etc… </a:t>
+                      </a:r>
+                      <a:endParaRPr lang="en-US" sz="1000">
+                        <a:solidFill>
+                          <a:schemeClr val="accent1"/>
+                        </a:solidFill>
+                        <a:effectLst/>
+                        <a:latin typeface="Arial" panose="020B0604020202020204" pitchFamily="34" charset="0"/>
+                        <a:ea typeface="Arial" panose="020B0604020202020204" pitchFamily="34" charset="0"/>
+                      </a:endParaRPr>
+                    </a:p>
+                  </a:txBody>
+                  <a:tcPr marL="68580" marR="68580" marT="0" marB="0">
+                    <a:lnL w="12700" cap="flat" cmpd="sng" algn="ctr">
+                      <a:solidFill>
+                        <a:srgbClr val="000000"/>
+                      </a:solidFill>
+                      <a:prstDash val="solid"/>
+                      <a:round/>
+                      <a:headEnd type="none" w="med" len="med"/>
+                      <a:tailEnd type="none" w="med" len="med"/>
+                    </a:lnL>
+                    <a:lnR w="12700" cap="flat" cmpd="sng" algn="ctr">
+                      <a:solidFill>
+                        <a:srgbClr val="000000"/>
+                      </a:solidFill>
+                      <a:prstDash val="solid"/>
+                      <a:round/>
+                      <a:headEnd type="none" w="med" len="med"/>
+                      <a:tailEnd type="none" w="med" len="med"/>
+                    </a:lnR>
+                    <a:lnT w="12700" cap="flat" cmpd="sng" algn="ctr">
+                      <a:solidFill>
+                        <a:srgbClr val="000000"/>
+                      </a:solidFill>
+                      <a:prstDash val="solid"/>
+                      <a:round/>
+                      <a:headEnd type="none" w="med" len="med"/>
+                      <a:tailEnd type="none" w="med" len="med"/>
+                    </a:lnT>
+                    <a:lnB w="12700" cap="flat" cmpd="sng" algn="ctr">
+                      <a:solidFill>
+                        <a:srgbClr val="000000"/>
+                      </a:solidFill>
+                      <a:prstDash val="solid"/>
+                      <a:round/>
+                      <a:headEnd type="none" w="med" len="med"/>
+                      <a:tailEnd type="none" w="med" len="med"/>
+                    </a:lnB>
+                  </a:tcPr>
+                </a:tc>
+                <a:extLst>
+                  <a:ext uri="{0D108BD9-81ED-4DB2-BD59-A6C34878D82A}">
+                    <a16:rowId xmlns:a16="http://schemas.microsoft.com/office/drawing/2014/main" val="3350086695"/>
+                  </a:ext>
+                </a:extLst>
+              </a:tr>
+              <a:tr h="838847">
+                <a:tc>
+                  <a:txBody>
+                    <a:bodyPr/>
+                    <a:lstStyle/>
+                    <a:p>
+                      <a:pPr algn="just">
+                        <a:spcAft>
+                          <a:spcPts val="0"/>
+                        </a:spcAft>
+                      </a:pPr>
+                      <a:r>
+                        <a:rPr lang="es-ES" sz="1200" b="1">
+                          <a:solidFill>
+                            <a:schemeClr val="accent1"/>
+                          </a:solidFill>
+                          <a:effectLst/>
+                          <a:latin typeface="Arial" panose="020B0604020202020204" pitchFamily="34" charset="0"/>
+                          <a:ea typeface="Arial" panose="020B0604020202020204" pitchFamily="34" charset="0"/>
+                        </a:rPr>
+                        <a:t>Requerimientos no funcionales:</a:t>
+                      </a:r>
+                      <a:endParaRPr lang="en-US" sz="1000">
+                        <a:solidFill>
+                          <a:schemeClr val="accent1"/>
+                        </a:solidFill>
+                        <a:effectLst/>
+                        <a:latin typeface="Arial" panose="020B0604020202020204" pitchFamily="34" charset="0"/>
+                        <a:ea typeface="Arial" panose="020B0604020202020204" pitchFamily="34" charset="0"/>
+                      </a:endParaRPr>
+                    </a:p>
+                  </a:txBody>
+                  <a:tcPr marL="68580" marR="68580" marT="0" marB="0">
+                    <a:lnL w="12700" cap="flat" cmpd="sng" algn="ctr">
+                      <a:solidFill>
+                        <a:srgbClr val="000000"/>
+                      </a:solidFill>
+                      <a:prstDash val="solid"/>
+                      <a:round/>
+                      <a:headEnd type="none" w="med" len="med"/>
+                      <a:tailEnd type="none" w="med" len="med"/>
+                    </a:lnL>
+                    <a:lnR w="12700" cap="flat" cmpd="sng" algn="ctr">
+                      <a:solidFill>
+                        <a:srgbClr val="000000"/>
+                      </a:solidFill>
+                      <a:prstDash val="solid"/>
+                      <a:round/>
+                      <a:headEnd type="none" w="med" len="med"/>
+                      <a:tailEnd type="none" w="med" len="med"/>
+                    </a:lnR>
+                    <a:lnT w="12700" cap="flat" cmpd="sng" algn="ctr">
+                      <a:solidFill>
+                        <a:srgbClr val="000000"/>
+                      </a:solidFill>
+                      <a:prstDash val="solid"/>
+                      <a:round/>
+                      <a:headEnd type="none" w="med" len="med"/>
+                      <a:tailEnd type="none" w="med" len="med"/>
+                    </a:lnT>
+                    <a:lnB w="12700" cap="flat" cmpd="sng" algn="ctr">
+                      <a:solidFill>
+                        <a:srgbClr val="000000"/>
+                      </a:solidFill>
+                      <a:prstDash val="solid"/>
+                      <a:round/>
+                      <a:headEnd type="none" w="med" len="med"/>
+                      <a:tailEnd type="none" w="med" len="med"/>
+                    </a:lnB>
+                  </a:tcPr>
+                </a:tc>
+                <a:tc>
+                  <a:txBody>
+                    <a:bodyPr/>
+                    <a:lstStyle/>
+                    <a:p>
+                      <a:pPr algn="just">
+                        <a:spcAft>
+                          <a:spcPts val="0"/>
+                        </a:spcAft>
+                      </a:pPr>
+                      <a:r>
+                        <a:rPr lang="es-ES" sz="1200">
+                          <a:solidFill>
+                            <a:schemeClr val="accent1"/>
+                          </a:solidFill>
+                          <a:effectLst/>
+                          <a:latin typeface="Arial" panose="020B0604020202020204" pitchFamily="34" charset="0"/>
+                          <a:ea typeface="Arial" panose="020B0604020202020204" pitchFamily="34" charset="0"/>
+                        </a:rPr>
+                        <a:t> </a:t>
+                      </a:r>
+                      <a:endParaRPr lang="en-US" sz="1000">
+                        <a:solidFill>
+                          <a:schemeClr val="accent1"/>
+                        </a:solidFill>
+                        <a:effectLst/>
+                        <a:latin typeface="Arial" panose="020B0604020202020204" pitchFamily="34" charset="0"/>
+                        <a:ea typeface="Arial" panose="020B0604020202020204" pitchFamily="34" charset="0"/>
+                      </a:endParaRPr>
+                    </a:p>
+                  </a:txBody>
+                  <a:tcPr marL="68580" marR="68580" marT="0" marB="0">
+                    <a:lnL w="12700" cap="flat" cmpd="sng" algn="ctr">
+                      <a:solidFill>
+                        <a:srgbClr val="000000"/>
+                      </a:solidFill>
+                      <a:prstDash val="solid"/>
+                      <a:round/>
+                      <a:headEnd type="none" w="med" len="med"/>
+                      <a:tailEnd type="none" w="med" len="med"/>
+                    </a:lnL>
+                    <a:lnR w="12700" cap="flat" cmpd="sng" algn="ctr">
+                      <a:solidFill>
+                        <a:srgbClr val="000000"/>
+                      </a:solidFill>
+                      <a:prstDash val="solid"/>
+                      <a:round/>
+                      <a:headEnd type="none" w="med" len="med"/>
+                      <a:tailEnd type="none" w="med" len="med"/>
+                    </a:lnR>
+                    <a:lnT w="12700" cap="flat" cmpd="sng" algn="ctr">
+                      <a:solidFill>
+                        <a:srgbClr val="000000"/>
+                      </a:solidFill>
+                      <a:prstDash val="solid"/>
+                      <a:round/>
+                      <a:headEnd type="none" w="med" len="med"/>
+                      <a:tailEnd type="none" w="med" len="med"/>
+                    </a:lnT>
+                    <a:lnB w="12700" cap="flat" cmpd="sng" algn="ctr">
+                      <a:solidFill>
+                        <a:srgbClr val="000000"/>
+                      </a:solidFill>
+                      <a:prstDash val="solid"/>
+                      <a:round/>
+                      <a:headEnd type="none" w="med" len="med"/>
+                      <a:tailEnd type="none" w="med" len="med"/>
+                    </a:lnB>
+                  </a:tcPr>
+                </a:tc>
+                <a:extLst>
+                  <a:ext uri="{0D108BD9-81ED-4DB2-BD59-A6C34878D82A}">
+                    <a16:rowId xmlns:a16="http://schemas.microsoft.com/office/drawing/2014/main" val="1010899611"/>
+                  </a:ext>
+                </a:extLst>
+              </a:tr>
+              <a:tr h="838847">
+                <a:tc>
+                  <a:txBody>
+                    <a:bodyPr/>
+                    <a:lstStyle/>
+                    <a:p>
+                      <a:pPr algn="just">
+                        <a:spcAft>
+                          <a:spcPts val="0"/>
+                        </a:spcAft>
+                      </a:pPr>
+                      <a:r>
+                        <a:rPr lang="es-ES" sz="1200" b="1">
+                          <a:solidFill>
+                            <a:schemeClr val="accent1"/>
+                          </a:solidFill>
+                          <a:effectLst/>
+                          <a:latin typeface="Arial" panose="020B0604020202020204" pitchFamily="34" charset="0"/>
+                          <a:ea typeface="Arial" panose="020B0604020202020204" pitchFamily="34" charset="0"/>
+                        </a:rPr>
+                        <a:t>Prioridad de requerimiento:</a:t>
+                      </a:r>
+                      <a:endParaRPr lang="en-US" sz="1000">
+                        <a:solidFill>
+                          <a:schemeClr val="accent1"/>
+                        </a:solidFill>
+                        <a:effectLst/>
+                        <a:latin typeface="Arial" panose="020B0604020202020204" pitchFamily="34" charset="0"/>
+                        <a:ea typeface="Arial" panose="020B0604020202020204" pitchFamily="34" charset="0"/>
+                      </a:endParaRPr>
+                    </a:p>
+                  </a:txBody>
+                  <a:tcPr marL="68580" marR="68580" marT="0" marB="0">
+                    <a:lnL w="12700" cap="flat" cmpd="sng" algn="ctr">
+                      <a:solidFill>
+                        <a:srgbClr val="000000"/>
+                      </a:solidFill>
+                      <a:prstDash val="solid"/>
+                      <a:round/>
+                      <a:headEnd type="none" w="med" len="med"/>
+                      <a:tailEnd type="none" w="med" len="med"/>
+                    </a:lnL>
+                    <a:lnR w="12700" cap="flat" cmpd="sng" algn="ctr">
+                      <a:solidFill>
+                        <a:srgbClr val="000000"/>
+                      </a:solidFill>
+                      <a:prstDash val="solid"/>
+                      <a:round/>
+                      <a:headEnd type="none" w="med" len="med"/>
+                      <a:tailEnd type="none" w="med" len="med"/>
+                    </a:lnR>
+                    <a:lnT w="12700" cap="flat" cmpd="sng" algn="ctr">
+                      <a:solidFill>
+                        <a:srgbClr val="000000"/>
+                      </a:solidFill>
+                      <a:prstDash val="solid"/>
+                      <a:round/>
+                      <a:headEnd type="none" w="med" len="med"/>
+                      <a:tailEnd type="none" w="med" len="med"/>
+                    </a:lnT>
+                    <a:lnB w="12700" cap="flat" cmpd="sng" algn="ctr">
+                      <a:solidFill>
+                        <a:srgbClr val="000000"/>
+                      </a:solidFill>
+                      <a:prstDash val="solid"/>
+                      <a:round/>
+                      <a:headEnd type="none" w="med" len="med"/>
+                      <a:tailEnd type="none" w="med" len="med"/>
+                    </a:lnB>
+                  </a:tcPr>
+                </a:tc>
+                <a:tc>
+                  <a:txBody>
+                    <a:bodyPr/>
+                    <a:lstStyle/>
+                    <a:p>
+                      <a:pPr algn="just">
+                        <a:spcAft>
+                          <a:spcPts val="0"/>
+                        </a:spcAft>
+                      </a:pPr>
+                      <a:r>
+                        <a:rPr lang="es-ES" sz="1200" dirty="0">
+                          <a:solidFill>
+                            <a:schemeClr val="accent1"/>
+                          </a:solidFill>
+                          <a:effectLst/>
+                          <a:latin typeface="Arial" panose="020B0604020202020204" pitchFamily="34" charset="0"/>
+                          <a:ea typeface="Arial" panose="020B0604020202020204" pitchFamily="34" charset="0"/>
+                        </a:rPr>
+                        <a:t>    Alta ( x  )         media (    )                baja(      )</a:t>
+                      </a:r>
+                      <a:endParaRPr lang="en-US" sz="1000" dirty="0">
+                        <a:solidFill>
+                          <a:schemeClr val="accent1"/>
+                        </a:solidFill>
+                        <a:effectLst/>
+                        <a:latin typeface="Arial" panose="020B0604020202020204" pitchFamily="34" charset="0"/>
+                        <a:ea typeface="Arial" panose="020B0604020202020204" pitchFamily="34" charset="0"/>
+                      </a:endParaRPr>
+                    </a:p>
+                  </a:txBody>
+                  <a:tcPr marL="68580" marR="68580" marT="0" marB="0">
+                    <a:lnL w="12700" cap="flat" cmpd="sng" algn="ctr">
+                      <a:solidFill>
+                        <a:srgbClr val="000000"/>
+                      </a:solidFill>
+                      <a:prstDash val="solid"/>
+                      <a:round/>
+                      <a:headEnd type="none" w="med" len="med"/>
+                      <a:tailEnd type="none" w="med" len="med"/>
+                    </a:lnL>
+                    <a:lnR w="12700" cap="flat" cmpd="sng" algn="ctr">
+                      <a:solidFill>
+                        <a:srgbClr val="000000"/>
+                      </a:solidFill>
+                      <a:prstDash val="solid"/>
+                      <a:round/>
+                      <a:headEnd type="none" w="med" len="med"/>
+                      <a:tailEnd type="none" w="med" len="med"/>
+                    </a:lnR>
+                    <a:lnT w="12700" cap="flat" cmpd="sng" algn="ctr">
+                      <a:solidFill>
+                        <a:srgbClr val="000000"/>
+                      </a:solidFill>
+                      <a:prstDash val="solid"/>
+                      <a:round/>
+                      <a:headEnd type="none" w="med" len="med"/>
+                      <a:tailEnd type="none" w="med" len="med"/>
+                    </a:lnT>
+                    <a:lnB w="12700" cap="flat" cmpd="sng" algn="ctr">
+                      <a:solidFill>
+                        <a:srgbClr val="000000"/>
+                      </a:solidFill>
+                      <a:prstDash val="solid"/>
+                      <a:round/>
+                      <a:headEnd type="none" w="med" len="med"/>
+                      <a:tailEnd type="none" w="med" len="med"/>
+                    </a:lnB>
+                  </a:tcPr>
+                </a:tc>
+                <a:extLst>
+                  <a:ext uri="{0D108BD9-81ED-4DB2-BD59-A6C34878D82A}">
+                    <a16:rowId xmlns:a16="http://schemas.microsoft.com/office/drawing/2014/main" val="4027882773"/>
+                  </a:ext>
+                </a:extLst>
+              </a:tr>
+            </a:tbl>
+          </a:graphicData>
+        </a:graphic>
+      </p:graphicFrame>
     </p:spTree>
     <p:extLst>
       <p:ext uri="{BB962C8B-B14F-4D97-AF65-F5344CB8AC3E}">
@@ -8644,7 +13287,7 @@
         </p:nvSpPr>
         <p:spPr bwMode="auto">
           <a:xfrm>
-            <a:off x="3386138" y="2674938"/>
+            <a:off x="3386138" y="2941638"/>
             <a:ext cx="12192000" cy="457200"/>
           </a:xfrm>
           <a:prstGeom prst="rect">
@@ -8702,7 +13345,7 @@
           <p:cNvPr id="4" name="Rectangle 1">
             <a:extLst>
               <a:ext uri="{FF2B5EF4-FFF2-40B4-BE49-F238E27FC236}">
-                <a16:creationId xmlns:a16="http://schemas.microsoft.com/office/drawing/2014/main" id="{DBB4D4B1-5C46-4C55-AE58-6037EDDD64A0}"/>
+                <a16:creationId xmlns:a16="http://schemas.microsoft.com/office/drawing/2014/main" id="{171A0991-7883-4C0D-B9A2-36C10F9BBDD6}"/>
               </a:ext>
             </a:extLst>
           </p:cNvPr>
@@ -8713,7 +13356,7 @@
         </p:nvSpPr>
         <p:spPr bwMode="auto">
           <a:xfrm>
-            <a:off x="3386138" y="2674938"/>
+            <a:off x="3386138" y="2941638"/>
             <a:ext cx="12192000" cy="457200"/>
           </a:xfrm>
           <a:prstGeom prst="rect">
@@ -8766,10 +13409,937 @@
           </a:p>
         </p:txBody>
       </p:sp>
+      <p:graphicFrame>
+        <p:nvGraphicFramePr>
+          <p:cNvPr id="2" name="Tabla 1"/>
+          <p:cNvGraphicFramePr>
+            <a:graphicFrameLocks noGrp="1"/>
+          </p:cNvGraphicFramePr>
+          <p:nvPr>
+            <p:extLst>
+              <p:ext uri="{D42A27DB-BD31-4B8C-83A1-F6EECF244321}">
+                <p14:modId xmlns:p14="http://schemas.microsoft.com/office/powerpoint/2010/main" val="2748339788"/>
+              </p:ext>
+            </p:extLst>
+          </p:nvPr>
+        </p:nvGraphicFramePr>
+        <p:xfrm>
+          <a:off x="845820" y="1028696"/>
+          <a:ext cx="9966960" cy="4914903"/>
+        </p:xfrm>
+        <a:graphic>
+          <a:graphicData uri="http://schemas.openxmlformats.org/drawingml/2006/table">
+            <a:tbl>
+              <a:tblPr/>
+              <a:tblGrid>
+                <a:gridCol w="2570348">
+                  <a:extLst>
+                    <a:ext uri="{9D8B030D-6E8A-4147-A177-3AD203B41FA5}">
+                      <a16:colId xmlns:a16="http://schemas.microsoft.com/office/drawing/2014/main" val="633303159"/>
+                    </a:ext>
+                  </a:extLst>
+                </a:gridCol>
+                <a:gridCol w="7396612">
+                  <a:extLst>
+                    <a:ext uri="{9D8B030D-6E8A-4147-A177-3AD203B41FA5}">
+                      <a16:colId xmlns:a16="http://schemas.microsoft.com/office/drawing/2014/main" val="1081834812"/>
+                    </a:ext>
+                  </a:extLst>
+                </a:gridCol>
+              </a:tblGrid>
+              <a:tr h="723297">
+                <a:tc>
+                  <a:txBody>
+                    <a:bodyPr/>
+                    <a:lstStyle/>
+                    <a:p>
+                      <a:pPr algn="just">
+                        <a:spcAft>
+                          <a:spcPts val="0"/>
+                        </a:spcAft>
+                      </a:pPr>
+                      <a:r>
+                        <a:rPr lang="es-ES" sz="1200" b="1">
+                          <a:solidFill>
+                            <a:schemeClr val="accent1"/>
+                          </a:solidFill>
+                          <a:effectLst/>
+                          <a:latin typeface="Arial" panose="020B0604020202020204" pitchFamily="34" charset="0"/>
+                          <a:ea typeface="Arial" panose="020B0604020202020204" pitchFamily="34" charset="0"/>
+                        </a:rPr>
+                        <a:t>Identificación del requerimiento:</a:t>
+                      </a:r>
+                      <a:endParaRPr lang="en-US" sz="1000">
+                        <a:solidFill>
+                          <a:schemeClr val="accent1"/>
+                        </a:solidFill>
+                        <a:effectLst/>
+                        <a:latin typeface="Arial" panose="020B0604020202020204" pitchFamily="34" charset="0"/>
+                        <a:ea typeface="Arial" panose="020B0604020202020204" pitchFamily="34" charset="0"/>
+                      </a:endParaRPr>
+                    </a:p>
+                  </a:txBody>
+                  <a:tcPr marL="68580" marR="68580" marT="0" marB="0">
+                    <a:lnL w="12700" cap="flat" cmpd="sng" algn="ctr">
+                      <a:solidFill>
+                        <a:srgbClr val="000000"/>
+                      </a:solidFill>
+                      <a:prstDash val="solid"/>
+                      <a:round/>
+                      <a:headEnd type="none" w="med" len="med"/>
+                      <a:tailEnd type="none" w="med" len="med"/>
+                    </a:lnL>
+                    <a:lnR w="12700" cap="flat" cmpd="sng" algn="ctr">
+                      <a:solidFill>
+                        <a:srgbClr val="000000"/>
+                      </a:solidFill>
+                      <a:prstDash val="solid"/>
+                      <a:round/>
+                      <a:headEnd type="none" w="med" len="med"/>
+                      <a:tailEnd type="none" w="med" len="med"/>
+                    </a:lnR>
+                    <a:lnT w="12700" cap="flat" cmpd="sng" algn="ctr">
+                      <a:solidFill>
+                        <a:srgbClr val="000000"/>
+                      </a:solidFill>
+                      <a:prstDash val="solid"/>
+                      <a:round/>
+                      <a:headEnd type="none" w="med" len="med"/>
+                      <a:tailEnd type="none" w="med" len="med"/>
+                    </a:lnT>
+                    <a:lnB w="12700" cap="flat" cmpd="sng" algn="ctr">
+                      <a:solidFill>
+                        <a:srgbClr val="000000"/>
+                      </a:solidFill>
+                      <a:prstDash val="solid"/>
+                      <a:round/>
+                      <a:headEnd type="none" w="med" len="med"/>
+                      <a:tailEnd type="none" w="med" len="med"/>
+                    </a:lnB>
+                  </a:tcPr>
+                </a:tc>
+                <a:tc>
+                  <a:txBody>
+                    <a:bodyPr/>
+                    <a:lstStyle/>
+                    <a:p>
+                      <a:pPr algn="just">
+                        <a:spcAft>
+                          <a:spcPts val="0"/>
+                        </a:spcAft>
+                      </a:pPr>
+                      <a:r>
+                        <a:rPr lang="es-ES" sz="1200" b="1">
+                          <a:solidFill>
+                            <a:schemeClr val="accent1"/>
+                          </a:solidFill>
+                          <a:effectLst/>
+                          <a:latin typeface="Arial" panose="020B0604020202020204" pitchFamily="34" charset="0"/>
+                          <a:ea typeface="Arial" panose="020B0604020202020204" pitchFamily="34" charset="0"/>
+                        </a:rPr>
+                        <a:t>Requerimiento F6</a:t>
+                      </a:r>
+                      <a:endParaRPr lang="en-US" sz="1000">
+                        <a:solidFill>
+                          <a:schemeClr val="accent1"/>
+                        </a:solidFill>
+                        <a:effectLst/>
+                        <a:latin typeface="Arial" panose="020B0604020202020204" pitchFamily="34" charset="0"/>
+                        <a:ea typeface="Arial" panose="020B0604020202020204" pitchFamily="34" charset="0"/>
+                      </a:endParaRPr>
+                    </a:p>
+                  </a:txBody>
+                  <a:tcPr marL="68580" marR="68580" marT="0" marB="0">
+                    <a:lnL w="12700" cap="flat" cmpd="sng" algn="ctr">
+                      <a:solidFill>
+                        <a:srgbClr val="000000"/>
+                      </a:solidFill>
+                      <a:prstDash val="solid"/>
+                      <a:round/>
+                      <a:headEnd type="none" w="med" len="med"/>
+                      <a:tailEnd type="none" w="med" len="med"/>
+                    </a:lnL>
+                    <a:lnR w="12700" cap="flat" cmpd="sng" algn="ctr">
+                      <a:solidFill>
+                        <a:srgbClr val="000000"/>
+                      </a:solidFill>
+                      <a:prstDash val="solid"/>
+                      <a:round/>
+                      <a:headEnd type="none" w="med" len="med"/>
+                      <a:tailEnd type="none" w="med" len="med"/>
+                    </a:lnR>
+                    <a:lnT w="12700" cap="flat" cmpd="sng" algn="ctr">
+                      <a:solidFill>
+                        <a:srgbClr val="000000"/>
+                      </a:solidFill>
+                      <a:prstDash val="solid"/>
+                      <a:round/>
+                      <a:headEnd type="none" w="med" len="med"/>
+                      <a:tailEnd type="none" w="med" len="med"/>
+                    </a:lnT>
+                    <a:lnB w="12700" cap="flat" cmpd="sng" algn="ctr">
+                      <a:solidFill>
+                        <a:srgbClr val="000000"/>
+                      </a:solidFill>
+                      <a:prstDash val="solid"/>
+                      <a:round/>
+                      <a:headEnd type="none" w="med" len="med"/>
+                      <a:tailEnd type="none" w="med" len="med"/>
+                    </a:lnB>
+                  </a:tcPr>
+                </a:tc>
+                <a:extLst>
+                  <a:ext uri="{0D108BD9-81ED-4DB2-BD59-A6C34878D82A}">
+                    <a16:rowId xmlns:a16="http://schemas.microsoft.com/office/drawing/2014/main" val="1073489443"/>
+                  </a:ext>
+                </a:extLst>
+              </a:tr>
+              <a:tr h="723297">
+                <a:tc>
+                  <a:txBody>
+                    <a:bodyPr/>
+                    <a:lstStyle/>
+                    <a:p>
+                      <a:pPr algn="just">
+                        <a:spcAft>
+                          <a:spcPts val="0"/>
+                        </a:spcAft>
+                      </a:pPr>
+                      <a:r>
+                        <a:rPr lang="es-ES" sz="1200" b="1">
+                          <a:solidFill>
+                            <a:schemeClr val="accent1"/>
+                          </a:solidFill>
+                          <a:effectLst/>
+                          <a:latin typeface="Arial" panose="020B0604020202020204" pitchFamily="34" charset="0"/>
+                          <a:ea typeface="Arial" panose="020B0604020202020204" pitchFamily="34" charset="0"/>
+                        </a:rPr>
+                        <a:t>Nombre del requerimiento:</a:t>
+                      </a:r>
+                      <a:endParaRPr lang="en-US" sz="1000">
+                        <a:solidFill>
+                          <a:schemeClr val="accent1"/>
+                        </a:solidFill>
+                        <a:effectLst/>
+                        <a:latin typeface="Arial" panose="020B0604020202020204" pitchFamily="34" charset="0"/>
+                        <a:ea typeface="Arial" panose="020B0604020202020204" pitchFamily="34" charset="0"/>
+                      </a:endParaRPr>
+                    </a:p>
+                  </a:txBody>
+                  <a:tcPr marL="68580" marR="68580" marT="0" marB="0">
+                    <a:lnL w="12700" cap="flat" cmpd="sng" algn="ctr">
+                      <a:solidFill>
+                        <a:srgbClr val="000000"/>
+                      </a:solidFill>
+                      <a:prstDash val="solid"/>
+                      <a:round/>
+                      <a:headEnd type="none" w="med" len="med"/>
+                      <a:tailEnd type="none" w="med" len="med"/>
+                    </a:lnL>
+                    <a:lnR w="12700" cap="flat" cmpd="sng" algn="ctr">
+                      <a:solidFill>
+                        <a:srgbClr val="000000"/>
+                      </a:solidFill>
+                      <a:prstDash val="solid"/>
+                      <a:round/>
+                      <a:headEnd type="none" w="med" len="med"/>
+                      <a:tailEnd type="none" w="med" len="med"/>
+                    </a:lnR>
+                    <a:lnT w="12700" cap="flat" cmpd="sng" algn="ctr">
+                      <a:solidFill>
+                        <a:srgbClr val="000000"/>
+                      </a:solidFill>
+                      <a:prstDash val="solid"/>
+                      <a:round/>
+                      <a:headEnd type="none" w="med" len="med"/>
+                      <a:tailEnd type="none" w="med" len="med"/>
+                    </a:lnT>
+                    <a:lnB w="12700" cap="flat" cmpd="sng" algn="ctr">
+                      <a:solidFill>
+                        <a:srgbClr val="000000"/>
+                      </a:solidFill>
+                      <a:prstDash val="solid"/>
+                      <a:round/>
+                      <a:headEnd type="none" w="med" len="med"/>
+                      <a:tailEnd type="none" w="med" len="med"/>
+                    </a:lnB>
+                  </a:tcPr>
+                </a:tc>
+                <a:tc>
+                  <a:txBody>
+                    <a:bodyPr/>
+                    <a:lstStyle/>
+                    <a:p>
+                      <a:pPr algn="just">
+                        <a:spcAft>
+                          <a:spcPts val="0"/>
+                        </a:spcAft>
+                      </a:pPr>
+                      <a:r>
+                        <a:rPr lang="es-ES" sz="1200">
+                          <a:solidFill>
+                            <a:schemeClr val="accent1"/>
+                          </a:solidFill>
+                          <a:effectLst/>
+                          <a:latin typeface="Arial" panose="020B0604020202020204" pitchFamily="34" charset="0"/>
+                          <a:ea typeface="Arial" panose="020B0604020202020204" pitchFamily="34" charset="0"/>
+                        </a:rPr>
+                        <a:t>Codificación de productos </a:t>
+                      </a:r>
+                      <a:endParaRPr lang="en-US" sz="1000">
+                        <a:solidFill>
+                          <a:schemeClr val="accent1"/>
+                        </a:solidFill>
+                        <a:effectLst/>
+                        <a:latin typeface="Arial" panose="020B0604020202020204" pitchFamily="34" charset="0"/>
+                        <a:ea typeface="Arial" panose="020B0604020202020204" pitchFamily="34" charset="0"/>
+                      </a:endParaRPr>
+                    </a:p>
+                  </a:txBody>
+                  <a:tcPr marL="68580" marR="68580" marT="0" marB="0">
+                    <a:lnL w="12700" cap="flat" cmpd="sng" algn="ctr">
+                      <a:solidFill>
+                        <a:srgbClr val="000000"/>
+                      </a:solidFill>
+                      <a:prstDash val="solid"/>
+                      <a:round/>
+                      <a:headEnd type="none" w="med" len="med"/>
+                      <a:tailEnd type="none" w="med" len="med"/>
+                    </a:lnL>
+                    <a:lnR w="12700" cap="flat" cmpd="sng" algn="ctr">
+                      <a:solidFill>
+                        <a:srgbClr val="000000"/>
+                      </a:solidFill>
+                      <a:prstDash val="solid"/>
+                      <a:round/>
+                      <a:headEnd type="none" w="med" len="med"/>
+                      <a:tailEnd type="none" w="med" len="med"/>
+                    </a:lnR>
+                    <a:lnT w="12700" cap="flat" cmpd="sng" algn="ctr">
+                      <a:solidFill>
+                        <a:srgbClr val="000000"/>
+                      </a:solidFill>
+                      <a:prstDash val="solid"/>
+                      <a:round/>
+                      <a:headEnd type="none" w="med" len="med"/>
+                      <a:tailEnd type="none" w="med" len="med"/>
+                    </a:lnT>
+                    <a:lnB w="12700" cap="flat" cmpd="sng" algn="ctr">
+                      <a:solidFill>
+                        <a:srgbClr val="000000"/>
+                      </a:solidFill>
+                      <a:prstDash val="solid"/>
+                      <a:round/>
+                      <a:headEnd type="none" w="med" len="med"/>
+                      <a:tailEnd type="none" w="med" len="med"/>
+                    </a:lnB>
+                  </a:tcPr>
+                </a:tc>
+                <a:extLst>
+                  <a:ext uri="{0D108BD9-81ED-4DB2-BD59-A6C34878D82A}">
+                    <a16:rowId xmlns:a16="http://schemas.microsoft.com/office/drawing/2014/main" val="3472199618"/>
+                  </a:ext>
+                </a:extLst>
+              </a:tr>
+              <a:tr h="575122">
+                <a:tc>
+                  <a:txBody>
+                    <a:bodyPr/>
+                    <a:lstStyle/>
+                    <a:p>
+                      <a:pPr algn="just">
+                        <a:spcAft>
+                          <a:spcPts val="0"/>
+                        </a:spcAft>
+                      </a:pPr>
+                      <a:r>
+                        <a:rPr lang="es-ES" sz="1200" b="1">
+                          <a:solidFill>
+                            <a:schemeClr val="accent1"/>
+                          </a:solidFill>
+                          <a:effectLst/>
+                          <a:latin typeface="Arial" panose="020B0604020202020204" pitchFamily="34" charset="0"/>
+                          <a:ea typeface="Arial" panose="020B0604020202020204" pitchFamily="34" charset="0"/>
+                        </a:rPr>
+                        <a:t>Características</a:t>
+                      </a:r>
+                      <a:endParaRPr lang="en-US" sz="1000">
+                        <a:solidFill>
+                          <a:schemeClr val="accent1"/>
+                        </a:solidFill>
+                        <a:effectLst/>
+                        <a:latin typeface="Arial" panose="020B0604020202020204" pitchFamily="34" charset="0"/>
+                        <a:ea typeface="Arial" panose="020B0604020202020204" pitchFamily="34" charset="0"/>
+                      </a:endParaRPr>
+                    </a:p>
+                  </a:txBody>
+                  <a:tcPr marL="68580" marR="68580" marT="0" marB="0">
+                    <a:lnL w="12700" cap="flat" cmpd="sng" algn="ctr">
+                      <a:solidFill>
+                        <a:srgbClr val="000000"/>
+                      </a:solidFill>
+                      <a:prstDash val="solid"/>
+                      <a:round/>
+                      <a:headEnd type="none" w="med" len="med"/>
+                      <a:tailEnd type="none" w="med" len="med"/>
+                    </a:lnL>
+                    <a:lnR w="12700" cap="flat" cmpd="sng" algn="ctr">
+                      <a:solidFill>
+                        <a:srgbClr val="000000"/>
+                      </a:solidFill>
+                      <a:prstDash val="solid"/>
+                      <a:round/>
+                      <a:headEnd type="none" w="med" len="med"/>
+                      <a:tailEnd type="none" w="med" len="med"/>
+                    </a:lnR>
+                    <a:lnT w="12700" cap="flat" cmpd="sng" algn="ctr">
+                      <a:solidFill>
+                        <a:srgbClr val="000000"/>
+                      </a:solidFill>
+                      <a:prstDash val="solid"/>
+                      <a:round/>
+                      <a:headEnd type="none" w="med" len="med"/>
+                      <a:tailEnd type="none" w="med" len="med"/>
+                    </a:lnT>
+                    <a:lnB w="12700" cap="flat" cmpd="sng" algn="ctr">
+                      <a:solidFill>
+                        <a:srgbClr val="000000"/>
+                      </a:solidFill>
+                      <a:prstDash val="solid"/>
+                      <a:round/>
+                      <a:headEnd type="none" w="med" len="med"/>
+                      <a:tailEnd type="none" w="med" len="med"/>
+                    </a:lnB>
+                  </a:tcPr>
+                </a:tc>
+                <a:tc>
+                  <a:txBody>
+                    <a:bodyPr/>
+                    <a:lstStyle/>
+                    <a:p>
+                      <a:pPr algn="just">
+                        <a:spcAft>
+                          <a:spcPts val="0"/>
+                        </a:spcAft>
+                        <a:tabLst>
+                          <a:tab pos="2733675" algn="l"/>
+                        </a:tabLst>
+                      </a:pPr>
+                      <a:r>
+                        <a:rPr lang="es-ES" sz="1200" dirty="0">
+                          <a:solidFill>
+                            <a:schemeClr val="accent1"/>
+                          </a:solidFill>
+                          <a:effectLst/>
+                          <a:latin typeface="Arial" panose="020B0604020202020204" pitchFamily="34" charset="0"/>
+                          <a:ea typeface="Arial" panose="020B0604020202020204" pitchFamily="34" charset="0"/>
+                        </a:rPr>
+                        <a:t> Registro del código de barras en el lector infrarrojo </a:t>
+                      </a:r>
+                      <a:endParaRPr lang="en-US" sz="1000" dirty="0">
+                        <a:solidFill>
+                          <a:schemeClr val="accent1"/>
+                        </a:solidFill>
+                        <a:effectLst/>
+                        <a:latin typeface="Arial" panose="020B0604020202020204" pitchFamily="34" charset="0"/>
+                        <a:ea typeface="Arial" panose="020B0604020202020204" pitchFamily="34" charset="0"/>
+                      </a:endParaRPr>
+                    </a:p>
+                  </a:txBody>
+                  <a:tcPr marL="68580" marR="68580" marT="0" marB="0">
+                    <a:lnL w="12700" cap="flat" cmpd="sng" algn="ctr">
+                      <a:solidFill>
+                        <a:srgbClr val="000000"/>
+                      </a:solidFill>
+                      <a:prstDash val="solid"/>
+                      <a:round/>
+                      <a:headEnd type="none" w="med" len="med"/>
+                      <a:tailEnd type="none" w="med" len="med"/>
+                    </a:lnL>
+                    <a:lnR w="12700" cap="flat" cmpd="sng" algn="ctr">
+                      <a:solidFill>
+                        <a:srgbClr val="000000"/>
+                      </a:solidFill>
+                      <a:prstDash val="solid"/>
+                      <a:round/>
+                      <a:headEnd type="none" w="med" len="med"/>
+                      <a:tailEnd type="none" w="med" len="med"/>
+                    </a:lnR>
+                    <a:lnT w="12700" cap="flat" cmpd="sng" algn="ctr">
+                      <a:solidFill>
+                        <a:srgbClr val="000000"/>
+                      </a:solidFill>
+                      <a:prstDash val="solid"/>
+                      <a:round/>
+                      <a:headEnd type="none" w="med" len="med"/>
+                      <a:tailEnd type="none" w="med" len="med"/>
+                    </a:lnT>
+                    <a:lnB w="12700" cap="flat" cmpd="sng" algn="ctr">
+                      <a:solidFill>
+                        <a:srgbClr val="000000"/>
+                      </a:solidFill>
+                      <a:prstDash val="solid"/>
+                      <a:round/>
+                      <a:headEnd type="none" w="med" len="med"/>
+                      <a:tailEnd type="none" w="med" len="med"/>
+                    </a:lnB>
+                  </a:tcPr>
+                </a:tc>
+                <a:extLst>
+                  <a:ext uri="{0D108BD9-81ED-4DB2-BD59-A6C34878D82A}">
+                    <a16:rowId xmlns:a16="http://schemas.microsoft.com/office/drawing/2014/main" val="1290953035"/>
+                  </a:ext>
+                </a:extLst>
+              </a:tr>
+              <a:tr h="1446593">
+                <a:tc>
+                  <a:txBody>
+                    <a:bodyPr/>
+                    <a:lstStyle/>
+                    <a:p>
+                      <a:pPr algn="just">
+                        <a:spcAft>
+                          <a:spcPts val="0"/>
+                        </a:spcAft>
+                      </a:pPr>
+                      <a:r>
+                        <a:rPr lang="es-ES" sz="1200" b="1">
+                          <a:solidFill>
+                            <a:schemeClr val="accent1"/>
+                          </a:solidFill>
+                          <a:effectLst/>
+                          <a:latin typeface="Arial" panose="020B0604020202020204" pitchFamily="34" charset="0"/>
+                          <a:ea typeface="Arial" panose="020B0604020202020204" pitchFamily="34" charset="0"/>
+                        </a:rPr>
+                        <a:t>Descripción del requerimiento:</a:t>
+                      </a:r>
+                      <a:endParaRPr lang="en-US" sz="1000">
+                        <a:solidFill>
+                          <a:schemeClr val="accent1"/>
+                        </a:solidFill>
+                        <a:effectLst/>
+                        <a:latin typeface="Arial" panose="020B0604020202020204" pitchFamily="34" charset="0"/>
+                        <a:ea typeface="Arial" panose="020B0604020202020204" pitchFamily="34" charset="0"/>
+                      </a:endParaRPr>
+                    </a:p>
+                  </a:txBody>
+                  <a:tcPr marL="68580" marR="68580" marT="0" marB="0">
+                    <a:lnL w="12700" cap="flat" cmpd="sng" algn="ctr">
+                      <a:solidFill>
+                        <a:srgbClr val="000000"/>
+                      </a:solidFill>
+                      <a:prstDash val="solid"/>
+                      <a:round/>
+                      <a:headEnd type="none" w="med" len="med"/>
+                      <a:tailEnd type="none" w="med" len="med"/>
+                    </a:lnL>
+                    <a:lnR w="12700" cap="flat" cmpd="sng" algn="ctr">
+                      <a:solidFill>
+                        <a:srgbClr val="000000"/>
+                      </a:solidFill>
+                      <a:prstDash val="solid"/>
+                      <a:round/>
+                      <a:headEnd type="none" w="med" len="med"/>
+                      <a:tailEnd type="none" w="med" len="med"/>
+                    </a:lnR>
+                    <a:lnT w="12700" cap="flat" cmpd="sng" algn="ctr">
+                      <a:solidFill>
+                        <a:srgbClr val="000000"/>
+                      </a:solidFill>
+                      <a:prstDash val="solid"/>
+                      <a:round/>
+                      <a:headEnd type="none" w="med" len="med"/>
+                      <a:tailEnd type="none" w="med" len="med"/>
+                    </a:lnT>
+                    <a:lnB w="12700" cap="flat" cmpd="sng" algn="ctr">
+                      <a:solidFill>
+                        <a:srgbClr val="000000"/>
+                      </a:solidFill>
+                      <a:prstDash val="solid"/>
+                      <a:round/>
+                      <a:headEnd type="none" w="med" len="med"/>
+                      <a:tailEnd type="none" w="med" len="med"/>
+                    </a:lnB>
+                  </a:tcPr>
+                </a:tc>
+                <a:tc>
+                  <a:txBody>
+                    <a:bodyPr/>
+                    <a:lstStyle/>
+                    <a:p>
+                      <a:pPr algn="just">
+                        <a:spcAft>
+                          <a:spcPts val="0"/>
+                        </a:spcAft>
+                      </a:pPr>
+                      <a:r>
+                        <a:rPr lang="es-ES" sz="1200">
+                          <a:solidFill>
+                            <a:schemeClr val="accent1"/>
+                          </a:solidFill>
+                          <a:effectLst/>
+                          <a:latin typeface="Arial" panose="020B0604020202020204" pitchFamily="34" charset="0"/>
+                          <a:ea typeface="Arial" panose="020B0604020202020204" pitchFamily="34" charset="0"/>
+                        </a:rPr>
+                        <a:t>El software permitirá registrar los productos con más agilidad sin necesidad de pasar el producto varias veces esto se denomina multiplicidad de producto en otras palabras multiplicación de unidades.</a:t>
+                      </a:r>
+                      <a:endParaRPr lang="en-US" sz="1000">
+                        <a:solidFill>
+                          <a:schemeClr val="accent1"/>
+                        </a:solidFill>
+                        <a:effectLst/>
+                        <a:latin typeface="Arial" panose="020B0604020202020204" pitchFamily="34" charset="0"/>
+                        <a:ea typeface="Arial" panose="020B0604020202020204" pitchFamily="34" charset="0"/>
+                      </a:endParaRPr>
+                    </a:p>
+                  </a:txBody>
+                  <a:tcPr marL="68580" marR="68580" marT="0" marB="0">
+                    <a:lnL w="12700" cap="flat" cmpd="sng" algn="ctr">
+                      <a:solidFill>
+                        <a:srgbClr val="000000"/>
+                      </a:solidFill>
+                      <a:prstDash val="solid"/>
+                      <a:round/>
+                      <a:headEnd type="none" w="med" len="med"/>
+                      <a:tailEnd type="none" w="med" len="med"/>
+                    </a:lnL>
+                    <a:lnR w="12700" cap="flat" cmpd="sng" algn="ctr">
+                      <a:solidFill>
+                        <a:srgbClr val="000000"/>
+                      </a:solidFill>
+                      <a:prstDash val="solid"/>
+                      <a:round/>
+                      <a:headEnd type="none" w="med" len="med"/>
+                      <a:tailEnd type="none" w="med" len="med"/>
+                    </a:lnR>
+                    <a:lnT w="12700" cap="flat" cmpd="sng" algn="ctr">
+                      <a:solidFill>
+                        <a:srgbClr val="000000"/>
+                      </a:solidFill>
+                      <a:prstDash val="solid"/>
+                      <a:round/>
+                      <a:headEnd type="none" w="med" len="med"/>
+                      <a:tailEnd type="none" w="med" len="med"/>
+                    </a:lnT>
+                    <a:lnB w="12700" cap="flat" cmpd="sng" algn="ctr">
+                      <a:solidFill>
+                        <a:srgbClr val="000000"/>
+                      </a:solidFill>
+                      <a:prstDash val="solid"/>
+                      <a:round/>
+                      <a:headEnd type="none" w="med" len="med"/>
+                      <a:tailEnd type="none" w="med" len="med"/>
+                    </a:lnB>
+                  </a:tcPr>
+                </a:tc>
+                <a:extLst>
+                  <a:ext uri="{0D108BD9-81ED-4DB2-BD59-A6C34878D82A}">
+                    <a16:rowId xmlns:a16="http://schemas.microsoft.com/office/drawing/2014/main" val="3544848921"/>
+                  </a:ext>
+                </a:extLst>
+              </a:tr>
+              <a:tr h="723297">
+                <a:tc>
+                  <a:txBody>
+                    <a:bodyPr/>
+                    <a:lstStyle/>
+                    <a:p>
+                      <a:pPr algn="just">
+                        <a:spcAft>
+                          <a:spcPts val="0"/>
+                        </a:spcAft>
+                      </a:pPr>
+                      <a:r>
+                        <a:rPr lang="es-ES" sz="1200" b="1">
+                          <a:solidFill>
+                            <a:schemeClr val="accent1"/>
+                          </a:solidFill>
+                          <a:effectLst/>
+                          <a:latin typeface="Arial" panose="020B0604020202020204" pitchFamily="34" charset="0"/>
+                          <a:ea typeface="Arial" panose="020B0604020202020204" pitchFamily="34" charset="0"/>
+                        </a:rPr>
+                        <a:t>Requerimientos no funcionales:</a:t>
+                      </a:r>
+                      <a:endParaRPr lang="en-US" sz="1000">
+                        <a:solidFill>
+                          <a:schemeClr val="accent1"/>
+                        </a:solidFill>
+                        <a:effectLst/>
+                        <a:latin typeface="Arial" panose="020B0604020202020204" pitchFamily="34" charset="0"/>
+                        <a:ea typeface="Arial" panose="020B0604020202020204" pitchFamily="34" charset="0"/>
+                      </a:endParaRPr>
+                    </a:p>
+                  </a:txBody>
+                  <a:tcPr marL="68580" marR="68580" marT="0" marB="0">
+                    <a:lnL w="12700" cap="flat" cmpd="sng" algn="ctr">
+                      <a:solidFill>
+                        <a:srgbClr val="000000"/>
+                      </a:solidFill>
+                      <a:prstDash val="solid"/>
+                      <a:round/>
+                      <a:headEnd type="none" w="med" len="med"/>
+                      <a:tailEnd type="none" w="med" len="med"/>
+                    </a:lnL>
+                    <a:lnR w="12700" cap="flat" cmpd="sng" algn="ctr">
+                      <a:solidFill>
+                        <a:srgbClr val="000000"/>
+                      </a:solidFill>
+                      <a:prstDash val="solid"/>
+                      <a:round/>
+                      <a:headEnd type="none" w="med" len="med"/>
+                      <a:tailEnd type="none" w="med" len="med"/>
+                    </a:lnR>
+                    <a:lnT w="12700" cap="flat" cmpd="sng" algn="ctr">
+                      <a:solidFill>
+                        <a:srgbClr val="000000"/>
+                      </a:solidFill>
+                      <a:prstDash val="solid"/>
+                      <a:round/>
+                      <a:headEnd type="none" w="med" len="med"/>
+                      <a:tailEnd type="none" w="med" len="med"/>
+                    </a:lnT>
+                    <a:lnB w="12700" cap="flat" cmpd="sng" algn="ctr">
+                      <a:solidFill>
+                        <a:srgbClr val="000000"/>
+                      </a:solidFill>
+                      <a:prstDash val="solid"/>
+                      <a:round/>
+                      <a:headEnd type="none" w="med" len="med"/>
+                      <a:tailEnd type="none" w="med" len="med"/>
+                    </a:lnB>
+                  </a:tcPr>
+                </a:tc>
+                <a:tc>
+                  <a:txBody>
+                    <a:bodyPr/>
+                    <a:lstStyle/>
+                    <a:p>
+                      <a:pPr algn="just">
+                        <a:spcAft>
+                          <a:spcPts val="0"/>
+                        </a:spcAft>
+                      </a:pPr>
+                      <a:r>
+                        <a:rPr lang="es-ES" sz="1200">
+                          <a:solidFill>
+                            <a:schemeClr val="accent1"/>
+                          </a:solidFill>
+                          <a:effectLst/>
+                          <a:latin typeface="Arial" panose="020B0604020202020204" pitchFamily="34" charset="0"/>
+                          <a:ea typeface="Arial" panose="020B0604020202020204" pitchFamily="34" charset="0"/>
+                        </a:rPr>
+                        <a:t> </a:t>
+                      </a:r>
+                      <a:endParaRPr lang="en-US" sz="1000">
+                        <a:solidFill>
+                          <a:schemeClr val="accent1"/>
+                        </a:solidFill>
+                        <a:effectLst/>
+                        <a:latin typeface="Arial" panose="020B0604020202020204" pitchFamily="34" charset="0"/>
+                        <a:ea typeface="Arial" panose="020B0604020202020204" pitchFamily="34" charset="0"/>
+                      </a:endParaRPr>
+                    </a:p>
+                  </a:txBody>
+                  <a:tcPr marL="68580" marR="68580" marT="0" marB="0">
+                    <a:lnL w="12700" cap="flat" cmpd="sng" algn="ctr">
+                      <a:solidFill>
+                        <a:srgbClr val="000000"/>
+                      </a:solidFill>
+                      <a:prstDash val="solid"/>
+                      <a:round/>
+                      <a:headEnd type="none" w="med" len="med"/>
+                      <a:tailEnd type="none" w="med" len="med"/>
+                    </a:lnL>
+                    <a:lnR w="12700" cap="flat" cmpd="sng" algn="ctr">
+                      <a:solidFill>
+                        <a:srgbClr val="000000"/>
+                      </a:solidFill>
+                      <a:prstDash val="solid"/>
+                      <a:round/>
+                      <a:headEnd type="none" w="med" len="med"/>
+                      <a:tailEnd type="none" w="med" len="med"/>
+                    </a:lnR>
+                    <a:lnT w="12700" cap="flat" cmpd="sng" algn="ctr">
+                      <a:solidFill>
+                        <a:srgbClr val="000000"/>
+                      </a:solidFill>
+                      <a:prstDash val="solid"/>
+                      <a:round/>
+                      <a:headEnd type="none" w="med" len="med"/>
+                      <a:tailEnd type="none" w="med" len="med"/>
+                    </a:lnT>
+                    <a:lnB w="12700" cap="flat" cmpd="sng" algn="ctr">
+                      <a:solidFill>
+                        <a:srgbClr val="000000"/>
+                      </a:solidFill>
+                      <a:prstDash val="solid"/>
+                      <a:round/>
+                      <a:headEnd type="none" w="med" len="med"/>
+                      <a:tailEnd type="none" w="med" len="med"/>
+                    </a:lnB>
+                  </a:tcPr>
+                </a:tc>
+                <a:extLst>
+                  <a:ext uri="{0D108BD9-81ED-4DB2-BD59-A6C34878D82A}">
+                    <a16:rowId xmlns:a16="http://schemas.microsoft.com/office/drawing/2014/main" val="159670206"/>
+                  </a:ext>
+                </a:extLst>
+              </a:tr>
+              <a:tr h="723297">
+                <a:tc>
+                  <a:txBody>
+                    <a:bodyPr/>
+                    <a:lstStyle/>
+                    <a:p>
+                      <a:pPr algn="just">
+                        <a:spcAft>
+                          <a:spcPts val="0"/>
+                        </a:spcAft>
+                      </a:pPr>
+                      <a:r>
+                        <a:rPr lang="es-ES" sz="1200" b="1">
+                          <a:solidFill>
+                            <a:schemeClr val="accent1"/>
+                          </a:solidFill>
+                          <a:effectLst/>
+                          <a:latin typeface="Arial" panose="020B0604020202020204" pitchFamily="34" charset="0"/>
+                          <a:ea typeface="Arial" panose="020B0604020202020204" pitchFamily="34" charset="0"/>
+                        </a:rPr>
+                        <a:t>Prioridad de requerimiento:</a:t>
+                      </a:r>
+                      <a:endParaRPr lang="en-US" sz="1000">
+                        <a:solidFill>
+                          <a:schemeClr val="accent1"/>
+                        </a:solidFill>
+                        <a:effectLst/>
+                        <a:latin typeface="Arial" panose="020B0604020202020204" pitchFamily="34" charset="0"/>
+                        <a:ea typeface="Arial" panose="020B0604020202020204" pitchFamily="34" charset="0"/>
+                      </a:endParaRPr>
+                    </a:p>
+                  </a:txBody>
+                  <a:tcPr marL="68580" marR="68580" marT="0" marB="0">
+                    <a:lnL w="12700" cap="flat" cmpd="sng" algn="ctr">
+                      <a:solidFill>
+                        <a:srgbClr val="000000"/>
+                      </a:solidFill>
+                      <a:prstDash val="solid"/>
+                      <a:round/>
+                      <a:headEnd type="none" w="med" len="med"/>
+                      <a:tailEnd type="none" w="med" len="med"/>
+                    </a:lnL>
+                    <a:lnR w="12700" cap="flat" cmpd="sng" algn="ctr">
+                      <a:solidFill>
+                        <a:srgbClr val="000000"/>
+                      </a:solidFill>
+                      <a:prstDash val="solid"/>
+                      <a:round/>
+                      <a:headEnd type="none" w="med" len="med"/>
+                      <a:tailEnd type="none" w="med" len="med"/>
+                    </a:lnR>
+                    <a:lnT w="12700" cap="flat" cmpd="sng" algn="ctr">
+                      <a:solidFill>
+                        <a:srgbClr val="000000"/>
+                      </a:solidFill>
+                      <a:prstDash val="solid"/>
+                      <a:round/>
+                      <a:headEnd type="none" w="med" len="med"/>
+                      <a:tailEnd type="none" w="med" len="med"/>
+                    </a:lnT>
+                    <a:lnB w="12700" cap="flat" cmpd="sng" algn="ctr">
+                      <a:solidFill>
+                        <a:srgbClr val="000000"/>
+                      </a:solidFill>
+                      <a:prstDash val="solid"/>
+                      <a:round/>
+                      <a:headEnd type="none" w="med" len="med"/>
+                      <a:tailEnd type="none" w="med" len="med"/>
+                    </a:lnB>
+                  </a:tcPr>
+                </a:tc>
+                <a:tc>
+                  <a:txBody>
+                    <a:bodyPr/>
+                    <a:lstStyle/>
+                    <a:p>
+                      <a:pPr algn="just">
+                        <a:spcAft>
+                          <a:spcPts val="0"/>
+                        </a:spcAft>
+                      </a:pPr>
+                      <a:r>
+                        <a:rPr lang="es-ES" sz="1200" dirty="0">
+                          <a:solidFill>
+                            <a:schemeClr val="accent1"/>
+                          </a:solidFill>
+                          <a:effectLst/>
+                          <a:latin typeface="Arial" panose="020B0604020202020204" pitchFamily="34" charset="0"/>
+                          <a:ea typeface="Arial" panose="020B0604020202020204" pitchFamily="34" charset="0"/>
+                        </a:rPr>
+                        <a:t>    Alta ( x  )         media (    )                baja(      )</a:t>
+                      </a:r>
+                      <a:endParaRPr lang="en-US" sz="1000" dirty="0">
+                        <a:solidFill>
+                          <a:schemeClr val="accent1"/>
+                        </a:solidFill>
+                        <a:effectLst/>
+                        <a:latin typeface="Arial" panose="020B0604020202020204" pitchFamily="34" charset="0"/>
+                        <a:ea typeface="Arial" panose="020B0604020202020204" pitchFamily="34" charset="0"/>
+                      </a:endParaRPr>
+                    </a:p>
+                  </a:txBody>
+                  <a:tcPr marL="68580" marR="68580" marT="0" marB="0">
+                    <a:lnL w="12700" cap="flat" cmpd="sng" algn="ctr">
+                      <a:solidFill>
+                        <a:srgbClr val="000000"/>
+                      </a:solidFill>
+                      <a:prstDash val="solid"/>
+                      <a:round/>
+                      <a:headEnd type="none" w="med" len="med"/>
+                      <a:tailEnd type="none" w="med" len="med"/>
+                    </a:lnL>
+                    <a:lnR w="12700" cap="flat" cmpd="sng" algn="ctr">
+                      <a:solidFill>
+                        <a:srgbClr val="000000"/>
+                      </a:solidFill>
+                      <a:prstDash val="solid"/>
+                      <a:round/>
+                      <a:headEnd type="none" w="med" len="med"/>
+                      <a:tailEnd type="none" w="med" len="med"/>
+                    </a:lnR>
+                    <a:lnT w="12700" cap="flat" cmpd="sng" algn="ctr">
+                      <a:solidFill>
+                        <a:srgbClr val="000000"/>
+                      </a:solidFill>
+                      <a:prstDash val="solid"/>
+                      <a:round/>
+                      <a:headEnd type="none" w="med" len="med"/>
+                      <a:tailEnd type="none" w="med" len="med"/>
+                    </a:lnT>
+                    <a:lnB w="12700" cap="flat" cmpd="sng" algn="ctr">
+                      <a:solidFill>
+                        <a:srgbClr val="000000"/>
+                      </a:solidFill>
+                      <a:prstDash val="solid"/>
+                      <a:round/>
+                      <a:headEnd type="none" w="med" len="med"/>
+                      <a:tailEnd type="none" w="med" len="med"/>
+                    </a:lnB>
+                  </a:tcPr>
+                </a:tc>
+                <a:extLst>
+                  <a:ext uri="{0D108BD9-81ED-4DB2-BD59-A6C34878D82A}">
+                    <a16:rowId xmlns:a16="http://schemas.microsoft.com/office/drawing/2014/main" val="1699889665"/>
+                  </a:ext>
+                </a:extLst>
+              </a:tr>
+            </a:tbl>
+          </a:graphicData>
+        </a:graphic>
+      </p:graphicFrame>
     </p:spTree>
     <p:extLst>
       <p:ext uri="{BB962C8B-B14F-4D97-AF65-F5344CB8AC3E}">
-        <p14:creationId xmlns:p14="http://schemas.microsoft.com/office/powerpoint/2010/main" val="2974836131"/>
+        <p14:creationId xmlns:p14="http://schemas.microsoft.com/office/powerpoint/2010/main" val="508845049"/>
       </p:ext>
     </p:extLst>
   </p:cSld>
@@ -8780,6 +14350,2016 @@
 </file>
 
 <file path=ppt/slides/slide21.xml><?xml version="1.0" encoding="utf-8"?>
+<p:sld xmlns:a="http://schemas.openxmlformats.org/drawingml/2006/main" xmlns:r="http://schemas.openxmlformats.org/officeDocument/2006/relationships" xmlns:p="http://schemas.openxmlformats.org/presentationml/2006/main">
+  <p:cSld>
+    <p:spTree>
+      <p:nvGrpSpPr>
+        <p:cNvPr id="1" name=""/>
+        <p:cNvGrpSpPr/>
+        <p:nvPr/>
+      </p:nvGrpSpPr>
+      <p:grpSpPr>
+        <a:xfrm>
+          <a:off x="0" y="0"/>
+          <a:ext cx="0" cy="0"/>
+          <a:chOff x="0" y="0"/>
+          <a:chExt cx="0" cy="0"/>
+        </a:xfrm>
+      </p:grpSpPr>
+      <p:sp>
+        <p:nvSpPr>
+          <p:cNvPr id="3" name="Rectangle 1"/>
+          <p:cNvSpPr>
+            <a:spLocks noChangeArrowheads="1"/>
+          </p:cNvSpPr>
+          <p:nvPr/>
+        </p:nvSpPr>
+        <p:spPr bwMode="auto">
+          <a:xfrm>
+            <a:off x="3386138" y="2941638"/>
+            <a:ext cx="12192000" cy="457200"/>
+          </a:xfrm>
+          <a:prstGeom prst="rect">
+            <a:avLst/>
+          </a:prstGeom>
+          <a:noFill/>
+          <a:ln>
+            <a:noFill/>
+          </a:ln>
+          <a:effectLst/>
+          <a:extLst>
+            <a:ext uri="{909E8E84-426E-40DD-AFC4-6F175D3DCCD1}">
+              <a14:hiddenFill xmlns:a14="http://schemas.microsoft.com/office/drawing/2010/main">
+                <a:solidFill>
+                  <a:schemeClr val="accent1"/>
+                </a:solidFill>
+              </a14:hiddenFill>
+            </a:ext>
+            <a:ext uri="{91240B29-F687-4F45-9708-019B960494DF}">
+              <a14:hiddenLine xmlns:a14="http://schemas.microsoft.com/office/drawing/2010/main" w="9525">
+                <a:solidFill>
+                  <a:schemeClr val="tx1"/>
+                </a:solidFill>
+                <a:miter lim="800000"/>
+                <a:headEnd/>
+                <a:tailEnd/>
+              </a14:hiddenLine>
+            </a:ext>
+            <a:ext uri="{AF507438-7753-43E0-B8FC-AC1667EBCBE1}">
+              <a14:hiddenEffects xmlns:a14="http://schemas.microsoft.com/office/drawing/2010/main">
+                <a:effectLst>
+                  <a:outerShdw dist="35921" dir="2700000" algn="ctr" rotWithShape="0">
+                    <a:schemeClr val="bg2"/>
+                  </a:outerShdw>
+                </a:effectLst>
+              </a14:hiddenEffects>
+            </a:ext>
+          </a:extLst>
+        </p:spPr>
+        <p:txBody>
+          <a:bodyPr vert="horz" wrap="none" lIns="91440" tIns="45720" rIns="91440" bIns="45720" numCol="1" anchor="ctr" anchorCtr="0" compatLnSpc="1">
+            <a:prstTxWarp prst="textNoShape">
+              <a:avLst/>
+            </a:prstTxWarp>
+            <a:spAutoFit/>
+          </a:bodyPr>
+          <a:lstStyle/>
+          <a:p>
+            <a:endParaRPr lang="en-US"/>
+          </a:p>
+        </p:txBody>
+      </p:sp>
+      <p:sp>
+        <p:nvSpPr>
+          <p:cNvPr id="4" name="Rectangle 1">
+            <a:extLst>
+              <a:ext uri="{FF2B5EF4-FFF2-40B4-BE49-F238E27FC236}">
+                <a16:creationId xmlns:a16="http://schemas.microsoft.com/office/drawing/2014/main" id="{171A0991-7883-4C0D-B9A2-36C10F9BBDD6}"/>
+              </a:ext>
+            </a:extLst>
+          </p:cNvPr>
+          <p:cNvSpPr>
+            <a:spLocks noChangeArrowheads="1"/>
+          </p:cNvSpPr>
+          <p:nvPr/>
+        </p:nvSpPr>
+        <p:spPr bwMode="auto">
+          <a:xfrm>
+            <a:off x="3386138" y="2941638"/>
+            <a:ext cx="12192000" cy="457200"/>
+          </a:xfrm>
+          <a:prstGeom prst="rect">
+            <a:avLst/>
+          </a:prstGeom>
+          <a:noFill/>
+          <a:ln>
+            <a:noFill/>
+          </a:ln>
+          <a:effectLst/>
+          <a:extLst>
+            <a:ext uri="{909E8E84-426E-40DD-AFC4-6F175D3DCCD1}">
+              <a14:hiddenFill xmlns:a14="http://schemas.microsoft.com/office/drawing/2010/main">
+                <a:solidFill>
+                  <a:schemeClr val="accent1"/>
+                </a:solidFill>
+              </a14:hiddenFill>
+            </a:ext>
+            <a:ext uri="{91240B29-F687-4F45-9708-019B960494DF}">
+              <a14:hiddenLine xmlns:a14="http://schemas.microsoft.com/office/drawing/2010/main" w="9525">
+                <a:solidFill>
+                  <a:schemeClr val="tx1"/>
+                </a:solidFill>
+                <a:miter lim="800000"/>
+                <a:headEnd/>
+                <a:tailEnd/>
+              </a14:hiddenLine>
+            </a:ext>
+            <a:ext uri="{AF507438-7753-43E0-B8FC-AC1667EBCBE1}">
+              <a14:hiddenEffects xmlns:a14="http://schemas.microsoft.com/office/drawing/2010/main">
+                <a:effectLst>
+                  <a:outerShdw dist="35921" dir="2700000" algn="ctr" rotWithShape="0">
+                    <a:schemeClr val="bg2"/>
+                  </a:outerShdw>
+                </a:effectLst>
+              </a14:hiddenEffects>
+            </a:ext>
+          </a:extLst>
+        </p:spPr>
+        <p:txBody>
+          <a:bodyPr vert="horz" wrap="none" lIns="91440" tIns="45720" rIns="91440" bIns="45720" numCol="1" anchor="ctr" anchorCtr="0" compatLnSpc="1">
+            <a:prstTxWarp prst="textNoShape">
+              <a:avLst/>
+            </a:prstTxWarp>
+            <a:spAutoFit/>
+          </a:bodyPr>
+          <a:lstStyle/>
+          <a:p>
+            <a:endParaRPr lang="es-ES"/>
+          </a:p>
+        </p:txBody>
+      </p:sp>
+      <p:graphicFrame>
+        <p:nvGraphicFramePr>
+          <p:cNvPr id="2" name="Tabla 1"/>
+          <p:cNvGraphicFramePr>
+            <a:graphicFrameLocks noGrp="1"/>
+          </p:cNvGraphicFramePr>
+          <p:nvPr>
+            <p:extLst>
+              <p:ext uri="{D42A27DB-BD31-4B8C-83A1-F6EECF244321}">
+                <p14:modId xmlns:p14="http://schemas.microsoft.com/office/powerpoint/2010/main" val="1248410389"/>
+              </p:ext>
+            </p:extLst>
+          </p:nvPr>
+        </p:nvGraphicFramePr>
+        <p:xfrm>
+          <a:off x="1245870" y="937256"/>
+          <a:ext cx="9692640" cy="5086353"/>
+        </p:xfrm>
+        <a:graphic>
+          <a:graphicData uri="http://schemas.openxmlformats.org/drawingml/2006/table">
+            <a:tbl>
+              <a:tblPr/>
+              <a:tblGrid>
+                <a:gridCol w="2499604">
+                  <a:extLst>
+                    <a:ext uri="{9D8B030D-6E8A-4147-A177-3AD203B41FA5}">
+                      <a16:colId xmlns:a16="http://schemas.microsoft.com/office/drawing/2014/main" val="282406768"/>
+                    </a:ext>
+                  </a:extLst>
+                </a:gridCol>
+                <a:gridCol w="7193036">
+                  <a:extLst>
+                    <a:ext uri="{9D8B030D-6E8A-4147-A177-3AD203B41FA5}">
+                      <a16:colId xmlns:a16="http://schemas.microsoft.com/office/drawing/2014/main" val="868020513"/>
+                    </a:ext>
+                  </a:extLst>
+                </a:gridCol>
+              </a:tblGrid>
+              <a:tr h="877693">
+                <a:tc>
+                  <a:txBody>
+                    <a:bodyPr/>
+                    <a:lstStyle/>
+                    <a:p>
+                      <a:pPr algn="just">
+                        <a:spcAft>
+                          <a:spcPts val="0"/>
+                        </a:spcAft>
+                      </a:pPr>
+                      <a:r>
+                        <a:rPr lang="es-ES" sz="1200" b="1">
+                          <a:solidFill>
+                            <a:schemeClr val="accent1"/>
+                          </a:solidFill>
+                          <a:effectLst/>
+                          <a:latin typeface="Arial" panose="020B0604020202020204" pitchFamily="34" charset="0"/>
+                          <a:ea typeface="Arial" panose="020B0604020202020204" pitchFamily="34" charset="0"/>
+                        </a:rPr>
+                        <a:t>Identificación del requerimiento:</a:t>
+                      </a:r>
+                      <a:endParaRPr lang="en-US" sz="1000">
+                        <a:solidFill>
+                          <a:schemeClr val="accent1"/>
+                        </a:solidFill>
+                        <a:effectLst/>
+                        <a:latin typeface="Arial" panose="020B0604020202020204" pitchFamily="34" charset="0"/>
+                        <a:ea typeface="Arial" panose="020B0604020202020204" pitchFamily="34" charset="0"/>
+                      </a:endParaRPr>
+                    </a:p>
+                  </a:txBody>
+                  <a:tcPr marL="68580" marR="68580" marT="0" marB="0">
+                    <a:lnL w="12700" cap="flat" cmpd="sng" algn="ctr">
+                      <a:solidFill>
+                        <a:srgbClr val="000000"/>
+                      </a:solidFill>
+                      <a:prstDash val="solid"/>
+                      <a:round/>
+                      <a:headEnd type="none" w="med" len="med"/>
+                      <a:tailEnd type="none" w="med" len="med"/>
+                    </a:lnL>
+                    <a:lnR w="12700" cap="flat" cmpd="sng" algn="ctr">
+                      <a:solidFill>
+                        <a:srgbClr val="000000"/>
+                      </a:solidFill>
+                      <a:prstDash val="solid"/>
+                      <a:round/>
+                      <a:headEnd type="none" w="med" len="med"/>
+                      <a:tailEnd type="none" w="med" len="med"/>
+                    </a:lnR>
+                    <a:lnT w="12700" cap="flat" cmpd="sng" algn="ctr">
+                      <a:solidFill>
+                        <a:srgbClr val="000000"/>
+                      </a:solidFill>
+                      <a:prstDash val="solid"/>
+                      <a:round/>
+                      <a:headEnd type="none" w="med" len="med"/>
+                      <a:tailEnd type="none" w="med" len="med"/>
+                    </a:lnT>
+                    <a:lnB w="12700" cap="flat" cmpd="sng" algn="ctr">
+                      <a:solidFill>
+                        <a:srgbClr val="000000"/>
+                      </a:solidFill>
+                      <a:prstDash val="solid"/>
+                      <a:round/>
+                      <a:headEnd type="none" w="med" len="med"/>
+                      <a:tailEnd type="none" w="med" len="med"/>
+                    </a:lnB>
+                  </a:tcPr>
+                </a:tc>
+                <a:tc>
+                  <a:txBody>
+                    <a:bodyPr/>
+                    <a:lstStyle/>
+                    <a:p>
+                      <a:pPr algn="just">
+                        <a:spcAft>
+                          <a:spcPts val="0"/>
+                        </a:spcAft>
+                      </a:pPr>
+                      <a:r>
+                        <a:rPr lang="es-ES" sz="1200" b="1">
+                          <a:solidFill>
+                            <a:schemeClr val="accent1"/>
+                          </a:solidFill>
+                          <a:effectLst/>
+                          <a:latin typeface="Arial" panose="020B0604020202020204" pitchFamily="34" charset="0"/>
+                          <a:ea typeface="Arial" panose="020B0604020202020204" pitchFamily="34" charset="0"/>
+                        </a:rPr>
+                        <a:t>Requerimiento F7</a:t>
+                      </a:r>
+                      <a:endParaRPr lang="en-US" sz="1000">
+                        <a:solidFill>
+                          <a:schemeClr val="accent1"/>
+                        </a:solidFill>
+                        <a:effectLst/>
+                        <a:latin typeface="Arial" panose="020B0604020202020204" pitchFamily="34" charset="0"/>
+                        <a:ea typeface="Arial" panose="020B0604020202020204" pitchFamily="34" charset="0"/>
+                      </a:endParaRPr>
+                    </a:p>
+                  </a:txBody>
+                  <a:tcPr marL="68580" marR="68580" marT="0" marB="0">
+                    <a:lnL w="12700" cap="flat" cmpd="sng" algn="ctr">
+                      <a:solidFill>
+                        <a:srgbClr val="000000"/>
+                      </a:solidFill>
+                      <a:prstDash val="solid"/>
+                      <a:round/>
+                      <a:headEnd type="none" w="med" len="med"/>
+                      <a:tailEnd type="none" w="med" len="med"/>
+                    </a:lnL>
+                    <a:lnR w="12700" cap="flat" cmpd="sng" algn="ctr">
+                      <a:solidFill>
+                        <a:srgbClr val="000000"/>
+                      </a:solidFill>
+                      <a:prstDash val="solid"/>
+                      <a:round/>
+                      <a:headEnd type="none" w="med" len="med"/>
+                      <a:tailEnd type="none" w="med" len="med"/>
+                    </a:lnR>
+                    <a:lnT w="12700" cap="flat" cmpd="sng" algn="ctr">
+                      <a:solidFill>
+                        <a:srgbClr val="000000"/>
+                      </a:solidFill>
+                      <a:prstDash val="solid"/>
+                      <a:round/>
+                      <a:headEnd type="none" w="med" len="med"/>
+                      <a:tailEnd type="none" w="med" len="med"/>
+                    </a:lnT>
+                    <a:lnB w="12700" cap="flat" cmpd="sng" algn="ctr">
+                      <a:solidFill>
+                        <a:srgbClr val="000000"/>
+                      </a:solidFill>
+                      <a:prstDash val="solid"/>
+                      <a:round/>
+                      <a:headEnd type="none" w="med" len="med"/>
+                      <a:tailEnd type="none" w="med" len="med"/>
+                    </a:lnB>
+                  </a:tcPr>
+                </a:tc>
+                <a:extLst>
+                  <a:ext uri="{0D108BD9-81ED-4DB2-BD59-A6C34878D82A}">
+                    <a16:rowId xmlns:a16="http://schemas.microsoft.com/office/drawing/2014/main" val="2791074783"/>
+                  </a:ext>
+                </a:extLst>
+              </a:tr>
+              <a:tr h="877693">
+                <a:tc>
+                  <a:txBody>
+                    <a:bodyPr/>
+                    <a:lstStyle/>
+                    <a:p>
+                      <a:pPr algn="just">
+                        <a:spcAft>
+                          <a:spcPts val="0"/>
+                        </a:spcAft>
+                      </a:pPr>
+                      <a:r>
+                        <a:rPr lang="es-ES" sz="1200" b="1">
+                          <a:solidFill>
+                            <a:schemeClr val="accent1"/>
+                          </a:solidFill>
+                          <a:effectLst/>
+                          <a:latin typeface="Arial" panose="020B0604020202020204" pitchFamily="34" charset="0"/>
+                          <a:ea typeface="Arial" panose="020B0604020202020204" pitchFamily="34" charset="0"/>
+                        </a:rPr>
+                        <a:t>Nombre del requerimiento:</a:t>
+                      </a:r>
+                      <a:endParaRPr lang="en-US" sz="1000">
+                        <a:solidFill>
+                          <a:schemeClr val="accent1"/>
+                        </a:solidFill>
+                        <a:effectLst/>
+                        <a:latin typeface="Arial" panose="020B0604020202020204" pitchFamily="34" charset="0"/>
+                        <a:ea typeface="Arial" panose="020B0604020202020204" pitchFamily="34" charset="0"/>
+                      </a:endParaRPr>
+                    </a:p>
+                  </a:txBody>
+                  <a:tcPr marL="68580" marR="68580" marT="0" marB="0">
+                    <a:lnL w="12700" cap="flat" cmpd="sng" algn="ctr">
+                      <a:solidFill>
+                        <a:srgbClr val="000000"/>
+                      </a:solidFill>
+                      <a:prstDash val="solid"/>
+                      <a:round/>
+                      <a:headEnd type="none" w="med" len="med"/>
+                      <a:tailEnd type="none" w="med" len="med"/>
+                    </a:lnL>
+                    <a:lnR w="12700" cap="flat" cmpd="sng" algn="ctr">
+                      <a:solidFill>
+                        <a:srgbClr val="000000"/>
+                      </a:solidFill>
+                      <a:prstDash val="solid"/>
+                      <a:round/>
+                      <a:headEnd type="none" w="med" len="med"/>
+                      <a:tailEnd type="none" w="med" len="med"/>
+                    </a:lnR>
+                    <a:lnT w="12700" cap="flat" cmpd="sng" algn="ctr">
+                      <a:solidFill>
+                        <a:srgbClr val="000000"/>
+                      </a:solidFill>
+                      <a:prstDash val="solid"/>
+                      <a:round/>
+                      <a:headEnd type="none" w="med" len="med"/>
+                      <a:tailEnd type="none" w="med" len="med"/>
+                    </a:lnT>
+                    <a:lnB w="12700" cap="flat" cmpd="sng" algn="ctr">
+                      <a:solidFill>
+                        <a:srgbClr val="000000"/>
+                      </a:solidFill>
+                      <a:prstDash val="solid"/>
+                      <a:round/>
+                      <a:headEnd type="none" w="med" len="med"/>
+                      <a:tailEnd type="none" w="med" len="med"/>
+                    </a:lnB>
+                  </a:tcPr>
+                </a:tc>
+                <a:tc>
+                  <a:txBody>
+                    <a:bodyPr/>
+                    <a:lstStyle/>
+                    <a:p>
+                      <a:pPr algn="just">
+                        <a:spcAft>
+                          <a:spcPts val="0"/>
+                        </a:spcAft>
+                      </a:pPr>
+                      <a:r>
+                        <a:rPr lang="es-ES" sz="1200">
+                          <a:solidFill>
+                            <a:schemeClr val="accent1"/>
+                          </a:solidFill>
+                          <a:effectLst/>
+                          <a:latin typeface="Arial" panose="020B0604020202020204" pitchFamily="34" charset="0"/>
+                          <a:ea typeface="Arial" panose="020B0604020202020204" pitchFamily="34" charset="0"/>
+                        </a:rPr>
+                        <a:t>Cierre del día </a:t>
+                      </a:r>
+                      <a:endParaRPr lang="en-US" sz="1000">
+                        <a:solidFill>
+                          <a:schemeClr val="accent1"/>
+                        </a:solidFill>
+                        <a:effectLst/>
+                        <a:latin typeface="Arial" panose="020B0604020202020204" pitchFamily="34" charset="0"/>
+                        <a:ea typeface="Arial" panose="020B0604020202020204" pitchFamily="34" charset="0"/>
+                      </a:endParaRPr>
+                    </a:p>
+                  </a:txBody>
+                  <a:tcPr marL="68580" marR="68580" marT="0" marB="0">
+                    <a:lnL w="12700" cap="flat" cmpd="sng" algn="ctr">
+                      <a:solidFill>
+                        <a:srgbClr val="000000"/>
+                      </a:solidFill>
+                      <a:prstDash val="solid"/>
+                      <a:round/>
+                      <a:headEnd type="none" w="med" len="med"/>
+                      <a:tailEnd type="none" w="med" len="med"/>
+                    </a:lnL>
+                    <a:lnR w="12700" cap="flat" cmpd="sng" algn="ctr">
+                      <a:solidFill>
+                        <a:srgbClr val="000000"/>
+                      </a:solidFill>
+                      <a:prstDash val="solid"/>
+                      <a:round/>
+                      <a:headEnd type="none" w="med" len="med"/>
+                      <a:tailEnd type="none" w="med" len="med"/>
+                    </a:lnR>
+                    <a:lnT w="12700" cap="flat" cmpd="sng" algn="ctr">
+                      <a:solidFill>
+                        <a:srgbClr val="000000"/>
+                      </a:solidFill>
+                      <a:prstDash val="solid"/>
+                      <a:round/>
+                      <a:headEnd type="none" w="med" len="med"/>
+                      <a:tailEnd type="none" w="med" len="med"/>
+                    </a:lnT>
+                    <a:lnB w="12700" cap="flat" cmpd="sng" algn="ctr">
+                      <a:solidFill>
+                        <a:srgbClr val="000000"/>
+                      </a:solidFill>
+                      <a:prstDash val="solid"/>
+                      <a:round/>
+                      <a:headEnd type="none" w="med" len="med"/>
+                      <a:tailEnd type="none" w="med" len="med"/>
+                    </a:lnB>
+                  </a:tcPr>
+                </a:tc>
+                <a:extLst>
+                  <a:ext uri="{0D108BD9-81ED-4DB2-BD59-A6C34878D82A}">
+                    <a16:rowId xmlns:a16="http://schemas.microsoft.com/office/drawing/2014/main" val="1706945803"/>
+                  </a:ext>
+                </a:extLst>
+              </a:tr>
+              <a:tr h="697888">
+                <a:tc>
+                  <a:txBody>
+                    <a:bodyPr/>
+                    <a:lstStyle/>
+                    <a:p>
+                      <a:pPr algn="just">
+                        <a:spcAft>
+                          <a:spcPts val="0"/>
+                        </a:spcAft>
+                      </a:pPr>
+                      <a:r>
+                        <a:rPr lang="es-ES" sz="1200" b="1">
+                          <a:solidFill>
+                            <a:schemeClr val="accent1"/>
+                          </a:solidFill>
+                          <a:effectLst/>
+                          <a:latin typeface="Arial" panose="020B0604020202020204" pitchFamily="34" charset="0"/>
+                          <a:ea typeface="Arial" panose="020B0604020202020204" pitchFamily="34" charset="0"/>
+                        </a:rPr>
+                        <a:t>Características</a:t>
+                      </a:r>
+                      <a:endParaRPr lang="en-US" sz="1000">
+                        <a:solidFill>
+                          <a:schemeClr val="accent1"/>
+                        </a:solidFill>
+                        <a:effectLst/>
+                        <a:latin typeface="Arial" panose="020B0604020202020204" pitchFamily="34" charset="0"/>
+                        <a:ea typeface="Arial" panose="020B0604020202020204" pitchFamily="34" charset="0"/>
+                      </a:endParaRPr>
+                    </a:p>
+                  </a:txBody>
+                  <a:tcPr marL="68580" marR="68580" marT="0" marB="0">
+                    <a:lnL w="12700" cap="flat" cmpd="sng" algn="ctr">
+                      <a:solidFill>
+                        <a:srgbClr val="000000"/>
+                      </a:solidFill>
+                      <a:prstDash val="solid"/>
+                      <a:round/>
+                      <a:headEnd type="none" w="med" len="med"/>
+                      <a:tailEnd type="none" w="med" len="med"/>
+                    </a:lnL>
+                    <a:lnR w="12700" cap="flat" cmpd="sng" algn="ctr">
+                      <a:solidFill>
+                        <a:srgbClr val="000000"/>
+                      </a:solidFill>
+                      <a:prstDash val="solid"/>
+                      <a:round/>
+                      <a:headEnd type="none" w="med" len="med"/>
+                      <a:tailEnd type="none" w="med" len="med"/>
+                    </a:lnR>
+                    <a:lnT w="12700" cap="flat" cmpd="sng" algn="ctr">
+                      <a:solidFill>
+                        <a:srgbClr val="000000"/>
+                      </a:solidFill>
+                      <a:prstDash val="solid"/>
+                      <a:round/>
+                      <a:headEnd type="none" w="med" len="med"/>
+                      <a:tailEnd type="none" w="med" len="med"/>
+                    </a:lnT>
+                    <a:lnB w="12700" cap="flat" cmpd="sng" algn="ctr">
+                      <a:solidFill>
+                        <a:srgbClr val="000000"/>
+                      </a:solidFill>
+                      <a:prstDash val="solid"/>
+                      <a:round/>
+                      <a:headEnd type="none" w="med" len="med"/>
+                      <a:tailEnd type="none" w="med" len="med"/>
+                    </a:lnB>
+                  </a:tcPr>
+                </a:tc>
+                <a:tc>
+                  <a:txBody>
+                    <a:bodyPr/>
+                    <a:lstStyle/>
+                    <a:p>
+                      <a:pPr algn="just">
+                        <a:spcAft>
+                          <a:spcPts val="0"/>
+                        </a:spcAft>
+                        <a:tabLst>
+                          <a:tab pos="2733675" algn="l"/>
+                        </a:tabLst>
+                      </a:pPr>
+                      <a:r>
+                        <a:rPr lang="es-ES" sz="1200" dirty="0">
+                          <a:solidFill>
+                            <a:schemeClr val="accent1"/>
+                          </a:solidFill>
+                          <a:effectLst/>
+                          <a:latin typeface="Arial" panose="020B0604020202020204" pitchFamily="34" charset="0"/>
+                          <a:ea typeface="Arial" panose="020B0604020202020204" pitchFamily="34" charset="0"/>
+                        </a:rPr>
+                        <a:t>El usuario cerrara las ventas diarias manualmente </a:t>
+                      </a:r>
+                      <a:endParaRPr lang="en-US" sz="1000" dirty="0">
+                        <a:solidFill>
+                          <a:schemeClr val="accent1"/>
+                        </a:solidFill>
+                        <a:effectLst/>
+                        <a:latin typeface="Arial" panose="020B0604020202020204" pitchFamily="34" charset="0"/>
+                        <a:ea typeface="Arial" panose="020B0604020202020204" pitchFamily="34" charset="0"/>
+                      </a:endParaRPr>
+                    </a:p>
+                  </a:txBody>
+                  <a:tcPr marL="68580" marR="68580" marT="0" marB="0">
+                    <a:lnL w="12700" cap="flat" cmpd="sng" algn="ctr">
+                      <a:solidFill>
+                        <a:srgbClr val="000000"/>
+                      </a:solidFill>
+                      <a:prstDash val="solid"/>
+                      <a:round/>
+                      <a:headEnd type="none" w="med" len="med"/>
+                      <a:tailEnd type="none" w="med" len="med"/>
+                    </a:lnL>
+                    <a:lnR w="12700" cap="flat" cmpd="sng" algn="ctr">
+                      <a:solidFill>
+                        <a:srgbClr val="000000"/>
+                      </a:solidFill>
+                      <a:prstDash val="solid"/>
+                      <a:round/>
+                      <a:headEnd type="none" w="med" len="med"/>
+                      <a:tailEnd type="none" w="med" len="med"/>
+                    </a:lnR>
+                    <a:lnT w="12700" cap="flat" cmpd="sng" algn="ctr">
+                      <a:solidFill>
+                        <a:srgbClr val="000000"/>
+                      </a:solidFill>
+                      <a:prstDash val="solid"/>
+                      <a:round/>
+                      <a:headEnd type="none" w="med" len="med"/>
+                      <a:tailEnd type="none" w="med" len="med"/>
+                    </a:lnT>
+                    <a:lnB w="12700" cap="flat" cmpd="sng" algn="ctr">
+                      <a:solidFill>
+                        <a:srgbClr val="000000"/>
+                      </a:solidFill>
+                      <a:prstDash val="solid"/>
+                      <a:round/>
+                      <a:headEnd type="none" w="med" len="med"/>
+                      <a:tailEnd type="none" w="med" len="med"/>
+                    </a:lnB>
+                  </a:tcPr>
+                </a:tc>
+                <a:extLst>
+                  <a:ext uri="{0D108BD9-81ED-4DB2-BD59-A6C34878D82A}">
+                    <a16:rowId xmlns:a16="http://schemas.microsoft.com/office/drawing/2014/main" val="1993116798"/>
+                  </a:ext>
+                </a:extLst>
+              </a:tr>
+              <a:tr h="877693">
+                <a:tc>
+                  <a:txBody>
+                    <a:bodyPr/>
+                    <a:lstStyle/>
+                    <a:p>
+                      <a:pPr algn="just">
+                        <a:spcAft>
+                          <a:spcPts val="0"/>
+                        </a:spcAft>
+                      </a:pPr>
+                      <a:r>
+                        <a:rPr lang="es-ES" sz="1200" b="1">
+                          <a:solidFill>
+                            <a:schemeClr val="accent1"/>
+                          </a:solidFill>
+                          <a:effectLst/>
+                          <a:latin typeface="Arial" panose="020B0604020202020204" pitchFamily="34" charset="0"/>
+                          <a:ea typeface="Arial" panose="020B0604020202020204" pitchFamily="34" charset="0"/>
+                        </a:rPr>
+                        <a:t>Descripción del requerimiento:</a:t>
+                      </a:r>
+                      <a:endParaRPr lang="en-US" sz="1000">
+                        <a:solidFill>
+                          <a:schemeClr val="accent1"/>
+                        </a:solidFill>
+                        <a:effectLst/>
+                        <a:latin typeface="Arial" panose="020B0604020202020204" pitchFamily="34" charset="0"/>
+                        <a:ea typeface="Arial" panose="020B0604020202020204" pitchFamily="34" charset="0"/>
+                      </a:endParaRPr>
+                    </a:p>
+                  </a:txBody>
+                  <a:tcPr marL="68580" marR="68580" marT="0" marB="0">
+                    <a:lnL w="12700" cap="flat" cmpd="sng" algn="ctr">
+                      <a:solidFill>
+                        <a:srgbClr val="000000"/>
+                      </a:solidFill>
+                      <a:prstDash val="solid"/>
+                      <a:round/>
+                      <a:headEnd type="none" w="med" len="med"/>
+                      <a:tailEnd type="none" w="med" len="med"/>
+                    </a:lnL>
+                    <a:lnR w="12700" cap="flat" cmpd="sng" algn="ctr">
+                      <a:solidFill>
+                        <a:srgbClr val="000000"/>
+                      </a:solidFill>
+                      <a:prstDash val="solid"/>
+                      <a:round/>
+                      <a:headEnd type="none" w="med" len="med"/>
+                      <a:tailEnd type="none" w="med" len="med"/>
+                    </a:lnR>
+                    <a:lnT w="12700" cap="flat" cmpd="sng" algn="ctr">
+                      <a:solidFill>
+                        <a:srgbClr val="000000"/>
+                      </a:solidFill>
+                      <a:prstDash val="solid"/>
+                      <a:round/>
+                      <a:headEnd type="none" w="med" len="med"/>
+                      <a:tailEnd type="none" w="med" len="med"/>
+                    </a:lnT>
+                    <a:lnB w="12700" cap="flat" cmpd="sng" algn="ctr">
+                      <a:solidFill>
+                        <a:srgbClr val="000000"/>
+                      </a:solidFill>
+                      <a:prstDash val="solid"/>
+                      <a:round/>
+                      <a:headEnd type="none" w="med" len="med"/>
+                      <a:tailEnd type="none" w="med" len="med"/>
+                    </a:lnB>
+                  </a:tcPr>
+                </a:tc>
+                <a:tc>
+                  <a:txBody>
+                    <a:bodyPr/>
+                    <a:lstStyle/>
+                    <a:p>
+                      <a:pPr algn="just">
+                        <a:spcAft>
+                          <a:spcPts val="0"/>
+                        </a:spcAft>
+                      </a:pPr>
+                      <a:r>
+                        <a:rPr lang="es-ES" sz="1200" dirty="0">
+                          <a:solidFill>
+                            <a:schemeClr val="accent1"/>
+                          </a:solidFill>
+                          <a:effectLst/>
+                          <a:latin typeface="Arial" panose="020B0604020202020204" pitchFamily="34" charset="0"/>
+                          <a:ea typeface="Arial" panose="020B0604020202020204" pitchFamily="34" charset="0"/>
+                        </a:rPr>
+                        <a:t>El administrador y el empleado hará un cierre diario para cargar las ventas diarias en la base de datos </a:t>
+                      </a:r>
+                      <a:endParaRPr lang="en-US" sz="1000" dirty="0">
+                        <a:solidFill>
+                          <a:schemeClr val="accent1"/>
+                        </a:solidFill>
+                        <a:effectLst/>
+                        <a:latin typeface="Arial" panose="020B0604020202020204" pitchFamily="34" charset="0"/>
+                        <a:ea typeface="Arial" panose="020B0604020202020204" pitchFamily="34" charset="0"/>
+                      </a:endParaRPr>
+                    </a:p>
+                  </a:txBody>
+                  <a:tcPr marL="68580" marR="68580" marT="0" marB="0">
+                    <a:lnL w="12700" cap="flat" cmpd="sng" algn="ctr">
+                      <a:solidFill>
+                        <a:srgbClr val="000000"/>
+                      </a:solidFill>
+                      <a:prstDash val="solid"/>
+                      <a:round/>
+                      <a:headEnd type="none" w="med" len="med"/>
+                      <a:tailEnd type="none" w="med" len="med"/>
+                    </a:lnL>
+                    <a:lnR w="12700" cap="flat" cmpd="sng" algn="ctr">
+                      <a:solidFill>
+                        <a:srgbClr val="000000"/>
+                      </a:solidFill>
+                      <a:prstDash val="solid"/>
+                      <a:round/>
+                      <a:headEnd type="none" w="med" len="med"/>
+                      <a:tailEnd type="none" w="med" len="med"/>
+                    </a:lnR>
+                    <a:lnT w="12700" cap="flat" cmpd="sng" algn="ctr">
+                      <a:solidFill>
+                        <a:srgbClr val="000000"/>
+                      </a:solidFill>
+                      <a:prstDash val="solid"/>
+                      <a:round/>
+                      <a:headEnd type="none" w="med" len="med"/>
+                      <a:tailEnd type="none" w="med" len="med"/>
+                    </a:lnT>
+                    <a:lnB w="12700" cap="flat" cmpd="sng" algn="ctr">
+                      <a:solidFill>
+                        <a:srgbClr val="000000"/>
+                      </a:solidFill>
+                      <a:prstDash val="solid"/>
+                      <a:round/>
+                      <a:headEnd type="none" w="med" len="med"/>
+                      <a:tailEnd type="none" w="med" len="med"/>
+                    </a:lnB>
+                  </a:tcPr>
+                </a:tc>
+                <a:extLst>
+                  <a:ext uri="{0D108BD9-81ED-4DB2-BD59-A6C34878D82A}">
+                    <a16:rowId xmlns:a16="http://schemas.microsoft.com/office/drawing/2014/main" val="2506366043"/>
+                  </a:ext>
+                </a:extLst>
+              </a:tr>
+              <a:tr h="877693">
+                <a:tc>
+                  <a:txBody>
+                    <a:bodyPr/>
+                    <a:lstStyle/>
+                    <a:p>
+                      <a:pPr algn="just">
+                        <a:spcAft>
+                          <a:spcPts val="0"/>
+                        </a:spcAft>
+                      </a:pPr>
+                      <a:r>
+                        <a:rPr lang="es-ES" sz="1200" b="1">
+                          <a:solidFill>
+                            <a:schemeClr val="accent1"/>
+                          </a:solidFill>
+                          <a:effectLst/>
+                          <a:latin typeface="Arial" panose="020B0604020202020204" pitchFamily="34" charset="0"/>
+                          <a:ea typeface="Arial" panose="020B0604020202020204" pitchFamily="34" charset="0"/>
+                        </a:rPr>
+                        <a:t>Requerimientos no funcionales:</a:t>
+                      </a:r>
+                      <a:endParaRPr lang="en-US" sz="1000">
+                        <a:solidFill>
+                          <a:schemeClr val="accent1"/>
+                        </a:solidFill>
+                        <a:effectLst/>
+                        <a:latin typeface="Arial" panose="020B0604020202020204" pitchFamily="34" charset="0"/>
+                        <a:ea typeface="Arial" panose="020B0604020202020204" pitchFamily="34" charset="0"/>
+                      </a:endParaRPr>
+                    </a:p>
+                  </a:txBody>
+                  <a:tcPr marL="68580" marR="68580" marT="0" marB="0">
+                    <a:lnL w="12700" cap="flat" cmpd="sng" algn="ctr">
+                      <a:solidFill>
+                        <a:srgbClr val="000000"/>
+                      </a:solidFill>
+                      <a:prstDash val="solid"/>
+                      <a:round/>
+                      <a:headEnd type="none" w="med" len="med"/>
+                      <a:tailEnd type="none" w="med" len="med"/>
+                    </a:lnL>
+                    <a:lnR w="12700" cap="flat" cmpd="sng" algn="ctr">
+                      <a:solidFill>
+                        <a:srgbClr val="000000"/>
+                      </a:solidFill>
+                      <a:prstDash val="solid"/>
+                      <a:round/>
+                      <a:headEnd type="none" w="med" len="med"/>
+                      <a:tailEnd type="none" w="med" len="med"/>
+                    </a:lnR>
+                    <a:lnT w="12700" cap="flat" cmpd="sng" algn="ctr">
+                      <a:solidFill>
+                        <a:srgbClr val="000000"/>
+                      </a:solidFill>
+                      <a:prstDash val="solid"/>
+                      <a:round/>
+                      <a:headEnd type="none" w="med" len="med"/>
+                      <a:tailEnd type="none" w="med" len="med"/>
+                    </a:lnT>
+                    <a:lnB w="12700" cap="flat" cmpd="sng" algn="ctr">
+                      <a:solidFill>
+                        <a:srgbClr val="000000"/>
+                      </a:solidFill>
+                      <a:prstDash val="solid"/>
+                      <a:round/>
+                      <a:headEnd type="none" w="med" len="med"/>
+                      <a:tailEnd type="none" w="med" len="med"/>
+                    </a:lnB>
+                  </a:tcPr>
+                </a:tc>
+                <a:tc>
+                  <a:txBody>
+                    <a:bodyPr/>
+                    <a:lstStyle/>
+                    <a:p>
+                      <a:pPr algn="just">
+                        <a:spcAft>
+                          <a:spcPts val="0"/>
+                        </a:spcAft>
+                      </a:pPr>
+                      <a:r>
+                        <a:rPr lang="es-ES" sz="1200">
+                          <a:solidFill>
+                            <a:schemeClr val="accent1"/>
+                          </a:solidFill>
+                          <a:effectLst/>
+                          <a:latin typeface="Arial" panose="020B0604020202020204" pitchFamily="34" charset="0"/>
+                          <a:ea typeface="Arial" panose="020B0604020202020204" pitchFamily="34" charset="0"/>
+                        </a:rPr>
+                        <a:t> </a:t>
+                      </a:r>
+                      <a:endParaRPr lang="en-US" sz="1000">
+                        <a:solidFill>
+                          <a:schemeClr val="accent1"/>
+                        </a:solidFill>
+                        <a:effectLst/>
+                        <a:latin typeface="Arial" panose="020B0604020202020204" pitchFamily="34" charset="0"/>
+                        <a:ea typeface="Arial" panose="020B0604020202020204" pitchFamily="34" charset="0"/>
+                      </a:endParaRPr>
+                    </a:p>
+                  </a:txBody>
+                  <a:tcPr marL="68580" marR="68580" marT="0" marB="0">
+                    <a:lnL w="12700" cap="flat" cmpd="sng" algn="ctr">
+                      <a:solidFill>
+                        <a:srgbClr val="000000"/>
+                      </a:solidFill>
+                      <a:prstDash val="solid"/>
+                      <a:round/>
+                      <a:headEnd type="none" w="med" len="med"/>
+                      <a:tailEnd type="none" w="med" len="med"/>
+                    </a:lnL>
+                    <a:lnR w="12700" cap="flat" cmpd="sng" algn="ctr">
+                      <a:solidFill>
+                        <a:srgbClr val="000000"/>
+                      </a:solidFill>
+                      <a:prstDash val="solid"/>
+                      <a:round/>
+                      <a:headEnd type="none" w="med" len="med"/>
+                      <a:tailEnd type="none" w="med" len="med"/>
+                    </a:lnR>
+                    <a:lnT w="12700" cap="flat" cmpd="sng" algn="ctr">
+                      <a:solidFill>
+                        <a:srgbClr val="000000"/>
+                      </a:solidFill>
+                      <a:prstDash val="solid"/>
+                      <a:round/>
+                      <a:headEnd type="none" w="med" len="med"/>
+                      <a:tailEnd type="none" w="med" len="med"/>
+                    </a:lnT>
+                    <a:lnB w="12700" cap="flat" cmpd="sng" algn="ctr">
+                      <a:solidFill>
+                        <a:srgbClr val="000000"/>
+                      </a:solidFill>
+                      <a:prstDash val="solid"/>
+                      <a:round/>
+                      <a:headEnd type="none" w="med" len="med"/>
+                      <a:tailEnd type="none" w="med" len="med"/>
+                    </a:lnB>
+                  </a:tcPr>
+                </a:tc>
+                <a:extLst>
+                  <a:ext uri="{0D108BD9-81ED-4DB2-BD59-A6C34878D82A}">
+                    <a16:rowId xmlns:a16="http://schemas.microsoft.com/office/drawing/2014/main" val="1023866602"/>
+                  </a:ext>
+                </a:extLst>
+              </a:tr>
+              <a:tr h="877693">
+                <a:tc>
+                  <a:txBody>
+                    <a:bodyPr/>
+                    <a:lstStyle/>
+                    <a:p>
+                      <a:pPr algn="just">
+                        <a:spcAft>
+                          <a:spcPts val="0"/>
+                        </a:spcAft>
+                      </a:pPr>
+                      <a:r>
+                        <a:rPr lang="es-ES" sz="1200" b="1">
+                          <a:solidFill>
+                            <a:schemeClr val="accent1"/>
+                          </a:solidFill>
+                          <a:effectLst/>
+                          <a:latin typeface="Arial" panose="020B0604020202020204" pitchFamily="34" charset="0"/>
+                          <a:ea typeface="Arial" panose="020B0604020202020204" pitchFamily="34" charset="0"/>
+                        </a:rPr>
+                        <a:t>Prioridad de requerimiento:</a:t>
+                      </a:r>
+                      <a:endParaRPr lang="en-US" sz="1000">
+                        <a:solidFill>
+                          <a:schemeClr val="accent1"/>
+                        </a:solidFill>
+                        <a:effectLst/>
+                        <a:latin typeface="Arial" panose="020B0604020202020204" pitchFamily="34" charset="0"/>
+                        <a:ea typeface="Arial" panose="020B0604020202020204" pitchFamily="34" charset="0"/>
+                      </a:endParaRPr>
+                    </a:p>
+                  </a:txBody>
+                  <a:tcPr marL="68580" marR="68580" marT="0" marB="0">
+                    <a:lnL w="12700" cap="flat" cmpd="sng" algn="ctr">
+                      <a:solidFill>
+                        <a:srgbClr val="000000"/>
+                      </a:solidFill>
+                      <a:prstDash val="solid"/>
+                      <a:round/>
+                      <a:headEnd type="none" w="med" len="med"/>
+                      <a:tailEnd type="none" w="med" len="med"/>
+                    </a:lnL>
+                    <a:lnR w="12700" cap="flat" cmpd="sng" algn="ctr">
+                      <a:solidFill>
+                        <a:srgbClr val="000000"/>
+                      </a:solidFill>
+                      <a:prstDash val="solid"/>
+                      <a:round/>
+                      <a:headEnd type="none" w="med" len="med"/>
+                      <a:tailEnd type="none" w="med" len="med"/>
+                    </a:lnR>
+                    <a:lnT w="12700" cap="flat" cmpd="sng" algn="ctr">
+                      <a:solidFill>
+                        <a:srgbClr val="000000"/>
+                      </a:solidFill>
+                      <a:prstDash val="solid"/>
+                      <a:round/>
+                      <a:headEnd type="none" w="med" len="med"/>
+                      <a:tailEnd type="none" w="med" len="med"/>
+                    </a:lnT>
+                    <a:lnB w="12700" cap="flat" cmpd="sng" algn="ctr">
+                      <a:solidFill>
+                        <a:srgbClr val="000000"/>
+                      </a:solidFill>
+                      <a:prstDash val="solid"/>
+                      <a:round/>
+                      <a:headEnd type="none" w="med" len="med"/>
+                      <a:tailEnd type="none" w="med" len="med"/>
+                    </a:lnB>
+                  </a:tcPr>
+                </a:tc>
+                <a:tc>
+                  <a:txBody>
+                    <a:bodyPr/>
+                    <a:lstStyle/>
+                    <a:p>
+                      <a:pPr algn="just">
+                        <a:spcAft>
+                          <a:spcPts val="0"/>
+                        </a:spcAft>
+                      </a:pPr>
+                      <a:r>
+                        <a:rPr lang="es-ES" sz="1200" dirty="0">
+                          <a:solidFill>
+                            <a:schemeClr val="accent1"/>
+                          </a:solidFill>
+                          <a:effectLst/>
+                          <a:latin typeface="Arial" panose="020B0604020202020204" pitchFamily="34" charset="0"/>
+                          <a:ea typeface="Arial" panose="020B0604020202020204" pitchFamily="34" charset="0"/>
+                        </a:rPr>
+                        <a:t>    Alta ( x  )         media (    )                baja(      )</a:t>
+                      </a:r>
+                      <a:endParaRPr lang="en-US" sz="1000" dirty="0">
+                        <a:solidFill>
+                          <a:schemeClr val="accent1"/>
+                        </a:solidFill>
+                        <a:effectLst/>
+                        <a:latin typeface="Arial" panose="020B0604020202020204" pitchFamily="34" charset="0"/>
+                        <a:ea typeface="Arial" panose="020B0604020202020204" pitchFamily="34" charset="0"/>
+                      </a:endParaRPr>
+                    </a:p>
+                  </a:txBody>
+                  <a:tcPr marL="68580" marR="68580" marT="0" marB="0">
+                    <a:lnL w="12700" cap="flat" cmpd="sng" algn="ctr">
+                      <a:solidFill>
+                        <a:srgbClr val="000000"/>
+                      </a:solidFill>
+                      <a:prstDash val="solid"/>
+                      <a:round/>
+                      <a:headEnd type="none" w="med" len="med"/>
+                      <a:tailEnd type="none" w="med" len="med"/>
+                    </a:lnL>
+                    <a:lnR w="12700" cap="flat" cmpd="sng" algn="ctr">
+                      <a:solidFill>
+                        <a:srgbClr val="000000"/>
+                      </a:solidFill>
+                      <a:prstDash val="solid"/>
+                      <a:round/>
+                      <a:headEnd type="none" w="med" len="med"/>
+                      <a:tailEnd type="none" w="med" len="med"/>
+                    </a:lnR>
+                    <a:lnT w="12700" cap="flat" cmpd="sng" algn="ctr">
+                      <a:solidFill>
+                        <a:srgbClr val="000000"/>
+                      </a:solidFill>
+                      <a:prstDash val="solid"/>
+                      <a:round/>
+                      <a:headEnd type="none" w="med" len="med"/>
+                      <a:tailEnd type="none" w="med" len="med"/>
+                    </a:lnT>
+                    <a:lnB w="12700" cap="flat" cmpd="sng" algn="ctr">
+                      <a:solidFill>
+                        <a:srgbClr val="000000"/>
+                      </a:solidFill>
+                      <a:prstDash val="solid"/>
+                      <a:round/>
+                      <a:headEnd type="none" w="med" len="med"/>
+                      <a:tailEnd type="none" w="med" len="med"/>
+                    </a:lnB>
+                  </a:tcPr>
+                </a:tc>
+                <a:extLst>
+                  <a:ext uri="{0D108BD9-81ED-4DB2-BD59-A6C34878D82A}">
+                    <a16:rowId xmlns:a16="http://schemas.microsoft.com/office/drawing/2014/main" val="2670469890"/>
+                  </a:ext>
+                </a:extLst>
+              </a:tr>
+            </a:tbl>
+          </a:graphicData>
+        </a:graphic>
+      </p:graphicFrame>
+    </p:spTree>
+    <p:extLst>
+      <p:ext uri="{BB962C8B-B14F-4D97-AF65-F5344CB8AC3E}">
+        <p14:creationId xmlns:p14="http://schemas.microsoft.com/office/powerpoint/2010/main" val="98495526"/>
+      </p:ext>
+    </p:extLst>
+  </p:cSld>
+  <p:clrMapOvr>
+    <a:masterClrMapping/>
+  </p:clrMapOvr>
+</p:sld>
+</file>
+
+<file path=ppt/slides/slide22.xml><?xml version="1.0" encoding="utf-8"?>
+<p:sld xmlns:a="http://schemas.openxmlformats.org/drawingml/2006/main" xmlns:r="http://schemas.openxmlformats.org/officeDocument/2006/relationships" xmlns:p="http://schemas.openxmlformats.org/presentationml/2006/main">
+  <p:cSld>
+    <p:spTree>
+      <p:nvGrpSpPr>
+        <p:cNvPr id="1" name=""/>
+        <p:cNvGrpSpPr/>
+        <p:nvPr/>
+      </p:nvGrpSpPr>
+      <p:grpSpPr>
+        <a:xfrm>
+          <a:off x="0" y="0"/>
+          <a:ext cx="0" cy="0"/>
+          <a:chOff x="0" y="0"/>
+          <a:chExt cx="0" cy="0"/>
+        </a:xfrm>
+      </p:grpSpPr>
+      <p:sp>
+        <p:nvSpPr>
+          <p:cNvPr id="5" name="CuadroTexto 4">
+            <a:extLst>
+              <a:ext uri="{FF2B5EF4-FFF2-40B4-BE49-F238E27FC236}">
+                <a16:creationId xmlns:a16="http://schemas.microsoft.com/office/drawing/2014/main" id="{2EE50C56-8401-440C-84EF-806490906A21}"/>
+              </a:ext>
+            </a:extLst>
+          </p:cNvPr>
+          <p:cNvSpPr txBox="1"/>
+          <p:nvPr/>
+        </p:nvSpPr>
+        <p:spPr>
+          <a:xfrm>
+            <a:off x="2538248" y="600015"/>
+            <a:ext cx="6881524" cy="523220"/>
+          </a:xfrm>
+          <a:prstGeom prst="rect">
+            <a:avLst/>
+          </a:prstGeom>
+          <a:noFill/>
+        </p:spPr>
+        <p:txBody>
+          <a:bodyPr wrap="square" rtlCol="0">
+            <a:spAutoFit/>
+          </a:bodyPr>
+          <a:lstStyle/>
+          <a:p>
+            <a:pPr algn="ctr"/>
+            <a:r>
+              <a:rPr lang="es-CO" sz="2800" b="1" dirty="0">
+                <a:solidFill>
+                  <a:srgbClr val="0070C0"/>
+                </a:solidFill>
+                <a:latin typeface="Arial" panose="020B0604020202020204" pitchFamily="34" charset="0"/>
+                <a:cs typeface="Arial" panose="020B0604020202020204" pitchFamily="34" charset="0"/>
+              </a:rPr>
+              <a:t>REQUERIMIENTOS NO FUNCIONALES</a:t>
+            </a:r>
+          </a:p>
+        </p:txBody>
+      </p:sp>
+      <p:sp>
+        <p:nvSpPr>
+          <p:cNvPr id="13" name="Rectangle 4">
+            <a:extLst>
+              <a:ext uri="{FF2B5EF4-FFF2-40B4-BE49-F238E27FC236}">
+                <a16:creationId xmlns:a16="http://schemas.microsoft.com/office/drawing/2014/main" id="{BFF8EB6D-4A98-4737-893D-841F3930E557}"/>
+              </a:ext>
+            </a:extLst>
+          </p:cNvPr>
+          <p:cNvSpPr>
+            <a:spLocks noChangeArrowheads="1"/>
+          </p:cNvSpPr>
+          <p:nvPr/>
+        </p:nvSpPr>
+        <p:spPr bwMode="auto">
+          <a:xfrm>
+            <a:off x="835905" y="1887866"/>
+            <a:ext cx="13829475" cy="457200"/>
+          </a:xfrm>
+          <a:prstGeom prst="rect">
+            <a:avLst/>
+          </a:prstGeom>
+          <a:noFill/>
+          <a:ln>
+            <a:noFill/>
+          </a:ln>
+          <a:effectLst/>
+          <a:extLst>
+            <a:ext uri="{909E8E84-426E-40DD-AFC4-6F175D3DCCD1}">
+              <a14:hiddenFill xmlns:a14="http://schemas.microsoft.com/office/drawing/2010/main">
+                <a:solidFill>
+                  <a:schemeClr val="accent1"/>
+                </a:solidFill>
+              </a14:hiddenFill>
+            </a:ext>
+            <a:ext uri="{91240B29-F687-4F45-9708-019B960494DF}">
+              <a14:hiddenLine xmlns:a14="http://schemas.microsoft.com/office/drawing/2010/main" w="9525">
+                <a:solidFill>
+                  <a:schemeClr val="tx1"/>
+                </a:solidFill>
+                <a:miter lim="800000"/>
+                <a:headEnd/>
+                <a:tailEnd/>
+              </a14:hiddenLine>
+            </a:ext>
+            <a:ext uri="{AF507438-7753-43E0-B8FC-AC1667EBCBE1}">
+              <a14:hiddenEffects xmlns:a14="http://schemas.microsoft.com/office/drawing/2010/main">
+                <a:effectLst>
+                  <a:outerShdw dist="35921" dir="2700000" algn="ctr" rotWithShape="0">
+                    <a:schemeClr val="bg2"/>
+                  </a:outerShdw>
+                </a:effectLst>
+              </a14:hiddenEffects>
+            </a:ext>
+          </a:extLst>
+        </p:spPr>
+        <p:txBody>
+          <a:bodyPr vert="horz" wrap="square" lIns="91440" tIns="45720" rIns="91440" bIns="45720" numCol="1" anchor="ctr" anchorCtr="0" compatLnSpc="1">
+            <a:prstTxWarp prst="textNoShape">
+              <a:avLst/>
+            </a:prstTxWarp>
+            <a:spAutoFit/>
+          </a:bodyPr>
+          <a:lstStyle/>
+          <a:p>
+            <a:endParaRPr lang="es-ES"/>
+          </a:p>
+        </p:txBody>
+      </p:sp>
+      <p:graphicFrame>
+        <p:nvGraphicFramePr>
+          <p:cNvPr id="2" name="Tabla 1"/>
+          <p:cNvGraphicFramePr>
+            <a:graphicFrameLocks noGrp="1"/>
+          </p:cNvGraphicFramePr>
+          <p:nvPr>
+            <p:extLst>
+              <p:ext uri="{D42A27DB-BD31-4B8C-83A1-F6EECF244321}">
+                <p14:modId xmlns:p14="http://schemas.microsoft.com/office/powerpoint/2010/main" val="2257315649"/>
+              </p:ext>
+            </p:extLst>
+          </p:nvPr>
+        </p:nvGraphicFramePr>
+        <p:xfrm>
+          <a:off x="1126273" y="1639227"/>
+          <a:ext cx="9500839" cy="4683513"/>
+        </p:xfrm>
+        <a:graphic>
+          <a:graphicData uri="http://schemas.openxmlformats.org/drawingml/2006/table">
+            <a:tbl>
+              <a:tblPr/>
+              <a:tblGrid>
+                <a:gridCol w="2450140">
+                  <a:extLst>
+                    <a:ext uri="{9D8B030D-6E8A-4147-A177-3AD203B41FA5}">
+                      <a16:colId xmlns:a16="http://schemas.microsoft.com/office/drawing/2014/main" val="1266896952"/>
+                    </a:ext>
+                  </a:extLst>
+                </a:gridCol>
+                <a:gridCol w="7050699">
+                  <a:extLst>
+                    <a:ext uri="{9D8B030D-6E8A-4147-A177-3AD203B41FA5}">
+                      <a16:colId xmlns:a16="http://schemas.microsoft.com/office/drawing/2014/main" val="4113944130"/>
+                    </a:ext>
+                  </a:extLst>
+                </a:gridCol>
+              </a:tblGrid>
+              <a:tr h="720541">
+                <a:tc>
+                  <a:txBody>
+                    <a:bodyPr/>
+                    <a:lstStyle/>
+                    <a:p>
+                      <a:pPr algn="just">
+                        <a:spcAft>
+                          <a:spcPts val="0"/>
+                        </a:spcAft>
+                      </a:pPr>
+                      <a:r>
+                        <a:rPr lang="es-ES" sz="1200" b="1">
+                          <a:solidFill>
+                            <a:schemeClr val="accent1"/>
+                          </a:solidFill>
+                          <a:effectLst/>
+                          <a:latin typeface="Arial" panose="020B0604020202020204" pitchFamily="34" charset="0"/>
+                          <a:ea typeface="Arial" panose="020B0604020202020204" pitchFamily="34" charset="0"/>
+                        </a:rPr>
+                        <a:t>Identificación del requerimiento:</a:t>
+                      </a:r>
+                      <a:endParaRPr lang="en-US" sz="1000">
+                        <a:solidFill>
+                          <a:schemeClr val="accent1"/>
+                        </a:solidFill>
+                        <a:effectLst/>
+                        <a:latin typeface="Arial" panose="020B0604020202020204" pitchFamily="34" charset="0"/>
+                        <a:ea typeface="Arial" panose="020B0604020202020204" pitchFamily="34" charset="0"/>
+                      </a:endParaRPr>
+                    </a:p>
+                  </a:txBody>
+                  <a:tcPr marL="68580" marR="68580" marT="0" marB="0">
+                    <a:lnL w="12700" cap="flat" cmpd="sng" algn="ctr">
+                      <a:solidFill>
+                        <a:srgbClr val="000000"/>
+                      </a:solidFill>
+                      <a:prstDash val="solid"/>
+                      <a:round/>
+                      <a:headEnd type="none" w="med" len="med"/>
+                      <a:tailEnd type="none" w="med" len="med"/>
+                    </a:lnL>
+                    <a:lnR w="12700" cap="flat" cmpd="sng" algn="ctr">
+                      <a:solidFill>
+                        <a:srgbClr val="000000"/>
+                      </a:solidFill>
+                      <a:prstDash val="solid"/>
+                      <a:round/>
+                      <a:headEnd type="none" w="med" len="med"/>
+                      <a:tailEnd type="none" w="med" len="med"/>
+                    </a:lnR>
+                    <a:lnT w="12700" cap="flat" cmpd="sng" algn="ctr">
+                      <a:solidFill>
+                        <a:srgbClr val="000000"/>
+                      </a:solidFill>
+                      <a:prstDash val="solid"/>
+                      <a:round/>
+                      <a:headEnd type="none" w="med" len="med"/>
+                      <a:tailEnd type="none" w="med" len="med"/>
+                    </a:lnT>
+                    <a:lnB w="12700" cap="flat" cmpd="sng" algn="ctr">
+                      <a:solidFill>
+                        <a:srgbClr val="000000"/>
+                      </a:solidFill>
+                      <a:prstDash val="solid"/>
+                      <a:round/>
+                      <a:headEnd type="none" w="med" len="med"/>
+                      <a:tailEnd type="none" w="med" len="med"/>
+                    </a:lnB>
+                  </a:tcPr>
+                </a:tc>
+                <a:tc>
+                  <a:txBody>
+                    <a:bodyPr/>
+                    <a:lstStyle/>
+                    <a:p>
+                      <a:pPr algn="just">
+                        <a:spcAft>
+                          <a:spcPts val="0"/>
+                        </a:spcAft>
+                      </a:pPr>
+                      <a:r>
+                        <a:rPr lang="es-ES" sz="1200" b="1">
+                          <a:solidFill>
+                            <a:schemeClr val="accent1"/>
+                          </a:solidFill>
+                          <a:effectLst/>
+                          <a:latin typeface="Arial" panose="020B0604020202020204" pitchFamily="34" charset="0"/>
+                          <a:ea typeface="Arial" panose="020B0604020202020204" pitchFamily="34" charset="0"/>
+                        </a:rPr>
+                        <a:t>RequerimientoNF1</a:t>
+                      </a:r>
+                      <a:endParaRPr lang="en-US" sz="1000">
+                        <a:solidFill>
+                          <a:schemeClr val="accent1"/>
+                        </a:solidFill>
+                        <a:effectLst/>
+                        <a:latin typeface="Arial" panose="020B0604020202020204" pitchFamily="34" charset="0"/>
+                        <a:ea typeface="Arial" panose="020B0604020202020204" pitchFamily="34" charset="0"/>
+                      </a:endParaRPr>
+                    </a:p>
+                  </a:txBody>
+                  <a:tcPr marL="68580" marR="68580" marT="0" marB="0">
+                    <a:lnL w="12700" cap="flat" cmpd="sng" algn="ctr">
+                      <a:solidFill>
+                        <a:srgbClr val="000000"/>
+                      </a:solidFill>
+                      <a:prstDash val="solid"/>
+                      <a:round/>
+                      <a:headEnd type="none" w="med" len="med"/>
+                      <a:tailEnd type="none" w="med" len="med"/>
+                    </a:lnL>
+                    <a:lnR w="12700" cap="flat" cmpd="sng" algn="ctr">
+                      <a:solidFill>
+                        <a:srgbClr val="000000"/>
+                      </a:solidFill>
+                      <a:prstDash val="solid"/>
+                      <a:round/>
+                      <a:headEnd type="none" w="med" len="med"/>
+                      <a:tailEnd type="none" w="med" len="med"/>
+                    </a:lnR>
+                    <a:lnT w="12700" cap="flat" cmpd="sng" algn="ctr">
+                      <a:solidFill>
+                        <a:srgbClr val="000000"/>
+                      </a:solidFill>
+                      <a:prstDash val="solid"/>
+                      <a:round/>
+                      <a:headEnd type="none" w="med" len="med"/>
+                      <a:tailEnd type="none" w="med" len="med"/>
+                    </a:lnT>
+                    <a:lnB w="12700" cap="flat" cmpd="sng" algn="ctr">
+                      <a:solidFill>
+                        <a:srgbClr val="000000"/>
+                      </a:solidFill>
+                      <a:prstDash val="solid"/>
+                      <a:round/>
+                      <a:headEnd type="none" w="med" len="med"/>
+                      <a:tailEnd type="none" w="med" len="med"/>
+                    </a:lnB>
+                  </a:tcPr>
+                </a:tc>
+                <a:extLst>
+                  <a:ext uri="{0D108BD9-81ED-4DB2-BD59-A6C34878D82A}">
+                    <a16:rowId xmlns:a16="http://schemas.microsoft.com/office/drawing/2014/main" val="2100008781"/>
+                  </a:ext>
+                </a:extLst>
+              </a:tr>
+              <a:tr h="720541">
+                <a:tc>
+                  <a:txBody>
+                    <a:bodyPr/>
+                    <a:lstStyle/>
+                    <a:p>
+                      <a:pPr algn="just">
+                        <a:spcAft>
+                          <a:spcPts val="0"/>
+                        </a:spcAft>
+                      </a:pPr>
+                      <a:r>
+                        <a:rPr lang="es-ES" sz="1200" b="1">
+                          <a:solidFill>
+                            <a:schemeClr val="accent1"/>
+                          </a:solidFill>
+                          <a:effectLst/>
+                          <a:latin typeface="Arial" panose="020B0604020202020204" pitchFamily="34" charset="0"/>
+                          <a:ea typeface="Arial" panose="020B0604020202020204" pitchFamily="34" charset="0"/>
+                        </a:rPr>
+                        <a:t>Nombre del requerimiento:</a:t>
+                      </a:r>
+                      <a:endParaRPr lang="en-US" sz="1000">
+                        <a:solidFill>
+                          <a:schemeClr val="accent1"/>
+                        </a:solidFill>
+                        <a:effectLst/>
+                        <a:latin typeface="Arial" panose="020B0604020202020204" pitchFamily="34" charset="0"/>
+                        <a:ea typeface="Arial" panose="020B0604020202020204" pitchFamily="34" charset="0"/>
+                      </a:endParaRPr>
+                    </a:p>
+                  </a:txBody>
+                  <a:tcPr marL="68580" marR="68580" marT="0" marB="0">
+                    <a:lnL w="12700" cap="flat" cmpd="sng" algn="ctr">
+                      <a:solidFill>
+                        <a:srgbClr val="000000"/>
+                      </a:solidFill>
+                      <a:prstDash val="solid"/>
+                      <a:round/>
+                      <a:headEnd type="none" w="med" len="med"/>
+                      <a:tailEnd type="none" w="med" len="med"/>
+                    </a:lnL>
+                    <a:lnR w="12700" cap="flat" cmpd="sng" algn="ctr">
+                      <a:solidFill>
+                        <a:srgbClr val="000000"/>
+                      </a:solidFill>
+                      <a:prstDash val="solid"/>
+                      <a:round/>
+                      <a:headEnd type="none" w="med" len="med"/>
+                      <a:tailEnd type="none" w="med" len="med"/>
+                    </a:lnR>
+                    <a:lnT w="12700" cap="flat" cmpd="sng" algn="ctr">
+                      <a:solidFill>
+                        <a:srgbClr val="000000"/>
+                      </a:solidFill>
+                      <a:prstDash val="solid"/>
+                      <a:round/>
+                      <a:headEnd type="none" w="med" len="med"/>
+                      <a:tailEnd type="none" w="med" len="med"/>
+                    </a:lnT>
+                    <a:lnB w="12700" cap="flat" cmpd="sng" algn="ctr">
+                      <a:solidFill>
+                        <a:srgbClr val="000000"/>
+                      </a:solidFill>
+                      <a:prstDash val="solid"/>
+                      <a:round/>
+                      <a:headEnd type="none" w="med" len="med"/>
+                      <a:tailEnd type="none" w="med" len="med"/>
+                    </a:lnB>
+                  </a:tcPr>
+                </a:tc>
+                <a:tc>
+                  <a:txBody>
+                    <a:bodyPr/>
+                    <a:lstStyle/>
+                    <a:p>
+                      <a:pPr algn="just">
+                        <a:spcAft>
+                          <a:spcPts val="0"/>
+                        </a:spcAft>
+                      </a:pPr>
+                      <a:r>
+                        <a:rPr lang="es-ES" sz="1200" dirty="0">
+                          <a:solidFill>
+                            <a:schemeClr val="accent1"/>
+                          </a:solidFill>
+                          <a:effectLst/>
+                          <a:latin typeface="Arial" panose="020B0604020202020204" pitchFamily="34" charset="0"/>
+                          <a:ea typeface="Arial" panose="020B0604020202020204" pitchFamily="34" charset="0"/>
+                        </a:rPr>
+                        <a:t>Control de seguridad</a:t>
+                      </a:r>
+                      <a:endParaRPr lang="en-US" sz="1000" dirty="0">
+                        <a:solidFill>
+                          <a:schemeClr val="accent1"/>
+                        </a:solidFill>
+                        <a:effectLst/>
+                        <a:latin typeface="Arial" panose="020B0604020202020204" pitchFamily="34" charset="0"/>
+                        <a:ea typeface="Arial" panose="020B0604020202020204" pitchFamily="34" charset="0"/>
+                      </a:endParaRPr>
+                    </a:p>
+                  </a:txBody>
+                  <a:tcPr marL="68580" marR="68580" marT="0" marB="0">
+                    <a:lnL w="12700" cap="flat" cmpd="sng" algn="ctr">
+                      <a:solidFill>
+                        <a:srgbClr val="000000"/>
+                      </a:solidFill>
+                      <a:prstDash val="solid"/>
+                      <a:round/>
+                      <a:headEnd type="none" w="med" len="med"/>
+                      <a:tailEnd type="none" w="med" len="med"/>
+                    </a:lnL>
+                    <a:lnR w="12700" cap="flat" cmpd="sng" algn="ctr">
+                      <a:solidFill>
+                        <a:srgbClr val="000000"/>
+                      </a:solidFill>
+                      <a:prstDash val="solid"/>
+                      <a:round/>
+                      <a:headEnd type="none" w="med" len="med"/>
+                      <a:tailEnd type="none" w="med" len="med"/>
+                    </a:lnR>
+                    <a:lnT w="12700" cap="flat" cmpd="sng" algn="ctr">
+                      <a:solidFill>
+                        <a:srgbClr val="000000"/>
+                      </a:solidFill>
+                      <a:prstDash val="solid"/>
+                      <a:round/>
+                      <a:headEnd type="none" w="med" len="med"/>
+                      <a:tailEnd type="none" w="med" len="med"/>
+                    </a:lnT>
+                    <a:lnB w="12700" cap="flat" cmpd="sng" algn="ctr">
+                      <a:solidFill>
+                        <a:srgbClr val="000000"/>
+                      </a:solidFill>
+                      <a:prstDash val="solid"/>
+                      <a:round/>
+                      <a:headEnd type="none" w="med" len="med"/>
+                      <a:tailEnd type="none" w="med" len="med"/>
+                    </a:lnB>
+                  </a:tcPr>
+                </a:tc>
+                <a:extLst>
+                  <a:ext uri="{0D108BD9-81ED-4DB2-BD59-A6C34878D82A}">
+                    <a16:rowId xmlns:a16="http://schemas.microsoft.com/office/drawing/2014/main" val="4199616649"/>
+                  </a:ext>
+                </a:extLst>
+              </a:tr>
+              <a:tr h="1080810">
+                <a:tc>
+                  <a:txBody>
+                    <a:bodyPr/>
+                    <a:lstStyle/>
+                    <a:p>
+                      <a:pPr algn="just">
+                        <a:spcAft>
+                          <a:spcPts val="0"/>
+                        </a:spcAft>
+                      </a:pPr>
+                      <a:r>
+                        <a:rPr lang="es-ES" sz="1200" b="1">
+                          <a:solidFill>
+                            <a:schemeClr val="accent1"/>
+                          </a:solidFill>
+                          <a:effectLst/>
+                          <a:latin typeface="Arial" panose="020B0604020202020204" pitchFamily="34" charset="0"/>
+                          <a:ea typeface="Arial" panose="020B0604020202020204" pitchFamily="34" charset="0"/>
+                        </a:rPr>
+                        <a:t>Características</a:t>
+                      </a:r>
+                      <a:endParaRPr lang="en-US" sz="1000">
+                        <a:solidFill>
+                          <a:schemeClr val="accent1"/>
+                        </a:solidFill>
+                        <a:effectLst/>
+                        <a:latin typeface="Arial" panose="020B0604020202020204" pitchFamily="34" charset="0"/>
+                        <a:ea typeface="Arial" panose="020B0604020202020204" pitchFamily="34" charset="0"/>
+                      </a:endParaRPr>
+                    </a:p>
+                  </a:txBody>
+                  <a:tcPr marL="68580" marR="68580" marT="0" marB="0">
+                    <a:lnL w="12700" cap="flat" cmpd="sng" algn="ctr">
+                      <a:solidFill>
+                        <a:srgbClr val="000000"/>
+                      </a:solidFill>
+                      <a:prstDash val="solid"/>
+                      <a:round/>
+                      <a:headEnd type="none" w="med" len="med"/>
+                      <a:tailEnd type="none" w="med" len="med"/>
+                    </a:lnL>
+                    <a:lnR w="12700" cap="flat" cmpd="sng" algn="ctr">
+                      <a:solidFill>
+                        <a:srgbClr val="000000"/>
+                      </a:solidFill>
+                      <a:prstDash val="solid"/>
+                      <a:round/>
+                      <a:headEnd type="none" w="med" len="med"/>
+                      <a:tailEnd type="none" w="med" len="med"/>
+                    </a:lnR>
+                    <a:lnT w="12700" cap="flat" cmpd="sng" algn="ctr">
+                      <a:solidFill>
+                        <a:srgbClr val="000000"/>
+                      </a:solidFill>
+                      <a:prstDash val="solid"/>
+                      <a:round/>
+                      <a:headEnd type="none" w="med" len="med"/>
+                      <a:tailEnd type="none" w="med" len="med"/>
+                    </a:lnT>
+                    <a:lnB w="12700" cap="flat" cmpd="sng" algn="ctr">
+                      <a:solidFill>
+                        <a:srgbClr val="000000"/>
+                      </a:solidFill>
+                      <a:prstDash val="solid"/>
+                      <a:round/>
+                      <a:headEnd type="none" w="med" len="med"/>
+                      <a:tailEnd type="none" w="med" len="med"/>
+                    </a:lnB>
+                  </a:tcPr>
+                </a:tc>
+                <a:tc>
+                  <a:txBody>
+                    <a:bodyPr/>
+                    <a:lstStyle/>
+                    <a:p>
+                      <a:pPr algn="just">
+                        <a:spcAft>
+                          <a:spcPts val="0"/>
+                        </a:spcAft>
+                        <a:tabLst>
+                          <a:tab pos="2733675" algn="l"/>
+                        </a:tabLst>
+                      </a:pPr>
+                      <a:r>
+                        <a:rPr lang="es-ES" sz="1200">
+                          <a:solidFill>
+                            <a:schemeClr val="accent1"/>
+                          </a:solidFill>
+                          <a:effectLst/>
+                          <a:latin typeface="Arial" panose="020B0604020202020204" pitchFamily="34" charset="0"/>
+                          <a:ea typeface="Arial" panose="020B0604020202020204" pitchFamily="34" charset="0"/>
+                        </a:rPr>
+                        <a:t>Se verifica por medio de contraseña que efectivamente la persona que este haciendo uso de la información de la tienda este autorizada </a:t>
+                      </a:r>
+                      <a:endParaRPr lang="en-US" sz="1000">
+                        <a:solidFill>
+                          <a:schemeClr val="accent1"/>
+                        </a:solidFill>
+                        <a:effectLst/>
+                        <a:latin typeface="Arial" panose="020B0604020202020204" pitchFamily="34" charset="0"/>
+                        <a:ea typeface="Arial" panose="020B0604020202020204" pitchFamily="34" charset="0"/>
+                      </a:endParaRPr>
+                    </a:p>
+                  </a:txBody>
+                  <a:tcPr marL="68580" marR="68580" marT="0" marB="0">
+                    <a:lnL w="12700" cap="flat" cmpd="sng" algn="ctr">
+                      <a:solidFill>
+                        <a:srgbClr val="000000"/>
+                      </a:solidFill>
+                      <a:prstDash val="solid"/>
+                      <a:round/>
+                      <a:headEnd type="none" w="med" len="med"/>
+                      <a:tailEnd type="none" w="med" len="med"/>
+                    </a:lnL>
+                    <a:lnR w="12700" cap="flat" cmpd="sng" algn="ctr">
+                      <a:solidFill>
+                        <a:srgbClr val="000000"/>
+                      </a:solidFill>
+                      <a:prstDash val="solid"/>
+                      <a:round/>
+                      <a:headEnd type="none" w="med" len="med"/>
+                      <a:tailEnd type="none" w="med" len="med"/>
+                    </a:lnR>
+                    <a:lnT w="12700" cap="flat" cmpd="sng" algn="ctr">
+                      <a:solidFill>
+                        <a:srgbClr val="000000"/>
+                      </a:solidFill>
+                      <a:prstDash val="solid"/>
+                      <a:round/>
+                      <a:headEnd type="none" w="med" len="med"/>
+                      <a:tailEnd type="none" w="med" len="med"/>
+                    </a:lnT>
+                    <a:lnB w="12700" cap="flat" cmpd="sng" algn="ctr">
+                      <a:solidFill>
+                        <a:srgbClr val="000000"/>
+                      </a:solidFill>
+                      <a:prstDash val="solid"/>
+                      <a:round/>
+                      <a:headEnd type="none" w="med" len="med"/>
+                      <a:tailEnd type="none" w="med" len="med"/>
+                    </a:lnB>
+                  </a:tcPr>
+                </a:tc>
+                <a:extLst>
+                  <a:ext uri="{0D108BD9-81ED-4DB2-BD59-A6C34878D82A}">
+                    <a16:rowId xmlns:a16="http://schemas.microsoft.com/office/drawing/2014/main" val="4244712058"/>
+                  </a:ext>
+                </a:extLst>
+              </a:tr>
+              <a:tr h="1441080">
+                <a:tc>
+                  <a:txBody>
+                    <a:bodyPr/>
+                    <a:lstStyle/>
+                    <a:p>
+                      <a:pPr algn="just">
+                        <a:spcAft>
+                          <a:spcPts val="0"/>
+                        </a:spcAft>
+                      </a:pPr>
+                      <a:r>
+                        <a:rPr lang="es-ES" sz="1200" b="1">
+                          <a:solidFill>
+                            <a:schemeClr val="accent1"/>
+                          </a:solidFill>
+                          <a:effectLst/>
+                          <a:latin typeface="Arial" panose="020B0604020202020204" pitchFamily="34" charset="0"/>
+                          <a:ea typeface="Arial" panose="020B0604020202020204" pitchFamily="34" charset="0"/>
+                        </a:rPr>
+                        <a:t>Descripción del requerimiento:</a:t>
+                      </a:r>
+                      <a:endParaRPr lang="en-US" sz="1000">
+                        <a:solidFill>
+                          <a:schemeClr val="accent1"/>
+                        </a:solidFill>
+                        <a:effectLst/>
+                        <a:latin typeface="Arial" panose="020B0604020202020204" pitchFamily="34" charset="0"/>
+                        <a:ea typeface="Arial" panose="020B0604020202020204" pitchFamily="34" charset="0"/>
+                      </a:endParaRPr>
+                    </a:p>
+                  </a:txBody>
+                  <a:tcPr marL="68580" marR="68580" marT="0" marB="0">
+                    <a:lnL w="12700" cap="flat" cmpd="sng" algn="ctr">
+                      <a:solidFill>
+                        <a:srgbClr val="000000"/>
+                      </a:solidFill>
+                      <a:prstDash val="solid"/>
+                      <a:round/>
+                      <a:headEnd type="none" w="med" len="med"/>
+                      <a:tailEnd type="none" w="med" len="med"/>
+                    </a:lnL>
+                    <a:lnR w="12700" cap="flat" cmpd="sng" algn="ctr">
+                      <a:solidFill>
+                        <a:srgbClr val="000000"/>
+                      </a:solidFill>
+                      <a:prstDash val="solid"/>
+                      <a:round/>
+                      <a:headEnd type="none" w="med" len="med"/>
+                      <a:tailEnd type="none" w="med" len="med"/>
+                    </a:lnR>
+                    <a:lnT w="12700" cap="flat" cmpd="sng" algn="ctr">
+                      <a:solidFill>
+                        <a:srgbClr val="000000"/>
+                      </a:solidFill>
+                      <a:prstDash val="solid"/>
+                      <a:round/>
+                      <a:headEnd type="none" w="med" len="med"/>
+                      <a:tailEnd type="none" w="med" len="med"/>
+                    </a:lnT>
+                    <a:lnB w="12700" cap="flat" cmpd="sng" algn="ctr">
+                      <a:solidFill>
+                        <a:srgbClr val="000000"/>
+                      </a:solidFill>
+                      <a:prstDash val="solid"/>
+                      <a:round/>
+                      <a:headEnd type="none" w="med" len="med"/>
+                      <a:tailEnd type="none" w="med" len="med"/>
+                    </a:lnB>
+                  </a:tcPr>
+                </a:tc>
+                <a:tc>
+                  <a:txBody>
+                    <a:bodyPr/>
+                    <a:lstStyle/>
+                    <a:p>
+                      <a:pPr algn="just">
+                        <a:spcAft>
+                          <a:spcPts val="0"/>
+                        </a:spcAft>
+                      </a:pPr>
+                      <a:r>
+                        <a:rPr lang="es-ES" sz="1200">
+                          <a:solidFill>
+                            <a:schemeClr val="accent1"/>
+                          </a:solidFill>
+                          <a:effectLst/>
+                          <a:latin typeface="Arial" panose="020B0604020202020204" pitchFamily="34" charset="0"/>
+                          <a:ea typeface="Arial" panose="020B0604020202020204" pitchFamily="34" charset="0"/>
+                        </a:rPr>
+                        <a:t>Al momento de inicializar el software por primera vez se pedirá una contraseña de seguridad, contraseña que será pedida por el software al empezar el día, esta podrá ser cambiada en cualquier momento.</a:t>
+                      </a:r>
+                      <a:endParaRPr lang="en-US" sz="1000">
+                        <a:solidFill>
+                          <a:schemeClr val="accent1"/>
+                        </a:solidFill>
+                        <a:effectLst/>
+                        <a:latin typeface="Arial" panose="020B0604020202020204" pitchFamily="34" charset="0"/>
+                        <a:ea typeface="Arial" panose="020B0604020202020204" pitchFamily="34" charset="0"/>
+                      </a:endParaRPr>
+                    </a:p>
+                  </a:txBody>
+                  <a:tcPr marL="68580" marR="68580" marT="0" marB="0">
+                    <a:lnL w="12700" cap="flat" cmpd="sng" algn="ctr">
+                      <a:solidFill>
+                        <a:srgbClr val="000000"/>
+                      </a:solidFill>
+                      <a:prstDash val="solid"/>
+                      <a:round/>
+                      <a:headEnd type="none" w="med" len="med"/>
+                      <a:tailEnd type="none" w="med" len="med"/>
+                    </a:lnL>
+                    <a:lnR w="12700" cap="flat" cmpd="sng" algn="ctr">
+                      <a:solidFill>
+                        <a:srgbClr val="000000"/>
+                      </a:solidFill>
+                      <a:prstDash val="solid"/>
+                      <a:round/>
+                      <a:headEnd type="none" w="med" len="med"/>
+                      <a:tailEnd type="none" w="med" len="med"/>
+                    </a:lnR>
+                    <a:lnT w="12700" cap="flat" cmpd="sng" algn="ctr">
+                      <a:solidFill>
+                        <a:srgbClr val="000000"/>
+                      </a:solidFill>
+                      <a:prstDash val="solid"/>
+                      <a:round/>
+                      <a:headEnd type="none" w="med" len="med"/>
+                      <a:tailEnd type="none" w="med" len="med"/>
+                    </a:lnT>
+                    <a:lnB w="12700" cap="flat" cmpd="sng" algn="ctr">
+                      <a:solidFill>
+                        <a:srgbClr val="000000"/>
+                      </a:solidFill>
+                      <a:prstDash val="solid"/>
+                      <a:round/>
+                      <a:headEnd type="none" w="med" len="med"/>
+                      <a:tailEnd type="none" w="med" len="med"/>
+                    </a:lnB>
+                  </a:tcPr>
+                </a:tc>
+                <a:extLst>
+                  <a:ext uri="{0D108BD9-81ED-4DB2-BD59-A6C34878D82A}">
+                    <a16:rowId xmlns:a16="http://schemas.microsoft.com/office/drawing/2014/main" val="170705225"/>
+                  </a:ext>
+                </a:extLst>
+              </a:tr>
+              <a:tr h="720541">
+                <a:tc>
+                  <a:txBody>
+                    <a:bodyPr/>
+                    <a:lstStyle/>
+                    <a:p>
+                      <a:pPr algn="just">
+                        <a:spcAft>
+                          <a:spcPts val="0"/>
+                        </a:spcAft>
+                      </a:pPr>
+                      <a:r>
+                        <a:rPr lang="es-ES" sz="1200" b="1">
+                          <a:solidFill>
+                            <a:schemeClr val="accent1"/>
+                          </a:solidFill>
+                          <a:effectLst/>
+                          <a:latin typeface="Arial" panose="020B0604020202020204" pitchFamily="34" charset="0"/>
+                          <a:ea typeface="Arial" panose="020B0604020202020204" pitchFamily="34" charset="0"/>
+                        </a:rPr>
+                        <a:t>Prioridad de requerimiento:</a:t>
+                      </a:r>
+                      <a:endParaRPr lang="en-US" sz="1000">
+                        <a:solidFill>
+                          <a:schemeClr val="accent1"/>
+                        </a:solidFill>
+                        <a:effectLst/>
+                        <a:latin typeface="Arial" panose="020B0604020202020204" pitchFamily="34" charset="0"/>
+                        <a:ea typeface="Arial" panose="020B0604020202020204" pitchFamily="34" charset="0"/>
+                      </a:endParaRPr>
+                    </a:p>
+                  </a:txBody>
+                  <a:tcPr marL="68580" marR="68580" marT="0" marB="0">
+                    <a:lnL w="12700" cap="flat" cmpd="sng" algn="ctr">
+                      <a:solidFill>
+                        <a:srgbClr val="000000"/>
+                      </a:solidFill>
+                      <a:prstDash val="solid"/>
+                      <a:round/>
+                      <a:headEnd type="none" w="med" len="med"/>
+                      <a:tailEnd type="none" w="med" len="med"/>
+                    </a:lnL>
+                    <a:lnR w="12700" cap="flat" cmpd="sng" algn="ctr">
+                      <a:solidFill>
+                        <a:srgbClr val="000000"/>
+                      </a:solidFill>
+                      <a:prstDash val="solid"/>
+                      <a:round/>
+                      <a:headEnd type="none" w="med" len="med"/>
+                      <a:tailEnd type="none" w="med" len="med"/>
+                    </a:lnR>
+                    <a:lnT w="12700" cap="flat" cmpd="sng" algn="ctr">
+                      <a:solidFill>
+                        <a:srgbClr val="000000"/>
+                      </a:solidFill>
+                      <a:prstDash val="solid"/>
+                      <a:round/>
+                      <a:headEnd type="none" w="med" len="med"/>
+                      <a:tailEnd type="none" w="med" len="med"/>
+                    </a:lnT>
+                    <a:lnB w="12700" cap="flat" cmpd="sng" algn="ctr">
+                      <a:solidFill>
+                        <a:srgbClr val="000000"/>
+                      </a:solidFill>
+                      <a:prstDash val="solid"/>
+                      <a:round/>
+                      <a:headEnd type="none" w="med" len="med"/>
+                      <a:tailEnd type="none" w="med" len="med"/>
+                    </a:lnB>
+                  </a:tcPr>
+                </a:tc>
+                <a:tc>
+                  <a:txBody>
+                    <a:bodyPr/>
+                    <a:lstStyle/>
+                    <a:p>
+                      <a:pPr algn="just">
+                        <a:spcAft>
+                          <a:spcPts val="0"/>
+                        </a:spcAft>
+                      </a:pPr>
+                      <a:r>
+                        <a:rPr lang="es-ES" sz="1200" dirty="0">
+                          <a:solidFill>
+                            <a:schemeClr val="accent1"/>
+                          </a:solidFill>
+                          <a:effectLst/>
+                          <a:latin typeface="Arial" panose="020B0604020202020204" pitchFamily="34" charset="0"/>
+                          <a:ea typeface="Arial" panose="020B0604020202020204" pitchFamily="34" charset="0"/>
+                        </a:rPr>
+                        <a:t>        Alta ( x  )         media (    )                baja(      )</a:t>
+                      </a:r>
+                      <a:endParaRPr lang="en-US" sz="1000" dirty="0">
+                        <a:solidFill>
+                          <a:schemeClr val="accent1"/>
+                        </a:solidFill>
+                        <a:effectLst/>
+                        <a:latin typeface="Arial" panose="020B0604020202020204" pitchFamily="34" charset="0"/>
+                        <a:ea typeface="Arial" panose="020B0604020202020204" pitchFamily="34" charset="0"/>
+                      </a:endParaRPr>
+                    </a:p>
+                  </a:txBody>
+                  <a:tcPr marL="68580" marR="68580" marT="0" marB="0">
+                    <a:lnL w="12700" cap="flat" cmpd="sng" algn="ctr">
+                      <a:solidFill>
+                        <a:srgbClr val="000000"/>
+                      </a:solidFill>
+                      <a:prstDash val="solid"/>
+                      <a:round/>
+                      <a:headEnd type="none" w="med" len="med"/>
+                      <a:tailEnd type="none" w="med" len="med"/>
+                    </a:lnL>
+                    <a:lnR w="12700" cap="flat" cmpd="sng" algn="ctr">
+                      <a:solidFill>
+                        <a:srgbClr val="000000"/>
+                      </a:solidFill>
+                      <a:prstDash val="solid"/>
+                      <a:round/>
+                      <a:headEnd type="none" w="med" len="med"/>
+                      <a:tailEnd type="none" w="med" len="med"/>
+                    </a:lnR>
+                    <a:lnT w="12700" cap="flat" cmpd="sng" algn="ctr">
+                      <a:solidFill>
+                        <a:srgbClr val="000000"/>
+                      </a:solidFill>
+                      <a:prstDash val="solid"/>
+                      <a:round/>
+                      <a:headEnd type="none" w="med" len="med"/>
+                      <a:tailEnd type="none" w="med" len="med"/>
+                    </a:lnT>
+                    <a:lnB w="12700" cap="flat" cmpd="sng" algn="ctr">
+                      <a:solidFill>
+                        <a:srgbClr val="000000"/>
+                      </a:solidFill>
+                      <a:prstDash val="solid"/>
+                      <a:round/>
+                      <a:headEnd type="none" w="med" len="med"/>
+                      <a:tailEnd type="none" w="med" len="med"/>
+                    </a:lnB>
+                  </a:tcPr>
+                </a:tc>
+                <a:extLst>
+                  <a:ext uri="{0D108BD9-81ED-4DB2-BD59-A6C34878D82A}">
+                    <a16:rowId xmlns:a16="http://schemas.microsoft.com/office/drawing/2014/main" val="1071320744"/>
+                  </a:ext>
+                </a:extLst>
+              </a:tr>
+            </a:tbl>
+          </a:graphicData>
+        </a:graphic>
+      </p:graphicFrame>
+    </p:spTree>
+    <p:extLst>
+      <p:ext uri="{BB962C8B-B14F-4D97-AF65-F5344CB8AC3E}">
+        <p14:creationId xmlns:p14="http://schemas.microsoft.com/office/powerpoint/2010/main" val="3648388821"/>
+      </p:ext>
+    </p:extLst>
+  </p:cSld>
+  <p:clrMapOvr>
+    <a:masterClrMapping/>
+  </p:clrMapOvr>
+</p:sld>
+</file>
+
+<file path=ppt/slides/slide23.xml><?xml version="1.0" encoding="utf-8"?>
 <p:sld xmlns:a="http://schemas.openxmlformats.org/drawingml/2006/main" xmlns:r="http://schemas.openxmlformats.org/officeDocument/2006/relationships" xmlns:p="http://schemas.openxmlformats.org/presentationml/2006/main">
   <p:cSld>
     <p:spTree>
@@ -8928,6 +16508,1919 @@
           </a:p>
         </p:txBody>
       </p:sp>
+      <p:graphicFrame>
+        <p:nvGraphicFramePr>
+          <p:cNvPr id="2" name="Tabla 1"/>
+          <p:cNvGraphicFramePr>
+            <a:graphicFrameLocks noGrp="1"/>
+          </p:cNvGraphicFramePr>
+          <p:nvPr>
+            <p:extLst>
+              <p:ext uri="{D42A27DB-BD31-4B8C-83A1-F6EECF244321}">
+                <p14:modId xmlns:p14="http://schemas.microsoft.com/office/powerpoint/2010/main" val="2019613451"/>
+              </p:ext>
+            </p:extLst>
+          </p:nvPr>
+        </p:nvGraphicFramePr>
+        <p:xfrm>
+          <a:off x="1817370" y="1211578"/>
+          <a:ext cx="8858250" cy="4914902"/>
+        </p:xfrm>
+        <a:graphic>
+          <a:graphicData uri="http://schemas.openxmlformats.org/drawingml/2006/table">
+            <a:tbl>
+              <a:tblPr/>
+              <a:tblGrid>
+                <a:gridCol w="2284426">
+                  <a:extLst>
+                    <a:ext uri="{9D8B030D-6E8A-4147-A177-3AD203B41FA5}">
+                      <a16:colId xmlns:a16="http://schemas.microsoft.com/office/drawing/2014/main" val="4232483187"/>
+                    </a:ext>
+                  </a:extLst>
+                </a:gridCol>
+                <a:gridCol w="6573824">
+                  <a:extLst>
+                    <a:ext uri="{9D8B030D-6E8A-4147-A177-3AD203B41FA5}">
+                      <a16:colId xmlns:a16="http://schemas.microsoft.com/office/drawing/2014/main" val="3854799697"/>
+                    </a:ext>
+                  </a:extLst>
+                </a:gridCol>
+              </a:tblGrid>
+              <a:tr h="1024976">
+                <a:tc>
+                  <a:txBody>
+                    <a:bodyPr/>
+                    <a:lstStyle/>
+                    <a:p>
+                      <a:pPr algn="just">
+                        <a:spcAft>
+                          <a:spcPts val="0"/>
+                        </a:spcAft>
+                      </a:pPr>
+                      <a:r>
+                        <a:rPr lang="es-ES" sz="1200" b="1">
+                          <a:solidFill>
+                            <a:schemeClr val="accent1"/>
+                          </a:solidFill>
+                          <a:effectLst/>
+                          <a:latin typeface="Arial" panose="020B0604020202020204" pitchFamily="34" charset="0"/>
+                          <a:ea typeface="Arial" panose="020B0604020202020204" pitchFamily="34" charset="0"/>
+                        </a:rPr>
+                        <a:t>Identificación del requerimiento:</a:t>
+                      </a:r>
+                      <a:endParaRPr lang="en-US" sz="1000">
+                        <a:solidFill>
+                          <a:schemeClr val="accent1"/>
+                        </a:solidFill>
+                        <a:effectLst/>
+                        <a:latin typeface="Arial" panose="020B0604020202020204" pitchFamily="34" charset="0"/>
+                        <a:ea typeface="Arial" panose="020B0604020202020204" pitchFamily="34" charset="0"/>
+                      </a:endParaRPr>
+                    </a:p>
+                  </a:txBody>
+                  <a:tcPr marL="68580" marR="68580" marT="0" marB="0">
+                    <a:lnL w="12700" cap="flat" cmpd="sng" algn="ctr">
+                      <a:solidFill>
+                        <a:srgbClr val="000000"/>
+                      </a:solidFill>
+                      <a:prstDash val="solid"/>
+                      <a:round/>
+                      <a:headEnd type="none" w="med" len="med"/>
+                      <a:tailEnd type="none" w="med" len="med"/>
+                    </a:lnL>
+                    <a:lnR w="12700" cap="flat" cmpd="sng" algn="ctr">
+                      <a:solidFill>
+                        <a:srgbClr val="000000"/>
+                      </a:solidFill>
+                      <a:prstDash val="solid"/>
+                      <a:round/>
+                      <a:headEnd type="none" w="med" len="med"/>
+                      <a:tailEnd type="none" w="med" len="med"/>
+                    </a:lnR>
+                    <a:lnT w="12700" cap="flat" cmpd="sng" algn="ctr">
+                      <a:solidFill>
+                        <a:srgbClr val="000000"/>
+                      </a:solidFill>
+                      <a:prstDash val="solid"/>
+                      <a:round/>
+                      <a:headEnd type="none" w="med" len="med"/>
+                      <a:tailEnd type="none" w="med" len="med"/>
+                    </a:lnT>
+                    <a:lnB w="12700" cap="flat" cmpd="sng" algn="ctr">
+                      <a:solidFill>
+                        <a:srgbClr val="000000"/>
+                      </a:solidFill>
+                      <a:prstDash val="solid"/>
+                      <a:round/>
+                      <a:headEnd type="none" w="med" len="med"/>
+                      <a:tailEnd type="none" w="med" len="med"/>
+                    </a:lnB>
+                  </a:tcPr>
+                </a:tc>
+                <a:tc>
+                  <a:txBody>
+                    <a:bodyPr/>
+                    <a:lstStyle/>
+                    <a:p>
+                      <a:pPr algn="just">
+                        <a:spcAft>
+                          <a:spcPts val="0"/>
+                        </a:spcAft>
+                      </a:pPr>
+                      <a:r>
+                        <a:rPr lang="es-ES" sz="1200" b="1">
+                          <a:solidFill>
+                            <a:schemeClr val="accent1"/>
+                          </a:solidFill>
+                          <a:effectLst/>
+                          <a:latin typeface="Arial" panose="020B0604020202020204" pitchFamily="34" charset="0"/>
+                          <a:ea typeface="Arial" panose="020B0604020202020204" pitchFamily="34" charset="0"/>
+                        </a:rPr>
+                        <a:t>Requerimiento F2</a:t>
+                      </a:r>
+                      <a:endParaRPr lang="en-US" sz="1000">
+                        <a:solidFill>
+                          <a:schemeClr val="accent1"/>
+                        </a:solidFill>
+                        <a:effectLst/>
+                        <a:latin typeface="Arial" panose="020B0604020202020204" pitchFamily="34" charset="0"/>
+                        <a:ea typeface="Arial" panose="020B0604020202020204" pitchFamily="34" charset="0"/>
+                      </a:endParaRPr>
+                    </a:p>
+                  </a:txBody>
+                  <a:tcPr marL="68580" marR="68580" marT="0" marB="0">
+                    <a:lnL w="12700" cap="flat" cmpd="sng" algn="ctr">
+                      <a:solidFill>
+                        <a:srgbClr val="000000"/>
+                      </a:solidFill>
+                      <a:prstDash val="solid"/>
+                      <a:round/>
+                      <a:headEnd type="none" w="med" len="med"/>
+                      <a:tailEnd type="none" w="med" len="med"/>
+                    </a:lnL>
+                    <a:lnR w="12700" cap="flat" cmpd="sng" algn="ctr">
+                      <a:solidFill>
+                        <a:srgbClr val="000000"/>
+                      </a:solidFill>
+                      <a:prstDash val="solid"/>
+                      <a:round/>
+                      <a:headEnd type="none" w="med" len="med"/>
+                      <a:tailEnd type="none" w="med" len="med"/>
+                    </a:lnR>
+                    <a:lnT w="12700" cap="flat" cmpd="sng" algn="ctr">
+                      <a:solidFill>
+                        <a:srgbClr val="000000"/>
+                      </a:solidFill>
+                      <a:prstDash val="solid"/>
+                      <a:round/>
+                      <a:headEnd type="none" w="med" len="med"/>
+                      <a:tailEnd type="none" w="med" len="med"/>
+                    </a:lnT>
+                    <a:lnB w="12700" cap="flat" cmpd="sng" algn="ctr">
+                      <a:solidFill>
+                        <a:srgbClr val="000000"/>
+                      </a:solidFill>
+                      <a:prstDash val="solid"/>
+                      <a:round/>
+                      <a:headEnd type="none" w="med" len="med"/>
+                      <a:tailEnd type="none" w="med" len="med"/>
+                    </a:lnB>
+                  </a:tcPr>
+                </a:tc>
+                <a:extLst>
+                  <a:ext uri="{0D108BD9-81ED-4DB2-BD59-A6C34878D82A}">
+                    <a16:rowId xmlns:a16="http://schemas.microsoft.com/office/drawing/2014/main" val="95668458"/>
+                  </a:ext>
+                </a:extLst>
+              </a:tr>
+              <a:tr h="1024976">
+                <a:tc>
+                  <a:txBody>
+                    <a:bodyPr/>
+                    <a:lstStyle/>
+                    <a:p>
+                      <a:pPr algn="just">
+                        <a:spcAft>
+                          <a:spcPts val="0"/>
+                        </a:spcAft>
+                      </a:pPr>
+                      <a:r>
+                        <a:rPr lang="es-ES" sz="1200" b="1">
+                          <a:solidFill>
+                            <a:schemeClr val="accent1"/>
+                          </a:solidFill>
+                          <a:effectLst/>
+                          <a:latin typeface="Arial" panose="020B0604020202020204" pitchFamily="34" charset="0"/>
+                          <a:ea typeface="Arial" panose="020B0604020202020204" pitchFamily="34" charset="0"/>
+                        </a:rPr>
+                        <a:t>Nombre del requerimiento:</a:t>
+                      </a:r>
+                      <a:endParaRPr lang="en-US" sz="1000">
+                        <a:solidFill>
+                          <a:schemeClr val="accent1"/>
+                        </a:solidFill>
+                        <a:effectLst/>
+                        <a:latin typeface="Arial" panose="020B0604020202020204" pitchFamily="34" charset="0"/>
+                        <a:ea typeface="Arial" panose="020B0604020202020204" pitchFamily="34" charset="0"/>
+                      </a:endParaRPr>
+                    </a:p>
+                  </a:txBody>
+                  <a:tcPr marL="68580" marR="68580" marT="0" marB="0">
+                    <a:lnL w="12700" cap="flat" cmpd="sng" algn="ctr">
+                      <a:solidFill>
+                        <a:srgbClr val="000000"/>
+                      </a:solidFill>
+                      <a:prstDash val="solid"/>
+                      <a:round/>
+                      <a:headEnd type="none" w="med" len="med"/>
+                      <a:tailEnd type="none" w="med" len="med"/>
+                    </a:lnL>
+                    <a:lnR w="12700" cap="flat" cmpd="sng" algn="ctr">
+                      <a:solidFill>
+                        <a:srgbClr val="000000"/>
+                      </a:solidFill>
+                      <a:prstDash val="solid"/>
+                      <a:round/>
+                      <a:headEnd type="none" w="med" len="med"/>
+                      <a:tailEnd type="none" w="med" len="med"/>
+                    </a:lnR>
+                    <a:lnT w="12700" cap="flat" cmpd="sng" algn="ctr">
+                      <a:solidFill>
+                        <a:srgbClr val="000000"/>
+                      </a:solidFill>
+                      <a:prstDash val="solid"/>
+                      <a:round/>
+                      <a:headEnd type="none" w="med" len="med"/>
+                      <a:tailEnd type="none" w="med" len="med"/>
+                    </a:lnT>
+                    <a:lnB w="12700" cap="flat" cmpd="sng" algn="ctr">
+                      <a:solidFill>
+                        <a:srgbClr val="000000"/>
+                      </a:solidFill>
+                      <a:prstDash val="solid"/>
+                      <a:round/>
+                      <a:headEnd type="none" w="med" len="med"/>
+                      <a:tailEnd type="none" w="med" len="med"/>
+                    </a:lnB>
+                  </a:tcPr>
+                </a:tc>
+                <a:tc>
+                  <a:txBody>
+                    <a:bodyPr/>
+                    <a:lstStyle/>
+                    <a:p>
+                      <a:pPr algn="just">
+                        <a:spcAft>
+                          <a:spcPts val="0"/>
+                        </a:spcAft>
+                      </a:pPr>
+                      <a:r>
+                        <a:rPr lang="es-ES" sz="1200" dirty="0">
+                          <a:solidFill>
+                            <a:schemeClr val="accent1"/>
+                          </a:solidFill>
+                          <a:effectLst/>
+                          <a:latin typeface="Arial" panose="020B0604020202020204" pitchFamily="34" charset="0"/>
+                          <a:ea typeface="Arial" panose="020B0604020202020204" pitchFamily="34" charset="0"/>
+                        </a:rPr>
+                        <a:t>Interfaz sencilla </a:t>
+                      </a:r>
+                      <a:endParaRPr lang="en-US" sz="1000" dirty="0">
+                        <a:solidFill>
+                          <a:schemeClr val="accent1"/>
+                        </a:solidFill>
+                        <a:effectLst/>
+                        <a:latin typeface="Arial" panose="020B0604020202020204" pitchFamily="34" charset="0"/>
+                        <a:ea typeface="Arial" panose="020B0604020202020204" pitchFamily="34" charset="0"/>
+                      </a:endParaRPr>
+                    </a:p>
+                  </a:txBody>
+                  <a:tcPr marL="68580" marR="68580" marT="0" marB="0">
+                    <a:lnL w="12700" cap="flat" cmpd="sng" algn="ctr">
+                      <a:solidFill>
+                        <a:srgbClr val="000000"/>
+                      </a:solidFill>
+                      <a:prstDash val="solid"/>
+                      <a:round/>
+                      <a:headEnd type="none" w="med" len="med"/>
+                      <a:tailEnd type="none" w="med" len="med"/>
+                    </a:lnL>
+                    <a:lnR w="12700" cap="flat" cmpd="sng" algn="ctr">
+                      <a:solidFill>
+                        <a:srgbClr val="000000"/>
+                      </a:solidFill>
+                      <a:prstDash val="solid"/>
+                      <a:round/>
+                      <a:headEnd type="none" w="med" len="med"/>
+                      <a:tailEnd type="none" w="med" len="med"/>
+                    </a:lnR>
+                    <a:lnT w="12700" cap="flat" cmpd="sng" algn="ctr">
+                      <a:solidFill>
+                        <a:srgbClr val="000000"/>
+                      </a:solidFill>
+                      <a:prstDash val="solid"/>
+                      <a:round/>
+                      <a:headEnd type="none" w="med" len="med"/>
+                      <a:tailEnd type="none" w="med" len="med"/>
+                    </a:lnT>
+                    <a:lnB w="12700" cap="flat" cmpd="sng" algn="ctr">
+                      <a:solidFill>
+                        <a:srgbClr val="000000"/>
+                      </a:solidFill>
+                      <a:prstDash val="solid"/>
+                      <a:round/>
+                      <a:headEnd type="none" w="med" len="med"/>
+                      <a:tailEnd type="none" w="med" len="med"/>
+                    </a:lnB>
+                  </a:tcPr>
+                </a:tc>
+                <a:extLst>
+                  <a:ext uri="{0D108BD9-81ED-4DB2-BD59-A6C34878D82A}">
+                    <a16:rowId xmlns:a16="http://schemas.microsoft.com/office/drawing/2014/main" val="1469889290"/>
+                  </a:ext>
+                </a:extLst>
+              </a:tr>
+              <a:tr h="814998">
+                <a:tc>
+                  <a:txBody>
+                    <a:bodyPr/>
+                    <a:lstStyle/>
+                    <a:p>
+                      <a:pPr algn="just">
+                        <a:spcAft>
+                          <a:spcPts val="0"/>
+                        </a:spcAft>
+                      </a:pPr>
+                      <a:r>
+                        <a:rPr lang="es-ES" sz="1200" b="1">
+                          <a:solidFill>
+                            <a:schemeClr val="accent1"/>
+                          </a:solidFill>
+                          <a:effectLst/>
+                          <a:latin typeface="Arial" panose="020B0604020202020204" pitchFamily="34" charset="0"/>
+                          <a:ea typeface="Arial" panose="020B0604020202020204" pitchFamily="34" charset="0"/>
+                        </a:rPr>
+                        <a:t>Características</a:t>
+                      </a:r>
+                      <a:endParaRPr lang="en-US" sz="1000">
+                        <a:solidFill>
+                          <a:schemeClr val="accent1"/>
+                        </a:solidFill>
+                        <a:effectLst/>
+                        <a:latin typeface="Arial" panose="020B0604020202020204" pitchFamily="34" charset="0"/>
+                        <a:ea typeface="Arial" panose="020B0604020202020204" pitchFamily="34" charset="0"/>
+                      </a:endParaRPr>
+                    </a:p>
+                  </a:txBody>
+                  <a:tcPr marL="68580" marR="68580" marT="0" marB="0">
+                    <a:lnL w="12700" cap="flat" cmpd="sng" algn="ctr">
+                      <a:solidFill>
+                        <a:srgbClr val="000000"/>
+                      </a:solidFill>
+                      <a:prstDash val="solid"/>
+                      <a:round/>
+                      <a:headEnd type="none" w="med" len="med"/>
+                      <a:tailEnd type="none" w="med" len="med"/>
+                    </a:lnL>
+                    <a:lnR w="12700" cap="flat" cmpd="sng" algn="ctr">
+                      <a:solidFill>
+                        <a:srgbClr val="000000"/>
+                      </a:solidFill>
+                      <a:prstDash val="solid"/>
+                      <a:round/>
+                      <a:headEnd type="none" w="med" len="med"/>
+                      <a:tailEnd type="none" w="med" len="med"/>
+                    </a:lnR>
+                    <a:lnT w="12700" cap="flat" cmpd="sng" algn="ctr">
+                      <a:solidFill>
+                        <a:srgbClr val="000000"/>
+                      </a:solidFill>
+                      <a:prstDash val="solid"/>
+                      <a:round/>
+                      <a:headEnd type="none" w="med" len="med"/>
+                      <a:tailEnd type="none" w="med" len="med"/>
+                    </a:lnT>
+                    <a:lnB w="12700" cap="flat" cmpd="sng" algn="ctr">
+                      <a:solidFill>
+                        <a:srgbClr val="000000"/>
+                      </a:solidFill>
+                      <a:prstDash val="solid"/>
+                      <a:round/>
+                      <a:headEnd type="none" w="med" len="med"/>
+                      <a:tailEnd type="none" w="med" len="med"/>
+                    </a:lnB>
+                  </a:tcPr>
+                </a:tc>
+                <a:tc>
+                  <a:txBody>
+                    <a:bodyPr/>
+                    <a:lstStyle/>
+                    <a:p>
+                      <a:pPr algn="just">
+                        <a:spcAft>
+                          <a:spcPts val="0"/>
+                        </a:spcAft>
+                        <a:tabLst>
+                          <a:tab pos="2733675" algn="l"/>
+                        </a:tabLst>
+                      </a:pPr>
+                      <a:r>
+                        <a:rPr lang="es-ES" sz="1200">
+                          <a:solidFill>
+                            <a:schemeClr val="accent1"/>
+                          </a:solidFill>
+                          <a:effectLst/>
+                          <a:latin typeface="Arial" panose="020B0604020202020204" pitchFamily="34" charset="0"/>
+                          <a:ea typeface="Arial" panose="020B0604020202020204" pitchFamily="34" charset="0"/>
+                        </a:rPr>
+                        <a:t>Plataforma intuitiva </a:t>
+                      </a:r>
+                      <a:endParaRPr lang="en-US" sz="1000">
+                        <a:solidFill>
+                          <a:schemeClr val="accent1"/>
+                        </a:solidFill>
+                        <a:effectLst/>
+                        <a:latin typeface="Arial" panose="020B0604020202020204" pitchFamily="34" charset="0"/>
+                        <a:ea typeface="Arial" panose="020B0604020202020204" pitchFamily="34" charset="0"/>
+                      </a:endParaRPr>
+                    </a:p>
+                  </a:txBody>
+                  <a:tcPr marL="68580" marR="68580" marT="0" marB="0">
+                    <a:lnL w="12700" cap="flat" cmpd="sng" algn="ctr">
+                      <a:solidFill>
+                        <a:srgbClr val="000000"/>
+                      </a:solidFill>
+                      <a:prstDash val="solid"/>
+                      <a:round/>
+                      <a:headEnd type="none" w="med" len="med"/>
+                      <a:tailEnd type="none" w="med" len="med"/>
+                    </a:lnL>
+                    <a:lnR w="12700" cap="flat" cmpd="sng" algn="ctr">
+                      <a:solidFill>
+                        <a:srgbClr val="000000"/>
+                      </a:solidFill>
+                      <a:prstDash val="solid"/>
+                      <a:round/>
+                      <a:headEnd type="none" w="med" len="med"/>
+                      <a:tailEnd type="none" w="med" len="med"/>
+                    </a:lnR>
+                    <a:lnT w="12700" cap="flat" cmpd="sng" algn="ctr">
+                      <a:solidFill>
+                        <a:srgbClr val="000000"/>
+                      </a:solidFill>
+                      <a:prstDash val="solid"/>
+                      <a:round/>
+                      <a:headEnd type="none" w="med" len="med"/>
+                      <a:tailEnd type="none" w="med" len="med"/>
+                    </a:lnT>
+                    <a:lnB w="12700" cap="flat" cmpd="sng" algn="ctr">
+                      <a:solidFill>
+                        <a:srgbClr val="000000"/>
+                      </a:solidFill>
+                      <a:prstDash val="solid"/>
+                      <a:round/>
+                      <a:headEnd type="none" w="med" len="med"/>
+                      <a:tailEnd type="none" w="med" len="med"/>
+                    </a:lnB>
+                  </a:tcPr>
+                </a:tc>
+                <a:extLst>
+                  <a:ext uri="{0D108BD9-81ED-4DB2-BD59-A6C34878D82A}">
+                    <a16:rowId xmlns:a16="http://schemas.microsoft.com/office/drawing/2014/main" val="143677516"/>
+                  </a:ext>
+                </a:extLst>
+              </a:tr>
+              <a:tr h="1024976">
+                <a:tc>
+                  <a:txBody>
+                    <a:bodyPr/>
+                    <a:lstStyle/>
+                    <a:p>
+                      <a:pPr algn="just">
+                        <a:spcAft>
+                          <a:spcPts val="0"/>
+                        </a:spcAft>
+                      </a:pPr>
+                      <a:r>
+                        <a:rPr lang="es-ES" sz="1200" b="1">
+                          <a:solidFill>
+                            <a:schemeClr val="accent1"/>
+                          </a:solidFill>
+                          <a:effectLst/>
+                          <a:latin typeface="Arial" panose="020B0604020202020204" pitchFamily="34" charset="0"/>
+                          <a:ea typeface="Arial" panose="020B0604020202020204" pitchFamily="34" charset="0"/>
+                        </a:rPr>
+                        <a:t>Descripción del requerimiento:</a:t>
+                      </a:r>
+                      <a:endParaRPr lang="en-US" sz="1000">
+                        <a:solidFill>
+                          <a:schemeClr val="accent1"/>
+                        </a:solidFill>
+                        <a:effectLst/>
+                        <a:latin typeface="Arial" panose="020B0604020202020204" pitchFamily="34" charset="0"/>
+                        <a:ea typeface="Arial" panose="020B0604020202020204" pitchFamily="34" charset="0"/>
+                      </a:endParaRPr>
+                    </a:p>
+                  </a:txBody>
+                  <a:tcPr marL="68580" marR="68580" marT="0" marB="0">
+                    <a:lnL w="12700" cap="flat" cmpd="sng" algn="ctr">
+                      <a:solidFill>
+                        <a:srgbClr val="000000"/>
+                      </a:solidFill>
+                      <a:prstDash val="solid"/>
+                      <a:round/>
+                      <a:headEnd type="none" w="med" len="med"/>
+                      <a:tailEnd type="none" w="med" len="med"/>
+                    </a:lnL>
+                    <a:lnR w="12700" cap="flat" cmpd="sng" algn="ctr">
+                      <a:solidFill>
+                        <a:srgbClr val="000000"/>
+                      </a:solidFill>
+                      <a:prstDash val="solid"/>
+                      <a:round/>
+                      <a:headEnd type="none" w="med" len="med"/>
+                      <a:tailEnd type="none" w="med" len="med"/>
+                    </a:lnR>
+                    <a:lnT w="12700" cap="flat" cmpd="sng" algn="ctr">
+                      <a:solidFill>
+                        <a:srgbClr val="000000"/>
+                      </a:solidFill>
+                      <a:prstDash val="solid"/>
+                      <a:round/>
+                      <a:headEnd type="none" w="med" len="med"/>
+                      <a:tailEnd type="none" w="med" len="med"/>
+                    </a:lnT>
+                    <a:lnB w="12700" cap="flat" cmpd="sng" algn="ctr">
+                      <a:solidFill>
+                        <a:srgbClr val="000000"/>
+                      </a:solidFill>
+                      <a:prstDash val="solid"/>
+                      <a:round/>
+                      <a:headEnd type="none" w="med" len="med"/>
+                      <a:tailEnd type="none" w="med" len="med"/>
+                    </a:lnB>
+                  </a:tcPr>
+                </a:tc>
+                <a:tc>
+                  <a:txBody>
+                    <a:bodyPr/>
+                    <a:lstStyle/>
+                    <a:p>
+                      <a:pPr algn="just">
+                        <a:spcAft>
+                          <a:spcPts val="0"/>
+                        </a:spcAft>
+                      </a:pPr>
+                      <a:r>
+                        <a:rPr lang="es-ES" sz="1200">
+                          <a:solidFill>
+                            <a:schemeClr val="accent1"/>
+                          </a:solidFill>
+                          <a:effectLst/>
+                          <a:latin typeface="Arial" panose="020B0604020202020204" pitchFamily="34" charset="0"/>
+                          <a:ea typeface="Arial" panose="020B0604020202020204" pitchFamily="34" charset="0"/>
+                        </a:rPr>
+                        <a:t>La interfaz del sistema será sencilla, clara y concisa generando una experiencia agradable al vendedor. </a:t>
+                      </a:r>
+                      <a:endParaRPr lang="en-US" sz="1000">
+                        <a:solidFill>
+                          <a:schemeClr val="accent1"/>
+                        </a:solidFill>
+                        <a:effectLst/>
+                        <a:latin typeface="Arial" panose="020B0604020202020204" pitchFamily="34" charset="0"/>
+                        <a:ea typeface="Arial" panose="020B0604020202020204" pitchFamily="34" charset="0"/>
+                      </a:endParaRPr>
+                    </a:p>
+                  </a:txBody>
+                  <a:tcPr marL="68580" marR="68580" marT="0" marB="0">
+                    <a:lnL w="12700" cap="flat" cmpd="sng" algn="ctr">
+                      <a:solidFill>
+                        <a:srgbClr val="000000"/>
+                      </a:solidFill>
+                      <a:prstDash val="solid"/>
+                      <a:round/>
+                      <a:headEnd type="none" w="med" len="med"/>
+                      <a:tailEnd type="none" w="med" len="med"/>
+                    </a:lnL>
+                    <a:lnR w="12700" cap="flat" cmpd="sng" algn="ctr">
+                      <a:solidFill>
+                        <a:srgbClr val="000000"/>
+                      </a:solidFill>
+                      <a:prstDash val="solid"/>
+                      <a:round/>
+                      <a:headEnd type="none" w="med" len="med"/>
+                      <a:tailEnd type="none" w="med" len="med"/>
+                    </a:lnR>
+                    <a:lnT w="12700" cap="flat" cmpd="sng" algn="ctr">
+                      <a:solidFill>
+                        <a:srgbClr val="000000"/>
+                      </a:solidFill>
+                      <a:prstDash val="solid"/>
+                      <a:round/>
+                      <a:headEnd type="none" w="med" len="med"/>
+                      <a:tailEnd type="none" w="med" len="med"/>
+                    </a:lnT>
+                    <a:lnB w="12700" cap="flat" cmpd="sng" algn="ctr">
+                      <a:solidFill>
+                        <a:srgbClr val="000000"/>
+                      </a:solidFill>
+                      <a:prstDash val="solid"/>
+                      <a:round/>
+                      <a:headEnd type="none" w="med" len="med"/>
+                      <a:tailEnd type="none" w="med" len="med"/>
+                    </a:lnB>
+                  </a:tcPr>
+                </a:tc>
+                <a:extLst>
+                  <a:ext uri="{0D108BD9-81ED-4DB2-BD59-A6C34878D82A}">
+                    <a16:rowId xmlns:a16="http://schemas.microsoft.com/office/drawing/2014/main" val="3539561149"/>
+                  </a:ext>
+                </a:extLst>
+              </a:tr>
+              <a:tr h="1024976">
+                <a:tc>
+                  <a:txBody>
+                    <a:bodyPr/>
+                    <a:lstStyle/>
+                    <a:p>
+                      <a:pPr algn="just">
+                        <a:spcAft>
+                          <a:spcPts val="0"/>
+                        </a:spcAft>
+                      </a:pPr>
+                      <a:r>
+                        <a:rPr lang="es-ES" sz="1200" b="1">
+                          <a:solidFill>
+                            <a:schemeClr val="accent1"/>
+                          </a:solidFill>
+                          <a:effectLst/>
+                          <a:latin typeface="Arial" panose="020B0604020202020204" pitchFamily="34" charset="0"/>
+                          <a:ea typeface="Arial" panose="020B0604020202020204" pitchFamily="34" charset="0"/>
+                        </a:rPr>
+                        <a:t>Prioridad de requerimiento:</a:t>
+                      </a:r>
+                      <a:endParaRPr lang="en-US" sz="1000">
+                        <a:solidFill>
+                          <a:schemeClr val="accent1"/>
+                        </a:solidFill>
+                        <a:effectLst/>
+                        <a:latin typeface="Arial" panose="020B0604020202020204" pitchFamily="34" charset="0"/>
+                        <a:ea typeface="Arial" panose="020B0604020202020204" pitchFamily="34" charset="0"/>
+                      </a:endParaRPr>
+                    </a:p>
+                  </a:txBody>
+                  <a:tcPr marL="68580" marR="68580" marT="0" marB="0">
+                    <a:lnL w="12700" cap="flat" cmpd="sng" algn="ctr">
+                      <a:solidFill>
+                        <a:srgbClr val="000000"/>
+                      </a:solidFill>
+                      <a:prstDash val="solid"/>
+                      <a:round/>
+                      <a:headEnd type="none" w="med" len="med"/>
+                      <a:tailEnd type="none" w="med" len="med"/>
+                    </a:lnL>
+                    <a:lnR w="12700" cap="flat" cmpd="sng" algn="ctr">
+                      <a:solidFill>
+                        <a:srgbClr val="000000"/>
+                      </a:solidFill>
+                      <a:prstDash val="solid"/>
+                      <a:round/>
+                      <a:headEnd type="none" w="med" len="med"/>
+                      <a:tailEnd type="none" w="med" len="med"/>
+                    </a:lnR>
+                    <a:lnT w="12700" cap="flat" cmpd="sng" algn="ctr">
+                      <a:solidFill>
+                        <a:srgbClr val="000000"/>
+                      </a:solidFill>
+                      <a:prstDash val="solid"/>
+                      <a:round/>
+                      <a:headEnd type="none" w="med" len="med"/>
+                      <a:tailEnd type="none" w="med" len="med"/>
+                    </a:lnT>
+                    <a:lnB w="12700" cap="flat" cmpd="sng" algn="ctr">
+                      <a:solidFill>
+                        <a:srgbClr val="000000"/>
+                      </a:solidFill>
+                      <a:prstDash val="solid"/>
+                      <a:round/>
+                      <a:headEnd type="none" w="med" len="med"/>
+                      <a:tailEnd type="none" w="med" len="med"/>
+                    </a:lnB>
+                  </a:tcPr>
+                </a:tc>
+                <a:tc>
+                  <a:txBody>
+                    <a:bodyPr/>
+                    <a:lstStyle/>
+                    <a:p>
+                      <a:pPr algn="just">
+                        <a:spcAft>
+                          <a:spcPts val="0"/>
+                        </a:spcAft>
+                      </a:pPr>
+                      <a:r>
+                        <a:rPr lang="es-ES" sz="1200" dirty="0">
+                          <a:solidFill>
+                            <a:schemeClr val="accent1"/>
+                          </a:solidFill>
+                          <a:effectLst/>
+                          <a:latin typeface="Arial" panose="020B0604020202020204" pitchFamily="34" charset="0"/>
+                          <a:ea typeface="Arial" panose="020B0604020202020204" pitchFamily="34" charset="0"/>
+                        </a:rPr>
+                        <a:t>        Alta ( x  )         media (    )                baja(      )</a:t>
+                      </a:r>
+                      <a:endParaRPr lang="en-US" sz="1000" dirty="0">
+                        <a:solidFill>
+                          <a:schemeClr val="accent1"/>
+                        </a:solidFill>
+                        <a:effectLst/>
+                        <a:latin typeface="Arial" panose="020B0604020202020204" pitchFamily="34" charset="0"/>
+                        <a:ea typeface="Arial" panose="020B0604020202020204" pitchFamily="34" charset="0"/>
+                      </a:endParaRPr>
+                    </a:p>
+                  </a:txBody>
+                  <a:tcPr marL="68580" marR="68580" marT="0" marB="0">
+                    <a:lnL w="12700" cap="flat" cmpd="sng" algn="ctr">
+                      <a:solidFill>
+                        <a:srgbClr val="000000"/>
+                      </a:solidFill>
+                      <a:prstDash val="solid"/>
+                      <a:round/>
+                      <a:headEnd type="none" w="med" len="med"/>
+                      <a:tailEnd type="none" w="med" len="med"/>
+                    </a:lnL>
+                    <a:lnR w="12700" cap="flat" cmpd="sng" algn="ctr">
+                      <a:solidFill>
+                        <a:srgbClr val="000000"/>
+                      </a:solidFill>
+                      <a:prstDash val="solid"/>
+                      <a:round/>
+                      <a:headEnd type="none" w="med" len="med"/>
+                      <a:tailEnd type="none" w="med" len="med"/>
+                    </a:lnR>
+                    <a:lnT w="12700" cap="flat" cmpd="sng" algn="ctr">
+                      <a:solidFill>
+                        <a:srgbClr val="000000"/>
+                      </a:solidFill>
+                      <a:prstDash val="solid"/>
+                      <a:round/>
+                      <a:headEnd type="none" w="med" len="med"/>
+                      <a:tailEnd type="none" w="med" len="med"/>
+                    </a:lnT>
+                    <a:lnB w="12700" cap="flat" cmpd="sng" algn="ctr">
+                      <a:solidFill>
+                        <a:srgbClr val="000000"/>
+                      </a:solidFill>
+                      <a:prstDash val="solid"/>
+                      <a:round/>
+                      <a:headEnd type="none" w="med" len="med"/>
+                      <a:tailEnd type="none" w="med" len="med"/>
+                    </a:lnB>
+                  </a:tcPr>
+                </a:tc>
+                <a:extLst>
+                  <a:ext uri="{0D108BD9-81ED-4DB2-BD59-A6C34878D82A}">
+                    <a16:rowId xmlns:a16="http://schemas.microsoft.com/office/drawing/2014/main" val="570250974"/>
+                  </a:ext>
+                </a:extLst>
+              </a:tr>
+            </a:tbl>
+          </a:graphicData>
+        </a:graphic>
+      </p:graphicFrame>
+    </p:spTree>
+    <p:extLst>
+      <p:ext uri="{BB962C8B-B14F-4D97-AF65-F5344CB8AC3E}">
+        <p14:creationId xmlns:p14="http://schemas.microsoft.com/office/powerpoint/2010/main" val="2974836131"/>
+      </p:ext>
+    </p:extLst>
+  </p:cSld>
+  <p:clrMapOvr>
+    <a:masterClrMapping/>
+  </p:clrMapOvr>
+</p:sld>
+</file>
+
+<file path=ppt/slides/slide24.xml><?xml version="1.0" encoding="utf-8"?>
+<p:sld xmlns:a="http://schemas.openxmlformats.org/drawingml/2006/main" xmlns:r="http://schemas.openxmlformats.org/officeDocument/2006/relationships" xmlns:p="http://schemas.openxmlformats.org/presentationml/2006/main">
+  <p:cSld>
+    <p:spTree>
+      <p:nvGrpSpPr>
+        <p:cNvPr id="1" name=""/>
+        <p:cNvGrpSpPr/>
+        <p:nvPr/>
+      </p:nvGrpSpPr>
+      <p:grpSpPr>
+        <a:xfrm>
+          <a:off x="0" y="0"/>
+          <a:ext cx="0" cy="0"/>
+          <a:chOff x="0" y="0"/>
+          <a:chExt cx="0" cy="0"/>
+        </a:xfrm>
+      </p:grpSpPr>
+      <p:sp>
+        <p:nvSpPr>
+          <p:cNvPr id="3" name="Rectangle 1"/>
+          <p:cNvSpPr>
+            <a:spLocks noChangeArrowheads="1"/>
+          </p:cNvSpPr>
+          <p:nvPr/>
+        </p:nvSpPr>
+        <p:spPr bwMode="auto">
+          <a:xfrm>
+            <a:off x="3386138" y="2674938"/>
+            <a:ext cx="12192000" cy="457200"/>
+          </a:xfrm>
+          <a:prstGeom prst="rect">
+            <a:avLst/>
+          </a:prstGeom>
+          <a:noFill/>
+          <a:ln>
+            <a:noFill/>
+          </a:ln>
+          <a:effectLst/>
+          <a:extLst>
+            <a:ext uri="{909E8E84-426E-40DD-AFC4-6F175D3DCCD1}">
+              <a14:hiddenFill xmlns:a14="http://schemas.microsoft.com/office/drawing/2010/main">
+                <a:solidFill>
+                  <a:schemeClr val="accent1"/>
+                </a:solidFill>
+              </a14:hiddenFill>
+            </a:ext>
+            <a:ext uri="{91240B29-F687-4F45-9708-019B960494DF}">
+              <a14:hiddenLine xmlns:a14="http://schemas.microsoft.com/office/drawing/2010/main" w="9525">
+                <a:solidFill>
+                  <a:schemeClr val="tx1"/>
+                </a:solidFill>
+                <a:miter lim="800000"/>
+                <a:headEnd/>
+                <a:tailEnd/>
+              </a14:hiddenLine>
+            </a:ext>
+            <a:ext uri="{AF507438-7753-43E0-B8FC-AC1667EBCBE1}">
+              <a14:hiddenEffects xmlns:a14="http://schemas.microsoft.com/office/drawing/2010/main">
+                <a:effectLst>
+                  <a:outerShdw dist="35921" dir="2700000" algn="ctr" rotWithShape="0">
+                    <a:schemeClr val="bg2"/>
+                  </a:outerShdw>
+                </a:effectLst>
+              </a14:hiddenEffects>
+            </a:ext>
+          </a:extLst>
+        </p:spPr>
+        <p:txBody>
+          <a:bodyPr vert="horz" wrap="none" lIns="91440" tIns="45720" rIns="91440" bIns="45720" numCol="1" anchor="ctr" anchorCtr="0" compatLnSpc="1">
+            <a:prstTxWarp prst="textNoShape">
+              <a:avLst/>
+            </a:prstTxWarp>
+            <a:spAutoFit/>
+          </a:bodyPr>
+          <a:lstStyle/>
+          <a:p>
+            <a:endParaRPr lang="en-US"/>
+          </a:p>
+        </p:txBody>
+      </p:sp>
+      <p:sp>
+        <p:nvSpPr>
+          <p:cNvPr id="4" name="Rectangle 1">
+            <a:extLst>
+              <a:ext uri="{FF2B5EF4-FFF2-40B4-BE49-F238E27FC236}">
+                <a16:creationId xmlns:a16="http://schemas.microsoft.com/office/drawing/2014/main" id="{DBB4D4B1-5C46-4C55-AE58-6037EDDD64A0}"/>
+              </a:ext>
+            </a:extLst>
+          </p:cNvPr>
+          <p:cNvSpPr>
+            <a:spLocks noChangeArrowheads="1"/>
+          </p:cNvSpPr>
+          <p:nvPr/>
+        </p:nvSpPr>
+        <p:spPr bwMode="auto">
+          <a:xfrm>
+            <a:off x="3386138" y="2674938"/>
+            <a:ext cx="12192000" cy="457200"/>
+          </a:xfrm>
+          <a:prstGeom prst="rect">
+            <a:avLst/>
+          </a:prstGeom>
+          <a:noFill/>
+          <a:ln>
+            <a:noFill/>
+          </a:ln>
+          <a:effectLst/>
+          <a:extLst>
+            <a:ext uri="{909E8E84-426E-40DD-AFC4-6F175D3DCCD1}">
+              <a14:hiddenFill xmlns:a14="http://schemas.microsoft.com/office/drawing/2010/main">
+                <a:solidFill>
+                  <a:schemeClr val="accent1"/>
+                </a:solidFill>
+              </a14:hiddenFill>
+            </a:ext>
+            <a:ext uri="{91240B29-F687-4F45-9708-019B960494DF}">
+              <a14:hiddenLine xmlns:a14="http://schemas.microsoft.com/office/drawing/2010/main" w="9525">
+                <a:solidFill>
+                  <a:schemeClr val="tx1"/>
+                </a:solidFill>
+                <a:miter lim="800000"/>
+                <a:headEnd/>
+                <a:tailEnd/>
+              </a14:hiddenLine>
+            </a:ext>
+            <a:ext uri="{AF507438-7753-43E0-B8FC-AC1667EBCBE1}">
+              <a14:hiddenEffects xmlns:a14="http://schemas.microsoft.com/office/drawing/2010/main">
+                <a:effectLst>
+                  <a:outerShdw dist="35921" dir="2700000" algn="ctr" rotWithShape="0">
+                    <a:schemeClr val="bg2"/>
+                  </a:outerShdw>
+                </a:effectLst>
+              </a14:hiddenEffects>
+            </a:ext>
+          </a:extLst>
+        </p:spPr>
+        <p:txBody>
+          <a:bodyPr vert="horz" wrap="none" lIns="91440" tIns="45720" rIns="91440" bIns="45720" numCol="1" anchor="ctr" anchorCtr="0" compatLnSpc="1">
+            <a:prstTxWarp prst="textNoShape">
+              <a:avLst/>
+            </a:prstTxWarp>
+            <a:spAutoFit/>
+          </a:bodyPr>
+          <a:lstStyle/>
+          <a:p>
+            <a:endParaRPr lang="es-ES"/>
+          </a:p>
+        </p:txBody>
+      </p:sp>
+      <p:graphicFrame>
+        <p:nvGraphicFramePr>
+          <p:cNvPr id="2" name="Tabla 1"/>
+          <p:cNvGraphicFramePr>
+            <a:graphicFrameLocks noGrp="1"/>
+          </p:cNvGraphicFramePr>
+          <p:nvPr>
+            <p:extLst>
+              <p:ext uri="{D42A27DB-BD31-4B8C-83A1-F6EECF244321}">
+                <p14:modId xmlns:p14="http://schemas.microsoft.com/office/powerpoint/2010/main" val="3165745165"/>
+              </p:ext>
+            </p:extLst>
+          </p:nvPr>
+        </p:nvGraphicFramePr>
+        <p:xfrm>
+          <a:off x="1200150" y="1085849"/>
+          <a:ext cx="9464040" cy="5143502"/>
+        </p:xfrm>
+        <a:graphic>
+          <a:graphicData uri="http://schemas.openxmlformats.org/drawingml/2006/table">
+            <a:tbl>
+              <a:tblPr/>
+              <a:tblGrid>
+                <a:gridCol w="2440650">
+                  <a:extLst>
+                    <a:ext uri="{9D8B030D-6E8A-4147-A177-3AD203B41FA5}">
+                      <a16:colId xmlns:a16="http://schemas.microsoft.com/office/drawing/2014/main" val="1796376430"/>
+                    </a:ext>
+                  </a:extLst>
+                </a:gridCol>
+                <a:gridCol w="7023390">
+                  <a:extLst>
+                    <a:ext uri="{9D8B030D-6E8A-4147-A177-3AD203B41FA5}">
+                      <a16:colId xmlns:a16="http://schemas.microsoft.com/office/drawing/2014/main" val="2177025783"/>
+                    </a:ext>
+                  </a:extLst>
+                </a:gridCol>
+              </a:tblGrid>
+              <a:tr h="791308">
+                <a:tc>
+                  <a:txBody>
+                    <a:bodyPr/>
+                    <a:lstStyle/>
+                    <a:p>
+                      <a:pPr algn="just">
+                        <a:spcAft>
+                          <a:spcPts val="0"/>
+                        </a:spcAft>
+                      </a:pPr>
+                      <a:r>
+                        <a:rPr lang="es-ES" sz="1200" b="1">
+                          <a:solidFill>
+                            <a:schemeClr val="accent1"/>
+                          </a:solidFill>
+                          <a:effectLst/>
+                          <a:latin typeface="Arial" panose="020B0604020202020204" pitchFamily="34" charset="0"/>
+                          <a:ea typeface="Arial" panose="020B0604020202020204" pitchFamily="34" charset="0"/>
+                        </a:rPr>
+                        <a:t>Identificación del requerimiento:</a:t>
+                      </a:r>
+                      <a:endParaRPr lang="en-US" sz="1000">
+                        <a:solidFill>
+                          <a:schemeClr val="accent1"/>
+                        </a:solidFill>
+                        <a:effectLst/>
+                        <a:latin typeface="Arial" panose="020B0604020202020204" pitchFamily="34" charset="0"/>
+                        <a:ea typeface="Arial" panose="020B0604020202020204" pitchFamily="34" charset="0"/>
+                      </a:endParaRPr>
+                    </a:p>
+                  </a:txBody>
+                  <a:tcPr marL="68580" marR="68580" marT="0" marB="0">
+                    <a:lnL w="12700" cap="flat" cmpd="sng" algn="ctr">
+                      <a:solidFill>
+                        <a:srgbClr val="000000"/>
+                      </a:solidFill>
+                      <a:prstDash val="solid"/>
+                      <a:round/>
+                      <a:headEnd type="none" w="med" len="med"/>
+                      <a:tailEnd type="none" w="med" len="med"/>
+                    </a:lnL>
+                    <a:lnR w="12700" cap="flat" cmpd="sng" algn="ctr">
+                      <a:solidFill>
+                        <a:srgbClr val="000000"/>
+                      </a:solidFill>
+                      <a:prstDash val="solid"/>
+                      <a:round/>
+                      <a:headEnd type="none" w="med" len="med"/>
+                      <a:tailEnd type="none" w="med" len="med"/>
+                    </a:lnR>
+                    <a:lnT w="12700" cap="flat" cmpd="sng" algn="ctr">
+                      <a:solidFill>
+                        <a:srgbClr val="000000"/>
+                      </a:solidFill>
+                      <a:prstDash val="solid"/>
+                      <a:round/>
+                      <a:headEnd type="none" w="med" len="med"/>
+                      <a:tailEnd type="none" w="med" len="med"/>
+                    </a:lnT>
+                    <a:lnB w="12700" cap="flat" cmpd="sng" algn="ctr">
+                      <a:solidFill>
+                        <a:srgbClr val="000000"/>
+                      </a:solidFill>
+                      <a:prstDash val="solid"/>
+                      <a:round/>
+                      <a:headEnd type="none" w="med" len="med"/>
+                      <a:tailEnd type="none" w="med" len="med"/>
+                    </a:lnB>
+                  </a:tcPr>
+                </a:tc>
+                <a:tc>
+                  <a:txBody>
+                    <a:bodyPr/>
+                    <a:lstStyle/>
+                    <a:p>
+                      <a:pPr algn="just">
+                        <a:spcAft>
+                          <a:spcPts val="0"/>
+                        </a:spcAft>
+                      </a:pPr>
+                      <a:r>
+                        <a:rPr lang="es-ES" sz="1200" b="1">
+                          <a:solidFill>
+                            <a:schemeClr val="accent1"/>
+                          </a:solidFill>
+                          <a:effectLst/>
+                          <a:latin typeface="Arial" panose="020B0604020202020204" pitchFamily="34" charset="0"/>
+                          <a:ea typeface="Arial" panose="020B0604020202020204" pitchFamily="34" charset="0"/>
+                        </a:rPr>
+                        <a:t>RequerimientoNF3</a:t>
+                      </a:r>
+                      <a:endParaRPr lang="en-US" sz="1000">
+                        <a:solidFill>
+                          <a:schemeClr val="accent1"/>
+                        </a:solidFill>
+                        <a:effectLst/>
+                        <a:latin typeface="Arial" panose="020B0604020202020204" pitchFamily="34" charset="0"/>
+                        <a:ea typeface="Arial" panose="020B0604020202020204" pitchFamily="34" charset="0"/>
+                      </a:endParaRPr>
+                    </a:p>
+                  </a:txBody>
+                  <a:tcPr marL="68580" marR="68580" marT="0" marB="0">
+                    <a:lnL w="12700" cap="flat" cmpd="sng" algn="ctr">
+                      <a:solidFill>
+                        <a:srgbClr val="000000"/>
+                      </a:solidFill>
+                      <a:prstDash val="solid"/>
+                      <a:round/>
+                      <a:headEnd type="none" w="med" len="med"/>
+                      <a:tailEnd type="none" w="med" len="med"/>
+                    </a:lnL>
+                    <a:lnR w="12700" cap="flat" cmpd="sng" algn="ctr">
+                      <a:solidFill>
+                        <a:srgbClr val="000000"/>
+                      </a:solidFill>
+                      <a:prstDash val="solid"/>
+                      <a:round/>
+                      <a:headEnd type="none" w="med" len="med"/>
+                      <a:tailEnd type="none" w="med" len="med"/>
+                    </a:lnR>
+                    <a:lnT w="12700" cap="flat" cmpd="sng" algn="ctr">
+                      <a:solidFill>
+                        <a:srgbClr val="000000"/>
+                      </a:solidFill>
+                      <a:prstDash val="solid"/>
+                      <a:round/>
+                      <a:headEnd type="none" w="med" len="med"/>
+                      <a:tailEnd type="none" w="med" len="med"/>
+                    </a:lnT>
+                    <a:lnB w="12700" cap="flat" cmpd="sng" algn="ctr">
+                      <a:solidFill>
+                        <a:srgbClr val="000000"/>
+                      </a:solidFill>
+                      <a:prstDash val="solid"/>
+                      <a:round/>
+                      <a:headEnd type="none" w="med" len="med"/>
+                      <a:tailEnd type="none" w="med" len="med"/>
+                    </a:lnB>
+                  </a:tcPr>
+                </a:tc>
+                <a:extLst>
+                  <a:ext uri="{0D108BD9-81ED-4DB2-BD59-A6C34878D82A}">
+                    <a16:rowId xmlns:a16="http://schemas.microsoft.com/office/drawing/2014/main" val="2935094066"/>
+                  </a:ext>
+                </a:extLst>
+              </a:tr>
+              <a:tr h="791308">
+                <a:tc>
+                  <a:txBody>
+                    <a:bodyPr/>
+                    <a:lstStyle/>
+                    <a:p>
+                      <a:pPr algn="just">
+                        <a:spcAft>
+                          <a:spcPts val="0"/>
+                        </a:spcAft>
+                      </a:pPr>
+                      <a:r>
+                        <a:rPr lang="es-ES" sz="1200" b="1">
+                          <a:solidFill>
+                            <a:schemeClr val="accent1"/>
+                          </a:solidFill>
+                          <a:effectLst/>
+                          <a:latin typeface="Arial" panose="020B0604020202020204" pitchFamily="34" charset="0"/>
+                          <a:ea typeface="Arial" panose="020B0604020202020204" pitchFamily="34" charset="0"/>
+                        </a:rPr>
+                        <a:t>Nombre del requerimiento:</a:t>
+                      </a:r>
+                      <a:endParaRPr lang="en-US" sz="1000">
+                        <a:solidFill>
+                          <a:schemeClr val="accent1"/>
+                        </a:solidFill>
+                        <a:effectLst/>
+                        <a:latin typeface="Arial" panose="020B0604020202020204" pitchFamily="34" charset="0"/>
+                        <a:ea typeface="Arial" panose="020B0604020202020204" pitchFamily="34" charset="0"/>
+                      </a:endParaRPr>
+                    </a:p>
+                  </a:txBody>
+                  <a:tcPr marL="68580" marR="68580" marT="0" marB="0">
+                    <a:lnL w="12700" cap="flat" cmpd="sng" algn="ctr">
+                      <a:solidFill>
+                        <a:srgbClr val="000000"/>
+                      </a:solidFill>
+                      <a:prstDash val="solid"/>
+                      <a:round/>
+                      <a:headEnd type="none" w="med" len="med"/>
+                      <a:tailEnd type="none" w="med" len="med"/>
+                    </a:lnL>
+                    <a:lnR w="12700" cap="flat" cmpd="sng" algn="ctr">
+                      <a:solidFill>
+                        <a:srgbClr val="000000"/>
+                      </a:solidFill>
+                      <a:prstDash val="solid"/>
+                      <a:round/>
+                      <a:headEnd type="none" w="med" len="med"/>
+                      <a:tailEnd type="none" w="med" len="med"/>
+                    </a:lnR>
+                    <a:lnT w="12700" cap="flat" cmpd="sng" algn="ctr">
+                      <a:solidFill>
+                        <a:srgbClr val="000000"/>
+                      </a:solidFill>
+                      <a:prstDash val="solid"/>
+                      <a:round/>
+                      <a:headEnd type="none" w="med" len="med"/>
+                      <a:tailEnd type="none" w="med" len="med"/>
+                    </a:lnT>
+                    <a:lnB w="12700" cap="flat" cmpd="sng" algn="ctr">
+                      <a:solidFill>
+                        <a:srgbClr val="000000"/>
+                      </a:solidFill>
+                      <a:prstDash val="solid"/>
+                      <a:round/>
+                      <a:headEnd type="none" w="med" len="med"/>
+                      <a:tailEnd type="none" w="med" len="med"/>
+                    </a:lnB>
+                  </a:tcPr>
+                </a:tc>
+                <a:tc>
+                  <a:txBody>
+                    <a:bodyPr/>
+                    <a:lstStyle/>
+                    <a:p>
+                      <a:pPr algn="just">
+                        <a:spcAft>
+                          <a:spcPts val="0"/>
+                        </a:spcAft>
+                      </a:pPr>
+                      <a:r>
+                        <a:rPr lang="es-ES" sz="1200">
+                          <a:solidFill>
+                            <a:schemeClr val="accent1"/>
+                          </a:solidFill>
+                          <a:effectLst/>
+                          <a:latin typeface="Arial" panose="020B0604020202020204" pitchFamily="34" charset="0"/>
+                          <a:ea typeface="Arial" panose="020B0604020202020204" pitchFamily="34" charset="0"/>
+                        </a:rPr>
+                        <a:t>Rendimiento </a:t>
+                      </a:r>
+                      <a:endParaRPr lang="en-US" sz="1000">
+                        <a:solidFill>
+                          <a:schemeClr val="accent1"/>
+                        </a:solidFill>
+                        <a:effectLst/>
+                        <a:latin typeface="Arial" panose="020B0604020202020204" pitchFamily="34" charset="0"/>
+                        <a:ea typeface="Arial" panose="020B0604020202020204" pitchFamily="34" charset="0"/>
+                      </a:endParaRPr>
+                    </a:p>
+                  </a:txBody>
+                  <a:tcPr marL="68580" marR="68580" marT="0" marB="0">
+                    <a:lnL w="12700" cap="flat" cmpd="sng" algn="ctr">
+                      <a:solidFill>
+                        <a:srgbClr val="000000"/>
+                      </a:solidFill>
+                      <a:prstDash val="solid"/>
+                      <a:round/>
+                      <a:headEnd type="none" w="med" len="med"/>
+                      <a:tailEnd type="none" w="med" len="med"/>
+                    </a:lnL>
+                    <a:lnR w="12700" cap="flat" cmpd="sng" algn="ctr">
+                      <a:solidFill>
+                        <a:srgbClr val="000000"/>
+                      </a:solidFill>
+                      <a:prstDash val="solid"/>
+                      <a:round/>
+                      <a:headEnd type="none" w="med" len="med"/>
+                      <a:tailEnd type="none" w="med" len="med"/>
+                    </a:lnR>
+                    <a:lnT w="12700" cap="flat" cmpd="sng" algn="ctr">
+                      <a:solidFill>
+                        <a:srgbClr val="000000"/>
+                      </a:solidFill>
+                      <a:prstDash val="solid"/>
+                      <a:round/>
+                      <a:headEnd type="none" w="med" len="med"/>
+                      <a:tailEnd type="none" w="med" len="med"/>
+                    </a:lnT>
+                    <a:lnB w="12700" cap="flat" cmpd="sng" algn="ctr">
+                      <a:solidFill>
+                        <a:srgbClr val="000000"/>
+                      </a:solidFill>
+                      <a:prstDash val="solid"/>
+                      <a:round/>
+                      <a:headEnd type="none" w="med" len="med"/>
+                      <a:tailEnd type="none" w="med" len="med"/>
+                    </a:lnB>
+                  </a:tcPr>
+                </a:tc>
+                <a:extLst>
+                  <a:ext uri="{0D108BD9-81ED-4DB2-BD59-A6C34878D82A}">
+                    <a16:rowId xmlns:a16="http://schemas.microsoft.com/office/drawing/2014/main" val="3279686044"/>
+                  </a:ext>
+                </a:extLst>
+              </a:tr>
+              <a:tr h="791308">
+                <a:tc>
+                  <a:txBody>
+                    <a:bodyPr/>
+                    <a:lstStyle/>
+                    <a:p>
+                      <a:pPr algn="just">
+                        <a:spcAft>
+                          <a:spcPts val="0"/>
+                        </a:spcAft>
+                      </a:pPr>
+                      <a:r>
+                        <a:rPr lang="es-ES" sz="1200" b="1">
+                          <a:solidFill>
+                            <a:schemeClr val="accent1"/>
+                          </a:solidFill>
+                          <a:effectLst/>
+                          <a:latin typeface="Arial" panose="020B0604020202020204" pitchFamily="34" charset="0"/>
+                          <a:ea typeface="Arial" panose="020B0604020202020204" pitchFamily="34" charset="0"/>
+                        </a:rPr>
+                        <a:t>Características</a:t>
+                      </a:r>
+                      <a:endParaRPr lang="en-US" sz="1000">
+                        <a:solidFill>
+                          <a:schemeClr val="accent1"/>
+                        </a:solidFill>
+                        <a:effectLst/>
+                        <a:latin typeface="Arial" panose="020B0604020202020204" pitchFamily="34" charset="0"/>
+                        <a:ea typeface="Arial" panose="020B0604020202020204" pitchFamily="34" charset="0"/>
+                      </a:endParaRPr>
+                    </a:p>
+                  </a:txBody>
+                  <a:tcPr marL="68580" marR="68580" marT="0" marB="0">
+                    <a:lnL w="12700" cap="flat" cmpd="sng" algn="ctr">
+                      <a:solidFill>
+                        <a:srgbClr val="000000"/>
+                      </a:solidFill>
+                      <a:prstDash val="solid"/>
+                      <a:round/>
+                      <a:headEnd type="none" w="med" len="med"/>
+                      <a:tailEnd type="none" w="med" len="med"/>
+                    </a:lnL>
+                    <a:lnR w="12700" cap="flat" cmpd="sng" algn="ctr">
+                      <a:solidFill>
+                        <a:srgbClr val="000000"/>
+                      </a:solidFill>
+                      <a:prstDash val="solid"/>
+                      <a:round/>
+                      <a:headEnd type="none" w="med" len="med"/>
+                      <a:tailEnd type="none" w="med" len="med"/>
+                    </a:lnR>
+                    <a:lnT w="12700" cap="flat" cmpd="sng" algn="ctr">
+                      <a:solidFill>
+                        <a:srgbClr val="000000"/>
+                      </a:solidFill>
+                      <a:prstDash val="solid"/>
+                      <a:round/>
+                      <a:headEnd type="none" w="med" len="med"/>
+                      <a:tailEnd type="none" w="med" len="med"/>
+                    </a:lnT>
+                    <a:lnB w="12700" cap="flat" cmpd="sng" algn="ctr">
+                      <a:solidFill>
+                        <a:srgbClr val="000000"/>
+                      </a:solidFill>
+                      <a:prstDash val="solid"/>
+                      <a:round/>
+                      <a:headEnd type="none" w="med" len="med"/>
+                      <a:tailEnd type="none" w="med" len="med"/>
+                    </a:lnB>
+                  </a:tcPr>
+                </a:tc>
+                <a:tc>
+                  <a:txBody>
+                    <a:bodyPr/>
+                    <a:lstStyle/>
+                    <a:p>
+                      <a:pPr algn="just">
+                        <a:spcAft>
+                          <a:spcPts val="0"/>
+                        </a:spcAft>
+                        <a:tabLst>
+                          <a:tab pos="2733675" algn="l"/>
+                        </a:tabLst>
+                      </a:pPr>
+                      <a:r>
+                        <a:rPr lang="es-ES" sz="1200">
+                          <a:solidFill>
+                            <a:schemeClr val="accent1"/>
+                          </a:solidFill>
+                          <a:effectLst/>
+                          <a:latin typeface="Arial" panose="020B0604020202020204" pitchFamily="34" charset="0"/>
+                          <a:ea typeface="Arial" panose="020B0604020202020204" pitchFamily="34" charset="0"/>
+                        </a:rPr>
+                        <a:t>Almacenamiento optimizado.</a:t>
+                      </a:r>
+                      <a:endParaRPr lang="en-US" sz="1000">
+                        <a:solidFill>
+                          <a:schemeClr val="accent1"/>
+                        </a:solidFill>
+                        <a:effectLst/>
+                        <a:latin typeface="Arial" panose="020B0604020202020204" pitchFamily="34" charset="0"/>
+                        <a:ea typeface="Arial" panose="020B0604020202020204" pitchFamily="34" charset="0"/>
+                      </a:endParaRPr>
+                    </a:p>
+                    <a:p>
+                      <a:pPr algn="just">
+                        <a:spcAft>
+                          <a:spcPts val="0"/>
+                        </a:spcAft>
+                        <a:tabLst>
+                          <a:tab pos="2733675" algn="l"/>
+                        </a:tabLst>
+                      </a:pPr>
+                      <a:r>
+                        <a:rPr lang="es-ES" sz="1200">
+                          <a:solidFill>
+                            <a:schemeClr val="accent1"/>
+                          </a:solidFill>
+                          <a:effectLst/>
+                          <a:latin typeface="Arial" panose="020B0604020202020204" pitchFamily="34" charset="0"/>
+                          <a:ea typeface="Arial" panose="020B0604020202020204" pitchFamily="34" charset="0"/>
+                        </a:rPr>
+                        <a:t>Interfaz optimizada</a:t>
+                      </a:r>
+                      <a:endParaRPr lang="en-US" sz="1000">
+                        <a:solidFill>
+                          <a:schemeClr val="accent1"/>
+                        </a:solidFill>
+                        <a:effectLst/>
+                        <a:latin typeface="Arial" panose="020B0604020202020204" pitchFamily="34" charset="0"/>
+                        <a:ea typeface="Arial" panose="020B0604020202020204" pitchFamily="34" charset="0"/>
+                      </a:endParaRPr>
+                    </a:p>
+                  </a:txBody>
+                  <a:tcPr marL="68580" marR="68580" marT="0" marB="0">
+                    <a:lnL w="12700" cap="flat" cmpd="sng" algn="ctr">
+                      <a:solidFill>
+                        <a:srgbClr val="000000"/>
+                      </a:solidFill>
+                      <a:prstDash val="solid"/>
+                      <a:round/>
+                      <a:headEnd type="none" w="med" len="med"/>
+                      <a:tailEnd type="none" w="med" len="med"/>
+                    </a:lnL>
+                    <a:lnR w="12700" cap="flat" cmpd="sng" algn="ctr">
+                      <a:solidFill>
+                        <a:srgbClr val="000000"/>
+                      </a:solidFill>
+                      <a:prstDash val="solid"/>
+                      <a:round/>
+                      <a:headEnd type="none" w="med" len="med"/>
+                      <a:tailEnd type="none" w="med" len="med"/>
+                    </a:lnR>
+                    <a:lnT w="12700" cap="flat" cmpd="sng" algn="ctr">
+                      <a:solidFill>
+                        <a:srgbClr val="000000"/>
+                      </a:solidFill>
+                      <a:prstDash val="solid"/>
+                      <a:round/>
+                      <a:headEnd type="none" w="med" len="med"/>
+                      <a:tailEnd type="none" w="med" len="med"/>
+                    </a:lnT>
+                    <a:lnB w="12700" cap="flat" cmpd="sng" algn="ctr">
+                      <a:solidFill>
+                        <a:srgbClr val="000000"/>
+                      </a:solidFill>
+                      <a:prstDash val="solid"/>
+                      <a:round/>
+                      <a:headEnd type="none" w="med" len="med"/>
+                      <a:tailEnd type="none" w="med" len="med"/>
+                    </a:lnB>
+                  </a:tcPr>
+                </a:tc>
+                <a:extLst>
+                  <a:ext uri="{0D108BD9-81ED-4DB2-BD59-A6C34878D82A}">
+                    <a16:rowId xmlns:a16="http://schemas.microsoft.com/office/drawing/2014/main" val="3826002457"/>
+                  </a:ext>
+                </a:extLst>
+              </a:tr>
+              <a:tr h="1978270">
+                <a:tc>
+                  <a:txBody>
+                    <a:bodyPr/>
+                    <a:lstStyle/>
+                    <a:p>
+                      <a:pPr algn="just">
+                        <a:spcAft>
+                          <a:spcPts val="0"/>
+                        </a:spcAft>
+                      </a:pPr>
+                      <a:r>
+                        <a:rPr lang="es-ES" sz="1200" b="1">
+                          <a:solidFill>
+                            <a:schemeClr val="accent1"/>
+                          </a:solidFill>
+                          <a:effectLst/>
+                          <a:latin typeface="Arial" panose="020B0604020202020204" pitchFamily="34" charset="0"/>
+                          <a:ea typeface="Arial" panose="020B0604020202020204" pitchFamily="34" charset="0"/>
+                        </a:rPr>
+                        <a:t>Descripción del requerimiento:</a:t>
+                      </a:r>
+                      <a:endParaRPr lang="en-US" sz="1000">
+                        <a:solidFill>
+                          <a:schemeClr val="accent1"/>
+                        </a:solidFill>
+                        <a:effectLst/>
+                        <a:latin typeface="Arial" panose="020B0604020202020204" pitchFamily="34" charset="0"/>
+                        <a:ea typeface="Arial" panose="020B0604020202020204" pitchFamily="34" charset="0"/>
+                      </a:endParaRPr>
+                    </a:p>
+                  </a:txBody>
+                  <a:tcPr marL="68580" marR="68580" marT="0" marB="0">
+                    <a:lnL w="12700" cap="flat" cmpd="sng" algn="ctr">
+                      <a:solidFill>
+                        <a:srgbClr val="000000"/>
+                      </a:solidFill>
+                      <a:prstDash val="solid"/>
+                      <a:round/>
+                      <a:headEnd type="none" w="med" len="med"/>
+                      <a:tailEnd type="none" w="med" len="med"/>
+                    </a:lnL>
+                    <a:lnR w="12700" cap="flat" cmpd="sng" algn="ctr">
+                      <a:solidFill>
+                        <a:srgbClr val="000000"/>
+                      </a:solidFill>
+                      <a:prstDash val="solid"/>
+                      <a:round/>
+                      <a:headEnd type="none" w="med" len="med"/>
+                      <a:tailEnd type="none" w="med" len="med"/>
+                    </a:lnR>
+                    <a:lnT w="12700" cap="flat" cmpd="sng" algn="ctr">
+                      <a:solidFill>
+                        <a:srgbClr val="000000"/>
+                      </a:solidFill>
+                      <a:prstDash val="solid"/>
+                      <a:round/>
+                      <a:headEnd type="none" w="med" len="med"/>
+                      <a:tailEnd type="none" w="med" len="med"/>
+                    </a:lnT>
+                    <a:lnB w="12700" cap="flat" cmpd="sng" algn="ctr">
+                      <a:solidFill>
+                        <a:srgbClr val="000000"/>
+                      </a:solidFill>
+                      <a:prstDash val="solid"/>
+                      <a:round/>
+                      <a:headEnd type="none" w="med" len="med"/>
+                      <a:tailEnd type="none" w="med" len="med"/>
+                    </a:lnB>
+                  </a:tcPr>
+                </a:tc>
+                <a:tc>
+                  <a:txBody>
+                    <a:bodyPr/>
+                    <a:lstStyle/>
+                    <a:p>
+                      <a:pPr algn="just">
+                        <a:spcAft>
+                          <a:spcPts val="0"/>
+                        </a:spcAft>
+                      </a:pPr>
+                      <a:r>
+                        <a:rPr lang="es-ES" sz="1200">
+                          <a:solidFill>
+                            <a:schemeClr val="accent1"/>
+                          </a:solidFill>
+                          <a:effectLst/>
+                          <a:latin typeface="Arial" panose="020B0604020202020204" pitchFamily="34" charset="0"/>
+                          <a:ea typeface="Arial" panose="020B0604020202020204" pitchFamily="34" charset="0"/>
+                        </a:rPr>
+                        <a:t>El software tendrá una interfaz optimizada y así mismo será diseñada para no consumir memoria de forma deliberada, no almacenará archivos basura garantizando que el vendedor tenga en todo momento un rendimiento pleno.</a:t>
+                      </a:r>
+                      <a:endParaRPr lang="en-US" sz="1000">
+                        <a:solidFill>
+                          <a:schemeClr val="accent1"/>
+                        </a:solidFill>
+                        <a:effectLst/>
+                        <a:latin typeface="Arial" panose="020B0604020202020204" pitchFamily="34" charset="0"/>
+                        <a:ea typeface="Arial" panose="020B0604020202020204" pitchFamily="34" charset="0"/>
+                      </a:endParaRPr>
+                    </a:p>
+                  </a:txBody>
+                  <a:tcPr marL="68580" marR="68580" marT="0" marB="0">
+                    <a:lnL w="12700" cap="flat" cmpd="sng" algn="ctr">
+                      <a:solidFill>
+                        <a:srgbClr val="000000"/>
+                      </a:solidFill>
+                      <a:prstDash val="solid"/>
+                      <a:round/>
+                      <a:headEnd type="none" w="med" len="med"/>
+                      <a:tailEnd type="none" w="med" len="med"/>
+                    </a:lnL>
+                    <a:lnR w="12700" cap="flat" cmpd="sng" algn="ctr">
+                      <a:solidFill>
+                        <a:srgbClr val="000000"/>
+                      </a:solidFill>
+                      <a:prstDash val="solid"/>
+                      <a:round/>
+                      <a:headEnd type="none" w="med" len="med"/>
+                      <a:tailEnd type="none" w="med" len="med"/>
+                    </a:lnR>
+                    <a:lnT w="12700" cap="flat" cmpd="sng" algn="ctr">
+                      <a:solidFill>
+                        <a:srgbClr val="000000"/>
+                      </a:solidFill>
+                      <a:prstDash val="solid"/>
+                      <a:round/>
+                      <a:headEnd type="none" w="med" len="med"/>
+                      <a:tailEnd type="none" w="med" len="med"/>
+                    </a:lnT>
+                    <a:lnB w="12700" cap="flat" cmpd="sng" algn="ctr">
+                      <a:solidFill>
+                        <a:srgbClr val="000000"/>
+                      </a:solidFill>
+                      <a:prstDash val="solid"/>
+                      <a:round/>
+                      <a:headEnd type="none" w="med" len="med"/>
+                      <a:tailEnd type="none" w="med" len="med"/>
+                    </a:lnB>
+                  </a:tcPr>
+                </a:tc>
+                <a:extLst>
+                  <a:ext uri="{0D108BD9-81ED-4DB2-BD59-A6C34878D82A}">
+                    <a16:rowId xmlns:a16="http://schemas.microsoft.com/office/drawing/2014/main" val="3120276747"/>
+                  </a:ext>
+                </a:extLst>
+              </a:tr>
+              <a:tr h="791308">
+                <a:tc>
+                  <a:txBody>
+                    <a:bodyPr/>
+                    <a:lstStyle/>
+                    <a:p>
+                      <a:pPr algn="just">
+                        <a:spcAft>
+                          <a:spcPts val="0"/>
+                        </a:spcAft>
+                      </a:pPr>
+                      <a:r>
+                        <a:rPr lang="es-ES" sz="1200" b="1">
+                          <a:solidFill>
+                            <a:schemeClr val="accent1"/>
+                          </a:solidFill>
+                          <a:effectLst/>
+                          <a:latin typeface="Arial" panose="020B0604020202020204" pitchFamily="34" charset="0"/>
+                          <a:ea typeface="Arial" panose="020B0604020202020204" pitchFamily="34" charset="0"/>
+                        </a:rPr>
+                        <a:t>Prioridad de requerimiento:</a:t>
+                      </a:r>
+                      <a:endParaRPr lang="en-US" sz="1000">
+                        <a:solidFill>
+                          <a:schemeClr val="accent1"/>
+                        </a:solidFill>
+                        <a:effectLst/>
+                        <a:latin typeface="Arial" panose="020B0604020202020204" pitchFamily="34" charset="0"/>
+                        <a:ea typeface="Arial" panose="020B0604020202020204" pitchFamily="34" charset="0"/>
+                      </a:endParaRPr>
+                    </a:p>
+                  </a:txBody>
+                  <a:tcPr marL="68580" marR="68580" marT="0" marB="0">
+                    <a:lnL w="12700" cap="flat" cmpd="sng" algn="ctr">
+                      <a:solidFill>
+                        <a:srgbClr val="000000"/>
+                      </a:solidFill>
+                      <a:prstDash val="solid"/>
+                      <a:round/>
+                      <a:headEnd type="none" w="med" len="med"/>
+                      <a:tailEnd type="none" w="med" len="med"/>
+                    </a:lnL>
+                    <a:lnR w="12700" cap="flat" cmpd="sng" algn="ctr">
+                      <a:solidFill>
+                        <a:srgbClr val="000000"/>
+                      </a:solidFill>
+                      <a:prstDash val="solid"/>
+                      <a:round/>
+                      <a:headEnd type="none" w="med" len="med"/>
+                      <a:tailEnd type="none" w="med" len="med"/>
+                    </a:lnR>
+                    <a:lnT w="12700" cap="flat" cmpd="sng" algn="ctr">
+                      <a:solidFill>
+                        <a:srgbClr val="000000"/>
+                      </a:solidFill>
+                      <a:prstDash val="solid"/>
+                      <a:round/>
+                      <a:headEnd type="none" w="med" len="med"/>
+                      <a:tailEnd type="none" w="med" len="med"/>
+                    </a:lnT>
+                    <a:lnB w="12700" cap="flat" cmpd="sng" algn="ctr">
+                      <a:solidFill>
+                        <a:srgbClr val="000000"/>
+                      </a:solidFill>
+                      <a:prstDash val="solid"/>
+                      <a:round/>
+                      <a:headEnd type="none" w="med" len="med"/>
+                      <a:tailEnd type="none" w="med" len="med"/>
+                    </a:lnB>
+                  </a:tcPr>
+                </a:tc>
+                <a:tc>
+                  <a:txBody>
+                    <a:bodyPr/>
+                    <a:lstStyle/>
+                    <a:p>
+                      <a:pPr algn="just">
+                        <a:spcAft>
+                          <a:spcPts val="0"/>
+                        </a:spcAft>
+                      </a:pPr>
+                      <a:r>
+                        <a:rPr lang="es-ES" sz="1200" dirty="0">
+                          <a:solidFill>
+                            <a:schemeClr val="accent1"/>
+                          </a:solidFill>
+                          <a:effectLst/>
+                          <a:latin typeface="Arial" panose="020B0604020202020204" pitchFamily="34" charset="0"/>
+                          <a:ea typeface="Arial" panose="020B0604020202020204" pitchFamily="34" charset="0"/>
+                        </a:rPr>
+                        <a:t>    Alta ( x  )         media (    )                baja(      )</a:t>
+                      </a:r>
+                      <a:endParaRPr lang="en-US" sz="1000" dirty="0">
+                        <a:solidFill>
+                          <a:schemeClr val="accent1"/>
+                        </a:solidFill>
+                        <a:effectLst/>
+                        <a:latin typeface="Arial" panose="020B0604020202020204" pitchFamily="34" charset="0"/>
+                        <a:ea typeface="Arial" panose="020B0604020202020204" pitchFamily="34" charset="0"/>
+                      </a:endParaRPr>
+                    </a:p>
+                  </a:txBody>
+                  <a:tcPr marL="68580" marR="68580" marT="0" marB="0">
+                    <a:lnL w="12700" cap="flat" cmpd="sng" algn="ctr">
+                      <a:solidFill>
+                        <a:srgbClr val="000000"/>
+                      </a:solidFill>
+                      <a:prstDash val="solid"/>
+                      <a:round/>
+                      <a:headEnd type="none" w="med" len="med"/>
+                      <a:tailEnd type="none" w="med" len="med"/>
+                    </a:lnL>
+                    <a:lnR w="12700" cap="flat" cmpd="sng" algn="ctr">
+                      <a:solidFill>
+                        <a:srgbClr val="000000"/>
+                      </a:solidFill>
+                      <a:prstDash val="solid"/>
+                      <a:round/>
+                      <a:headEnd type="none" w="med" len="med"/>
+                      <a:tailEnd type="none" w="med" len="med"/>
+                    </a:lnR>
+                    <a:lnT w="12700" cap="flat" cmpd="sng" algn="ctr">
+                      <a:solidFill>
+                        <a:srgbClr val="000000"/>
+                      </a:solidFill>
+                      <a:prstDash val="solid"/>
+                      <a:round/>
+                      <a:headEnd type="none" w="med" len="med"/>
+                      <a:tailEnd type="none" w="med" len="med"/>
+                    </a:lnT>
+                    <a:lnB w="12700" cap="flat" cmpd="sng" algn="ctr">
+                      <a:solidFill>
+                        <a:srgbClr val="000000"/>
+                      </a:solidFill>
+                      <a:prstDash val="solid"/>
+                      <a:round/>
+                      <a:headEnd type="none" w="med" len="med"/>
+                      <a:tailEnd type="none" w="med" len="med"/>
+                    </a:lnB>
+                  </a:tcPr>
+                </a:tc>
+                <a:extLst>
+                  <a:ext uri="{0D108BD9-81ED-4DB2-BD59-A6C34878D82A}">
+                    <a16:rowId xmlns:a16="http://schemas.microsoft.com/office/drawing/2014/main" val="417133444"/>
+                  </a:ext>
+                </a:extLst>
+              </a:tr>
+            </a:tbl>
+          </a:graphicData>
+        </a:graphic>
+      </p:graphicFrame>
+    </p:spTree>
+    <p:extLst>
+      <p:ext uri="{BB962C8B-B14F-4D97-AF65-F5344CB8AC3E}">
+        <p14:creationId xmlns:p14="http://schemas.microsoft.com/office/powerpoint/2010/main" val="3405291251"/>
+      </p:ext>
+    </p:extLst>
+  </p:cSld>
+  <p:clrMapOvr>
+    <a:masterClrMapping/>
+  </p:clrMapOvr>
+</p:sld>
+</file>
+
+<file path=ppt/slides/slide25.xml><?xml version="1.0" encoding="utf-8"?>
+<p:sld xmlns:a="http://schemas.openxmlformats.org/drawingml/2006/main" xmlns:r="http://schemas.openxmlformats.org/officeDocument/2006/relationships" xmlns:p="http://schemas.openxmlformats.org/presentationml/2006/main">
+  <p:cSld>
+    <p:spTree>
+      <p:nvGrpSpPr>
+        <p:cNvPr id="1" name=""/>
+        <p:cNvGrpSpPr/>
+        <p:nvPr/>
+      </p:nvGrpSpPr>
+      <p:grpSpPr>
+        <a:xfrm>
+          <a:off x="0" y="0"/>
+          <a:ext cx="0" cy="0"/>
+          <a:chOff x="0" y="0"/>
+          <a:chExt cx="0" cy="0"/>
+        </a:xfrm>
+      </p:grpSpPr>
+      <p:sp>
+        <p:nvSpPr>
+          <p:cNvPr id="3" name="Rectangle 1"/>
+          <p:cNvSpPr>
+            <a:spLocks noChangeArrowheads="1"/>
+          </p:cNvSpPr>
+          <p:nvPr/>
+        </p:nvSpPr>
+        <p:spPr bwMode="auto">
+          <a:xfrm>
+            <a:off x="3386138" y="2674938"/>
+            <a:ext cx="12192000" cy="457200"/>
+          </a:xfrm>
+          <a:prstGeom prst="rect">
+            <a:avLst/>
+          </a:prstGeom>
+          <a:noFill/>
+          <a:ln>
+            <a:noFill/>
+          </a:ln>
+          <a:effectLst/>
+          <a:extLst>
+            <a:ext uri="{909E8E84-426E-40DD-AFC4-6F175D3DCCD1}">
+              <a14:hiddenFill xmlns:a14="http://schemas.microsoft.com/office/drawing/2010/main">
+                <a:solidFill>
+                  <a:schemeClr val="accent1"/>
+                </a:solidFill>
+              </a14:hiddenFill>
+            </a:ext>
+            <a:ext uri="{91240B29-F687-4F45-9708-019B960494DF}">
+              <a14:hiddenLine xmlns:a14="http://schemas.microsoft.com/office/drawing/2010/main" w="9525">
+                <a:solidFill>
+                  <a:schemeClr val="tx1"/>
+                </a:solidFill>
+                <a:miter lim="800000"/>
+                <a:headEnd/>
+                <a:tailEnd/>
+              </a14:hiddenLine>
+            </a:ext>
+            <a:ext uri="{AF507438-7753-43E0-B8FC-AC1667EBCBE1}">
+              <a14:hiddenEffects xmlns:a14="http://schemas.microsoft.com/office/drawing/2010/main">
+                <a:effectLst>
+                  <a:outerShdw dist="35921" dir="2700000" algn="ctr" rotWithShape="0">
+                    <a:schemeClr val="bg2"/>
+                  </a:outerShdw>
+                </a:effectLst>
+              </a14:hiddenEffects>
+            </a:ext>
+          </a:extLst>
+        </p:spPr>
+        <p:txBody>
+          <a:bodyPr vert="horz" wrap="none" lIns="91440" tIns="45720" rIns="91440" bIns="45720" numCol="1" anchor="ctr" anchorCtr="0" compatLnSpc="1">
+            <a:prstTxWarp prst="textNoShape">
+              <a:avLst/>
+            </a:prstTxWarp>
+            <a:spAutoFit/>
+          </a:bodyPr>
+          <a:lstStyle/>
+          <a:p>
+            <a:endParaRPr lang="en-US"/>
+          </a:p>
+        </p:txBody>
+      </p:sp>
+      <p:sp>
+        <p:nvSpPr>
+          <p:cNvPr id="4" name="Rectangle 1">
+            <a:extLst>
+              <a:ext uri="{FF2B5EF4-FFF2-40B4-BE49-F238E27FC236}">
+                <a16:creationId xmlns:a16="http://schemas.microsoft.com/office/drawing/2014/main" id="{DBB4D4B1-5C46-4C55-AE58-6037EDDD64A0}"/>
+              </a:ext>
+            </a:extLst>
+          </p:cNvPr>
+          <p:cNvSpPr>
+            <a:spLocks noChangeArrowheads="1"/>
+          </p:cNvSpPr>
+          <p:nvPr/>
+        </p:nvSpPr>
+        <p:spPr bwMode="auto">
+          <a:xfrm>
+            <a:off x="3386138" y="2674938"/>
+            <a:ext cx="12192000" cy="457200"/>
+          </a:xfrm>
+          <a:prstGeom prst="rect">
+            <a:avLst/>
+          </a:prstGeom>
+          <a:noFill/>
+          <a:ln>
+            <a:noFill/>
+          </a:ln>
+          <a:effectLst/>
+          <a:extLst>
+            <a:ext uri="{909E8E84-426E-40DD-AFC4-6F175D3DCCD1}">
+              <a14:hiddenFill xmlns:a14="http://schemas.microsoft.com/office/drawing/2010/main">
+                <a:solidFill>
+                  <a:schemeClr val="accent1"/>
+                </a:solidFill>
+              </a14:hiddenFill>
+            </a:ext>
+            <a:ext uri="{91240B29-F687-4F45-9708-019B960494DF}">
+              <a14:hiddenLine xmlns:a14="http://schemas.microsoft.com/office/drawing/2010/main" w="9525">
+                <a:solidFill>
+                  <a:schemeClr val="tx1"/>
+                </a:solidFill>
+                <a:miter lim="800000"/>
+                <a:headEnd/>
+                <a:tailEnd/>
+              </a14:hiddenLine>
+            </a:ext>
+            <a:ext uri="{AF507438-7753-43E0-B8FC-AC1667EBCBE1}">
+              <a14:hiddenEffects xmlns:a14="http://schemas.microsoft.com/office/drawing/2010/main">
+                <a:effectLst>
+                  <a:outerShdw dist="35921" dir="2700000" algn="ctr" rotWithShape="0">
+                    <a:schemeClr val="bg2"/>
+                  </a:outerShdw>
+                </a:effectLst>
+              </a14:hiddenEffects>
+            </a:ext>
+          </a:extLst>
+        </p:spPr>
+        <p:txBody>
+          <a:bodyPr vert="horz" wrap="none" lIns="91440" tIns="45720" rIns="91440" bIns="45720" numCol="1" anchor="ctr" anchorCtr="0" compatLnSpc="1">
+            <a:prstTxWarp prst="textNoShape">
+              <a:avLst/>
+            </a:prstTxWarp>
+            <a:spAutoFit/>
+          </a:bodyPr>
+          <a:lstStyle/>
+          <a:p>
+            <a:endParaRPr lang="es-ES"/>
+          </a:p>
+        </p:txBody>
+      </p:sp>
       <p:sp>
         <p:nvSpPr>
           <p:cNvPr id="6" name="CuadroTexto 5"/>
@@ -8980,7 +18473,7 @@
 </p:sld>
 </file>
 
-<file path=ppt/slides/slide22.xml><?xml version="1.0" encoding="utf-8"?>
+<file path=ppt/slides/slide26.xml><?xml version="1.0" encoding="utf-8"?>
 <p:sld xmlns:a="http://schemas.openxmlformats.org/drawingml/2006/main" xmlns:r="http://schemas.openxmlformats.org/officeDocument/2006/relationships" xmlns:p="http://schemas.openxmlformats.org/presentationml/2006/main">
   <p:cSld>
     <p:spTree>
@@ -9053,7 +18546,7 @@
 </p:sld>
 </file>
 
-<file path=ppt/slides/slide23.xml><?xml version="1.0" encoding="utf-8"?>
+<file path=ppt/slides/slide27.xml><?xml version="1.0" encoding="utf-8"?>
 <p:sld xmlns:a="http://schemas.openxmlformats.org/drawingml/2006/main" xmlns:r="http://schemas.openxmlformats.org/officeDocument/2006/relationships" xmlns:p="http://schemas.openxmlformats.org/presentationml/2006/main">
   <p:cSld>
     <p:spTree>
@@ -9219,7 +18712,7 @@
 </p:sld>
 </file>
 
-<file path=ppt/slides/slide24.xml><?xml version="1.0" encoding="utf-8"?>
+<file path=ppt/slides/slide28.xml><?xml version="1.0" encoding="utf-8"?>
 <p:sld xmlns:a="http://schemas.openxmlformats.org/drawingml/2006/main" xmlns:r="http://schemas.openxmlformats.org/officeDocument/2006/relationships" xmlns:p="http://schemas.openxmlformats.org/presentationml/2006/main">
   <p:cSld>
     <p:spTree>

--- a/PLANTILLA_PRESENTACION_AVANCES_PROYECTO_.pptx
+++ b/PLANTILLA_PRESENTACION_AVANCES_PROYECTO_.pptx
@@ -18460,6 +18460,36 @@
           </a:p>
         </p:txBody>
       </p:sp>
+      <p:pic>
+        <p:nvPicPr>
+          <p:cNvPr id="2" name="Imagen 1"/>
+          <p:cNvPicPr>
+            <a:picLocks noChangeAspect="1"/>
+          </p:cNvPicPr>
+          <p:nvPr/>
+        </p:nvPicPr>
+        <p:blipFill>
+          <a:blip r:embed="rId2">
+            <a:extLst>
+              <a:ext uri="{28A0092B-C50C-407E-A947-70E740481C1C}">
+                <a14:useLocalDpi xmlns:a14="http://schemas.microsoft.com/office/drawing/2010/main" val="0"/>
+              </a:ext>
+            </a:extLst>
+          </a:blip>
+          <a:stretch>
+            <a:fillRect/>
+          </a:stretch>
+        </p:blipFill>
+        <p:spPr>
+          <a:xfrm>
+            <a:off x="1500188" y="1557338"/>
+            <a:ext cx="9401175" cy="4743449"/>
+          </a:xfrm>
+          <a:prstGeom prst="rect">
+            <a:avLst/>
+          </a:prstGeom>
+        </p:spPr>
+      </p:pic>
     </p:spTree>
     <p:extLst>
       <p:ext uri="{BB962C8B-B14F-4D97-AF65-F5344CB8AC3E}">

--- a/PLANTILLA_PRESENTACION_AVANCES_PROYECTO_.pptx
+++ b/PLANTILLA_PRESENTACION_AVANCES_PROYECTO_.pptx
@@ -18563,6 +18563,41 @@
           </a:p>
         </p:txBody>
       </p:sp>
+      <p:pic>
+        <p:nvPicPr>
+          <p:cNvPr id="6" name="Imagen 5" descr="Diagrama, Carta&#10;&#10;Descripción generada automáticamente">
+            <a:extLst>
+              <a:ext uri="{FF2B5EF4-FFF2-40B4-BE49-F238E27FC236}">
+                <a16:creationId xmlns:a16="http://schemas.microsoft.com/office/drawing/2014/main" id="{1EC08DBC-9B5E-4779-B084-CAA5662B1A3B}"/>
+              </a:ext>
+            </a:extLst>
+          </p:cNvPr>
+          <p:cNvPicPr>
+            <a:picLocks noChangeAspect="1"/>
+          </p:cNvPicPr>
+          <p:nvPr/>
+        </p:nvPicPr>
+        <p:blipFill rotWithShape="1">
+          <a:blip r:embed="rId2">
+            <a:extLst>
+              <a:ext uri="{28A0092B-C50C-407E-A947-70E740481C1C}">
+                <a14:useLocalDpi xmlns:a14="http://schemas.microsoft.com/office/drawing/2010/main" val="0"/>
+              </a:ext>
+            </a:extLst>
+          </a:blip>
+          <a:srcRect b="56340"/>
+          <a:stretch/>
+        </p:blipFill>
+        <p:spPr>
+          <a:xfrm>
+            <a:off x="956603" y="1688123"/>
+            <a:ext cx="10156874" cy="4164037"/>
+          </a:xfrm>
+          <a:prstGeom prst="rect">
+            <a:avLst/>
+          </a:prstGeom>
+        </p:spPr>
+      </p:pic>
     </p:spTree>
     <p:extLst>
       <p:ext uri="{BB962C8B-B14F-4D97-AF65-F5344CB8AC3E}">
